--- a/color_spaces/oklab_vs_oklch.pptx
+++ b/color_spaces/oklab_vs_oklch.pptx
@@ -5,7 +5,8 @@
     <p:sldMasterId id="2147483648" r:id="rId1"/>
   </p:sldMasterIdLst>
   <p:sldIdLst>
-    <p:sldId id="256" r:id="rId2"/>
+    <p:sldId id="258" r:id="rId2"/>
+    <p:sldId id="256" r:id="rId3"/>
   </p:sldIdLst>
   <p:sldSz cx="12192000" cy="6858000"/>
   <p:notesSz cx="6858000" cy="9144000"/>
@@ -104,6 +105,11 @@
       </a:defRPr>
     </a:lvl9pPr>
   </p:defaultTextStyle>
+  <p:extLst>
+    <p:ext uri="{EFAFB233-063F-42B5-8137-9DF3F51BA10A}">
+      <p15:sldGuideLst xmlns:p15="http://schemas.microsoft.com/office/powerpoint/2012/main"/>
+    </p:ext>
+  </p:extLst>
 </p:presentation>
 </file>
 
@@ -254,7 +260,7 @@
           <a:p>
             <a:fld id="{EEDB5FBA-DE23-4835-A853-3EE2941C2EB8}" type="datetimeFigureOut">
               <a:rPr lang="en-US" smtClean="0"/>
-              <a:t>11/10/2025</a:t>
+              <a:t>12/15/2025</a:t>
             </a:fld>
             <a:endParaRPr lang="en-US"/>
           </a:p>
@@ -452,7 +458,7 @@
           <a:p>
             <a:fld id="{EEDB5FBA-DE23-4835-A853-3EE2941C2EB8}" type="datetimeFigureOut">
               <a:rPr lang="en-US" smtClean="0"/>
-              <a:t>11/10/2025</a:t>
+              <a:t>12/15/2025</a:t>
             </a:fld>
             <a:endParaRPr lang="en-US"/>
           </a:p>
@@ -660,7 +666,7 @@
           <a:p>
             <a:fld id="{EEDB5FBA-DE23-4835-A853-3EE2941C2EB8}" type="datetimeFigureOut">
               <a:rPr lang="en-US" smtClean="0"/>
-              <a:t>11/10/2025</a:t>
+              <a:t>12/15/2025</a:t>
             </a:fld>
             <a:endParaRPr lang="en-US"/>
           </a:p>
@@ -858,7 +864,7 @@
           <a:p>
             <a:fld id="{EEDB5FBA-DE23-4835-A853-3EE2941C2EB8}" type="datetimeFigureOut">
               <a:rPr lang="en-US" smtClean="0"/>
-              <a:t>11/10/2025</a:t>
+              <a:t>12/15/2025</a:t>
             </a:fld>
             <a:endParaRPr lang="en-US"/>
           </a:p>
@@ -1133,7 +1139,7 @@
           <a:p>
             <a:fld id="{EEDB5FBA-DE23-4835-A853-3EE2941C2EB8}" type="datetimeFigureOut">
               <a:rPr lang="en-US" smtClean="0"/>
-              <a:t>11/10/2025</a:t>
+              <a:t>12/15/2025</a:t>
             </a:fld>
             <a:endParaRPr lang="en-US"/>
           </a:p>
@@ -1398,7 +1404,7 @@
           <a:p>
             <a:fld id="{EEDB5FBA-DE23-4835-A853-3EE2941C2EB8}" type="datetimeFigureOut">
               <a:rPr lang="en-US" smtClean="0"/>
-              <a:t>11/10/2025</a:t>
+              <a:t>12/15/2025</a:t>
             </a:fld>
             <a:endParaRPr lang="en-US"/>
           </a:p>
@@ -1810,7 +1816,7 @@
           <a:p>
             <a:fld id="{EEDB5FBA-DE23-4835-A853-3EE2941C2EB8}" type="datetimeFigureOut">
               <a:rPr lang="en-US" smtClean="0"/>
-              <a:t>11/10/2025</a:t>
+              <a:t>12/15/2025</a:t>
             </a:fld>
             <a:endParaRPr lang="en-US"/>
           </a:p>
@@ -1951,7 +1957,7 @@
           <a:p>
             <a:fld id="{EEDB5FBA-DE23-4835-A853-3EE2941C2EB8}" type="datetimeFigureOut">
               <a:rPr lang="en-US" smtClean="0"/>
-              <a:t>11/10/2025</a:t>
+              <a:t>12/15/2025</a:t>
             </a:fld>
             <a:endParaRPr lang="en-US"/>
           </a:p>
@@ -2064,7 +2070,7 @@
           <a:p>
             <a:fld id="{EEDB5FBA-DE23-4835-A853-3EE2941C2EB8}" type="datetimeFigureOut">
               <a:rPr lang="en-US" smtClean="0"/>
-              <a:t>11/10/2025</a:t>
+              <a:t>12/15/2025</a:t>
             </a:fld>
             <a:endParaRPr lang="en-US"/>
           </a:p>
@@ -2375,7 +2381,7 @@
           <a:p>
             <a:fld id="{EEDB5FBA-DE23-4835-A853-3EE2941C2EB8}" type="datetimeFigureOut">
               <a:rPr lang="en-US" smtClean="0"/>
-              <a:t>11/10/2025</a:t>
+              <a:t>12/15/2025</a:t>
             </a:fld>
             <a:endParaRPr lang="en-US"/>
           </a:p>
@@ -2663,7 +2669,7 @@
           <a:p>
             <a:fld id="{EEDB5FBA-DE23-4835-A853-3EE2941C2EB8}" type="datetimeFigureOut">
               <a:rPr lang="en-US" smtClean="0"/>
-              <a:t>11/10/2025</a:t>
+              <a:t>12/15/2025</a:t>
             </a:fld>
             <a:endParaRPr lang="en-US"/>
           </a:p>
@@ -2904,7 +2910,7 @@
           <a:p>
             <a:fld id="{EEDB5FBA-DE23-4835-A853-3EE2941C2EB8}" type="datetimeFigureOut">
               <a:rPr lang="en-US" smtClean="0"/>
-              <a:t>11/10/2025</a:t>
+              <a:t>12/15/2025</a:t>
             </a:fld>
             <a:endParaRPr lang="en-US"/>
           </a:p>
@@ -3310,6 +3316,4005 @@
     <p:bg>
       <p:bgPr>
         <a:solidFill>
+          <a:srgbClr val="808080"/>
+        </a:solidFill>
+        <a:effectLst/>
+      </p:bgPr>
+    </p:bg>
+    <p:spTree>
+      <p:nvGrpSpPr>
+        <p:cNvPr id="1" name=""/>
+        <p:cNvGrpSpPr/>
+        <p:nvPr/>
+      </p:nvGrpSpPr>
+      <p:grpSpPr>
+        <a:xfrm>
+          <a:off x="0" y="0"/>
+          <a:ext cx="0" cy="0"/>
+          <a:chOff x="0" y="0"/>
+          <a:chExt cx="0" cy="0"/>
+        </a:xfrm>
+      </p:grpSpPr>
+      <p:pic>
+        <p:nvPicPr>
+          <p:cNvPr id="52" name="Picture 51" descr="A group of different colors&#10;&#10;AI-generated content may be incorrect.">
+            <a:extLst>
+              <a:ext uri="{FF2B5EF4-FFF2-40B4-BE49-F238E27FC236}">
+                <a16:creationId xmlns:a16="http://schemas.microsoft.com/office/drawing/2014/main" id="{7FE097CD-C774-553C-D714-C6ACEDEB4712}"/>
+              </a:ext>
+            </a:extLst>
+          </p:cNvPr>
+          <p:cNvPicPr>
+            <a:picLocks noChangeAspect="1"/>
+          </p:cNvPicPr>
+          <p:nvPr/>
+        </p:nvPicPr>
+        <p:blipFill>
+          <a:blip r:embed="rId2"/>
+          <a:stretch>
+            <a:fillRect/>
+          </a:stretch>
+        </p:blipFill>
+        <p:spPr>
+          <a:xfrm>
+            <a:off x="1426157" y="1462680"/>
+            <a:ext cx="10639003" cy="4781634"/>
+          </a:xfrm>
+          <a:prstGeom prst="rect">
+            <a:avLst/>
+          </a:prstGeom>
+        </p:spPr>
+      </p:pic>
+      <p:pic>
+        <p:nvPicPr>
+          <p:cNvPr id="7" name="Picture 6" descr="A colorful cubes in a shape of a heart&#10;&#10;AI-generated content may be incorrect.">
+            <a:extLst>
+              <a:ext uri="{FF2B5EF4-FFF2-40B4-BE49-F238E27FC236}">
+                <a16:creationId xmlns:a16="http://schemas.microsoft.com/office/drawing/2014/main" id="{C5AFDDA9-C083-7F34-B4A8-83BDFA854F98}"/>
+              </a:ext>
+            </a:extLst>
+          </p:cNvPr>
+          <p:cNvPicPr>
+            <a:picLocks noChangeAspect="1"/>
+          </p:cNvPicPr>
+          <p:nvPr/>
+        </p:nvPicPr>
+        <p:blipFill>
+          <a:blip r:embed="rId3"/>
+          <a:stretch>
+            <a:fillRect/>
+          </a:stretch>
+        </p:blipFill>
+        <p:spPr>
+          <a:xfrm>
+            <a:off x="561996" y="1615686"/>
+            <a:ext cx="695992" cy="721361"/>
+          </a:xfrm>
+          <a:prstGeom prst="rect">
+            <a:avLst/>
+          </a:prstGeom>
+        </p:spPr>
+      </p:pic>
+      <p:grpSp>
+        <p:nvGrpSpPr>
+          <p:cNvPr id="27" name="Group 26">
+            <a:extLst>
+              <a:ext uri="{FF2B5EF4-FFF2-40B4-BE49-F238E27FC236}">
+                <a16:creationId xmlns:a16="http://schemas.microsoft.com/office/drawing/2014/main" id="{23051384-143C-47F9-6C69-53AFE57D36A9}"/>
+              </a:ext>
+            </a:extLst>
+          </p:cNvPr>
+          <p:cNvGrpSpPr/>
+          <p:nvPr/>
+        </p:nvGrpSpPr>
+        <p:grpSpPr>
+          <a:xfrm>
+            <a:off x="595337" y="2336466"/>
+            <a:ext cx="566194" cy="448288"/>
+            <a:chOff x="313953" y="2253934"/>
+            <a:chExt cx="649497" cy="514244"/>
+          </a:xfrm>
+        </p:grpSpPr>
+        <p:cxnSp>
+          <p:nvCxnSpPr>
+            <p:cNvPr id="9" name="Straight Connector 8">
+              <a:extLst>
+                <a:ext uri="{FF2B5EF4-FFF2-40B4-BE49-F238E27FC236}">
+                  <a16:creationId xmlns:a16="http://schemas.microsoft.com/office/drawing/2014/main" id="{731E27A4-0F08-6B7A-2944-F5587ABF3560}"/>
+                </a:ext>
+              </a:extLst>
+            </p:cNvPr>
+            <p:cNvCxnSpPr>
+              <a:cxnSpLocks/>
+            </p:cNvCxnSpPr>
+            <p:nvPr/>
+          </p:nvCxnSpPr>
+          <p:spPr>
+            <a:xfrm flipH="1" flipV="1">
+              <a:off x="675533" y="2491317"/>
+              <a:ext cx="1" cy="276861"/>
+            </a:xfrm>
+            <a:prstGeom prst="line">
+              <a:avLst/>
+            </a:prstGeom>
+            <a:ln w="19050">
+              <a:solidFill>
+                <a:schemeClr val="bg1"/>
+              </a:solidFill>
+              <a:tailEnd type="triangle"/>
+            </a:ln>
+          </p:spPr>
+          <p:style>
+            <a:lnRef idx="2">
+              <a:schemeClr val="accent1"/>
+            </a:lnRef>
+            <a:fillRef idx="0">
+              <a:schemeClr val="accent1"/>
+            </a:fillRef>
+            <a:effectRef idx="1">
+              <a:schemeClr val="accent1"/>
+            </a:effectRef>
+            <a:fontRef idx="minor">
+              <a:schemeClr val="tx1"/>
+            </a:fontRef>
+          </p:style>
+        </p:cxnSp>
+        <p:cxnSp>
+          <p:nvCxnSpPr>
+            <p:cNvPr id="10" name="Straight Connector 9">
+              <a:extLst>
+                <a:ext uri="{FF2B5EF4-FFF2-40B4-BE49-F238E27FC236}">
+                  <a16:creationId xmlns:a16="http://schemas.microsoft.com/office/drawing/2014/main" id="{2976E5B0-659D-6B74-49C2-20A575ED3B69}"/>
+                </a:ext>
+              </a:extLst>
+            </p:cNvPr>
+            <p:cNvCxnSpPr>
+              <a:cxnSpLocks/>
+            </p:cNvCxnSpPr>
+            <p:nvPr/>
+          </p:nvCxnSpPr>
+          <p:spPr>
+            <a:xfrm flipV="1">
+              <a:off x="675534" y="2675467"/>
+              <a:ext cx="173249" cy="92711"/>
+            </a:xfrm>
+            <a:prstGeom prst="line">
+              <a:avLst/>
+            </a:prstGeom>
+            <a:ln w="19050">
+              <a:solidFill>
+                <a:schemeClr val="bg1"/>
+              </a:solidFill>
+              <a:tailEnd type="triangle" w="sm" len="med"/>
+            </a:ln>
+          </p:spPr>
+          <p:style>
+            <a:lnRef idx="2">
+              <a:schemeClr val="accent1"/>
+            </a:lnRef>
+            <a:fillRef idx="0">
+              <a:schemeClr val="accent1"/>
+            </a:fillRef>
+            <a:effectRef idx="1">
+              <a:schemeClr val="accent1"/>
+            </a:effectRef>
+            <a:fontRef idx="minor">
+              <a:schemeClr val="tx1"/>
+            </a:fontRef>
+          </p:style>
+        </p:cxnSp>
+        <p:cxnSp>
+          <p:nvCxnSpPr>
+            <p:cNvPr id="14" name="Straight Connector 13">
+              <a:extLst>
+                <a:ext uri="{FF2B5EF4-FFF2-40B4-BE49-F238E27FC236}">
+                  <a16:creationId xmlns:a16="http://schemas.microsoft.com/office/drawing/2014/main" id="{E0DEEB2A-2866-F0CD-95B7-89B564EC40E0}"/>
+                </a:ext>
+              </a:extLst>
+            </p:cNvPr>
+            <p:cNvCxnSpPr>
+              <a:cxnSpLocks/>
+            </p:cNvCxnSpPr>
+            <p:nvPr/>
+          </p:nvCxnSpPr>
+          <p:spPr>
+            <a:xfrm flipH="1" flipV="1">
+              <a:off x="507364" y="2675467"/>
+              <a:ext cx="168169" cy="92711"/>
+            </a:xfrm>
+            <a:prstGeom prst="line">
+              <a:avLst/>
+            </a:prstGeom>
+            <a:ln w="19050">
+              <a:solidFill>
+                <a:schemeClr val="bg1"/>
+              </a:solidFill>
+              <a:tailEnd type="triangle" w="sm" len="med"/>
+            </a:ln>
+          </p:spPr>
+          <p:style>
+            <a:lnRef idx="2">
+              <a:schemeClr val="accent1"/>
+            </a:lnRef>
+            <a:fillRef idx="0">
+              <a:schemeClr val="accent1"/>
+            </a:fillRef>
+            <a:effectRef idx="1">
+              <a:schemeClr val="accent1"/>
+            </a:effectRef>
+            <a:fontRef idx="minor">
+              <a:schemeClr val="tx1"/>
+            </a:fontRef>
+          </p:style>
+        </p:cxnSp>
+        <p:sp>
+          <p:nvSpPr>
+            <p:cNvPr id="20" name="TextBox 19">
+              <a:extLst>
+                <a:ext uri="{FF2B5EF4-FFF2-40B4-BE49-F238E27FC236}">
+                  <a16:creationId xmlns:a16="http://schemas.microsoft.com/office/drawing/2014/main" id="{DD043D1A-3F4B-88E2-6E6D-60621A2565A1}"/>
+                </a:ext>
+              </a:extLst>
+            </p:cNvPr>
+            <p:cNvSpPr txBox="1"/>
+            <p:nvPr/>
+          </p:nvSpPr>
+          <p:spPr>
+            <a:xfrm>
+              <a:off x="534660" y="2253934"/>
+              <a:ext cx="254851" cy="261611"/>
+            </a:xfrm>
+            <a:prstGeom prst="rect">
+              <a:avLst/>
+            </a:prstGeom>
+            <a:noFill/>
+          </p:spPr>
+          <p:txBody>
+            <a:bodyPr wrap="square" rtlCol="0">
+              <a:spAutoFit/>
+            </a:bodyPr>
+            <a:lstStyle/>
+            <a:p>
+              <a:r>
+                <a:rPr lang="en-US" sz="1050" dirty="0">
+                  <a:solidFill>
+                    <a:schemeClr val="bg1"/>
+                  </a:solidFill>
+                </a:rPr>
+                <a:t>L</a:t>
+              </a:r>
+            </a:p>
+          </p:txBody>
+        </p:sp>
+        <p:sp>
+          <p:nvSpPr>
+            <p:cNvPr id="21" name="TextBox 20">
+              <a:extLst>
+                <a:ext uri="{FF2B5EF4-FFF2-40B4-BE49-F238E27FC236}">
+                  <a16:creationId xmlns:a16="http://schemas.microsoft.com/office/drawing/2014/main" id="{7E72E7D0-7524-E17B-99B0-8DF46A62C6F5}"/>
+                </a:ext>
+              </a:extLst>
+            </p:cNvPr>
+            <p:cNvSpPr txBox="1"/>
+            <p:nvPr/>
+          </p:nvSpPr>
+          <p:spPr>
+            <a:xfrm>
+              <a:off x="788825" y="2489832"/>
+              <a:ext cx="174625" cy="261610"/>
+            </a:xfrm>
+            <a:prstGeom prst="rect">
+              <a:avLst/>
+            </a:prstGeom>
+            <a:noFill/>
+          </p:spPr>
+          <p:txBody>
+            <a:bodyPr wrap="square" rtlCol="0">
+              <a:spAutoFit/>
+            </a:bodyPr>
+            <a:lstStyle/>
+            <a:p>
+              <a:r>
+                <a:rPr lang="en-US" sz="1050" dirty="0">
+                  <a:solidFill>
+                    <a:schemeClr val="bg1"/>
+                  </a:solidFill>
+                </a:rPr>
+                <a:t>a</a:t>
+              </a:r>
+            </a:p>
+          </p:txBody>
+        </p:sp>
+        <p:sp>
+          <p:nvSpPr>
+            <p:cNvPr id="22" name="TextBox 21">
+              <a:extLst>
+                <a:ext uri="{FF2B5EF4-FFF2-40B4-BE49-F238E27FC236}">
+                  <a16:creationId xmlns:a16="http://schemas.microsoft.com/office/drawing/2014/main" id="{39CF091A-2007-F120-11A8-F68E137BC084}"/>
+                </a:ext>
+              </a:extLst>
+            </p:cNvPr>
+            <p:cNvSpPr txBox="1"/>
+            <p:nvPr/>
+          </p:nvSpPr>
+          <p:spPr>
+            <a:xfrm>
+              <a:off x="313953" y="2471055"/>
+              <a:ext cx="174625" cy="261610"/>
+            </a:xfrm>
+            <a:prstGeom prst="rect">
+              <a:avLst/>
+            </a:prstGeom>
+            <a:noFill/>
+          </p:spPr>
+          <p:txBody>
+            <a:bodyPr wrap="square" rtlCol="0">
+              <a:spAutoFit/>
+            </a:bodyPr>
+            <a:lstStyle/>
+            <a:p>
+              <a:r>
+                <a:rPr lang="en-US" sz="1050" dirty="0">
+                  <a:solidFill>
+                    <a:schemeClr val="bg1"/>
+                  </a:solidFill>
+                </a:rPr>
+                <a:t>b</a:t>
+              </a:r>
+            </a:p>
+          </p:txBody>
+        </p:sp>
+      </p:grpSp>
+      <p:sp>
+        <p:nvSpPr>
+          <p:cNvPr id="29" name="TextBox 28">
+            <a:extLst>
+              <a:ext uri="{FF2B5EF4-FFF2-40B4-BE49-F238E27FC236}">
+                <a16:creationId xmlns:a16="http://schemas.microsoft.com/office/drawing/2014/main" id="{3F23EF8F-1085-D253-646C-B2574193F4C1}"/>
+              </a:ext>
+            </a:extLst>
+          </p:cNvPr>
+          <p:cNvSpPr txBox="1"/>
+          <p:nvPr/>
+        </p:nvSpPr>
+        <p:spPr>
+          <a:xfrm>
+            <a:off x="1733550" y="2551572"/>
+            <a:ext cx="460043" cy="276999"/>
+          </a:xfrm>
+          <a:prstGeom prst="rect">
+            <a:avLst/>
+          </a:prstGeom>
+          <a:noFill/>
+        </p:spPr>
+        <p:txBody>
+          <a:bodyPr wrap="square" rtlCol="0">
+            <a:spAutoFit/>
+          </a:bodyPr>
+          <a:lstStyle/>
+          <a:p>
+            <a:r>
+              <a:rPr lang="en-US" sz="1200" dirty="0">
+                <a:solidFill>
+                  <a:schemeClr val="bg1"/>
+                </a:solidFill>
+              </a:rPr>
+              <a:t>L=0</a:t>
+            </a:r>
+          </a:p>
+        </p:txBody>
+      </p:sp>
+      <p:cxnSp>
+        <p:nvCxnSpPr>
+          <p:cNvPr id="31" name="Straight Connector 30">
+            <a:extLst>
+              <a:ext uri="{FF2B5EF4-FFF2-40B4-BE49-F238E27FC236}">
+                <a16:creationId xmlns:a16="http://schemas.microsoft.com/office/drawing/2014/main" id="{EBBFF3F2-57A6-C1DD-C364-49100238E151}"/>
+              </a:ext>
+            </a:extLst>
+          </p:cNvPr>
+          <p:cNvCxnSpPr/>
+          <p:nvPr/>
+        </p:nvCxnSpPr>
+        <p:spPr>
+          <a:xfrm flipV="1">
+            <a:off x="1953683" y="2370387"/>
+            <a:ext cx="0" cy="215620"/>
+          </a:xfrm>
+          <a:prstGeom prst="line">
+            <a:avLst/>
+          </a:prstGeom>
+          <a:ln w="25400">
+            <a:solidFill>
+              <a:schemeClr val="bg1"/>
+            </a:solidFill>
+          </a:ln>
+        </p:spPr>
+        <p:style>
+          <a:lnRef idx="2">
+            <a:schemeClr val="accent1"/>
+          </a:lnRef>
+          <a:fillRef idx="0">
+            <a:schemeClr val="accent1"/>
+          </a:fillRef>
+          <a:effectRef idx="1">
+            <a:schemeClr val="accent1"/>
+          </a:effectRef>
+          <a:fontRef idx="minor">
+            <a:schemeClr val="tx1"/>
+          </a:fontRef>
+        </p:style>
+      </p:cxnSp>
+      <p:sp>
+        <p:nvSpPr>
+          <p:cNvPr id="32" name="TextBox 31">
+            <a:extLst>
+              <a:ext uri="{FF2B5EF4-FFF2-40B4-BE49-F238E27FC236}">
+                <a16:creationId xmlns:a16="http://schemas.microsoft.com/office/drawing/2014/main" id="{A28DA6B5-7EBF-ACF2-8CAC-19CD474EA048}"/>
+              </a:ext>
+            </a:extLst>
+          </p:cNvPr>
+          <p:cNvSpPr txBox="1"/>
+          <p:nvPr/>
+        </p:nvSpPr>
+        <p:spPr>
+          <a:xfrm>
+            <a:off x="11380616" y="2572746"/>
+            <a:ext cx="460043" cy="276999"/>
+          </a:xfrm>
+          <a:prstGeom prst="rect">
+            <a:avLst/>
+          </a:prstGeom>
+          <a:noFill/>
+        </p:spPr>
+        <p:txBody>
+          <a:bodyPr wrap="square" rtlCol="0">
+            <a:spAutoFit/>
+          </a:bodyPr>
+          <a:lstStyle/>
+          <a:p>
+            <a:r>
+              <a:rPr lang="en-US" sz="1200" dirty="0">
+                <a:solidFill>
+                  <a:schemeClr val="bg1"/>
+                </a:solidFill>
+              </a:rPr>
+              <a:t>L=1</a:t>
+            </a:r>
+          </a:p>
+        </p:txBody>
+      </p:sp>
+      <p:cxnSp>
+        <p:nvCxnSpPr>
+          <p:cNvPr id="33" name="Straight Connector 32">
+            <a:extLst>
+              <a:ext uri="{FF2B5EF4-FFF2-40B4-BE49-F238E27FC236}">
+                <a16:creationId xmlns:a16="http://schemas.microsoft.com/office/drawing/2014/main" id="{6B4E348B-1177-7313-6F29-E65D61D9D8FB}"/>
+              </a:ext>
+            </a:extLst>
+          </p:cNvPr>
+          <p:cNvCxnSpPr/>
+          <p:nvPr/>
+        </p:nvCxnSpPr>
+        <p:spPr>
+          <a:xfrm flipV="1">
+            <a:off x="11600749" y="2391561"/>
+            <a:ext cx="0" cy="215620"/>
+          </a:xfrm>
+          <a:prstGeom prst="line">
+            <a:avLst/>
+          </a:prstGeom>
+          <a:ln w="25400">
+            <a:solidFill>
+              <a:schemeClr val="bg1"/>
+            </a:solidFill>
+          </a:ln>
+        </p:spPr>
+        <p:style>
+          <a:lnRef idx="2">
+            <a:schemeClr val="accent1"/>
+          </a:lnRef>
+          <a:fillRef idx="0">
+            <a:schemeClr val="accent1"/>
+          </a:fillRef>
+          <a:effectRef idx="1">
+            <a:schemeClr val="accent1"/>
+          </a:effectRef>
+          <a:fontRef idx="minor">
+            <a:schemeClr val="tx1"/>
+          </a:fontRef>
+        </p:style>
+      </p:cxnSp>
+      <p:cxnSp>
+        <p:nvCxnSpPr>
+          <p:cNvPr id="39" name="Straight Arrow Connector 38">
+            <a:extLst>
+              <a:ext uri="{FF2B5EF4-FFF2-40B4-BE49-F238E27FC236}">
+                <a16:creationId xmlns:a16="http://schemas.microsoft.com/office/drawing/2014/main" id="{C60A476B-B56A-AE5B-5555-D387F972B807}"/>
+              </a:ext>
+            </a:extLst>
+          </p:cNvPr>
+          <p:cNvCxnSpPr>
+            <a:cxnSpLocks/>
+          </p:cNvCxnSpPr>
+          <p:nvPr/>
+        </p:nvCxnSpPr>
+        <p:spPr>
+          <a:xfrm flipV="1">
+            <a:off x="7574703" y="1711018"/>
+            <a:ext cx="0" cy="419407"/>
+          </a:xfrm>
+          <a:prstGeom prst="straightConnector1">
+            <a:avLst/>
+          </a:prstGeom>
+          <a:ln w="25400">
+            <a:solidFill>
+              <a:schemeClr val="bg1"/>
+            </a:solidFill>
+            <a:headEnd w="lg" len="lg"/>
+            <a:tailEnd type="triangle"/>
+          </a:ln>
+        </p:spPr>
+        <p:style>
+          <a:lnRef idx="2">
+            <a:schemeClr val="accent1"/>
+          </a:lnRef>
+          <a:fillRef idx="0">
+            <a:schemeClr val="accent1"/>
+          </a:fillRef>
+          <a:effectRef idx="1">
+            <a:schemeClr val="accent1"/>
+          </a:effectRef>
+          <a:fontRef idx="minor">
+            <a:schemeClr val="tx1"/>
+          </a:fontRef>
+        </p:style>
+      </p:cxnSp>
+      <p:sp>
+        <p:nvSpPr>
+          <p:cNvPr id="42" name="TextBox 41">
+            <a:extLst>
+              <a:ext uri="{FF2B5EF4-FFF2-40B4-BE49-F238E27FC236}">
+                <a16:creationId xmlns:a16="http://schemas.microsoft.com/office/drawing/2014/main" id="{32097500-E5D9-3116-0D6B-3A938CC5EFF1}"/>
+              </a:ext>
+            </a:extLst>
+          </p:cNvPr>
+          <p:cNvSpPr txBox="1"/>
+          <p:nvPr/>
+        </p:nvSpPr>
+        <p:spPr>
+          <a:xfrm>
+            <a:off x="7444316" y="1410293"/>
+            <a:ext cx="460043" cy="307777"/>
+          </a:xfrm>
+          <a:prstGeom prst="rect">
+            <a:avLst/>
+          </a:prstGeom>
+          <a:noFill/>
+        </p:spPr>
+        <p:txBody>
+          <a:bodyPr wrap="square" rtlCol="0">
+            <a:spAutoFit/>
+          </a:bodyPr>
+          <a:lstStyle/>
+          <a:p>
+            <a:r>
+              <a:rPr lang="en-US" sz="1400" dirty="0">
+                <a:solidFill>
+                  <a:schemeClr val="bg1"/>
+                </a:solidFill>
+              </a:rPr>
+              <a:t>b</a:t>
+            </a:r>
+          </a:p>
+        </p:txBody>
+      </p:sp>
+      <p:sp>
+        <p:nvSpPr>
+          <p:cNvPr id="53" name="TextBox 52">
+            <a:extLst>
+              <a:ext uri="{FF2B5EF4-FFF2-40B4-BE49-F238E27FC236}">
+                <a16:creationId xmlns:a16="http://schemas.microsoft.com/office/drawing/2014/main" id="{1BAE4D8B-690F-A0BD-51D1-83A63200108F}"/>
+              </a:ext>
+            </a:extLst>
+          </p:cNvPr>
+          <p:cNvSpPr txBox="1"/>
+          <p:nvPr/>
+        </p:nvSpPr>
+        <p:spPr>
+          <a:xfrm>
+            <a:off x="235130" y="1180851"/>
+            <a:ext cx="1247457" cy="369332"/>
+          </a:xfrm>
+          <a:prstGeom prst="rect">
+            <a:avLst/>
+          </a:prstGeom>
+          <a:noFill/>
+        </p:spPr>
+        <p:txBody>
+          <a:bodyPr wrap="none" rtlCol="0">
+            <a:spAutoFit/>
+          </a:bodyPr>
+          <a:lstStyle/>
+          <a:p>
+            <a:r>
+              <a:rPr lang="en-US" dirty="0">
+                <a:solidFill>
+                  <a:schemeClr val="bg1"/>
+                </a:solidFill>
+              </a:rPr>
+              <a:t>Oklab bins</a:t>
+            </a:r>
+          </a:p>
+        </p:txBody>
+      </p:sp>
+      <p:cxnSp>
+        <p:nvCxnSpPr>
+          <p:cNvPr id="58" name="Straight Arrow Connector 57">
+            <a:extLst>
+              <a:ext uri="{FF2B5EF4-FFF2-40B4-BE49-F238E27FC236}">
+                <a16:creationId xmlns:a16="http://schemas.microsoft.com/office/drawing/2014/main" id="{F76ABB49-A002-CD1A-7FCC-B14F94635EEF}"/>
+              </a:ext>
+            </a:extLst>
+          </p:cNvPr>
+          <p:cNvCxnSpPr>
+            <a:cxnSpLocks/>
+          </p:cNvCxnSpPr>
+          <p:nvPr/>
+        </p:nvCxnSpPr>
+        <p:spPr>
+          <a:xfrm>
+            <a:off x="8258175" y="4079605"/>
+            <a:ext cx="478631" cy="0"/>
+          </a:xfrm>
+          <a:prstGeom prst="straightConnector1">
+            <a:avLst/>
+          </a:prstGeom>
+          <a:ln w="25400">
+            <a:solidFill>
+              <a:schemeClr val="bg1"/>
+            </a:solidFill>
+            <a:headEnd w="lg" len="lg"/>
+            <a:tailEnd type="triangle"/>
+          </a:ln>
+        </p:spPr>
+        <p:style>
+          <a:lnRef idx="2">
+            <a:schemeClr val="accent1"/>
+          </a:lnRef>
+          <a:fillRef idx="0">
+            <a:schemeClr val="accent1"/>
+          </a:fillRef>
+          <a:effectRef idx="1">
+            <a:schemeClr val="accent1"/>
+          </a:effectRef>
+          <a:fontRef idx="minor">
+            <a:schemeClr val="tx1"/>
+          </a:fontRef>
+        </p:style>
+      </p:cxnSp>
+      <p:sp>
+        <p:nvSpPr>
+          <p:cNvPr id="59" name="TextBox 58">
+            <a:extLst>
+              <a:ext uri="{FF2B5EF4-FFF2-40B4-BE49-F238E27FC236}">
+                <a16:creationId xmlns:a16="http://schemas.microsoft.com/office/drawing/2014/main" id="{0346AEB7-507B-712D-EBBA-71D4E25F5760}"/>
+              </a:ext>
+            </a:extLst>
+          </p:cNvPr>
+          <p:cNvSpPr txBox="1"/>
+          <p:nvPr/>
+        </p:nvSpPr>
+        <p:spPr>
+          <a:xfrm>
+            <a:off x="8668805" y="3911430"/>
+            <a:ext cx="460043" cy="307777"/>
+          </a:xfrm>
+          <a:prstGeom prst="rect">
+            <a:avLst/>
+          </a:prstGeom>
+          <a:noFill/>
+        </p:spPr>
+        <p:txBody>
+          <a:bodyPr wrap="square" rtlCol="0">
+            <a:spAutoFit/>
+          </a:bodyPr>
+          <a:lstStyle/>
+          <a:p>
+            <a:r>
+              <a:rPr lang="en-US" sz="1400" dirty="0">
+                <a:solidFill>
+                  <a:schemeClr val="bg1"/>
+                </a:solidFill>
+              </a:rPr>
+              <a:t>a</a:t>
+            </a:r>
+          </a:p>
+        </p:txBody>
+      </p:sp>
+      <p:cxnSp>
+        <p:nvCxnSpPr>
+          <p:cNvPr id="60" name="Straight Arrow Connector 59">
+            <a:extLst>
+              <a:ext uri="{FF2B5EF4-FFF2-40B4-BE49-F238E27FC236}">
+                <a16:creationId xmlns:a16="http://schemas.microsoft.com/office/drawing/2014/main" id="{BF9EF63B-A0EB-2DF3-5154-B7A0C283082A}"/>
+              </a:ext>
+            </a:extLst>
+          </p:cNvPr>
+          <p:cNvCxnSpPr>
+            <a:cxnSpLocks/>
+          </p:cNvCxnSpPr>
+          <p:nvPr/>
+        </p:nvCxnSpPr>
+        <p:spPr>
+          <a:xfrm flipV="1">
+            <a:off x="7670178" y="3165475"/>
+            <a:ext cx="0" cy="473228"/>
+          </a:xfrm>
+          <a:prstGeom prst="straightConnector1">
+            <a:avLst/>
+          </a:prstGeom>
+          <a:ln w="25400">
+            <a:solidFill>
+              <a:schemeClr val="bg1"/>
+            </a:solidFill>
+            <a:headEnd w="lg" len="lg"/>
+            <a:tailEnd type="triangle"/>
+          </a:ln>
+        </p:spPr>
+        <p:style>
+          <a:lnRef idx="2">
+            <a:schemeClr val="accent1"/>
+          </a:lnRef>
+          <a:fillRef idx="0">
+            <a:schemeClr val="accent1"/>
+          </a:fillRef>
+          <a:effectRef idx="1">
+            <a:schemeClr val="accent1"/>
+          </a:effectRef>
+          <a:fontRef idx="minor">
+            <a:schemeClr val="tx1"/>
+          </a:fontRef>
+        </p:style>
+      </p:cxnSp>
+      <p:sp>
+        <p:nvSpPr>
+          <p:cNvPr id="61" name="TextBox 60">
+            <a:extLst>
+              <a:ext uri="{FF2B5EF4-FFF2-40B4-BE49-F238E27FC236}">
+                <a16:creationId xmlns:a16="http://schemas.microsoft.com/office/drawing/2014/main" id="{37A78697-029D-038A-9770-EEF9DABDD48D}"/>
+              </a:ext>
+            </a:extLst>
+          </p:cNvPr>
+          <p:cNvSpPr txBox="1"/>
+          <p:nvPr/>
+        </p:nvSpPr>
+        <p:spPr>
+          <a:xfrm>
+            <a:off x="7531106" y="2924167"/>
+            <a:ext cx="460043" cy="307777"/>
+          </a:xfrm>
+          <a:prstGeom prst="rect">
+            <a:avLst/>
+          </a:prstGeom>
+          <a:noFill/>
+        </p:spPr>
+        <p:txBody>
+          <a:bodyPr wrap="square" rtlCol="0">
+            <a:spAutoFit/>
+          </a:bodyPr>
+          <a:lstStyle/>
+          <a:p>
+            <a:r>
+              <a:rPr lang="en-US" sz="1400" dirty="0">
+                <a:solidFill>
+                  <a:schemeClr val="bg1"/>
+                </a:solidFill>
+              </a:rPr>
+              <a:t>b</a:t>
+            </a:r>
+          </a:p>
+        </p:txBody>
+      </p:sp>
+      <p:cxnSp>
+        <p:nvCxnSpPr>
+          <p:cNvPr id="69" name="Straight Arrow Connector 68">
+            <a:extLst>
+              <a:ext uri="{FF2B5EF4-FFF2-40B4-BE49-F238E27FC236}">
+                <a16:creationId xmlns:a16="http://schemas.microsoft.com/office/drawing/2014/main" id="{9EF31F9B-8AA9-DBC1-97B2-58869E98A8EF}"/>
+              </a:ext>
+            </a:extLst>
+          </p:cNvPr>
+          <p:cNvCxnSpPr>
+            <a:cxnSpLocks/>
+          </p:cNvCxnSpPr>
+          <p:nvPr/>
+        </p:nvCxnSpPr>
+        <p:spPr>
+          <a:xfrm>
+            <a:off x="8203405" y="2476627"/>
+            <a:ext cx="478631" cy="0"/>
+          </a:xfrm>
+          <a:prstGeom prst="straightConnector1">
+            <a:avLst/>
+          </a:prstGeom>
+          <a:ln w="25400">
+            <a:solidFill>
+              <a:schemeClr val="bg1"/>
+            </a:solidFill>
+            <a:headEnd w="lg" len="lg"/>
+            <a:tailEnd type="triangle"/>
+          </a:ln>
+        </p:spPr>
+        <p:style>
+          <a:lnRef idx="2">
+            <a:schemeClr val="accent1"/>
+          </a:lnRef>
+          <a:fillRef idx="0">
+            <a:schemeClr val="accent1"/>
+          </a:fillRef>
+          <a:effectRef idx="1">
+            <a:schemeClr val="accent1"/>
+          </a:effectRef>
+          <a:fontRef idx="minor">
+            <a:schemeClr val="tx1"/>
+          </a:fontRef>
+        </p:style>
+      </p:cxnSp>
+      <p:sp>
+        <p:nvSpPr>
+          <p:cNvPr id="70" name="TextBox 69">
+            <a:extLst>
+              <a:ext uri="{FF2B5EF4-FFF2-40B4-BE49-F238E27FC236}">
+                <a16:creationId xmlns:a16="http://schemas.microsoft.com/office/drawing/2014/main" id="{48A31A27-7DE9-6269-4E71-098CABF714AF}"/>
+              </a:ext>
+            </a:extLst>
+          </p:cNvPr>
+          <p:cNvSpPr txBox="1"/>
+          <p:nvPr/>
+        </p:nvSpPr>
+        <p:spPr>
+          <a:xfrm>
+            <a:off x="8614035" y="2308452"/>
+            <a:ext cx="460043" cy="307777"/>
+          </a:xfrm>
+          <a:prstGeom prst="rect">
+            <a:avLst/>
+          </a:prstGeom>
+          <a:noFill/>
+        </p:spPr>
+        <p:txBody>
+          <a:bodyPr wrap="square" rtlCol="0">
+            <a:spAutoFit/>
+          </a:bodyPr>
+          <a:lstStyle/>
+          <a:p>
+            <a:r>
+              <a:rPr lang="en-US" sz="1400" dirty="0">
+                <a:solidFill>
+                  <a:schemeClr val="bg1"/>
+                </a:solidFill>
+              </a:rPr>
+              <a:t>a</a:t>
+            </a:r>
+          </a:p>
+        </p:txBody>
+      </p:sp>
+      <p:sp>
+        <p:nvSpPr>
+          <p:cNvPr id="71" name="TextBox 70">
+            <a:extLst>
+              <a:ext uri="{FF2B5EF4-FFF2-40B4-BE49-F238E27FC236}">
+                <a16:creationId xmlns:a16="http://schemas.microsoft.com/office/drawing/2014/main" id="{9C988A48-AF58-6D7B-898F-6B0698FE7390}"/>
+              </a:ext>
+            </a:extLst>
+          </p:cNvPr>
+          <p:cNvSpPr txBox="1"/>
+          <p:nvPr/>
+        </p:nvSpPr>
+        <p:spPr>
+          <a:xfrm>
+            <a:off x="215918" y="3125663"/>
+            <a:ext cx="1242648" cy="369332"/>
+          </a:xfrm>
+          <a:prstGeom prst="rect">
+            <a:avLst/>
+          </a:prstGeom>
+          <a:noFill/>
+        </p:spPr>
+        <p:txBody>
+          <a:bodyPr wrap="none" rtlCol="0">
+            <a:spAutoFit/>
+          </a:bodyPr>
+          <a:lstStyle/>
+          <a:p>
+            <a:r>
+              <a:rPr lang="en-US" dirty="0">
+                <a:solidFill>
+                  <a:schemeClr val="bg1"/>
+                </a:solidFill>
+              </a:rPr>
+              <a:t>Oklch bins</a:t>
+            </a:r>
+          </a:p>
+        </p:txBody>
+      </p:sp>
+      <p:cxnSp>
+        <p:nvCxnSpPr>
+          <p:cNvPr id="73" name="Straight Connector 72">
+            <a:extLst>
+              <a:ext uri="{FF2B5EF4-FFF2-40B4-BE49-F238E27FC236}">
+                <a16:creationId xmlns:a16="http://schemas.microsoft.com/office/drawing/2014/main" id="{5381B065-7157-39A2-D592-4F04BF3B740F}"/>
+              </a:ext>
+            </a:extLst>
+          </p:cNvPr>
+          <p:cNvCxnSpPr/>
+          <p:nvPr/>
+        </p:nvCxnSpPr>
+        <p:spPr>
+          <a:xfrm flipV="1">
+            <a:off x="304800" y="2924167"/>
+            <a:ext cx="11653838" cy="38100"/>
+          </a:xfrm>
+          <a:prstGeom prst="line">
+            <a:avLst/>
+          </a:prstGeom>
+          <a:ln w="31750">
+            <a:solidFill>
+              <a:schemeClr val="bg1">
+                <a:lumMod val="75000"/>
+                <a:alpha val="50000"/>
+              </a:schemeClr>
+            </a:solidFill>
+          </a:ln>
+        </p:spPr>
+        <p:style>
+          <a:lnRef idx="2">
+            <a:schemeClr val="accent1"/>
+          </a:lnRef>
+          <a:fillRef idx="0">
+            <a:schemeClr val="accent1"/>
+          </a:fillRef>
+          <a:effectRef idx="1">
+            <a:schemeClr val="accent1"/>
+          </a:effectRef>
+          <a:fontRef idx="minor">
+            <a:schemeClr val="tx1"/>
+          </a:fontRef>
+        </p:style>
+      </p:cxnSp>
+      <p:sp>
+        <p:nvSpPr>
+          <p:cNvPr id="74" name="TextBox 73">
+            <a:extLst>
+              <a:ext uri="{FF2B5EF4-FFF2-40B4-BE49-F238E27FC236}">
+                <a16:creationId xmlns:a16="http://schemas.microsoft.com/office/drawing/2014/main" id="{79CC4795-F73A-72E3-0FA8-3A65BAF8D6C6}"/>
+              </a:ext>
+            </a:extLst>
+          </p:cNvPr>
+          <p:cNvSpPr txBox="1"/>
+          <p:nvPr/>
+        </p:nvSpPr>
+        <p:spPr>
+          <a:xfrm>
+            <a:off x="2352558" y="2608894"/>
+            <a:ext cx="460043" cy="215444"/>
+          </a:xfrm>
+          <a:prstGeom prst="rect">
+            <a:avLst/>
+          </a:prstGeom>
+          <a:noFill/>
+        </p:spPr>
+        <p:txBody>
+          <a:bodyPr wrap="square" rtlCol="0">
+            <a:spAutoFit/>
+          </a:bodyPr>
+          <a:lstStyle/>
+          <a:p>
+            <a:r>
+              <a:rPr lang="en-US" sz="800" dirty="0">
+                <a:solidFill>
+                  <a:schemeClr val="bg1"/>
+                </a:solidFill>
+              </a:rPr>
+              <a:t>L=0.1</a:t>
+            </a:r>
+          </a:p>
+        </p:txBody>
+      </p:sp>
+      <p:cxnSp>
+        <p:nvCxnSpPr>
+          <p:cNvPr id="75" name="Straight Connector 74">
+            <a:extLst>
+              <a:ext uri="{FF2B5EF4-FFF2-40B4-BE49-F238E27FC236}">
+                <a16:creationId xmlns:a16="http://schemas.microsoft.com/office/drawing/2014/main" id="{D5853D40-DD27-1360-13B9-3EA67B35A49A}"/>
+              </a:ext>
+            </a:extLst>
+          </p:cNvPr>
+          <p:cNvCxnSpPr>
+            <a:cxnSpLocks/>
+          </p:cNvCxnSpPr>
+          <p:nvPr/>
+        </p:nvCxnSpPr>
+        <p:spPr>
+          <a:xfrm flipV="1">
+            <a:off x="2572691" y="2544237"/>
+            <a:ext cx="0" cy="99092"/>
+          </a:xfrm>
+          <a:prstGeom prst="line">
+            <a:avLst/>
+          </a:prstGeom>
+          <a:ln w="12700">
+            <a:solidFill>
+              <a:schemeClr val="bg1"/>
+            </a:solidFill>
+          </a:ln>
+        </p:spPr>
+        <p:style>
+          <a:lnRef idx="2">
+            <a:schemeClr val="accent1"/>
+          </a:lnRef>
+          <a:fillRef idx="0">
+            <a:schemeClr val="accent1"/>
+          </a:fillRef>
+          <a:effectRef idx="1">
+            <a:schemeClr val="accent1"/>
+          </a:effectRef>
+          <a:fontRef idx="minor">
+            <a:schemeClr val="tx1"/>
+          </a:fontRef>
+        </p:style>
+      </p:cxnSp>
+      <p:sp>
+        <p:nvSpPr>
+          <p:cNvPr id="77" name="TextBox 76">
+            <a:extLst>
+              <a:ext uri="{FF2B5EF4-FFF2-40B4-BE49-F238E27FC236}">
+                <a16:creationId xmlns:a16="http://schemas.microsoft.com/office/drawing/2014/main" id="{0CFF62CA-D79F-6369-EA19-46CD803BA956}"/>
+              </a:ext>
+            </a:extLst>
+          </p:cNvPr>
+          <p:cNvSpPr txBox="1"/>
+          <p:nvPr/>
+        </p:nvSpPr>
+        <p:spPr>
+          <a:xfrm>
+            <a:off x="2943789" y="2607181"/>
+            <a:ext cx="460043" cy="215444"/>
+          </a:xfrm>
+          <a:prstGeom prst="rect">
+            <a:avLst/>
+          </a:prstGeom>
+          <a:noFill/>
+        </p:spPr>
+        <p:txBody>
+          <a:bodyPr wrap="square" rtlCol="0">
+            <a:spAutoFit/>
+          </a:bodyPr>
+          <a:lstStyle/>
+          <a:p>
+            <a:r>
+              <a:rPr lang="en-US" sz="800" dirty="0">
+                <a:solidFill>
+                  <a:schemeClr val="bg1"/>
+                </a:solidFill>
+              </a:rPr>
+              <a:t>L=0.2</a:t>
+            </a:r>
+          </a:p>
+        </p:txBody>
+      </p:sp>
+      <p:cxnSp>
+        <p:nvCxnSpPr>
+          <p:cNvPr id="78" name="Straight Connector 77">
+            <a:extLst>
+              <a:ext uri="{FF2B5EF4-FFF2-40B4-BE49-F238E27FC236}">
+                <a16:creationId xmlns:a16="http://schemas.microsoft.com/office/drawing/2014/main" id="{48D64288-5813-659E-0037-BE1033D87BF6}"/>
+              </a:ext>
+            </a:extLst>
+          </p:cNvPr>
+          <p:cNvCxnSpPr>
+            <a:cxnSpLocks/>
+          </p:cNvCxnSpPr>
+          <p:nvPr/>
+        </p:nvCxnSpPr>
+        <p:spPr>
+          <a:xfrm flipV="1">
+            <a:off x="3163922" y="2542524"/>
+            <a:ext cx="0" cy="99092"/>
+          </a:xfrm>
+          <a:prstGeom prst="line">
+            <a:avLst/>
+          </a:prstGeom>
+          <a:ln w="12700">
+            <a:solidFill>
+              <a:schemeClr val="bg1"/>
+            </a:solidFill>
+          </a:ln>
+        </p:spPr>
+        <p:style>
+          <a:lnRef idx="2">
+            <a:schemeClr val="accent1"/>
+          </a:lnRef>
+          <a:fillRef idx="0">
+            <a:schemeClr val="accent1"/>
+          </a:fillRef>
+          <a:effectRef idx="1">
+            <a:schemeClr val="accent1"/>
+          </a:effectRef>
+          <a:fontRef idx="minor">
+            <a:schemeClr val="tx1"/>
+          </a:fontRef>
+        </p:style>
+      </p:cxnSp>
+      <p:sp>
+        <p:nvSpPr>
+          <p:cNvPr id="79" name="TextBox 78">
+            <a:extLst>
+              <a:ext uri="{FF2B5EF4-FFF2-40B4-BE49-F238E27FC236}">
+                <a16:creationId xmlns:a16="http://schemas.microsoft.com/office/drawing/2014/main" id="{1531CB4E-30E4-4D58-D7C8-C837E4C39843}"/>
+              </a:ext>
+            </a:extLst>
+          </p:cNvPr>
+          <p:cNvSpPr txBox="1"/>
+          <p:nvPr/>
+        </p:nvSpPr>
+        <p:spPr>
+          <a:xfrm>
+            <a:off x="3679537" y="2610356"/>
+            <a:ext cx="460043" cy="215444"/>
+          </a:xfrm>
+          <a:prstGeom prst="rect">
+            <a:avLst/>
+          </a:prstGeom>
+          <a:noFill/>
+        </p:spPr>
+        <p:txBody>
+          <a:bodyPr wrap="square" rtlCol="0">
+            <a:spAutoFit/>
+          </a:bodyPr>
+          <a:lstStyle/>
+          <a:p>
+            <a:r>
+              <a:rPr lang="en-US" sz="800" dirty="0">
+                <a:solidFill>
+                  <a:schemeClr val="bg1"/>
+                </a:solidFill>
+              </a:rPr>
+              <a:t>L=0.3</a:t>
+            </a:r>
+          </a:p>
+        </p:txBody>
+      </p:sp>
+      <p:cxnSp>
+        <p:nvCxnSpPr>
+          <p:cNvPr id="80" name="Straight Connector 79">
+            <a:extLst>
+              <a:ext uri="{FF2B5EF4-FFF2-40B4-BE49-F238E27FC236}">
+                <a16:creationId xmlns:a16="http://schemas.microsoft.com/office/drawing/2014/main" id="{F0CA2D3D-ABE5-B533-E40B-D979A2A97FCA}"/>
+              </a:ext>
+            </a:extLst>
+          </p:cNvPr>
+          <p:cNvCxnSpPr>
+            <a:cxnSpLocks/>
+          </p:cNvCxnSpPr>
+          <p:nvPr/>
+        </p:nvCxnSpPr>
+        <p:spPr>
+          <a:xfrm flipV="1">
+            <a:off x="3899670" y="2572746"/>
+            <a:ext cx="0" cy="72045"/>
+          </a:xfrm>
+          <a:prstGeom prst="line">
+            <a:avLst/>
+          </a:prstGeom>
+          <a:ln w="12700">
+            <a:solidFill>
+              <a:schemeClr val="bg1"/>
+            </a:solidFill>
+          </a:ln>
+        </p:spPr>
+        <p:style>
+          <a:lnRef idx="2">
+            <a:schemeClr val="accent1"/>
+          </a:lnRef>
+          <a:fillRef idx="0">
+            <a:schemeClr val="accent1"/>
+          </a:fillRef>
+          <a:effectRef idx="1">
+            <a:schemeClr val="accent1"/>
+          </a:effectRef>
+          <a:fontRef idx="minor">
+            <a:schemeClr val="tx1"/>
+          </a:fontRef>
+        </p:style>
+      </p:cxnSp>
+      <p:sp>
+        <p:nvSpPr>
+          <p:cNvPr id="81" name="TextBox 80">
+            <a:extLst>
+              <a:ext uri="{FF2B5EF4-FFF2-40B4-BE49-F238E27FC236}">
+                <a16:creationId xmlns:a16="http://schemas.microsoft.com/office/drawing/2014/main" id="{4C358C0D-4E9B-9B3B-1E89-D2CF8FE08A02}"/>
+              </a:ext>
+            </a:extLst>
+          </p:cNvPr>
+          <p:cNvSpPr txBox="1"/>
+          <p:nvPr/>
+        </p:nvSpPr>
+        <p:spPr>
+          <a:xfrm>
+            <a:off x="4537869" y="2618333"/>
+            <a:ext cx="460043" cy="215444"/>
+          </a:xfrm>
+          <a:prstGeom prst="rect">
+            <a:avLst/>
+          </a:prstGeom>
+          <a:noFill/>
+        </p:spPr>
+        <p:txBody>
+          <a:bodyPr wrap="square" rtlCol="0">
+            <a:spAutoFit/>
+          </a:bodyPr>
+          <a:lstStyle/>
+          <a:p>
+            <a:r>
+              <a:rPr lang="en-US" sz="800" dirty="0">
+                <a:solidFill>
+                  <a:schemeClr val="bg1"/>
+                </a:solidFill>
+              </a:rPr>
+              <a:t>L=0.4</a:t>
+            </a:r>
+          </a:p>
+        </p:txBody>
+      </p:sp>
+      <p:cxnSp>
+        <p:nvCxnSpPr>
+          <p:cNvPr id="82" name="Straight Connector 81">
+            <a:extLst>
+              <a:ext uri="{FF2B5EF4-FFF2-40B4-BE49-F238E27FC236}">
+                <a16:creationId xmlns:a16="http://schemas.microsoft.com/office/drawing/2014/main" id="{4B5B0CF7-32DD-87D1-9576-5540E6F07032}"/>
+              </a:ext>
+            </a:extLst>
+          </p:cNvPr>
+          <p:cNvCxnSpPr>
+            <a:cxnSpLocks/>
+          </p:cNvCxnSpPr>
+          <p:nvPr/>
+        </p:nvCxnSpPr>
+        <p:spPr>
+          <a:xfrm flipV="1">
+            <a:off x="4758002" y="2586007"/>
+            <a:ext cx="0" cy="66761"/>
+          </a:xfrm>
+          <a:prstGeom prst="line">
+            <a:avLst/>
+          </a:prstGeom>
+          <a:ln w="12700">
+            <a:solidFill>
+              <a:schemeClr val="bg1"/>
+            </a:solidFill>
+          </a:ln>
+        </p:spPr>
+        <p:style>
+          <a:lnRef idx="2">
+            <a:schemeClr val="accent1"/>
+          </a:lnRef>
+          <a:fillRef idx="0">
+            <a:schemeClr val="accent1"/>
+          </a:fillRef>
+          <a:effectRef idx="1">
+            <a:schemeClr val="accent1"/>
+          </a:effectRef>
+          <a:fontRef idx="minor">
+            <a:schemeClr val="tx1"/>
+          </a:fontRef>
+        </p:style>
+      </p:cxnSp>
+      <p:sp>
+        <p:nvSpPr>
+          <p:cNvPr id="83" name="TextBox 82">
+            <a:extLst>
+              <a:ext uri="{FF2B5EF4-FFF2-40B4-BE49-F238E27FC236}">
+                <a16:creationId xmlns:a16="http://schemas.microsoft.com/office/drawing/2014/main" id="{FDED94D8-9798-7099-9671-C46C6E7A5767}"/>
+              </a:ext>
+            </a:extLst>
+          </p:cNvPr>
+          <p:cNvSpPr txBox="1"/>
+          <p:nvPr/>
+        </p:nvSpPr>
+        <p:spPr>
+          <a:xfrm>
+            <a:off x="5508199" y="2616229"/>
+            <a:ext cx="460043" cy="215444"/>
+          </a:xfrm>
+          <a:prstGeom prst="rect">
+            <a:avLst/>
+          </a:prstGeom>
+          <a:noFill/>
+        </p:spPr>
+        <p:txBody>
+          <a:bodyPr wrap="square" rtlCol="0">
+            <a:spAutoFit/>
+          </a:bodyPr>
+          <a:lstStyle/>
+          <a:p>
+            <a:r>
+              <a:rPr lang="en-US" sz="800" dirty="0">
+                <a:solidFill>
+                  <a:schemeClr val="bg1"/>
+                </a:solidFill>
+              </a:rPr>
+              <a:t>L=0.5</a:t>
+            </a:r>
+          </a:p>
+        </p:txBody>
+      </p:sp>
+      <p:cxnSp>
+        <p:nvCxnSpPr>
+          <p:cNvPr id="84" name="Straight Connector 83">
+            <a:extLst>
+              <a:ext uri="{FF2B5EF4-FFF2-40B4-BE49-F238E27FC236}">
+                <a16:creationId xmlns:a16="http://schemas.microsoft.com/office/drawing/2014/main" id="{F362AD43-CCA8-9930-C6F0-4EA977A9D275}"/>
+              </a:ext>
+            </a:extLst>
+          </p:cNvPr>
+          <p:cNvCxnSpPr>
+            <a:cxnSpLocks/>
+          </p:cNvCxnSpPr>
+          <p:nvPr/>
+        </p:nvCxnSpPr>
+        <p:spPr>
+          <a:xfrm flipV="1">
+            <a:off x="5728332" y="2572746"/>
+            <a:ext cx="0" cy="77918"/>
+          </a:xfrm>
+          <a:prstGeom prst="line">
+            <a:avLst/>
+          </a:prstGeom>
+          <a:ln w="12700">
+            <a:solidFill>
+              <a:schemeClr val="bg1"/>
+            </a:solidFill>
+          </a:ln>
+        </p:spPr>
+        <p:style>
+          <a:lnRef idx="2">
+            <a:schemeClr val="accent1"/>
+          </a:lnRef>
+          <a:fillRef idx="0">
+            <a:schemeClr val="accent1"/>
+          </a:fillRef>
+          <a:effectRef idx="1">
+            <a:schemeClr val="accent1"/>
+          </a:effectRef>
+          <a:fontRef idx="minor">
+            <a:schemeClr val="tx1"/>
+          </a:fontRef>
+        </p:style>
+      </p:cxnSp>
+      <p:sp>
+        <p:nvSpPr>
+          <p:cNvPr id="85" name="TextBox 84">
+            <a:extLst>
+              <a:ext uri="{FF2B5EF4-FFF2-40B4-BE49-F238E27FC236}">
+                <a16:creationId xmlns:a16="http://schemas.microsoft.com/office/drawing/2014/main" id="{7C85BBAA-EAF8-ACF7-A087-CC2F9B101F7F}"/>
+              </a:ext>
+            </a:extLst>
+          </p:cNvPr>
+          <p:cNvSpPr txBox="1"/>
+          <p:nvPr/>
+        </p:nvSpPr>
+        <p:spPr>
+          <a:xfrm>
+            <a:off x="6611643" y="2623537"/>
+            <a:ext cx="460043" cy="215444"/>
+          </a:xfrm>
+          <a:prstGeom prst="rect">
+            <a:avLst/>
+          </a:prstGeom>
+          <a:noFill/>
+        </p:spPr>
+        <p:txBody>
+          <a:bodyPr wrap="square" rtlCol="0">
+            <a:spAutoFit/>
+          </a:bodyPr>
+          <a:lstStyle/>
+          <a:p>
+            <a:r>
+              <a:rPr lang="en-US" sz="800" dirty="0">
+                <a:solidFill>
+                  <a:schemeClr val="bg1"/>
+                </a:solidFill>
+              </a:rPr>
+              <a:t>L=0.6</a:t>
+            </a:r>
+          </a:p>
+        </p:txBody>
+      </p:sp>
+      <p:cxnSp>
+        <p:nvCxnSpPr>
+          <p:cNvPr id="86" name="Straight Connector 85">
+            <a:extLst>
+              <a:ext uri="{FF2B5EF4-FFF2-40B4-BE49-F238E27FC236}">
+                <a16:creationId xmlns:a16="http://schemas.microsoft.com/office/drawing/2014/main" id="{F69BB9CC-4947-F2C7-5EF4-AB21A796B639}"/>
+              </a:ext>
+            </a:extLst>
+          </p:cNvPr>
+          <p:cNvCxnSpPr>
+            <a:cxnSpLocks/>
+          </p:cNvCxnSpPr>
+          <p:nvPr/>
+        </p:nvCxnSpPr>
+        <p:spPr>
+          <a:xfrm flipV="1">
+            <a:off x="6831776" y="2572746"/>
+            <a:ext cx="0" cy="85226"/>
+          </a:xfrm>
+          <a:prstGeom prst="line">
+            <a:avLst/>
+          </a:prstGeom>
+          <a:ln w="12700">
+            <a:solidFill>
+              <a:schemeClr val="bg1"/>
+            </a:solidFill>
+          </a:ln>
+        </p:spPr>
+        <p:style>
+          <a:lnRef idx="2">
+            <a:schemeClr val="accent1"/>
+          </a:lnRef>
+          <a:fillRef idx="0">
+            <a:schemeClr val="accent1"/>
+          </a:fillRef>
+          <a:effectRef idx="1">
+            <a:schemeClr val="accent1"/>
+          </a:effectRef>
+          <a:fontRef idx="minor">
+            <a:schemeClr val="tx1"/>
+          </a:fontRef>
+        </p:style>
+      </p:cxnSp>
+      <p:sp>
+        <p:nvSpPr>
+          <p:cNvPr id="87" name="TextBox 86">
+            <a:extLst>
+              <a:ext uri="{FF2B5EF4-FFF2-40B4-BE49-F238E27FC236}">
+                <a16:creationId xmlns:a16="http://schemas.microsoft.com/office/drawing/2014/main" id="{F86F59C6-8BD4-70EF-0C24-5DE1ED9F8E47}"/>
+              </a:ext>
+            </a:extLst>
+          </p:cNvPr>
+          <p:cNvSpPr txBox="1"/>
+          <p:nvPr/>
+        </p:nvSpPr>
+        <p:spPr>
+          <a:xfrm>
+            <a:off x="7945107" y="2617163"/>
+            <a:ext cx="460043" cy="215444"/>
+          </a:xfrm>
+          <a:prstGeom prst="rect">
+            <a:avLst/>
+          </a:prstGeom>
+          <a:noFill/>
+        </p:spPr>
+        <p:txBody>
+          <a:bodyPr wrap="square" rtlCol="0">
+            <a:spAutoFit/>
+          </a:bodyPr>
+          <a:lstStyle/>
+          <a:p>
+            <a:r>
+              <a:rPr lang="en-US" sz="800" dirty="0">
+                <a:solidFill>
+                  <a:schemeClr val="bg1"/>
+                </a:solidFill>
+              </a:rPr>
+              <a:t>L=0.7</a:t>
+            </a:r>
+          </a:p>
+        </p:txBody>
+      </p:sp>
+      <p:cxnSp>
+        <p:nvCxnSpPr>
+          <p:cNvPr id="88" name="Straight Connector 87">
+            <a:extLst>
+              <a:ext uri="{FF2B5EF4-FFF2-40B4-BE49-F238E27FC236}">
+                <a16:creationId xmlns:a16="http://schemas.microsoft.com/office/drawing/2014/main" id="{352F74F7-AC1D-DF33-697C-3E89245E0BDE}"/>
+              </a:ext>
+            </a:extLst>
+          </p:cNvPr>
+          <p:cNvCxnSpPr>
+            <a:cxnSpLocks/>
+          </p:cNvCxnSpPr>
+          <p:nvPr/>
+        </p:nvCxnSpPr>
+        <p:spPr>
+          <a:xfrm flipV="1">
+            <a:off x="8165240" y="2552506"/>
+            <a:ext cx="0" cy="99092"/>
+          </a:xfrm>
+          <a:prstGeom prst="line">
+            <a:avLst/>
+          </a:prstGeom>
+          <a:ln w="12700">
+            <a:solidFill>
+              <a:schemeClr val="bg1"/>
+            </a:solidFill>
+          </a:ln>
+        </p:spPr>
+        <p:style>
+          <a:lnRef idx="2">
+            <a:schemeClr val="accent1"/>
+          </a:lnRef>
+          <a:fillRef idx="0">
+            <a:schemeClr val="accent1"/>
+          </a:fillRef>
+          <a:effectRef idx="1">
+            <a:schemeClr val="accent1"/>
+          </a:effectRef>
+          <a:fontRef idx="minor">
+            <a:schemeClr val="tx1"/>
+          </a:fontRef>
+        </p:style>
+      </p:cxnSp>
+      <p:sp>
+        <p:nvSpPr>
+          <p:cNvPr id="89" name="TextBox 88">
+            <a:extLst>
+              <a:ext uri="{FF2B5EF4-FFF2-40B4-BE49-F238E27FC236}">
+                <a16:creationId xmlns:a16="http://schemas.microsoft.com/office/drawing/2014/main" id="{C6C9243E-8F9F-C446-4162-58E7CD6FD7C4}"/>
+              </a:ext>
+            </a:extLst>
+          </p:cNvPr>
+          <p:cNvSpPr txBox="1"/>
+          <p:nvPr/>
+        </p:nvSpPr>
+        <p:spPr>
+          <a:xfrm>
+            <a:off x="9300527" y="2617163"/>
+            <a:ext cx="460043" cy="215444"/>
+          </a:xfrm>
+          <a:prstGeom prst="rect">
+            <a:avLst/>
+          </a:prstGeom>
+          <a:noFill/>
+        </p:spPr>
+        <p:txBody>
+          <a:bodyPr wrap="square" rtlCol="0">
+            <a:spAutoFit/>
+          </a:bodyPr>
+          <a:lstStyle/>
+          <a:p>
+            <a:r>
+              <a:rPr lang="en-US" sz="800" dirty="0">
+                <a:solidFill>
+                  <a:schemeClr val="bg1"/>
+                </a:solidFill>
+              </a:rPr>
+              <a:t>L=0.8</a:t>
+            </a:r>
+          </a:p>
+        </p:txBody>
+      </p:sp>
+      <p:cxnSp>
+        <p:nvCxnSpPr>
+          <p:cNvPr id="90" name="Straight Connector 89">
+            <a:extLst>
+              <a:ext uri="{FF2B5EF4-FFF2-40B4-BE49-F238E27FC236}">
+                <a16:creationId xmlns:a16="http://schemas.microsoft.com/office/drawing/2014/main" id="{EE498C0B-32B6-E241-D350-4C6054EB81E5}"/>
+              </a:ext>
+            </a:extLst>
+          </p:cNvPr>
+          <p:cNvCxnSpPr>
+            <a:cxnSpLocks/>
+          </p:cNvCxnSpPr>
+          <p:nvPr/>
+        </p:nvCxnSpPr>
+        <p:spPr>
+          <a:xfrm flipV="1">
+            <a:off x="9520660" y="2552506"/>
+            <a:ext cx="0" cy="99092"/>
+          </a:xfrm>
+          <a:prstGeom prst="line">
+            <a:avLst/>
+          </a:prstGeom>
+          <a:ln w="12700">
+            <a:solidFill>
+              <a:schemeClr val="bg1"/>
+            </a:solidFill>
+          </a:ln>
+        </p:spPr>
+        <p:style>
+          <a:lnRef idx="2">
+            <a:schemeClr val="accent1"/>
+          </a:lnRef>
+          <a:fillRef idx="0">
+            <a:schemeClr val="accent1"/>
+          </a:fillRef>
+          <a:effectRef idx="1">
+            <a:schemeClr val="accent1"/>
+          </a:effectRef>
+          <a:fontRef idx="minor">
+            <a:schemeClr val="tx1"/>
+          </a:fontRef>
+        </p:style>
+      </p:cxnSp>
+      <p:sp>
+        <p:nvSpPr>
+          <p:cNvPr id="91" name="TextBox 90">
+            <a:extLst>
+              <a:ext uri="{FF2B5EF4-FFF2-40B4-BE49-F238E27FC236}">
+                <a16:creationId xmlns:a16="http://schemas.microsoft.com/office/drawing/2014/main" id="{E0CCCDB0-1428-1DB1-565B-92CC2A5AAE17}"/>
+              </a:ext>
+            </a:extLst>
+          </p:cNvPr>
+          <p:cNvSpPr txBox="1"/>
+          <p:nvPr/>
+        </p:nvSpPr>
+        <p:spPr>
+          <a:xfrm>
+            <a:off x="10655947" y="2627029"/>
+            <a:ext cx="460043" cy="215444"/>
+          </a:xfrm>
+          <a:prstGeom prst="rect">
+            <a:avLst/>
+          </a:prstGeom>
+          <a:noFill/>
+        </p:spPr>
+        <p:txBody>
+          <a:bodyPr wrap="square" rtlCol="0">
+            <a:spAutoFit/>
+          </a:bodyPr>
+          <a:lstStyle/>
+          <a:p>
+            <a:r>
+              <a:rPr lang="en-US" sz="800" dirty="0">
+                <a:solidFill>
+                  <a:schemeClr val="bg1"/>
+                </a:solidFill>
+              </a:rPr>
+              <a:t>L=0.9</a:t>
+            </a:r>
+          </a:p>
+        </p:txBody>
+      </p:sp>
+      <p:cxnSp>
+        <p:nvCxnSpPr>
+          <p:cNvPr id="92" name="Straight Connector 91">
+            <a:extLst>
+              <a:ext uri="{FF2B5EF4-FFF2-40B4-BE49-F238E27FC236}">
+                <a16:creationId xmlns:a16="http://schemas.microsoft.com/office/drawing/2014/main" id="{0B17BC32-86E3-7744-EA17-34010721E53A}"/>
+              </a:ext>
+            </a:extLst>
+          </p:cNvPr>
+          <p:cNvCxnSpPr>
+            <a:cxnSpLocks/>
+          </p:cNvCxnSpPr>
+          <p:nvPr/>
+        </p:nvCxnSpPr>
+        <p:spPr>
+          <a:xfrm flipV="1">
+            <a:off x="10876080" y="2562372"/>
+            <a:ext cx="0" cy="99092"/>
+          </a:xfrm>
+          <a:prstGeom prst="line">
+            <a:avLst/>
+          </a:prstGeom>
+          <a:ln w="12700">
+            <a:solidFill>
+              <a:schemeClr val="bg1"/>
+            </a:solidFill>
+          </a:ln>
+        </p:spPr>
+        <p:style>
+          <a:lnRef idx="2">
+            <a:schemeClr val="accent1"/>
+          </a:lnRef>
+          <a:fillRef idx="0">
+            <a:schemeClr val="accent1"/>
+          </a:fillRef>
+          <a:effectRef idx="1">
+            <a:schemeClr val="accent1"/>
+          </a:effectRef>
+          <a:fontRef idx="minor">
+            <a:schemeClr val="tx1"/>
+          </a:fontRef>
+        </p:style>
+      </p:cxnSp>
+      <p:sp>
+        <p:nvSpPr>
+          <p:cNvPr id="93" name="TextBox 92">
+            <a:extLst>
+              <a:ext uri="{FF2B5EF4-FFF2-40B4-BE49-F238E27FC236}">
+                <a16:creationId xmlns:a16="http://schemas.microsoft.com/office/drawing/2014/main" id="{0F92CA73-1EDB-FE6B-A877-882D6A597D56}"/>
+              </a:ext>
+            </a:extLst>
+          </p:cNvPr>
+          <p:cNvSpPr txBox="1"/>
+          <p:nvPr/>
+        </p:nvSpPr>
+        <p:spPr>
+          <a:xfrm>
+            <a:off x="1704972" y="4139106"/>
+            <a:ext cx="460043" cy="276999"/>
+          </a:xfrm>
+          <a:prstGeom prst="rect">
+            <a:avLst/>
+          </a:prstGeom>
+          <a:noFill/>
+        </p:spPr>
+        <p:txBody>
+          <a:bodyPr wrap="square" rtlCol="0">
+            <a:spAutoFit/>
+          </a:bodyPr>
+          <a:lstStyle/>
+          <a:p>
+            <a:r>
+              <a:rPr lang="en-US" sz="1200" dirty="0">
+                <a:solidFill>
+                  <a:schemeClr val="bg1"/>
+                </a:solidFill>
+              </a:rPr>
+              <a:t>L=0</a:t>
+            </a:r>
+          </a:p>
+        </p:txBody>
+      </p:sp>
+      <p:cxnSp>
+        <p:nvCxnSpPr>
+          <p:cNvPr id="94" name="Straight Connector 93">
+            <a:extLst>
+              <a:ext uri="{FF2B5EF4-FFF2-40B4-BE49-F238E27FC236}">
+                <a16:creationId xmlns:a16="http://schemas.microsoft.com/office/drawing/2014/main" id="{35FA4DC6-668E-66F5-E01E-6A5CCEB4824E}"/>
+              </a:ext>
+            </a:extLst>
+          </p:cNvPr>
+          <p:cNvCxnSpPr/>
+          <p:nvPr/>
+        </p:nvCxnSpPr>
+        <p:spPr>
+          <a:xfrm flipV="1">
+            <a:off x="1925105" y="3957921"/>
+            <a:ext cx="0" cy="215620"/>
+          </a:xfrm>
+          <a:prstGeom prst="line">
+            <a:avLst/>
+          </a:prstGeom>
+          <a:ln w="25400">
+            <a:solidFill>
+              <a:schemeClr val="bg1"/>
+            </a:solidFill>
+          </a:ln>
+        </p:spPr>
+        <p:style>
+          <a:lnRef idx="2">
+            <a:schemeClr val="accent1"/>
+          </a:lnRef>
+          <a:fillRef idx="0">
+            <a:schemeClr val="accent1"/>
+          </a:fillRef>
+          <a:effectRef idx="1">
+            <a:schemeClr val="accent1"/>
+          </a:effectRef>
+          <a:fontRef idx="minor">
+            <a:schemeClr val="tx1"/>
+          </a:fontRef>
+        </p:style>
+      </p:cxnSp>
+      <p:sp>
+        <p:nvSpPr>
+          <p:cNvPr id="95" name="TextBox 94">
+            <a:extLst>
+              <a:ext uri="{FF2B5EF4-FFF2-40B4-BE49-F238E27FC236}">
+                <a16:creationId xmlns:a16="http://schemas.microsoft.com/office/drawing/2014/main" id="{093F6B76-A2C6-5EE5-ACCA-DEAF8A3DAF43}"/>
+              </a:ext>
+            </a:extLst>
+          </p:cNvPr>
+          <p:cNvSpPr txBox="1"/>
+          <p:nvPr/>
+        </p:nvSpPr>
+        <p:spPr>
+          <a:xfrm>
+            <a:off x="11401256" y="4163455"/>
+            <a:ext cx="460043" cy="276999"/>
+          </a:xfrm>
+          <a:prstGeom prst="rect">
+            <a:avLst/>
+          </a:prstGeom>
+          <a:noFill/>
+        </p:spPr>
+        <p:txBody>
+          <a:bodyPr wrap="square" rtlCol="0">
+            <a:spAutoFit/>
+          </a:bodyPr>
+          <a:lstStyle/>
+          <a:p>
+            <a:r>
+              <a:rPr lang="en-US" sz="1200" dirty="0">
+                <a:solidFill>
+                  <a:schemeClr val="bg1"/>
+                </a:solidFill>
+              </a:rPr>
+              <a:t>L=1</a:t>
+            </a:r>
+          </a:p>
+        </p:txBody>
+      </p:sp>
+      <p:cxnSp>
+        <p:nvCxnSpPr>
+          <p:cNvPr id="96" name="Straight Connector 95">
+            <a:extLst>
+              <a:ext uri="{FF2B5EF4-FFF2-40B4-BE49-F238E27FC236}">
+                <a16:creationId xmlns:a16="http://schemas.microsoft.com/office/drawing/2014/main" id="{3753EDEA-B10C-6C4E-2276-3DDD062D46CE}"/>
+              </a:ext>
+            </a:extLst>
+          </p:cNvPr>
+          <p:cNvCxnSpPr/>
+          <p:nvPr/>
+        </p:nvCxnSpPr>
+        <p:spPr>
+          <a:xfrm flipV="1">
+            <a:off x="11621389" y="3982270"/>
+            <a:ext cx="0" cy="215620"/>
+          </a:xfrm>
+          <a:prstGeom prst="line">
+            <a:avLst/>
+          </a:prstGeom>
+          <a:ln w="25400">
+            <a:solidFill>
+              <a:schemeClr val="bg1"/>
+            </a:solidFill>
+          </a:ln>
+        </p:spPr>
+        <p:style>
+          <a:lnRef idx="2">
+            <a:schemeClr val="accent1"/>
+          </a:lnRef>
+          <a:fillRef idx="0">
+            <a:schemeClr val="accent1"/>
+          </a:fillRef>
+          <a:effectRef idx="1">
+            <a:schemeClr val="accent1"/>
+          </a:effectRef>
+          <a:fontRef idx="minor">
+            <a:schemeClr val="tx1"/>
+          </a:fontRef>
+        </p:style>
+      </p:cxnSp>
+      <p:sp>
+        <p:nvSpPr>
+          <p:cNvPr id="99" name="TextBox 98">
+            <a:extLst>
+              <a:ext uri="{FF2B5EF4-FFF2-40B4-BE49-F238E27FC236}">
+                <a16:creationId xmlns:a16="http://schemas.microsoft.com/office/drawing/2014/main" id="{7139E3E5-003B-A98E-5417-450D0DC88404}"/>
+              </a:ext>
+            </a:extLst>
+          </p:cNvPr>
+          <p:cNvSpPr txBox="1"/>
+          <p:nvPr/>
+        </p:nvSpPr>
+        <p:spPr>
+          <a:xfrm>
+            <a:off x="2290645" y="4196428"/>
+            <a:ext cx="460043" cy="215444"/>
+          </a:xfrm>
+          <a:prstGeom prst="rect">
+            <a:avLst/>
+          </a:prstGeom>
+          <a:noFill/>
+        </p:spPr>
+        <p:txBody>
+          <a:bodyPr wrap="square" rtlCol="0">
+            <a:spAutoFit/>
+          </a:bodyPr>
+          <a:lstStyle/>
+          <a:p>
+            <a:r>
+              <a:rPr lang="en-US" sz="800" dirty="0">
+                <a:solidFill>
+                  <a:schemeClr val="bg1"/>
+                </a:solidFill>
+              </a:rPr>
+              <a:t>L=0.1</a:t>
+            </a:r>
+          </a:p>
+        </p:txBody>
+      </p:sp>
+      <p:cxnSp>
+        <p:nvCxnSpPr>
+          <p:cNvPr id="100" name="Straight Connector 99">
+            <a:extLst>
+              <a:ext uri="{FF2B5EF4-FFF2-40B4-BE49-F238E27FC236}">
+                <a16:creationId xmlns:a16="http://schemas.microsoft.com/office/drawing/2014/main" id="{71E38A8A-848F-60A0-50C1-E124DA98D9A8}"/>
+              </a:ext>
+            </a:extLst>
+          </p:cNvPr>
+          <p:cNvCxnSpPr>
+            <a:cxnSpLocks/>
+          </p:cNvCxnSpPr>
+          <p:nvPr/>
+        </p:nvCxnSpPr>
+        <p:spPr>
+          <a:xfrm flipV="1">
+            <a:off x="2510778" y="4131771"/>
+            <a:ext cx="0" cy="99092"/>
+          </a:xfrm>
+          <a:prstGeom prst="line">
+            <a:avLst/>
+          </a:prstGeom>
+          <a:ln w="12700">
+            <a:solidFill>
+              <a:schemeClr val="bg1"/>
+            </a:solidFill>
+          </a:ln>
+        </p:spPr>
+        <p:style>
+          <a:lnRef idx="2">
+            <a:schemeClr val="accent1"/>
+          </a:lnRef>
+          <a:fillRef idx="0">
+            <a:schemeClr val="accent1"/>
+          </a:fillRef>
+          <a:effectRef idx="1">
+            <a:schemeClr val="accent1"/>
+          </a:effectRef>
+          <a:fontRef idx="minor">
+            <a:schemeClr val="tx1"/>
+          </a:fontRef>
+        </p:style>
+      </p:cxnSp>
+      <p:sp>
+        <p:nvSpPr>
+          <p:cNvPr id="101" name="TextBox 100">
+            <a:extLst>
+              <a:ext uri="{FF2B5EF4-FFF2-40B4-BE49-F238E27FC236}">
+                <a16:creationId xmlns:a16="http://schemas.microsoft.com/office/drawing/2014/main" id="{FC763EBE-04BC-43F3-D075-9B6669C296EC}"/>
+              </a:ext>
+            </a:extLst>
+          </p:cNvPr>
+          <p:cNvSpPr txBox="1"/>
+          <p:nvPr/>
+        </p:nvSpPr>
+        <p:spPr>
+          <a:xfrm>
+            <a:off x="2919974" y="4194715"/>
+            <a:ext cx="460043" cy="215444"/>
+          </a:xfrm>
+          <a:prstGeom prst="rect">
+            <a:avLst/>
+          </a:prstGeom>
+          <a:noFill/>
+        </p:spPr>
+        <p:txBody>
+          <a:bodyPr wrap="square" rtlCol="0">
+            <a:spAutoFit/>
+          </a:bodyPr>
+          <a:lstStyle/>
+          <a:p>
+            <a:r>
+              <a:rPr lang="en-US" sz="800" dirty="0">
+                <a:solidFill>
+                  <a:schemeClr val="bg1"/>
+                </a:solidFill>
+              </a:rPr>
+              <a:t>L=0.2</a:t>
+            </a:r>
+          </a:p>
+        </p:txBody>
+      </p:sp>
+      <p:cxnSp>
+        <p:nvCxnSpPr>
+          <p:cNvPr id="102" name="Straight Connector 101">
+            <a:extLst>
+              <a:ext uri="{FF2B5EF4-FFF2-40B4-BE49-F238E27FC236}">
+                <a16:creationId xmlns:a16="http://schemas.microsoft.com/office/drawing/2014/main" id="{88AE8C5B-814D-23CE-278C-64EE72CB6C82}"/>
+              </a:ext>
+            </a:extLst>
+          </p:cNvPr>
+          <p:cNvCxnSpPr>
+            <a:cxnSpLocks/>
+          </p:cNvCxnSpPr>
+          <p:nvPr/>
+        </p:nvCxnSpPr>
+        <p:spPr>
+          <a:xfrm flipV="1">
+            <a:off x="3140107" y="4130058"/>
+            <a:ext cx="0" cy="99092"/>
+          </a:xfrm>
+          <a:prstGeom prst="line">
+            <a:avLst/>
+          </a:prstGeom>
+          <a:ln w="12700">
+            <a:solidFill>
+              <a:schemeClr val="bg1"/>
+            </a:solidFill>
+          </a:ln>
+        </p:spPr>
+        <p:style>
+          <a:lnRef idx="2">
+            <a:schemeClr val="accent1"/>
+          </a:lnRef>
+          <a:fillRef idx="0">
+            <a:schemeClr val="accent1"/>
+          </a:fillRef>
+          <a:effectRef idx="1">
+            <a:schemeClr val="accent1"/>
+          </a:effectRef>
+          <a:fontRef idx="minor">
+            <a:schemeClr val="tx1"/>
+          </a:fontRef>
+        </p:style>
+      </p:cxnSp>
+      <p:sp>
+        <p:nvSpPr>
+          <p:cNvPr id="103" name="TextBox 102">
+            <a:extLst>
+              <a:ext uri="{FF2B5EF4-FFF2-40B4-BE49-F238E27FC236}">
+                <a16:creationId xmlns:a16="http://schemas.microsoft.com/office/drawing/2014/main" id="{4844DC05-2830-3EAB-83F9-DDBA241ACFBD}"/>
+              </a:ext>
+            </a:extLst>
+          </p:cNvPr>
+          <p:cNvSpPr txBox="1"/>
+          <p:nvPr/>
+        </p:nvSpPr>
+        <p:spPr>
+          <a:xfrm>
+            <a:off x="3674774" y="4194715"/>
+            <a:ext cx="460043" cy="215444"/>
+          </a:xfrm>
+          <a:prstGeom prst="rect">
+            <a:avLst/>
+          </a:prstGeom>
+          <a:noFill/>
+        </p:spPr>
+        <p:txBody>
+          <a:bodyPr wrap="square" rtlCol="0">
+            <a:spAutoFit/>
+          </a:bodyPr>
+          <a:lstStyle/>
+          <a:p>
+            <a:r>
+              <a:rPr lang="en-US" sz="800" dirty="0">
+                <a:solidFill>
+                  <a:schemeClr val="bg1"/>
+                </a:solidFill>
+              </a:rPr>
+              <a:t>L=0.3</a:t>
+            </a:r>
+          </a:p>
+        </p:txBody>
+      </p:sp>
+      <p:cxnSp>
+        <p:nvCxnSpPr>
+          <p:cNvPr id="104" name="Straight Connector 103">
+            <a:extLst>
+              <a:ext uri="{FF2B5EF4-FFF2-40B4-BE49-F238E27FC236}">
+                <a16:creationId xmlns:a16="http://schemas.microsoft.com/office/drawing/2014/main" id="{B028ECAB-8A6A-29EF-0743-36498D00B1E8}"/>
+              </a:ext>
+            </a:extLst>
+          </p:cNvPr>
+          <p:cNvCxnSpPr>
+            <a:cxnSpLocks/>
+          </p:cNvCxnSpPr>
+          <p:nvPr/>
+        </p:nvCxnSpPr>
+        <p:spPr>
+          <a:xfrm flipV="1">
+            <a:off x="3894907" y="4130058"/>
+            <a:ext cx="0" cy="99092"/>
+          </a:xfrm>
+          <a:prstGeom prst="line">
+            <a:avLst/>
+          </a:prstGeom>
+          <a:ln w="12700">
+            <a:solidFill>
+              <a:schemeClr val="bg1"/>
+            </a:solidFill>
+          </a:ln>
+        </p:spPr>
+        <p:style>
+          <a:lnRef idx="2">
+            <a:schemeClr val="accent1"/>
+          </a:lnRef>
+          <a:fillRef idx="0">
+            <a:schemeClr val="accent1"/>
+          </a:fillRef>
+          <a:effectRef idx="1">
+            <a:schemeClr val="accent1"/>
+          </a:effectRef>
+          <a:fontRef idx="minor">
+            <a:schemeClr val="tx1"/>
+          </a:fontRef>
+        </p:style>
+      </p:cxnSp>
+      <p:sp>
+        <p:nvSpPr>
+          <p:cNvPr id="105" name="TextBox 104">
+            <a:extLst>
+              <a:ext uri="{FF2B5EF4-FFF2-40B4-BE49-F238E27FC236}">
+                <a16:creationId xmlns:a16="http://schemas.microsoft.com/office/drawing/2014/main" id="{436544D5-E0DE-7043-7256-2DE445A089C1}"/>
+              </a:ext>
+            </a:extLst>
+          </p:cNvPr>
+          <p:cNvSpPr txBox="1"/>
+          <p:nvPr/>
+        </p:nvSpPr>
+        <p:spPr>
+          <a:xfrm>
+            <a:off x="4595021" y="4205867"/>
+            <a:ext cx="460043" cy="215444"/>
+          </a:xfrm>
+          <a:prstGeom prst="rect">
+            <a:avLst/>
+          </a:prstGeom>
+          <a:noFill/>
+        </p:spPr>
+        <p:txBody>
+          <a:bodyPr wrap="square" rtlCol="0">
+            <a:spAutoFit/>
+          </a:bodyPr>
+          <a:lstStyle/>
+          <a:p>
+            <a:r>
+              <a:rPr lang="en-US" sz="800" dirty="0">
+                <a:solidFill>
+                  <a:schemeClr val="bg1"/>
+                </a:solidFill>
+              </a:rPr>
+              <a:t>L=0.4</a:t>
+            </a:r>
+          </a:p>
+        </p:txBody>
+      </p:sp>
+      <p:cxnSp>
+        <p:nvCxnSpPr>
+          <p:cNvPr id="106" name="Straight Connector 105">
+            <a:extLst>
+              <a:ext uri="{FF2B5EF4-FFF2-40B4-BE49-F238E27FC236}">
+                <a16:creationId xmlns:a16="http://schemas.microsoft.com/office/drawing/2014/main" id="{0DAA3EAC-7B3F-41C7-57E7-B92145C4F732}"/>
+              </a:ext>
+            </a:extLst>
+          </p:cNvPr>
+          <p:cNvCxnSpPr>
+            <a:cxnSpLocks/>
+          </p:cNvCxnSpPr>
+          <p:nvPr/>
+        </p:nvCxnSpPr>
+        <p:spPr>
+          <a:xfrm flipV="1">
+            <a:off x="4815154" y="4141210"/>
+            <a:ext cx="0" cy="99092"/>
+          </a:xfrm>
+          <a:prstGeom prst="line">
+            <a:avLst/>
+          </a:prstGeom>
+          <a:ln w="12700">
+            <a:solidFill>
+              <a:schemeClr val="bg1"/>
+            </a:solidFill>
+          </a:ln>
+        </p:spPr>
+        <p:style>
+          <a:lnRef idx="2">
+            <a:schemeClr val="accent1"/>
+          </a:lnRef>
+          <a:fillRef idx="0">
+            <a:schemeClr val="accent1"/>
+          </a:fillRef>
+          <a:effectRef idx="1">
+            <a:schemeClr val="accent1"/>
+          </a:effectRef>
+          <a:fontRef idx="minor">
+            <a:schemeClr val="tx1"/>
+          </a:fontRef>
+        </p:style>
+      </p:cxnSp>
+      <p:sp>
+        <p:nvSpPr>
+          <p:cNvPr id="107" name="TextBox 106">
+            <a:extLst>
+              <a:ext uri="{FF2B5EF4-FFF2-40B4-BE49-F238E27FC236}">
+                <a16:creationId xmlns:a16="http://schemas.microsoft.com/office/drawing/2014/main" id="{975618AC-3993-C019-9F68-91D44B81D93B}"/>
+              </a:ext>
+            </a:extLst>
+          </p:cNvPr>
+          <p:cNvSpPr txBox="1"/>
+          <p:nvPr/>
+        </p:nvSpPr>
+        <p:spPr>
+          <a:xfrm>
+            <a:off x="5622505" y="4203763"/>
+            <a:ext cx="460043" cy="215444"/>
+          </a:xfrm>
+          <a:prstGeom prst="rect">
+            <a:avLst/>
+          </a:prstGeom>
+          <a:noFill/>
+        </p:spPr>
+        <p:txBody>
+          <a:bodyPr wrap="square" rtlCol="0">
+            <a:spAutoFit/>
+          </a:bodyPr>
+          <a:lstStyle/>
+          <a:p>
+            <a:r>
+              <a:rPr lang="en-US" sz="800" dirty="0">
+                <a:solidFill>
+                  <a:schemeClr val="bg1"/>
+                </a:solidFill>
+              </a:rPr>
+              <a:t>L=0.5</a:t>
+            </a:r>
+          </a:p>
+        </p:txBody>
+      </p:sp>
+      <p:cxnSp>
+        <p:nvCxnSpPr>
+          <p:cNvPr id="108" name="Straight Connector 107">
+            <a:extLst>
+              <a:ext uri="{FF2B5EF4-FFF2-40B4-BE49-F238E27FC236}">
+                <a16:creationId xmlns:a16="http://schemas.microsoft.com/office/drawing/2014/main" id="{A86EC55B-9187-37AB-067A-991F71619E32}"/>
+              </a:ext>
+            </a:extLst>
+          </p:cNvPr>
+          <p:cNvCxnSpPr>
+            <a:cxnSpLocks/>
+          </p:cNvCxnSpPr>
+          <p:nvPr/>
+        </p:nvCxnSpPr>
+        <p:spPr>
+          <a:xfrm flipV="1">
+            <a:off x="5842638" y="4139106"/>
+            <a:ext cx="0" cy="99092"/>
+          </a:xfrm>
+          <a:prstGeom prst="line">
+            <a:avLst/>
+          </a:prstGeom>
+          <a:ln w="12700">
+            <a:solidFill>
+              <a:schemeClr val="bg1"/>
+            </a:solidFill>
+          </a:ln>
+        </p:spPr>
+        <p:style>
+          <a:lnRef idx="2">
+            <a:schemeClr val="accent1"/>
+          </a:lnRef>
+          <a:fillRef idx="0">
+            <a:schemeClr val="accent1"/>
+          </a:fillRef>
+          <a:effectRef idx="1">
+            <a:schemeClr val="accent1"/>
+          </a:effectRef>
+          <a:fontRef idx="minor">
+            <a:schemeClr val="tx1"/>
+          </a:fontRef>
+        </p:style>
+      </p:cxnSp>
+      <p:sp>
+        <p:nvSpPr>
+          <p:cNvPr id="109" name="TextBox 108">
+            <a:extLst>
+              <a:ext uri="{FF2B5EF4-FFF2-40B4-BE49-F238E27FC236}">
+                <a16:creationId xmlns:a16="http://schemas.microsoft.com/office/drawing/2014/main" id="{94425A3C-A99E-2AE7-14BD-EC6ABAEA4462}"/>
+              </a:ext>
+            </a:extLst>
+          </p:cNvPr>
+          <p:cNvSpPr txBox="1"/>
+          <p:nvPr/>
+        </p:nvSpPr>
+        <p:spPr>
+          <a:xfrm>
+            <a:off x="6747113" y="4211071"/>
+            <a:ext cx="460043" cy="215444"/>
+          </a:xfrm>
+          <a:prstGeom prst="rect">
+            <a:avLst/>
+          </a:prstGeom>
+          <a:noFill/>
+        </p:spPr>
+        <p:txBody>
+          <a:bodyPr wrap="square" rtlCol="0">
+            <a:spAutoFit/>
+          </a:bodyPr>
+          <a:lstStyle/>
+          <a:p>
+            <a:r>
+              <a:rPr lang="en-US" sz="800" dirty="0">
+                <a:solidFill>
+                  <a:schemeClr val="bg1"/>
+                </a:solidFill>
+              </a:rPr>
+              <a:t>L=0.6</a:t>
+            </a:r>
+          </a:p>
+        </p:txBody>
+      </p:sp>
+      <p:cxnSp>
+        <p:nvCxnSpPr>
+          <p:cNvPr id="110" name="Straight Connector 109">
+            <a:extLst>
+              <a:ext uri="{FF2B5EF4-FFF2-40B4-BE49-F238E27FC236}">
+                <a16:creationId xmlns:a16="http://schemas.microsoft.com/office/drawing/2014/main" id="{4DAF4A6A-4C80-8B5B-3185-8B4085C5B61E}"/>
+              </a:ext>
+            </a:extLst>
+          </p:cNvPr>
+          <p:cNvCxnSpPr>
+            <a:cxnSpLocks/>
+          </p:cNvCxnSpPr>
+          <p:nvPr/>
+        </p:nvCxnSpPr>
+        <p:spPr>
+          <a:xfrm flipV="1">
+            <a:off x="6967246" y="4146414"/>
+            <a:ext cx="0" cy="99092"/>
+          </a:xfrm>
+          <a:prstGeom prst="line">
+            <a:avLst/>
+          </a:prstGeom>
+          <a:ln w="12700">
+            <a:solidFill>
+              <a:schemeClr val="bg1"/>
+            </a:solidFill>
+          </a:ln>
+        </p:spPr>
+        <p:style>
+          <a:lnRef idx="2">
+            <a:schemeClr val="accent1"/>
+          </a:lnRef>
+          <a:fillRef idx="0">
+            <a:schemeClr val="accent1"/>
+          </a:fillRef>
+          <a:effectRef idx="1">
+            <a:schemeClr val="accent1"/>
+          </a:effectRef>
+          <a:fontRef idx="minor">
+            <a:schemeClr val="tx1"/>
+          </a:fontRef>
+        </p:style>
+      </p:cxnSp>
+      <p:sp>
+        <p:nvSpPr>
+          <p:cNvPr id="111" name="TextBox 110">
+            <a:extLst>
+              <a:ext uri="{FF2B5EF4-FFF2-40B4-BE49-F238E27FC236}">
+                <a16:creationId xmlns:a16="http://schemas.microsoft.com/office/drawing/2014/main" id="{FD383DE9-D763-B1AF-FFDE-19C7B156CA6D}"/>
+              </a:ext>
+            </a:extLst>
+          </p:cNvPr>
+          <p:cNvSpPr txBox="1"/>
+          <p:nvPr/>
+        </p:nvSpPr>
+        <p:spPr>
+          <a:xfrm>
+            <a:off x="8035599" y="4204697"/>
+            <a:ext cx="460043" cy="215444"/>
+          </a:xfrm>
+          <a:prstGeom prst="rect">
+            <a:avLst/>
+          </a:prstGeom>
+          <a:noFill/>
+        </p:spPr>
+        <p:txBody>
+          <a:bodyPr wrap="square" rtlCol="0">
+            <a:spAutoFit/>
+          </a:bodyPr>
+          <a:lstStyle/>
+          <a:p>
+            <a:r>
+              <a:rPr lang="en-US" sz="800" dirty="0">
+                <a:solidFill>
+                  <a:schemeClr val="bg1"/>
+                </a:solidFill>
+              </a:rPr>
+              <a:t>L=0.7</a:t>
+            </a:r>
+          </a:p>
+        </p:txBody>
+      </p:sp>
+      <p:cxnSp>
+        <p:nvCxnSpPr>
+          <p:cNvPr id="112" name="Straight Connector 111">
+            <a:extLst>
+              <a:ext uri="{FF2B5EF4-FFF2-40B4-BE49-F238E27FC236}">
+                <a16:creationId xmlns:a16="http://schemas.microsoft.com/office/drawing/2014/main" id="{3B75A916-153F-D609-A24C-8430B9640D8E}"/>
+              </a:ext>
+            </a:extLst>
+          </p:cNvPr>
+          <p:cNvCxnSpPr>
+            <a:cxnSpLocks/>
+          </p:cNvCxnSpPr>
+          <p:nvPr/>
+        </p:nvCxnSpPr>
+        <p:spPr>
+          <a:xfrm flipV="1">
+            <a:off x="8255732" y="4140040"/>
+            <a:ext cx="0" cy="99092"/>
+          </a:xfrm>
+          <a:prstGeom prst="line">
+            <a:avLst/>
+          </a:prstGeom>
+          <a:ln w="12700">
+            <a:solidFill>
+              <a:schemeClr val="bg1"/>
+            </a:solidFill>
+          </a:ln>
+        </p:spPr>
+        <p:style>
+          <a:lnRef idx="2">
+            <a:schemeClr val="accent1"/>
+          </a:lnRef>
+          <a:fillRef idx="0">
+            <a:schemeClr val="accent1"/>
+          </a:fillRef>
+          <a:effectRef idx="1">
+            <a:schemeClr val="accent1"/>
+          </a:effectRef>
+          <a:fontRef idx="minor">
+            <a:schemeClr val="tx1"/>
+          </a:fontRef>
+        </p:style>
+      </p:cxnSp>
+      <p:sp>
+        <p:nvSpPr>
+          <p:cNvPr id="113" name="TextBox 112">
+            <a:extLst>
+              <a:ext uri="{FF2B5EF4-FFF2-40B4-BE49-F238E27FC236}">
+                <a16:creationId xmlns:a16="http://schemas.microsoft.com/office/drawing/2014/main" id="{832DCA45-2256-56EC-7E7F-B1EBE1294E99}"/>
+              </a:ext>
+            </a:extLst>
+          </p:cNvPr>
+          <p:cNvSpPr txBox="1"/>
+          <p:nvPr/>
+        </p:nvSpPr>
+        <p:spPr>
+          <a:xfrm>
+            <a:off x="9391019" y="4204697"/>
+            <a:ext cx="460043" cy="215444"/>
+          </a:xfrm>
+          <a:prstGeom prst="rect">
+            <a:avLst/>
+          </a:prstGeom>
+          <a:noFill/>
+        </p:spPr>
+        <p:txBody>
+          <a:bodyPr wrap="square" rtlCol="0">
+            <a:spAutoFit/>
+          </a:bodyPr>
+          <a:lstStyle/>
+          <a:p>
+            <a:r>
+              <a:rPr lang="en-US" sz="800" dirty="0">
+                <a:solidFill>
+                  <a:schemeClr val="bg1"/>
+                </a:solidFill>
+              </a:rPr>
+              <a:t>L=0.8</a:t>
+            </a:r>
+          </a:p>
+        </p:txBody>
+      </p:sp>
+      <p:cxnSp>
+        <p:nvCxnSpPr>
+          <p:cNvPr id="114" name="Straight Connector 113">
+            <a:extLst>
+              <a:ext uri="{FF2B5EF4-FFF2-40B4-BE49-F238E27FC236}">
+                <a16:creationId xmlns:a16="http://schemas.microsoft.com/office/drawing/2014/main" id="{056E3B19-C169-B7D9-5541-04B48FD3C44F}"/>
+              </a:ext>
+            </a:extLst>
+          </p:cNvPr>
+          <p:cNvCxnSpPr>
+            <a:cxnSpLocks/>
+          </p:cNvCxnSpPr>
+          <p:nvPr/>
+        </p:nvCxnSpPr>
+        <p:spPr>
+          <a:xfrm flipV="1">
+            <a:off x="9611152" y="4140040"/>
+            <a:ext cx="0" cy="99092"/>
+          </a:xfrm>
+          <a:prstGeom prst="line">
+            <a:avLst/>
+          </a:prstGeom>
+          <a:ln w="12700">
+            <a:solidFill>
+              <a:schemeClr val="bg1"/>
+            </a:solidFill>
+          </a:ln>
+        </p:spPr>
+        <p:style>
+          <a:lnRef idx="2">
+            <a:schemeClr val="accent1"/>
+          </a:lnRef>
+          <a:fillRef idx="0">
+            <a:schemeClr val="accent1"/>
+          </a:fillRef>
+          <a:effectRef idx="1">
+            <a:schemeClr val="accent1"/>
+          </a:effectRef>
+          <a:fontRef idx="minor">
+            <a:schemeClr val="tx1"/>
+          </a:fontRef>
+        </p:style>
+      </p:cxnSp>
+      <p:sp>
+        <p:nvSpPr>
+          <p:cNvPr id="115" name="TextBox 114">
+            <a:extLst>
+              <a:ext uri="{FF2B5EF4-FFF2-40B4-BE49-F238E27FC236}">
+                <a16:creationId xmlns:a16="http://schemas.microsoft.com/office/drawing/2014/main" id="{C78F8080-D70B-F5D7-D253-A3B0037752B8}"/>
+              </a:ext>
+            </a:extLst>
+          </p:cNvPr>
+          <p:cNvSpPr txBox="1"/>
+          <p:nvPr/>
+        </p:nvSpPr>
+        <p:spPr>
+          <a:xfrm>
+            <a:off x="10651184" y="4214563"/>
+            <a:ext cx="460043" cy="215444"/>
+          </a:xfrm>
+          <a:prstGeom prst="rect">
+            <a:avLst/>
+          </a:prstGeom>
+          <a:noFill/>
+        </p:spPr>
+        <p:txBody>
+          <a:bodyPr wrap="square" rtlCol="0">
+            <a:spAutoFit/>
+          </a:bodyPr>
+          <a:lstStyle/>
+          <a:p>
+            <a:r>
+              <a:rPr lang="en-US" sz="800" dirty="0">
+                <a:solidFill>
+                  <a:schemeClr val="bg1"/>
+                </a:solidFill>
+              </a:rPr>
+              <a:t>L=0.9</a:t>
+            </a:r>
+          </a:p>
+        </p:txBody>
+      </p:sp>
+      <p:cxnSp>
+        <p:nvCxnSpPr>
+          <p:cNvPr id="116" name="Straight Connector 115">
+            <a:extLst>
+              <a:ext uri="{FF2B5EF4-FFF2-40B4-BE49-F238E27FC236}">
+                <a16:creationId xmlns:a16="http://schemas.microsoft.com/office/drawing/2014/main" id="{D6C7FBD3-A7DC-BD78-F45B-B158E58BE1CC}"/>
+              </a:ext>
+            </a:extLst>
+          </p:cNvPr>
+          <p:cNvCxnSpPr>
+            <a:cxnSpLocks/>
+          </p:cNvCxnSpPr>
+          <p:nvPr/>
+        </p:nvCxnSpPr>
+        <p:spPr>
+          <a:xfrm flipV="1">
+            <a:off x="10871317" y="4149906"/>
+            <a:ext cx="0" cy="99092"/>
+          </a:xfrm>
+          <a:prstGeom prst="line">
+            <a:avLst/>
+          </a:prstGeom>
+          <a:ln w="12700">
+            <a:solidFill>
+              <a:schemeClr val="bg1"/>
+            </a:solidFill>
+          </a:ln>
+        </p:spPr>
+        <p:style>
+          <a:lnRef idx="2">
+            <a:schemeClr val="accent1"/>
+          </a:lnRef>
+          <a:fillRef idx="0">
+            <a:schemeClr val="accent1"/>
+          </a:fillRef>
+          <a:effectRef idx="1">
+            <a:schemeClr val="accent1"/>
+          </a:effectRef>
+          <a:fontRef idx="minor">
+            <a:schemeClr val="tx1"/>
+          </a:fontRef>
+        </p:style>
+      </p:cxnSp>
+      <p:cxnSp>
+        <p:nvCxnSpPr>
+          <p:cNvPr id="122" name="Straight Arrow Connector 121">
+            <a:extLst>
+              <a:ext uri="{FF2B5EF4-FFF2-40B4-BE49-F238E27FC236}">
+                <a16:creationId xmlns:a16="http://schemas.microsoft.com/office/drawing/2014/main" id="{8CD174C1-0ACF-27DF-1AE0-4389309A3BE0}"/>
+              </a:ext>
+            </a:extLst>
+          </p:cNvPr>
+          <p:cNvCxnSpPr>
+            <a:cxnSpLocks/>
+          </p:cNvCxnSpPr>
+          <p:nvPr/>
+        </p:nvCxnSpPr>
+        <p:spPr>
+          <a:xfrm>
+            <a:off x="5844819" y="3648752"/>
+            <a:ext cx="444026" cy="0"/>
+          </a:xfrm>
+          <a:prstGeom prst="straightConnector1">
+            <a:avLst/>
+          </a:prstGeom>
+          <a:ln w="12700">
+            <a:solidFill>
+              <a:schemeClr val="bg1"/>
+            </a:solidFill>
+            <a:headEnd w="lg" len="lg"/>
+            <a:tailEnd type="triangle"/>
+          </a:ln>
+        </p:spPr>
+        <p:style>
+          <a:lnRef idx="2">
+            <a:schemeClr val="accent1"/>
+          </a:lnRef>
+          <a:fillRef idx="0">
+            <a:schemeClr val="accent1"/>
+          </a:fillRef>
+          <a:effectRef idx="1">
+            <a:schemeClr val="accent1"/>
+          </a:effectRef>
+          <a:fontRef idx="minor">
+            <a:schemeClr val="tx1"/>
+          </a:fontRef>
+        </p:style>
+      </p:cxnSp>
+      <p:sp>
+        <p:nvSpPr>
+          <p:cNvPr id="123" name="TextBox 122">
+            <a:extLst>
+              <a:ext uri="{FF2B5EF4-FFF2-40B4-BE49-F238E27FC236}">
+                <a16:creationId xmlns:a16="http://schemas.microsoft.com/office/drawing/2014/main" id="{07DAB563-EAB2-10ED-4068-0AD126BF640F}"/>
+              </a:ext>
+            </a:extLst>
+          </p:cNvPr>
+          <p:cNvSpPr txBox="1"/>
+          <p:nvPr/>
+        </p:nvSpPr>
+        <p:spPr>
+          <a:xfrm>
+            <a:off x="6206485" y="3480422"/>
+            <a:ext cx="285650" cy="307777"/>
+          </a:xfrm>
+          <a:prstGeom prst="rect">
+            <a:avLst/>
+          </a:prstGeom>
+          <a:noFill/>
+        </p:spPr>
+        <p:txBody>
+          <a:bodyPr wrap="square" rtlCol="0">
+            <a:spAutoFit/>
+          </a:bodyPr>
+          <a:lstStyle/>
+          <a:p>
+            <a:r>
+              <a:rPr lang="en-US" sz="1400" dirty="0">
+                <a:solidFill>
+                  <a:schemeClr val="bg1"/>
+                </a:solidFill>
+              </a:rPr>
+              <a:t>c</a:t>
+            </a:r>
+          </a:p>
+        </p:txBody>
+      </p:sp>
+      <p:sp>
+        <p:nvSpPr>
+          <p:cNvPr id="124" name="Arc 123">
+            <a:extLst>
+              <a:ext uri="{FF2B5EF4-FFF2-40B4-BE49-F238E27FC236}">
+                <a16:creationId xmlns:a16="http://schemas.microsoft.com/office/drawing/2014/main" id="{5EC789C2-3CDF-B6CB-A187-DD11E662FC5A}"/>
+              </a:ext>
+            </a:extLst>
+          </p:cNvPr>
+          <p:cNvSpPr/>
+          <p:nvPr/>
+        </p:nvSpPr>
+        <p:spPr>
+          <a:xfrm>
+            <a:off x="5441277" y="3167977"/>
+            <a:ext cx="847568" cy="847568"/>
+          </a:xfrm>
+          <a:prstGeom prst="arc">
+            <a:avLst>
+              <a:gd name="adj1" fmla="val 16200000"/>
+              <a:gd name="adj2" fmla="val 20689075"/>
+            </a:avLst>
+          </a:prstGeom>
+          <a:ln>
+            <a:solidFill>
+              <a:schemeClr val="bg1"/>
+            </a:solidFill>
+            <a:headEnd type="triangle"/>
+            <a:tailEnd type="none"/>
+          </a:ln>
+        </p:spPr>
+        <p:style>
+          <a:lnRef idx="2">
+            <a:schemeClr val="accent1"/>
+          </a:lnRef>
+          <a:fillRef idx="0">
+            <a:schemeClr val="accent1"/>
+          </a:fillRef>
+          <a:effectRef idx="1">
+            <a:schemeClr val="accent1"/>
+          </a:effectRef>
+          <a:fontRef idx="minor">
+            <a:schemeClr val="tx1"/>
+          </a:fontRef>
+        </p:style>
+        <p:txBody>
+          <a:bodyPr rtlCol="0" anchor="ctr"/>
+          <a:lstStyle/>
+          <a:p>
+            <a:pPr algn="ctr"/>
+            <a:endParaRPr lang="en-US"/>
+          </a:p>
+        </p:txBody>
+      </p:sp>
+      <p:sp>
+        <p:nvSpPr>
+          <p:cNvPr id="125" name="TextBox 124">
+            <a:extLst>
+              <a:ext uri="{FF2B5EF4-FFF2-40B4-BE49-F238E27FC236}">
+                <a16:creationId xmlns:a16="http://schemas.microsoft.com/office/drawing/2014/main" id="{6BF9DB91-01B2-1DA0-8F7F-DAA4A9E9C28D}"/>
+              </a:ext>
+            </a:extLst>
+          </p:cNvPr>
+          <p:cNvSpPr txBox="1"/>
+          <p:nvPr/>
+        </p:nvSpPr>
+        <p:spPr>
+          <a:xfrm>
+            <a:off x="5671676" y="3002436"/>
+            <a:ext cx="460043" cy="307777"/>
+          </a:xfrm>
+          <a:prstGeom prst="rect">
+            <a:avLst/>
+          </a:prstGeom>
+          <a:noFill/>
+        </p:spPr>
+        <p:txBody>
+          <a:bodyPr wrap="square" rtlCol="0">
+            <a:spAutoFit/>
+          </a:bodyPr>
+          <a:lstStyle/>
+          <a:p>
+            <a:r>
+              <a:rPr lang="en-US" sz="1400" dirty="0">
+                <a:solidFill>
+                  <a:schemeClr val="bg1"/>
+                </a:solidFill>
+              </a:rPr>
+              <a:t>h</a:t>
+            </a:r>
+          </a:p>
+        </p:txBody>
+      </p:sp>
+      <p:grpSp>
+        <p:nvGrpSpPr>
+          <p:cNvPr id="131" name="Group 130">
+            <a:extLst>
+              <a:ext uri="{FF2B5EF4-FFF2-40B4-BE49-F238E27FC236}">
+                <a16:creationId xmlns:a16="http://schemas.microsoft.com/office/drawing/2014/main" id="{F54A58E1-7168-9E50-F441-AE971D24DE69}"/>
+              </a:ext>
+            </a:extLst>
+          </p:cNvPr>
+          <p:cNvGrpSpPr/>
+          <p:nvPr/>
+        </p:nvGrpSpPr>
+        <p:grpSpPr>
+          <a:xfrm>
+            <a:off x="413414" y="5453005"/>
+            <a:ext cx="566194" cy="448288"/>
+            <a:chOff x="313953" y="2253934"/>
+            <a:chExt cx="649497" cy="514244"/>
+          </a:xfrm>
+        </p:grpSpPr>
+        <p:cxnSp>
+          <p:nvCxnSpPr>
+            <p:cNvPr id="132" name="Straight Connector 131">
+              <a:extLst>
+                <a:ext uri="{FF2B5EF4-FFF2-40B4-BE49-F238E27FC236}">
+                  <a16:creationId xmlns:a16="http://schemas.microsoft.com/office/drawing/2014/main" id="{29D6A8FF-0AB1-08F3-466A-4899AE048876}"/>
+                </a:ext>
+              </a:extLst>
+            </p:cNvPr>
+            <p:cNvCxnSpPr>
+              <a:cxnSpLocks/>
+            </p:cNvCxnSpPr>
+            <p:nvPr/>
+          </p:nvCxnSpPr>
+          <p:spPr>
+            <a:xfrm flipH="1" flipV="1">
+              <a:off x="675533" y="2491317"/>
+              <a:ext cx="1" cy="276861"/>
+            </a:xfrm>
+            <a:prstGeom prst="line">
+              <a:avLst/>
+            </a:prstGeom>
+            <a:ln w="19050">
+              <a:solidFill>
+                <a:schemeClr val="bg1"/>
+              </a:solidFill>
+              <a:tailEnd type="triangle"/>
+            </a:ln>
+          </p:spPr>
+          <p:style>
+            <a:lnRef idx="2">
+              <a:schemeClr val="accent1"/>
+            </a:lnRef>
+            <a:fillRef idx="0">
+              <a:schemeClr val="accent1"/>
+            </a:fillRef>
+            <a:effectRef idx="1">
+              <a:schemeClr val="accent1"/>
+            </a:effectRef>
+            <a:fontRef idx="minor">
+              <a:schemeClr val="tx1"/>
+            </a:fontRef>
+          </p:style>
+        </p:cxnSp>
+        <p:cxnSp>
+          <p:nvCxnSpPr>
+            <p:cNvPr id="133" name="Straight Connector 132">
+              <a:extLst>
+                <a:ext uri="{FF2B5EF4-FFF2-40B4-BE49-F238E27FC236}">
+                  <a16:creationId xmlns:a16="http://schemas.microsoft.com/office/drawing/2014/main" id="{0F91FCDE-FEA0-32F8-DF1C-C3BAA6909BE3}"/>
+                </a:ext>
+              </a:extLst>
+            </p:cNvPr>
+            <p:cNvCxnSpPr>
+              <a:cxnSpLocks/>
+            </p:cNvCxnSpPr>
+            <p:nvPr/>
+          </p:nvCxnSpPr>
+          <p:spPr>
+            <a:xfrm flipV="1">
+              <a:off x="675534" y="2675467"/>
+              <a:ext cx="173249" cy="92711"/>
+            </a:xfrm>
+            <a:prstGeom prst="line">
+              <a:avLst/>
+            </a:prstGeom>
+            <a:ln w="19050">
+              <a:solidFill>
+                <a:schemeClr val="bg1"/>
+              </a:solidFill>
+              <a:tailEnd type="triangle" w="sm" len="med"/>
+            </a:ln>
+          </p:spPr>
+          <p:style>
+            <a:lnRef idx="2">
+              <a:schemeClr val="accent1"/>
+            </a:lnRef>
+            <a:fillRef idx="0">
+              <a:schemeClr val="accent1"/>
+            </a:fillRef>
+            <a:effectRef idx="1">
+              <a:schemeClr val="accent1"/>
+            </a:effectRef>
+            <a:fontRef idx="minor">
+              <a:schemeClr val="tx1"/>
+            </a:fontRef>
+          </p:style>
+        </p:cxnSp>
+        <p:cxnSp>
+          <p:nvCxnSpPr>
+            <p:cNvPr id="134" name="Straight Connector 133">
+              <a:extLst>
+                <a:ext uri="{FF2B5EF4-FFF2-40B4-BE49-F238E27FC236}">
+                  <a16:creationId xmlns:a16="http://schemas.microsoft.com/office/drawing/2014/main" id="{1680E996-D5AD-7822-1215-3613B07C525E}"/>
+                </a:ext>
+              </a:extLst>
+            </p:cNvPr>
+            <p:cNvCxnSpPr>
+              <a:cxnSpLocks/>
+            </p:cNvCxnSpPr>
+            <p:nvPr/>
+          </p:nvCxnSpPr>
+          <p:spPr>
+            <a:xfrm flipH="1" flipV="1">
+              <a:off x="507364" y="2675467"/>
+              <a:ext cx="168169" cy="92711"/>
+            </a:xfrm>
+            <a:prstGeom prst="line">
+              <a:avLst/>
+            </a:prstGeom>
+            <a:ln w="19050">
+              <a:solidFill>
+                <a:schemeClr val="bg1"/>
+              </a:solidFill>
+              <a:tailEnd type="triangle" w="sm" len="med"/>
+            </a:ln>
+          </p:spPr>
+          <p:style>
+            <a:lnRef idx="2">
+              <a:schemeClr val="accent1"/>
+            </a:lnRef>
+            <a:fillRef idx="0">
+              <a:schemeClr val="accent1"/>
+            </a:fillRef>
+            <a:effectRef idx="1">
+              <a:schemeClr val="accent1"/>
+            </a:effectRef>
+            <a:fontRef idx="minor">
+              <a:schemeClr val="tx1"/>
+            </a:fontRef>
+          </p:style>
+        </p:cxnSp>
+        <p:sp>
+          <p:nvSpPr>
+            <p:cNvPr id="135" name="TextBox 134">
+              <a:extLst>
+                <a:ext uri="{FF2B5EF4-FFF2-40B4-BE49-F238E27FC236}">
+                  <a16:creationId xmlns:a16="http://schemas.microsoft.com/office/drawing/2014/main" id="{B45291A1-080A-7DDF-AD43-147EA7052780}"/>
+                </a:ext>
+              </a:extLst>
+            </p:cNvPr>
+            <p:cNvSpPr txBox="1"/>
+            <p:nvPr/>
+          </p:nvSpPr>
+          <p:spPr>
+            <a:xfrm>
+              <a:off x="534660" y="2253934"/>
+              <a:ext cx="254851" cy="261611"/>
+            </a:xfrm>
+            <a:prstGeom prst="rect">
+              <a:avLst/>
+            </a:prstGeom>
+            <a:noFill/>
+          </p:spPr>
+          <p:txBody>
+            <a:bodyPr wrap="square" rtlCol="0">
+              <a:spAutoFit/>
+            </a:bodyPr>
+            <a:lstStyle/>
+            <a:p>
+              <a:r>
+                <a:rPr lang="en-US" sz="1050" dirty="0">
+                  <a:solidFill>
+                    <a:schemeClr val="bg1"/>
+                  </a:solidFill>
+                </a:rPr>
+                <a:t>L</a:t>
+              </a:r>
+            </a:p>
+          </p:txBody>
+        </p:sp>
+        <p:sp>
+          <p:nvSpPr>
+            <p:cNvPr id="136" name="TextBox 135">
+              <a:extLst>
+                <a:ext uri="{FF2B5EF4-FFF2-40B4-BE49-F238E27FC236}">
+                  <a16:creationId xmlns:a16="http://schemas.microsoft.com/office/drawing/2014/main" id="{13BD8989-4B39-2F2C-22E6-6AEE7F173995}"/>
+                </a:ext>
+              </a:extLst>
+            </p:cNvPr>
+            <p:cNvSpPr txBox="1"/>
+            <p:nvPr/>
+          </p:nvSpPr>
+          <p:spPr>
+            <a:xfrm>
+              <a:off x="788825" y="2489832"/>
+              <a:ext cx="174625" cy="261610"/>
+            </a:xfrm>
+            <a:prstGeom prst="rect">
+              <a:avLst/>
+            </a:prstGeom>
+            <a:noFill/>
+          </p:spPr>
+          <p:txBody>
+            <a:bodyPr wrap="square" rtlCol="0">
+              <a:spAutoFit/>
+            </a:bodyPr>
+            <a:lstStyle/>
+            <a:p>
+              <a:r>
+                <a:rPr lang="en-US" sz="1050" dirty="0">
+                  <a:solidFill>
+                    <a:schemeClr val="bg1"/>
+                  </a:solidFill>
+                </a:rPr>
+                <a:t>a</a:t>
+              </a:r>
+            </a:p>
+          </p:txBody>
+        </p:sp>
+        <p:sp>
+          <p:nvSpPr>
+            <p:cNvPr id="137" name="TextBox 136">
+              <a:extLst>
+                <a:ext uri="{FF2B5EF4-FFF2-40B4-BE49-F238E27FC236}">
+                  <a16:creationId xmlns:a16="http://schemas.microsoft.com/office/drawing/2014/main" id="{3B07B754-9B48-109C-37A9-69B14F83AB3D}"/>
+                </a:ext>
+              </a:extLst>
+            </p:cNvPr>
+            <p:cNvSpPr txBox="1"/>
+            <p:nvPr/>
+          </p:nvSpPr>
+          <p:spPr>
+            <a:xfrm>
+              <a:off x="313953" y="2471055"/>
+              <a:ext cx="174625" cy="261610"/>
+            </a:xfrm>
+            <a:prstGeom prst="rect">
+              <a:avLst/>
+            </a:prstGeom>
+            <a:noFill/>
+          </p:spPr>
+          <p:txBody>
+            <a:bodyPr wrap="square" rtlCol="0">
+              <a:spAutoFit/>
+            </a:bodyPr>
+            <a:lstStyle/>
+            <a:p>
+              <a:r>
+                <a:rPr lang="en-US" sz="1050" dirty="0">
+                  <a:solidFill>
+                    <a:schemeClr val="bg1"/>
+                  </a:solidFill>
+                </a:rPr>
+                <a:t>b</a:t>
+              </a:r>
+            </a:p>
+          </p:txBody>
+        </p:sp>
+      </p:grpSp>
+      <p:grpSp>
+        <p:nvGrpSpPr>
+          <p:cNvPr id="148" name="Group 147">
+            <a:extLst>
+              <a:ext uri="{FF2B5EF4-FFF2-40B4-BE49-F238E27FC236}">
+                <a16:creationId xmlns:a16="http://schemas.microsoft.com/office/drawing/2014/main" id="{A15BDD4B-CEEE-8386-989C-808D11CBE0B1}"/>
+              </a:ext>
+            </a:extLst>
+          </p:cNvPr>
+          <p:cNvGrpSpPr/>
+          <p:nvPr/>
+        </p:nvGrpSpPr>
+        <p:grpSpPr>
+          <a:xfrm>
+            <a:off x="417428" y="6074842"/>
+            <a:ext cx="563415" cy="783158"/>
+            <a:chOff x="728985" y="5453006"/>
+            <a:chExt cx="563415" cy="783158"/>
+          </a:xfrm>
+        </p:grpSpPr>
+        <p:cxnSp>
+          <p:nvCxnSpPr>
+            <p:cNvPr id="139" name="Straight Connector 138">
+              <a:extLst>
+                <a:ext uri="{FF2B5EF4-FFF2-40B4-BE49-F238E27FC236}">
+                  <a16:creationId xmlns:a16="http://schemas.microsoft.com/office/drawing/2014/main" id="{C6FB6999-B892-ECAE-51D8-C9DB94967B0F}"/>
+                </a:ext>
+              </a:extLst>
+            </p:cNvPr>
+            <p:cNvCxnSpPr>
+              <a:cxnSpLocks/>
+            </p:cNvCxnSpPr>
+            <p:nvPr/>
+          </p:nvCxnSpPr>
+          <p:spPr>
+            <a:xfrm flipH="1" flipV="1">
+              <a:off x="1041411" y="5659943"/>
+              <a:ext cx="1" cy="241351"/>
+            </a:xfrm>
+            <a:prstGeom prst="line">
+              <a:avLst/>
+            </a:prstGeom>
+            <a:ln w="19050">
+              <a:solidFill>
+                <a:schemeClr val="bg1"/>
+              </a:solidFill>
+              <a:tailEnd type="triangle"/>
+            </a:ln>
+          </p:spPr>
+          <p:style>
+            <a:lnRef idx="2">
+              <a:schemeClr val="accent1"/>
+            </a:lnRef>
+            <a:fillRef idx="0">
+              <a:schemeClr val="accent1"/>
+            </a:fillRef>
+            <a:effectRef idx="1">
+              <a:schemeClr val="accent1"/>
+            </a:effectRef>
+            <a:fontRef idx="minor">
+              <a:schemeClr val="tx1"/>
+            </a:fontRef>
+          </p:style>
+        </p:cxnSp>
+        <p:cxnSp>
+          <p:nvCxnSpPr>
+            <p:cNvPr id="140" name="Straight Connector 139">
+              <a:extLst>
+                <a:ext uri="{FF2B5EF4-FFF2-40B4-BE49-F238E27FC236}">
+                  <a16:creationId xmlns:a16="http://schemas.microsoft.com/office/drawing/2014/main" id="{3E05B7B9-59D2-F74A-0E04-32AA9D547182}"/>
+                </a:ext>
+              </a:extLst>
+            </p:cNvPr>
+            <p:cNvCxnSpPr>
+              <a:cxnSpLocks/>
+            </p:cNvCxnSpPr>
+            <p:nvPr/>
+          </p:nvCxnSpPr>
+          <p:spPr>
+            <a:xfrm flipV="1">
+              <a:off x="1041411" y="5820474"/>
+              <a:ext cx="151028" cy="80820"/>
+            </a:xfrm>
+            <a:prstGeom prst="line">
+              <a:avLst/>
+            </a:prstGeom>
+            <a:ln w="12700">
+              <a:solidFill>
+                <a:schemeClr val="bg1"/>
+              </a:solidFill>
+              <a:tailEnd type="triangle" w="sm" len="med"/>
+            </a:ln>
+          </p:spPr>
+          <p:style>
+            <a:lnRef idx="2">
+              <a:schemeClr val="accent1"/>
+            </a:lnRef>
+            <a:fillRef idx="0">
+              <a:schemeClr val="accent1"/>
+            </a:fillRef>
+            <a:effectRef idx="1">
+              <a:schemeClr val="accent1"/>
+            </a:effectRef>
+            <a:fontRef idx="minor">
+              <a:schemeClr val="tx1"/>
+            </a:fontRef>
+          </p:style>
+        </p:cxnSp>
+        <p:sp>
+          <p:nvSpPr>
+            <p:cNvPr id="142" name="TextBox 141">
+              <a:extLst>
+                <a:ext uri="{FF2B5EF4-FFF2-40B4-BE49-F238E27FC236}">
+                  <a16:creationId xmlns:a16="http://schemas.microsoft.com/office/drawing/2014/main" id="{D5D84354-1321-A7E9-6D19-DD5E954D359E}"/>
+                </a:ext>
+              </a:extLst>
+            </p:cNvPr>
+            <p:cNvSpPr txBox="1"/>
+            <p:nvPr/>
+          </p:nvSpPr>
+          <p:spPr>
+            <a:xfrm>
+              <a:off x="918606" y="5453006"/>
+              <a:ext cx="222164" cy="228057"/>
+            </a:xfrm>
+            <a:prstGeom prst="rect">
+              <a:avLst/>
+            </a:prstGeom>
+            <a:noFill/>
+          </p:spPr>
+          <p:txBody>
+            <a:bodyPr wrap="square" rtlCol="0">
+              <a:spAutoFit/>
+            </a:bodyPr>
+            <a:lstStyle/>
+            <a:p>
+              <a:r>
+                <a:rPr lang="en-US" sz="1050" dirty="0">
+                  <a:solidFill>
+                    <a:schemeClr val="bg1"/>
+                  </a:solidFill>
+                </a:rPr>
+                <a:t>L</a:t>
+              </a:r>
+            </a:p>
+          </p:txBody>
+        </p:sp>
+        <p:sp>
+          <p:nvSpPr>
+            <p:cNvPr id="143" name="TextBox 142">
+              <a:extLst>
+                <a:ext uri="{FF2B5EF4-FFF2-40B4-BE49-F238E27FC236}">
+                  <a16:creationId xmlns:a16="http://schemas.microsoft.com/office/drawing/2014/main" id="{9E3420D6-2AE3-498A-0DEC-B22429AB058E}"/>
+                </a:ext>
+              </a:extLst>
+            </p:cNvPr>
+            <p:cNvSpPr txBox="1"/>
+            <p:nvPr/>
+          </p:nvSpPr>
+          <p:spPr>
+            <a:xfrm>
+              <a:off x="1140172" y="5658648"/>
+              <a:ext cx="152228" cy="253916"/>
+            </a:xfrm>
+            <a:prstGeom prst="rect">
+              <a:avLst/>
+            </a:prstGeom>
+            <a:noFill/>
+          </p:spPr>
+          <p:txBody>
+            <a:bodyPr wrap="square" rtlCol="0">
+              <a:spAutoFit/>
+            </a:bodyPr>
+            <a:lstStyle/>
+            <a:p>
+              <a:r>
+                <a:rPr lang="en-US" sz="1050" dirty="0">
+                  <a:solidFill>
+                    <a:schemeClr val="bg1"/>
+                  </a:solidFill>
+                </a:rPr>
+                <a:t>c</a:t>
+              </a:r>
+            </a:p>
+          </p:txBody>
+        </p:sp>
+        <p:sp>
+          <p:nvSpPr>
+            <p:cNvPr id="144" name="TextBox 143">
+              <a:extLst>
+                <a:ext uri="{FF2B5EF4-FFF2-40B4-BE49-F238E27FC236}">
+                  <a16:creationId xmlns:a16="http://schemas.microsoft.com/office/drawing/2014/main" id="{D8A34C6D-C362-E273-62E0-28BF3B6EFD12}"/>
+                </a:ext>
+              </a:extLst>
+            </p:cNvPr>
+            <p:cNvSpPr txBox="1"/>
+            <p:nvPr/>
+          </p:nvSpPr>
+          <p:spPr>
+            <a:xfrm>
+              <a:off x="728985" y="5733926"/>
+              <a:ext cx="152228" cy="253916"/>
+            </a:xfrm>
+            <a:prstGeom prst="rect">
+              <a:avLst/>
+            </a:prstGeom>
+            <a:noFill/>
+          </p:spPr>
+          <p:txBody>
+            <a:bodyPr wrap="square" rtlCol="0">
+              <a:spAutoFit/>
+            </a:bodyPr>
+            <a:lstStyle/>
+            <a:p>
+              <a:r>
+                <a:rPr lang="en-US" sz="1050" dirty="0">
+                  <a:solidFill>
+                    <a:schemeClr val="bg1"/>
+                  </a:solidFill>
+                </a:rPr>
+                <a:t>h</a:t>
+              </a:r>
+            </a:p>
+          </p:txBody>
+        </p:sp>
+        <p:sp>
+          <p:nvSpPr>
+            <p:cNvPr id="145" name="Arc 144">
+              <a:extLst>
+                <a:ext uri="{FF2B5EF4-FFF2-40B4-BE49-F238E27FC236}">
+                  <a16:creationId xmlns:a16="http://schemas.microsoft.com/office/drawing/2014/main" id="{9267A445-8285-4F12-A32D-D64575425AC5}"/>
+                </a:ext>
+              </a:extLst>
+            </p:cNvPr>
+            <p:cNvSpPr/>
+            <p:nvPr/>
+          </p:nvSpPr>
+          <p:spPr>
+            <a:xfrm rot="18544447">
+              <a:off x="801442" y="5756227"/>
+              <a:ext cx="479937" cy="479937"/>
+            </a:xfrm>
+            <a:prstGeom prst="arc">
+              <a:avLst>
+                <a:gd name="adj1" fmla="val 16653235"/>
+                <a:gd name="adj2" fmla="val 21430483"/>
+              </a:avLst>
+            </a:prstGeom>
+            <a:ln w="12700">
+              <a:solidFill>
+                <a:schemeClr val="bg1"/>
+              </a:solidFill>
+              <a:prstDash val="solid"/>
+              <a:headEnd type="triangle" w="sm" len="med"/>
+              <a:tailEnd type="none"/>
+            </a:ln>
+          </p:spPr>
+          <p:style>
+            <a:lnRef idx="2">
+              <a:schemeClr val="accent1"/>
+            </a:lnRef>
+            <a:fillRef idx="0">
+              <a:schemeClr val="accent1"/>
+            </a:fillRef>
+            <a:effectRef idx="1">
+              <a:schemeClr val="accent1"/>
+            </a:effectRef>
+            <a:fontRef idx="minor">
+              <a:schemeClr val="tx1"/>
+            </a:fontRef>
+          </p:style>
+          <p:txBody>
+            <a:bodyPr rtlCol="0" anchor="ctr"/>
+            <a:lstStyle/>
+            <a:p>
+              <a:pPr algn="ctr"/>
+              <a:endParaRPr lang="en-US"/>
+            </a:p>
+          </p:txBody>
+        </p:sp>
+      </p:grpSp>
+      <p:sp>
+        <p:nvSpPr>
+          <p:cNvPr id="149" name="TextBox 148">
+            <a:extLst>
+              <a:ext uri="{FF2B5EF4-FFF2-40B4-BE49-F238E27FC236}">
+                <a16:creationId xmlns:a16="http://schemas.microsoft.com/office/drawing/2014/main" id="{1BDCA1A5-4564-6D04-9D2D-5A2C96A157AE}"/>
+              </a:ext>
+            </a:extLst>
+          </p:cNvPr>
+          <p:cNvSpPr txBox="1"/>
+          <p:nvPr/>
+        </p:nvSpPr>
+        <p:spPr>
+          <a:xfrm>
+            <a:off x="1542412" y="6342681"/>
+            <a:ext cx="460043" cy="276999"/>
+          </a:xfrm>
+          <a:prstGeom prst="rect">
+            <a:avLst/>
+          </a:prstGeom>
+          <a:noFill/>
+        </p:spPr>
+        <p:txBody>
+          <a:bodyPr wrap="square" rtlCol="0">
+            <a:spAutoFit/>
+          </a:bodyPr>
+          <a:lstStyle/>
+          <a:p>
+            <a:r>
+              <a:rPr lang="en-US" sz="1200" dirty="0">
+                <a:solidFill>
+                  <a:schemeClr val="bg1"/>
+                </a:solidFill>
+              </a:rPr>
+              <a:t>c=0</a:t>
+            </a:r>
+          </a:p>
+        </p:txBody>
+      </p:sp>
+      <p:cxnSp>
+        <p:nvCxnSpPr>
+          <p:cNvPr id="150" name="Straight Connector 149">
+            <a:extLst>
+              <a:ext uri="{FF2B5EF4-FFF2-40B4-BE49-F238E27FC236}">
+                <a16:creationId xmlns:a16="http://schemas.microsoft.com/office/drawing/2014/main" id="{9DDF2670-A7BB-F77C-81CD-0375C0DA9045}"/>
+              </a:ext>
+            </a:extLst>
+          </p:cNvPr>
+          <p:cNvCxnSpPr/>
+          <p:nvPr/>
+        </p:nvCxnSpPr>
+        <p:spPr>
+          <a:xfrm flipV="1">
+            <a:off x="1762545" y="6161496"/>
+            <a:ext cx="0" cy="215620"/>
+          </a:xfrm>
+          <a:prstGeom prst="line">
+            <a:avLst/>
+          </a:prstGeom>
+          <a:ln w="25400">
+            <a:solidFill>
+              <a:schemeClr val="bg1"/>
+            </a:solidFill>
+          </a:ln>
+        </p:spPr>
+        <p:style>
+          <a:lnRef idx="2">
+            <a:schemeClr val="accent1"/>
+          </a:lnRef>
+          <a:fillRef idx="0">
+            <a:schemeClr val="accent1"/>
+          </a:fillRef>
+          <a:effectRef idx="1">
+            <a:schemeClr val="accent1"/>
+          </a:effectRef>
+          <a:fontRef idx="minor">
+            <a:schemeClr val="tx1"/>
+          </a:fontRef>
+        </p:style>
+      </p:cxnSp>
+      <p:sp>
+        <p:nvSpPr>
+          <p:cNvPr id="151" name="TextBox 150">
+            <a:extLst>
+              <a:ext uri="{FF2B5EF4-FFF2-40B4-BE49-F238E27FC236}">
+                <a16:creationId xmlns:a16="http://schemas.microsoft.com/office/drawing/2014/main" id="{01623B45-772C-1560-C84B-5672B80D434B}"/>
+              </a:ext>
+            </a:extLst>
+          </p:cNvPr>
+          <p:cNvSpPr txBox="1"/>
+          <p:nvPr/>
+        </p:nvSpPr>
+        <p:spPr>
+          <a:xfrm>
+            <a:off x="2185309" y="6342681"/>
+            <a:ext cx="627292" cy="276999"/>
+          </a:xfrm>
+          <a:prstGeom prst="rect">
+            <a:avLst/>
+          </a:prstGeom>
+          <a:noFill/>
+        </p:spPr>
+        <p:txBody>
+          <a:bodyPr wrap="square" rtlCol="0">
+            <a:spAutoFit/>
+          </a:bodyPr>
+          <a:lstStyle/>
+          <a:p>
+            <a:r>
+              <a:rPr lang="en-US" sz="1200" dirty="0">
+                <a:solidFill>
+                  <a:schemeClr val="bg1"/>
+                </a:solidFill>
+              </a:rPr>
+              <a:t>c=0.1</a:t>
+            </a:r>
+          </a:p>
+        </p:txBody>
+      </p:sp>
+      <p:cxnSp>
+        <p:nvCxnSpPr>
+          <p:cNvPr id="152" name="Straight Connector 151">
+            <a:extLst>
+              <a:ext uri="{FF2B5EF4-FFF2-40B4-BE49-F238E27FC236}">
+                <a16:creationId xmlns:a16="http://schemas.microsoft.com/office/drawing/2014/main" id="{4185012C-3EC8-E181-0A90-AE127AB7AE3A}"/>
+              </a:ext>
+            </a:extLst>
+          </p:cNvPr>
+          <p:cNvCxnSpPr/>
+          <p:nvPr/>
+        </p:nvCxnSpPr>
+        <p:spPr>
+          <a:xfrm flipV="1">
+            <a:off x="2442721" y="6157632"/>
+            <a:ext cx="0" cy="215620"/>
+          </a:xfrm>
+          <a:prstGeom prst="line">
+            <a:avLst/>
+          </a:prstGeom>
+          <a:ln w="25400">
+            <a:solidFill>
+              <a:schemeClr val="bg1"/>
+            </a:solidFill>
+          </a:ln>
+        </p:spPr>
+        <p:style>
+          <a:lnRef idx="2">
+            <a:schemeClr val="accent1"/>
+          </a:lnRef>
+          <a:fillRef idx="0">
+            <a:schemeClr val="accent1"/>
+          </a:fillRef>
+          <a:effectRef idx="1">
+            <a:schemeClr val="accent1"/>
+          </a:effectRef>
+          <a:fontRef idx="minor">
+            <a:schemeClr val="tx1"/>
+          </a:fontRef>
+        </p:style>
+      </p:cxnSp>
+      <p:sp>
+        <p:nvSpPr>
+          <p:cNvPr id="153" name="TextBox 152">
+            <a:extLst>
+              <a:ext uri="{FF2B5EF4-FFF2-40B4-BE49-F238E27FC236}">
+                <a16:creationId xmlns:a16="http://schemas.microsoft.com/office/drawing/2014/main" id="{59023ECF-3B9C-8763-B6CE-9C3535058D2F}"/>
+              </a:ext>
+            </a:extLst>
+          </p:cNvPr>
+          <p:cNvSpPr txBox="1"/>
+          <p:nvPr/>
+        </p:nvSpPr>
+        <p:spPr>
+          <a:xfrm>
+            <a:off x="3749949" y="6346545"/>
+            <a:ext cx="627292" cy="276999"/>
+          </a:xfrm>
+          <a:prstGeom prst="rect">
+            <a:avLst/>
+          </a:prstGeom>
+          <a:noFill/>
+        </p:spPr>
+        <p:txBody>
+          <a:bodyPr wrap="square" rtlCol="0">
+            <a:spAutoFit/>
+          </a:bodyPr>
+          <a:lstStyle/>
+          <a:p>
+            <a:r>
+              <a:rPr lang="en-US" sz="1200" dirty="0">
+                <a:solidFill>
+                  <a:schemeClr val="bg1"/>
+                </a:solidFill>
+              </a:rPr>
+              <a:t>c=0.2</a:t>
+            </a:r>
+          </a:p>
+        </p:txBody>
+      </p:sp>
+      <p:cxnSp>
+        <p:nvCxnSpPr>
+          <p:cNvPr id="154" name="Straight Connector 153">
+            <a:extLst>
+              <a:ext uri="{FF2B5EF4-FFF2-40B4-BE49-F238E27FC236}">
+                <a16:creationId xmlns:a16="http://schemas.microsoft.com/office/drawing/2014/main" id="{2E8609E3-BECD-A4CB-824C-1AB366352137}"/>
+              </a:ext>
+            </a:extLst>
+          </p:cNvPr>
+          <p:cNvCxnSpPr/>
+          <p:nvPr/>
+        </p:nvCxnSpPr>
+        <p:spPr>
+          <a:xfrm flipV="1">
+            <a:off x="4007361" y="6161496"/>
+            <a:ext cx="0" cy="215620"/>
+          </a:xfrm>
+          <a:prstGeom prst="line">
+            <a:avLst/>
+          </a:prstGeom>
+          <a:ln w="25400">
+            <a:solidFill>
+              <a:schemeClr val="bg1"/>
+            </a:solidFill>
+          </a:ln>
+        </p:spPr>
+        <p:style>
+          <a:lnRef idx="2">
+            <a:schemeClr val="accent1"/>
+          </a:lnRef>
+          <a:fillRef idx="0">
+            <a:schemeClr val="accent1"/>
+          </a:fillRef>
+          <a:effectRef idx="1">
+            <a:schemeClr val="accent1"/>
+          </a:effectRef>
+          <a:fontRef idx="minor">
+            <a:schemeClr val="tx1"/>
+          </a:fontRef>
+        </p:style>
+      </p:cxnSp>
+      <p:sp>
+        <p:nvSpPr>
+          <p:cNvPr id="155" name="TextBox 154">
+            <a:extLst>
+              <a:ext uri="{FF2B5EF4-FFF2-40B4-BE49-F238E27FC236}">
+                <a16:creationId xmlns:a16="http://schemas.microsoft.com/office/drawing/2014/main" id="{E2FFAAEF-78FD-83BA-C762-767DF40C7263}"/>
+              </a:ext>
+            </a:extLst>
+          </p:cNvPr>
+          <p:cNvSpPr txBox="1"/>
+          <p:nvPr/>
+        </p:nvSpPr>
+        <p:spPr>
+          <a:xfrm>
+            <a:off x="6118795" y="6346545"/>
+            <a:ext cx="627292" cy="276999"/>
+          </a:xfrm>
+          <a:prstGeom prst="rect">
+            <a:avLst/>
+          </a:prstGeom>
+          <a:noFill/>
+        </p:spPr>
+        <p:txBody>
+          <a:bodyPr wrap="square" rtlCol="0">
+            <a:spAutoFit/>
+          </a:bodyPr>
+          <a:lstStyle/>
+          <a:p>
+            <a:r>
+              <a:rPr lang="en-US" sz="1200" dirty="0">
+                <a:solidFill>
+                  <a:schemeClr val="bg1"/>
+                </a:solidFill>
+              </a:rPr>
+              <a:t>c=0.3</a:t>
+            </a:r>
+          </a:p>
+        </p:txBody>
+      </p:sp>
+      <p:cxnSp>
+        <p:nvCxnSpPr>
+          <p:cNvPr id="156" name="Straight Connector 155">
+            <a:extLst>
+              <a:ext uri="{FF2B5EF4-FFF2-40B4-BE49-F238E27FC236}">
+                <a16:creationId xmlns:a16="http://schemas.microsoft.com/office/drawing/2014/main" id="{659A2A66-FE01-1888-373F-E7F205265A4E}"/>
+              </a:ext>
+            </a:extLst>
+          </p:cNvPr>
+          <p:cNvCxnSpPr/>
+          <p:nvPr/>
+        </p:nvCxnSpPr>
+        <p:spPr>
+          <a:xfrm flipV="1">
+            <a:off x="6376207" y="6161496"/>
+            <a:ext cx="0" cy="215620"/>
+          </a:xfrm>
+          <a:prstGeom prst="line">
+            <a:avLst/>
+          </a:prstGeom>
+          <a:ln w="25400">
+            <a:solidFill>
+              <a:schemeClr val="bg1"/>
+            </a:solidFill>
+          </a:ln>
+        </p:spPr>
+        <p:style>
+          <a:lnRef idx="2">
+            <a:schemeClr val="accent1"/>
+          </a:lnRef>
+          <a:fillRef idx="0">
+            <a:schemeClr val="accent1"/>
+          </a:fillRef>
+          <a:effectRef idx="1">
+            <a:schemeClr val="accent1"/>
+          </a:effectRef>
+          <a:fontRef idx="minor">
+            <a:schemeClr val="tx1"/>
+          </a:fontRef>
+        </p:style>
+      </p:cxnSp>
+      <p:sp>
+        <p:nvSpPr>
+          <p:cNvPr id="157" name="TextBox 156">
+            <a:extLst>
+              <a:ext uri="{FF2B5EF4-FFF2-40B4-BE49-F238E27FC236}">
+                <a16:creationId xmlns:a16="http://schemas.microsoft.com/office/drawing/2014/main" id="{3F46312A-D278-EF68-A3C4-F90A83741424}"/>
+              </a:ext>
+            </a:extLst>
+          </p:cNvPr>
+          <p:cNvSpPr txBox="1"/>
+          <p:nvPr/>
+        </p:nvSpPr>
+        <p:spPr>
+          <a:xfrm>
+            <a:off x="9537416" y="6346545"/>
+            <a:ext cx="627292" cy="276999"/>
+          </a:xfrm>
+          <a:prstGeom prst="rect">
+            <a:avLst/>
+          </a:prstGeom>
+          <a:noFill/>
+        </p:spPr>
+        <p:txBody>
+          <a:bodyPr wrap="square" rtlCol="0">
+            <a:spAutoFit/>
+          </a:bodyPr>
+          <a:lstStyle/>
+          <a:p>
+            <a:r>
+              <a:rPr lang="en-US" sz="1200" dirty="0">
+                <a:solidFill>
+                  <a:schemeClr val="bg1"/>
+                </a:solidFill>
+              </a:rPr>
+              <a:t>c=0.4</a:t>
+            </a:r>
+          </a:p>
+        </p:txBody>
+      </p:sp>
+      <p:cxnSp>
+        <p:nvCxnSpPr>
+          <p:cNvPr id="158" name="Straight Connector 157">
+            <a:extLst>
+              <a:ext uri="{FF2B5EF4-FFF2-40B4-BE49-F238E27FC236}">
+                <a16:creationId xmlns:a16="http://schemas.microsoft.com/office/drawing/2014/main" id="{7666EEF2-8851-E249-8DBE-DD3E0C063DFB}"/>
+              </a:ext>
+            </a:extLst>
+          </p:cNvPr>
+          <p:cNvCxnSpPr/>
+          <p:nvPr/>
+        </p:nvCxnSpPr>
+        <p:spPr>
+          <a:xfrm flipV="1">
+            <a:off x="9794828" y="6161496"/>
+            <a:ext cx="0" cy="215620"/>
+          </a:xfrm>
+          <a:prstGeom prst="line">
+            <a:avLst/>
+          </a:prstGeom>
+          <a:ln w="25400">
+            <a:solidFill>
+              <a:schemeClr val="bg1"/>
+            </a:solidFill>
+          </a:ln>
+        </p:spPr>
+        <p:style>
+          <a:lnRef idx="2">
+            <a:schemeClr val="accent1"/>
+          </a:lnRef>
+          <a:fillRef idx="0">
+            <a:schemeClr val="accent1"/>
+          </a:fillRef>
+          <a:effectRef idx="1">
+            <a:schemeClr val="accent1"/>
+          </a:effectRef>
+          <a:fontRef idx="minor">
+            <a:schemeClr val="tx1"/>
+          </a:fontRef>
+        </p:style>
+      </p:cxnSp>
+      <p:sp>
+        <p:nvSpPr>
+          <p:cNvPr id="159" name="TextBox 158">
+            <a:extLst>
+              <a:ext uri="{FF2B5EF4-FFF2-40B4-BE49-F238E27FC236}">
+                <a16:creationId xmlns:a16="http://schemas.microsoft.com/office/drawing/2014/main" id="{491A9CD8-B7D5-7438-F81B-358EC6469389}"/>
+              </a:ext>
+            </a:extLst>
+          </p:cNvPr>
+          <p:cNvSpPr txBox="1"/>
+          <p:nvPr/>
+        </p:nvSpPr>
+        <p:spPr>
+          <a:xfrm>
+            <a:off x="11437868" y="6338817"/>
+            <a:ext cx="627292" cy="276999"/>
+          </a:xfrm>
+          <a:prstGeom prst="rect">
+            <a:avLst/>
+          </a:prstGeom>
+          <a:noFill/>
+        </p:spPr>
+        <p:txBody>
+          <a:bodyPr wrap="square" rtlCol="0">
+            <a:spAutoFit/>
+          </a:bodyPr>
+          <a:lstStyle/>
+          <a:p>
+            <a:r>
+              <a:rPr lang="en-US" sz="1200" dirty="0">
+                <a:solidFill>
+                  <a:schemeClr val="bg1"/>
+                </a:solidFill>
+              </a:rPr>
+              <a:t>c=0.5</a:t>
+            </a:r>
+          </a:p>
+        </p:txBody>
+      </p:sp>
+      <p:cxnSp>
+        <p:nvCxnSpPr>
+          <p:cNvPr id="160" name="Straight Connector 159">
+            <a:extLst>
+              <a:ext uri="{FF2B5EF4-FFF2-40B4-BE49-F238E27FC236}">
+                <a16:creationId xmlns:a16="http://schemas.microsoft.com/office/drawing/2014/main" id="{04E50EA6-00F7-1AD5-77BF-198D178725C3}"/>
+              </a:ext>
+            </a:extLst>
+          </p:cNvPr>
+          <p:cNvCxnSpPr/>
+          <p:nvPr/>
+        </p:nvCxnSpPr>
+        <p:spPr>
+          <a:xfrm flipV="1">
+            <a:off x="11695280" y="6153768"/>
+            <a:ext cx="0" cy="215620"/>
+          </a:xfrm>
+          <a:prstGeom prst="line">
+            <a:avLst/>
+          </a:prstGeom>
+          <a:ln w="25400">
+            <a:solidFill>
+              <a:schemeClr val="bg1"/>
+            </a:solidFill>
+          </a:ln>
+        </p:spPr>
+        <p:style>
+          <a:lnRef idx="2">
+            <a:schemeClr val="accent1"/>
+          </a:lnRef>
+          <a:fillRef idx="0">
+            <a:schemeClr val="accent1"/>
+          </a:fillRef>
+          <a:effectRef idx="1">
+            <a:schemeClr val="accent1"/>
+          </a:effectRef>
+          <a:fontRef idx="minor">
+            <a:schemeClr val="tx1"/>
+          </a:fontRef>
+        </p:style>
+      </p:cxnSp>
+      <p:cxnSp>
+        <p:nvCxnSpPr>
+          <p:cNvPr id="161" name="Straight Arrow Connector 160">
+            <a:extLst>
+              <a:ext uri="{FF2B5EF4-FFF2-40B4-BE49-F238E27FC236}">
+                <a16:creationId xmlns:a16="http://schemas.microsoft.com/office/drawing/2014/main" id="{3D517032-6454-2911-E6A3-334FF4299184}"/>
+              </a:ext>
+            </a:extLst>
+          </p:cNvPr>
+          <p:cNvCxnSpPr>
+            <a:cxnSpLocks/>
+          </p:cNvCxnSpPr>
+          <p:nvPr/>
+        </p:nvCxnSpPr>
+        <p:spPr>
+          <a:xfrm flipV="1">
+            <a:off x="5034084" y="4813300"/>
+            <a:ext cx="0" cy="1127369"/>
+          </a:xfrm>
+          <a:prstGeom prst="straightConnector1">
+            <a:avLst/>
+          </a:prstGeom>
+          <a:ln w="25400">
+            <a:solidFill>
+              <a:schemeClr val="bg1"/>
+            </a:solidFill>
+            <a:headEnd w="lg" len="lg"/>
+            <a:tailEnd type="triangle"/>
+          </a:ln>
+        </p:spPr>
+        <p:style>
+          <a:lnRef idx="2">
+            <a:schemeClr val="accent1"/>
+          </a:lnRef>
+          <a:fillRef idx="0">
+            <a:schemeClr val="accent1"/>
+          </a:fillRef>
+          <a:effectRef idx="1">
+            <a:schemeClr val="accent1"/>
+          </a:effectRef>
+          <a:fontRef idx="minor">
+            <a:schemeClr val="tx1"/>
+          </a:fontRef>
+        </p:style>
+      </p:cxnSp>
+      <p:sp>
+        <p:nvSpPr>
+          <p:cNvPr id="162" name="TextBox 161">
+            <a:extLst>
+              <a:ext uri="{FF2B5EF4-FFF2-40B4-BE49-F238E27FC236}">
+                <a16:creationId xmlns:a16="http://schemas.microsoft.com/office/drawing/2014/main" id="{A86AB62C-048E-6E64-8140-00DB2D1A5C50}"/>
+              </a:ext>
+            </a:extLst>
+          </p:cNvPr>
+          <p:cNvSpPr txBox="1"/>
+          <p:nvPr/>
+        </p:nvSpPr>
+        <p:spPr>
+          <a:xfrm>
+            <a:off x="4903697" y="4565183"/>
+            <a:ext cx="460043" cy="307777"/>
+          </a:xfrm>
+          <a:prstGeom prst="rect">
+            <a:avLst/>
+          </a:prstGeom>
+          <a:noFill/>
+        </p:spPr>
+        <p:txBody>
+          <a:bodyPr wrap="square" rtlCol="0">
+            <a:spAutoFit/>
+          </a:bodyPr>
+          <a:lstStyle/>
+          <a:p>
+            <a:r>
+              <a:rPr lang="en-US" sz="1400" dirty="0">
+                <a:solidFill>
+                  <a:schemeClr val="bg1"/>
+                </a:solidFill>
+              </a:rPr>
+              <a:t>L</a:t>
+            </a:r>
+          </a:p>
+        </p:txBody>
+      </p:sp>
+      <p:cxnSp>
+        <p:nvCxnSpPr>
+          <p:cNvPr id="163" name="Straight Arrow Connector 162">
+            <a:extLst>
+              <a:ext uri="{FF2B5EF4-FFF2-40B4-BE49-F238E27FC236}">
+                <a16:creationId xmlns:a16="http://schemas.microsoft.com/office/drawing/2014/main" id="{5444141F-8E26-E797-17DA-00FC1C6D6069}"/>
+              </a:ext>
+            </a:extLst>
+          </p:cNvPr>
+          <p:cNvCxnSpPr>
+            <a:cxnSpLocks/>
+            <a:endCxn id="164" idx="1"/>
+          </p:cNvCxnSpPr>
+          <p:nvPr/>
+        </p:nvCxnSpPr>
+        <p:spPr>
+          <a:xfrm>
+            <a:off x="5135033" y="6003744"/>
+            <a:ext cx="2437970" cy="0"/>
+          </a:xfrm>
+          <a:prstGeom prst="straightConnector1">
+            <a:avLst/>
+          </a:prstGeom>
+          <a:ln w="25400">
+            <a:solidFill>
+              <a:schemeClr val="bg1"/>
+            </a:solidFill>
+            <a:headEnd w="lg" len="lg"/>
+            <a:tailEnd type="triangle"/>
+          </a:ln>
+        </p:spPr>
+        <p:style>
+          <a:lnRef idx="2">
+            <a:schemeClr val="accent1"/>
+          </a:lnRef>
+          <a:fillRef idx="0">
+            <a:schemeClr val="accent1"/>
+          </a:fillRef>
+          <a:effectRef idx="1">
+            <a:schemeClr val="accent1"/>
+          </a:effectRef>
+          <a:fontRef idx="minor">
+            <a:schemeClr val="tx1"/>
+          </a:fontRef>
+        </p:style>
+      </p:cxnSp>
+      <p:sp>
+        <p:nvSpPr>
+          <p:cNvPr id="164" name="TextBox 163">
+            <a:extLst>
+              <a:ext uri="{FF2B5EF4-FFF2-40B4-BE49-F238E27FC236}">
+                <a16:creationId xmlns:a16="http://schemas.microsoft.com/office/drawing/2014/main" id="{02DD9BBD-1787-0D74-51BF-7D7989787755}"/>
+              </a:ext>
+            </a:extLst>
+          </p:cNvPr>
+          <p:cNvSpPr txBox="1"/>
+          <p:nvPr/>
+        </p:nvSpPr>
+        <p:spPr>
+          <a:xfrm>
+            <a:off x="7573003" y="5849855"/>
+            <a:ext cx="460043" cy="307777"/>
+          </a:xfrm>
+          <a:prstGeom prst="rect">
+            <a:avLst/>
+          </a:prstGeom>
+          <a:noFill/>
+        </p:spPr>
+        <p:txBody>
+          <a:bodyPr wrap="square" rtlCol="0">
+            <a:spAutoFit/>
+          </a:bodyPr>
+          <a:lstStyle/>
+          <a:p>
+            <a:r>
+              <a:rPr lang="en-US" sz="1400" dirty="0">
+                <a:solidFill>
+                  <a:schemeClr val="bg1"/>
+                </a:solidFill>
+              </a:rPr>
+              <a:t>h</a:t>
+            </a:r>
+          </a:p>
+        </p:txBody>
+      </p:sp>
+    </p:spTree>
+    <p:extLst>
+      <p:ext uri="{BB962C8B-B14F-4D97-AF65-F5344CB8AC3E}">
+        <p14:creationId xmlns:p14="http://schemas.microsoft.com/office/powerpoint/2010/main" val="3588359923"/>
+      </p:ext>
+    </p:extLst>
+  </p:cSld>
+  <p:clrMapOvr>
+    <a:masterClrMapping/>
+  </p:clrMapOvr>
+</p:sld>
+</file>
+
+<file path=ppt/slides/slide2.xml><?xml version="1.0" encoding="utf-8"?>
+<p:sld xmlns:a="http://schemas.openxmlformats.org/drawingml/2006/main" xmlns:r="http://schemas.openxmlformats.org/officeDocument/2006/relationships" xmlns:p="http://schemas.openxmlformats.org/presentationml/2006/main">
+  <p:cSld>
+    <p:bg>
+      <p:bgPr>
+        <a:solidFill>
           <a:srgbClr val="A6A6A6"/>
         </a:solidFill>
         <a:effectLst/>
@@ -3389,21 +7394,6 @@
           <a:lstStyle/>
           <a:p>
             <a:r>
-              <a:rPr lang="en-US" sz="3600" b="1" dirty="0" err="1">
-                <a:solidFill>
-                  <a:schemeClr val="bg1"/>
-                </a:solidFill>
-                <a:effectLst>
-                  <a:outerShdw blurRad="38100" dist="38100" dir="2700000" algn="tl">
-                    <a:srgbClr val="000000">
-                      <a:alpha val="43137"/>
-                    </a:srgbClr>
-                  </a:outerShdw>
-                </a:effectLst>
-              </a:rPr>
-              <a:t>Oklab</a:t>
-            </a:r>
-            <a:r>
               <a:rPr lang="en-US" sz="3600" b="1" dirty="0">
                 <a:solidFill>
                   <a:schemeClr val="bg1"/>
@@ -3416,7 +7406,7 @@
                   </a:outerShdw>
                 </a:effectLst>
               </a:rPr>
-              <a:t> space – </a:t>
+              <a:t>Oklab space – </a:t>
             </a:r>
             <a:r>
               <a:rPr lang="en-US" sz="3200" b="1" dirty="0">
@@ -3507,21 +7497,6 @@
           <a:lstStyle/>
           <a:p>
             <a:r>
-              <a:rPr lang="en-US" sz="3600" b="1" dirty="0" err="1">
-                <a:solidFill>
-                  <a:schemeClr val="bg1"/>
-                </a:solidFill>
-                <a:effectLst>
-                  <a:outerShdw blurRad="38100" dist="38100" dir="2700000" algn="tl">
-                    <a:srgbClr val="000000">
-                      <a:alpha val="43137"/>
-                    </a:srgbClr>
-                  </a:outerShdw>
-                </a:effectLst>
-              </a:rPr>
-              <a:t>Oklab</a:t>
-            </a:r>
-            <a:r>
               <a:rPr lang="en-US" sz="3600" b="1" dirty="0">
                 <a:solidFill>
                   <a:schemeClr val="bg1"/>
@@ -3534,7 +7509,7 @@
                   </a:outerShdw>
                 </a:effectLst>
               </a:rPr>
-              <a:t> space – </a:t>
+              <a:t>Oklab space – </a:t>
             </a:r>
             <a:r>
               <a:rPr lang="en-US" sz="3200" b="1" dirty="0">
@@ -3638,23 +7613,39 @@
                   </a:outerShdw>
                 </a:effectLst>
               </a:rPr>
-              <a:t>HDR rec2020 colors in </a:t>
-            </a:r>
-            <a:r>
-              <a:rPr lang="en-US" sz="3600" b="1" dirty="0" err="1">
-                <a:solidFill>
-                  <a:schemeClr val="bg1"/>
-                </a:solidFill>
-                <a:effectLst>
-                  <a:outerShdw blurRad="38100" dist="38100" dir="2700000" algn="tl">
-                    <a:srgbClr val="000000">
-                      <a:alpha val="43137"/>
-                    </a:srgbClr>
-                  </a:outerShdw>
-                </a:effectLst>
-              </a:rPr>
-              <a:t>Oklab</a:t>
-            </a:r>
+              <a:t>HDR rec2020 colors in Oklab and Oklch space</a:t>
+            </a:r>
+          </a:p>
+        </p:txBody>
+      </p:sp>
+      <p:sp>
+        <p:nvSpPr>
+          <p:cNvPr id="20" name="TextBox 19">
+            <a:extLst>
+              <a:ext uri="{FF2B5EF4-FFF2-40B4-BE49-F238E27FC236}">
+                <a16:creationId xmlns:a16="http://schemas.microsoft.com/office/drawing/2014/main" id="{258D232E-6D95-9FF0-E9C7-BE0493305CD2}"/>
+              </a:ext>
+            </a:extLst>
+          </p:cNvPr>
+          <p:cNvSpPr txBox="1"/>
+          <p:nvPr/>
+        </p:nvSpPr>
+        <p:spPr>
+          <a:xfrm>
+            <a:off x="331282" y="4591625"/>
+            <a:ext cx="11346553" cy="646331"/>
+          </a:xfrm>
+          <a:prstGeom prst="rect">
+            <a:avLst/>
+          </a:prstGeom>
+          <a:noFill/>
+        </p:spPr>
+        <p:txBody>
+          <a:bodyPr wrap="square">
+            <a:spAutoFit/>
+          </a:bodyPr>
+          <a:lstStyle/>
+          <a:p>
             <a:r>
               <a:rPr lang="en-US" sz="3600" b="1" dirty="0">
                 <a:solidFill>
@@ -3668,98 +7659,7 @@
                   </a:outerShdw>
                 </a:effectLst>
               </a:rPr>
-              <a:t> and </a:t>
-            </a:r>
-            <a:r>
-              <a:rPr lang="en-US" sz="3600" b="1" dirty="0" err="1">
-                <a:solidFill>
-                  <a:schemeClr val="bg1"/>
-                </a:solidFill>
-                <a:effectLst>
-                  <a:outerShdw blurRad="38100" dist="38100" dir="2700000" algn="tl">
-                    <a:srgbClr val="000000">
-                      <a:alpha val="43137"/>
-                    </a:srgbClr>
-                  </a:outerShdw>
-                </a:effectLst>
-              </a:rPr>
-              <a:t>Oklch</a:t>
-            </a:r>
-            <a:r>
-              <a:rPr lang="en-US" sz="3600" b="1" dirty="0">
-                <a:solidFill>
-                  <a:schemeClr val="bg1"/>
-                </a:solidFill>
-                <a:effectLst>
-                  <a:outerShdw blurRad="38100" dist="38100" dir="2700000" algn="tl">
-                    <a:srgbClr val="000000">
-                      <a:alpha val="43137"/>
-                    </a:srgbClr>
-                  </a:outerShdw>
-                </a:effectLst>
-              </a:rPr>
-              <a:t> space</a:t>
-            </a:r>
-          </a:p>
-        </p:txBody>
-      </p:sp>
-      <p:sp>
-        <p:nvSpPr>
-          <p:cNvPr id="20" name="TextBox 19">
-            <a:extLst>
-              <a:ext uri="{FF2B5EF4-FFF2-40B4-BE49-F238E27FC236}">
-                <a16:creationId xmlns:a16="http://schemas.microsoft.com/office/drawing/2014/main" id="{258D232E-6D95-9FF0-E9C7-BE0493305CD2}"/>
-              </a:ext>
-            </a:extLst>
-          </p:cNvPr>
-          <p:cNvSpPr txBox="1"/>
-          <p:nvPr/>
-        </p:nvSpPr>
-        <p:spPr>
-          <a:xfrm>
-            <a:off x="331282" y="4591625"/>
-            <a:ext cx="11346553" cy="646331"/>
-          </a:xfrm>
-          <a:prstGeom prst="rect">
-            <a:avLst/>
-          </a:prstGeom>
-          <a:noFill/>
-        </p:spPr>
-        <p:txBody>
-          <a:bodyPr wrap="square">
-            <a:spAutoFit/>
-          </a:bodyPr>
-          <a:lstStyle/>
-          <a:p>
-            <a:r>
-              <a:rPr lang="en-US" sz="3600" b="1" dirty="0" err="1">
-                <a:solidFill>
-                  <a:schemeClr val="bg1"/>
-                </a:solidFill>
-                <a:effectLst>
-                  <a:outerShdw blurRad="38100" dist="38100" dir="2700000" algn="tl">
-                    <a:srgbClr val="000000">
-                      <a:alpha val="43137"/>
-                    </a:srgbClr>
-                  </a:outerShdw>
-                </a:effectLst>
-              </a:rPr>
-              <a:t>Oklch</a:t>
-            </a:r>
-            <a:r>
-              <a:rPr lang="en-US" sz="3600" b="1" dirty="0">
-                <a:solidFill>
-                  <a:schemeClr val="bg1"/>
-                </a:solidFill>
-                <a:effectLst>
-                  <a:outerShdw blurRad="38100" dist="38100" dir="2700000" algn="tl">
-                    <a:srgbClr val="000000">
-                      <a:alpha val="43137"/>
-                    </a:srgbClr>
-                  </a:outerShdw>
-                </a:effectLst>
-              </a:rPr>
-              <a:t> –</a:t>
+              <a:t>Oklch –</a:t>
             </a:r>
             <a:r>
               <a:rPr lang="en-US" sz="3200" b="1" dirty="0">
@@ -3774,37 +7674,7 @@
                   </a:outerShdw>
                 </a:effectLst>
               </a:rPr>
-              <a:t>same bins as above, but shown in </a:t>
-            </a:r>
-            <a:r>
-              <a:rPr lang="en-US" sz="3200" b="1" dirty="0" err="1">
-                <a:solidFill>
-                  <a:schemeClr val="bg1"/>
-                </a:solidFill>
-                <a:effectLst>
-                  <a:outerShdw blurRad="38100" dist="38100" dir="2700000" algn="tl">
-                    <a:srgbClr val="000000">
-                      <a:alpha val="43137"/>
-                    </a:srgbClr>
-                  </a:outerShdw>
-                </a:effectLst>
-              </a:rPr>
-              <a:t>Oklch</a:t>
-            </a:r>
-            <a:r>
-              <a:rPr lang="en-US" sz="3200" b="1" dirty="0">
-                <a:solidFill>
-                  <a:schemeClr val="bg1"/>
-                </a:solidFill>
-                <a:effectLst>
-                  <a:outerShdw blurRad="38100" dist="38100" dir="2700000" algn="tl">
-                    <a:srgbClr val="000000">
-                      <a:alpha val="43137"/>
-                    </a:srgbClr>
-                  </a:outerShdw>
-                </a:effectLst>
-              </a:rPr>
-              <a:t> space</a:t>
+              <a:t>same bins as above, but shown in Oklch space</a:t>
             </a:r>
             <a:endParaRPr lang="en-US" sz="3600" b="1" dirty="0">
               <a:solidFill>

--- a/color_spaces/oklab_vs_oklch.pptx
+++ b/color_spaces/oklab_vs_oklch.pptx
@@ -260,7 +260,7 @@
           <a:p>
             <a:fld id="{EEDB5FBA-DE23-4835-A853-3EE2941C2EB8}" type="datetimeFigureOut">
               <a:rPr lang="en-US" smtClean="0"/>
-              <a:t>12/15/2025</a:t>
+              <a:t>12/19/2025</a:t>
             </a:fld>
             <a:endParaRPr lang="en-US"/>
           </a:p>
@@ -458,7 +458,7 @@
           <a:p>
             <a:fld id="{EEDB5FBA-DE23-4835-A853-3EE2941C2EB8}" type="datetimeFigureOut">
               <a:rPr lang="en-US" smtClean="0"/>
-              <a:t>12/15/2025</a:t>
+              <a:t>12/19/2025</a:t>
             </a:fld>
             <a:endParaRPr lang="en-US"/>
           </a:p>
@@ -666,7 +666,7 @@
           <a:p>
             <a:fld id="{EEDB5FBA-DE23-4835-A853-3EE2941C2EB8}" type="datetimeFigureOut">
               <a:rPr lang="en-US" smtClean="0"/>
-              <a:t>12/15/2025</a:t>
+              <a:t>12/19/2025</a:t>
             </a:fld>
             <a:endParaRPr lang="en-US"/>
           </a:p>
@@ -864,7 +864,7 @@
           <a:p>
             <a:fld id="{EEDB5FBA-DE23-4835-A853-3EE2941C2EB8}" type="datetimeFigureOut">
               <a:rPr lang="en-US" smtClean="0"/>
-              <a:t>12/15/2025</a:t>
+              <a:t>12/19/2025</a:t>
             </a:fld>
             <a:endParaRPr lang="en-US"/>
           </a:p>
@@ -1139,7 +1139,7 @@
           <a:p>
             <a:fld id="{EEDB5FBA-DE23-4835-A853-3EE2941C2EB8}" type="datetimeFigureOut">
               <a:rPr lang="en-US" smtClean="0"/>
-              <a:t>12/15/2025</a:t>
+              <a:t>12/19/2025</a:t>
             </a:fld>
             <a:endParaRPr lang="en-US"/>
           </a:p>
@@ -1404,7 +1404,7 @@
           <a:p>
             <a:fld id="{EEDB5FBA-DE23-4835-A853-3EE2941C2EB8}" type="datetimeFigureOut">
               <a:rPr lang="en-US" smtClean="0"/>
-              <a:t>12/15/2025</a:t>
+              <a:t>12/19/2025</a:t>
             </a:fld>
             <a:endParaRPr lang="en-US"/>
           </a:p>
@@ -1816,7 +1816,7 @@
           <a:p>
             <a:fld id="{EEDB5FBA-DE23-4835-A853-3EE2941C2EB8}" type="datetimeFigureOut">
               <a:rPr lang="en-US" smtClean="0"/>
-              <a:t>12/15/2025</a:t>
+              <a:t>12/19/2025</a:t>
             </a:fld>
             <a:endParaRPr lang="en-US"/>
           </a:p>
@@ -1957,7 +1957,7 @@
           <a:p>
             <a:fld id="{EEDB5FBA-DE23-4835-A853-3EE2941C2EB8}" type="datetimeFigureOut">
               <a:rPr lang="en-US" smtClean="0"/>
-              <a:t>12/15/2025</a:t>
+              <a:t>12/19/2025</a:t>
             </a:fld>
             <a:endParaRPr lang="en-US"/>
           </a:p>
@@ -2070,7 +2070,7 @@
           <a:p>
             <a:fld id="{EEDB5FBA-DE23-4835-A853-3EE2941C2EB8}" type="datetimeFigureOut">
               <a:rPr lang="en-US" smtClean="0"/>
-              <a:t>12/15/2025</a:t>
+              <a:t>12/19/2025</a:t>
             </a:fld>
             <a:endParaRPr lang="en-US"/>
           </a:p>
@@ -2381,7 +2381,7 @@
           <a:p>
             <a:fld id="{EEDB5FBA-DE23-4835-A853-3EE2941C2EB8}" type="datetimeFigureOut">
               <a:rPr lang="en-US" smtClean="0"/>
-              <a:t>12/15/2025</a:t>
+              <a:t>12/19/2025</a:t>
             </a:fld>
             <a:endParaRPr lang="en-US"/>
           </a:p>
@@ -2669,7 +2669,7 @@
           <a:p>
             <a:fld id="{EEDB5FBA-DE23-4835-A853-3EE2941C2EB8}" type="datetimeFigureOut">
               <a:rPr lang="en-US" smtClean="0"/>
-              <a:t>12/15/2025</a:t>
+              <a:t>12/19/2025</a:t>
             </a:fld>
             <a:endParaRPr lang="en-US"/>
           </a:p>
@@ -2910,7 +2910,7 @@
           <a:p>
             <a:fld id="{EEDB5FBA-DE23-4835-A853-3EE2941C2EB8}" type="datetimeFigureOut">
               <a:rPr lang="en-US" smtClean="0"/>
-              <a:t>12/15/2025</a:t>
+              <a:t>12/19/2025</a:t>
             </a:fld>
             <a:endParaRPr lang="en-US"/>
           </a:p>
@@ -3337,10 +3337,10 @@
       </p:grpSpPr>
       <p:pic>
         <p:nvPicPr>
-          <p:cNvPr id="52" name="Picture 51" descr="A group of different colors&#10;&#10;AI-generated content may be incorrect.">
-            <a:extLst>
-              <a:ext uri="{FF2B5EF4-FFF2-40B4-BE49-F238E27FC236}">
-                <a16:creationId xmlns:a16="http://schemas.microsoft.com/office/drawing/2014/main" id="{7FE097CD-C774-553C-D714-C6ACEDEB4712}"/>
+          <p:cNvPr id="5" name="Picture 4" descr="A group of different colors&#10;&#10;AI-generated content may be incorrect.">
+            <a:extLst>
+              <a:ext uri="{FF2B5EF4-FFF2-40B4-BE49-F238E27FC236}">
+                <a16:creationId xmlns:a16="http://schemas.microsoft.com/office/drawing/2014/main" id="{1E5E1977-677C-1A73-C527-2396D405F9A5}"/>
               </a:ext>
             </a:extLst>
           </p:cNvPr>
@@ -3350,45 +3350,17 @@
           <p:nvPr/>
         </p:nvPicPr>
         <p:blipFill>
-          <a:blip r:embed="rId2"/>
+          <a:blip r:embed="rId2">
+            <a:alphaModFix/>
+          </a:blip>
           <a:stretch>
             <a:fillRect/>
           </a:stretch>
         </p:blipFill>
         <p:spPr>
           <a:xfrm>
-            <a:off x="1426157" y="1462680"/>
-            <a:ext cx="10639003" cy="4781634"/>
-          </a:xfrm>
-          <a:prstGeom prst="rect">
-            <a:avLst/>
-          </a:prstGeom>
-        </p:spPr>
-      </p:pic>
-      <p:pic>
-        <p:nvPicPr>
-          <p:cNvPr id="7" name="Picture 6" descr="A colorful cubes in a shape of a heart&#10;&#10;AI-generated content may be incorrect.">
-            <a:extLst>
-              <a:ext uri="{FF2B5EF4-FFF2-40B4-BE49-F238E27FC236}">
-                <a16:creationId xmlns:a16="http://schemas.microsoft.com/office/drawing/2014/main" id="{C5AFDDA9-C083-7F34-B4A8-83BDFA854F98}"/>
-              </a:ext>
-            </a:extLst>
-          </p:cNvPr>
-          <p:cNvPicPr>
-            <a:picLocks noChangeAspect="1"/>
-          </p:cNvPicPr>
-          <p:nvPr/>
-        </p:nvPicPr>
-        <p:blipFill>
-          <a:blip r:embed="rId3"/>
-          <a:stretch>
-            <a:fillRect/>
-          </a:stretch>
-        </p:blipFill>
-        <p:spPr>
-          <a:xfrm>
-            <a:off x="561996" y="1615686"/>
-            <a:ext cx="695992" cy="721361"/>
+            <a:off x="1684379" y="1658075"/>
+            <a:ext cx="10269987" cy="4452306"/>
           </a:xfrm>
           <a:prstGeom prst="rect">
             <a:avLst/>
@@ -3679,7 +3651,7 @@
         </p:nvSpPr>
         <p:spPr>
           <a:xfrm>
-            <a:off x="1733550" y="2551572"/>
+            <a:off x="1599544" y="2551572"/>
             <a:ext cx="460043" cy="276999"/>
           </a:xfrm>
           <a:prstGeom prst="rect">
@@ -3718,7 +3690,7 @@
         </p:nvCxnSpPr>
         <p:spPr>
           <a:xfrm flipV="1">
-            <a:off x="1953683" y="2370387"/>
+            <a:off x="1819677" y="2370387"/>
             <a:ext cx="0" cy="215620"/>
           </a:xfrm>
           <a:prstGeom prst="line">
@@ -3759,7 +3731,7 @@
         </p:nvSpPr>
         <p:spPr>
           <a:xfrm>
-            <a:off x="11380616" y="2572746"/>
+            <a:off x="11422558" y="2572746"/>
             <a:ext cx="460043" cy="276999"/>
           </a:xfrm>
           <a:prstGeom prst="rect">
@@ -3798,7 +3770,7 @@
         </p:nvCxnSpPr>
         <p:spPr>
           <a:xfrm flipV="1">
-            <a:off x="11600749" y="2391561"/>
+            <a:off x="11642691" y="2391561"/>
             <a:ext cx="0" cy="215620"/>
           </a:xfrm>
           <a:prstGeom prst="line">
@@ -3841,7 +3813,7 @@
         </p:nvCxnSpPr>
         <p:spPr>
           <a:xfrm flipV="1">
-            <a:off x="7574703" y="1711018"/>
+            <a:off x="7505749" y="1711018"/>
             <a:ext cx="0" cy="419407"/>
           </a:xfrm>
           <a:prstGeom prst="straightConnector1">
@@ -3884,7 +3856,7 @@
         </p:nvSpPr>
         <p:spPr>
           <a:xfrm>
-            <a:off x="7444316" y="1410293"/>
+            <a:off x="7375362" y="1410293"/>
             <a:ext cx="460043" cy="307777"/>
           </a:xfrm>
           <a:prstGeom prst="rect">
@@ -3964,7 +3936,7 @@
         </p:nvCxnSpPr>
         <p:spPr>
           <a:xfrm>
-            <a:off x="8258175" y="4079605"/>
+            <a:off x="8189784" y="4079605"/>
             <a:ext cx="478631" cy="0"/>
           </a:xfrm>
           <a:prstGeom prst="straightConnector1">
@@ -4007,7 +3979,7 @@
         </p:nvSpPr>
         <p:spPr>
           <a:xfrm>
-            <a:off x="8668805" y="3911430"/>
+            <a:off x="8600414" y="3911430"/>
             <a:ext cx="460043" cy="307777"/>
           </a:xfrm>
           <a:prstGeom prst="rect">
@@ -4048,7 +4020,7 @@
         </p:nvCxnSpPr>
         <p:spPr>
           <a:xfrm flipV="1">
-            <a:off x="7670178" y="3165475"/>
+            <a:off x="7601787" y="3165475"/>
             <a:ext cx="0" cy="473228"/>
           </a:xfrm>
           <a:prstGeom prst="straightConnector1">
@@ -4091,7 +4063,7 @@
         </p:nvSpPr>
         <p:spPr>
           <a:xfrm>
-            <a:off x="7531106" y="2924167"/>
+            <a:off x="7462715" y="2924167"/>
             <a:ext cx="460043" cy="307777"/>
           </a:xfrm>
           <a:prstGeom prst="rect">
@@ -4132,7 +4104,7 @@
         </p:nvCxnSpPr>
         <p:spPr>
           <a:xfrm>
-            <a:off x="8203405" y="2476627"/>
+            <a:off x="8143445" y="2476627"/>
             <a:ext cx="478631" cy="0"/>
           </a:xfrm>
           <a:prstGeom prst="straightConnector1">
@@ -4175,7 +4147,7 @@
         </p:nvSpPr>
         <p:spPr>
           <a:xfrm>
-            <a:off x="8614035" y="2308452"/>
+            <a:off x="8554075" y="2308452"/>
             <a:ext cx="460043" cy="307777"/>
           </a:xfrm>
           <a:prstGeom prst="rect">
@@ -4297,7 +4269,7 @@
         </p:nvSpPr>
         <p:spPr>
           <a:xfrm>
-            <a:off x="2352558" y="2608894"/>
+            <a:off x="2104082" y="2608894"/>
             <a:ext cx="460043" cy="215444"/>
           </a:xfrm>
           <a:prstGeom prst="rect">
@@ -4338,7 +4310,7 @@
         </p:nvCxnSpPr>
         <p:spPr>
           <a:xfrm flipV="1">
-            <a:off x="2572691" y="2544237"/>
+            <a:off x="2324215" y="2544237"/>
             <a:ext cx="0" cy="99092"/>
           </a:xfrm>
           <a:prstGeom prst="line">
@@ -4379,7 +4351,7 @@
         </p:nvSpPr>
         <p:spPr>
           <a:xfrm>
-            <a:off x="2943789" y="2607181"/>
+            <a:off x="2733929" y="2607181"/>
             <a:ext cx="460043" cy="215444"/>
           </a:xfrm>
           <a:prstGeom prst="rect">
@@ -4420,7 +4392,7 @@
         </p:nvCxnSpPr>
         <p:spPr>
           <a:xfrm flipV="1">
-            <a:off x="3163922" y="2542524"/>
+            <a:off x="2954062" y="2542524"/>
             <a:ext cx="0" cy="99092"/>
           </a:xfrm>
           <a:prstGeom prst="line">
@@ -4461,7 +4433,7 @@
         </p:nvSpPr>
         <p:spPr>
           <a:xfrm>
-            <a:off x="3679537" y="2610356"/>
+            <a:off x="3490663" y="2610356"/>
             <a:ext cx="460043" cy="215444"/>
           </a:xfrm>
           <a:prstGeom prst="rect">
@@ -4502,7 +4474,7 @@
         </p:nvCxnSpPr>
         <p:spPr>
           <a:xfrm flipV="1">
-            <a:off x="3899670" y="2572746"/>
+            <a:off x="3710796" y="2572746"/>
             <a:ext cx="0" cy="72045"/>
           </a:xfrm>
           <a:prstGeom prst="line">
@@ -4543,7 +4515,7 @@
         </p:nvSpPr>
         <p:spPr>
           <a:xfrm>
-            <a:off x="4537869" y="2618333"/>
+            <a:off x="4363985" y="2618333"/>
             <a:ext cx="460043" cy="215444"/>
           </a:xfrm>
           <a:prstGeom prst="rect">
@@ -4584,7 +4556,7 @@
         </p:nvCxnSpPr>
         <p:spPr>
           <a:xfrm flipV="1">
-            <a:off x="4758002" y="2586007"/>
+            <a:off x="4584118" y="2586007"/>
             <a:ext cx="0" cy="66761"/>
           </a:xfrm>
           <a:prstGeom prst="line">
@@ -4625,7 +4597,7 @@
         </p:nvSpPr>
         <p:spPr>
           <a:xfrm>
-            <a:off x="5508199" y="2616229"/>
+            <a:off x="5379285" y="2616229"/>
             <a:ext cx="460043" cy="215444"/>
           </a:xfrm>
           <a:prstGeom prst="rect">
@@ -4666,7 +4638,7 @@
         </p:nvCxnSpPr>
         <p:spPr>
           <a:xfrm flipV="1">
-            <a:off x="5728332" y="2572746"/>
+            <a:off x="5599418" y="2572746"/>
             <a:ext cx="0" cy="77918"/>
           </a:xfrm>
           <a:prstGeom prst="line">
@@ -4707,7 +4679,7 @@
         </p:nvSpPr>
         <p:spPr>
           <a:xfrm>
-            <a:off x="6611643" y="2623537"/>
+            <a:off x="6506713" y="2623537"/>
             <a:ext cx="460043" cy="215444"/>
           </a:xfrm>
           <a:prstGeom prst="rect">
@@ -4748,7 +4720,7 @@
         </p:nvCxnSpPr>
         <p:spPr>
           <a:xfrm flipV="1">
-            <a:off x="6831776" y="2572746"/>
+            <a:off x="6726846" y="2572746"/>
             <a:ext cx="0" cy="85226"/>
           </a:xfrm>
           <a:prstGeom prst="line">
@@ -4789,7 +4761,7 @@
         </p:nvSpPr>
         <p:spPr>
           <a:xfrm>
-            <a:off x="7945107" y="2617163"/>
+            <a:off x="7885147" y="2617163"/>
             <a:ext cx="460043" cy="215444"/>
           </a:xfrm>
           <a:prstGeom prst="rect">
@@ -4830,7 +4802,7 @@
         </p:nvCxnSpPr>
         <p:spPr>
           <a:xfrm flipV="1">
-            <a:off x="8165240" y="2552506"/>
+            <a:off x="8105280" y="2552506"/>
             <a:ext cx="0" cy="99092"/>
           </a:xfrm>
           <a:prstGeom prst="line">
@@ -4953,7 +4925,7 @@
         </p:nvSpPr>
         <p:spPr>
           <a:xfrm>
-            <a:off x="10655947" y="2627029"/>
+            <a:off x="10675567" y="2627029"/>
             <a:ext cx="460043" cy="215444"/>
           </a:xfrm>
           <a:prstGeom prst="rect">
@@ -4994,7 +4966,7 @@
         </p:nvCxnSpPr>
         <p:spPr>
           <a:xfrm flipV="1">
-            <a:off x="10876080" y="2562372"/>
+            <a:off x="10895700" y="2562372"/>
             <a:ext cx="0" cy="99092"/>
           </a:xfrm>
           <a:prstGeom prst="line">
@@ -5035,7 +5007,7 @@
         </p:nvSpPr>
         <p:spPr>
           <a:xfrm>
-            <a:off x="1704972" y="4139106"/>
+            <a:off x="1581897" y="4139106"/>
             <a:ext cx="460043" cy="276999"/>
           </a:xfrm>
           <a:prstGeom prst="rect">
@@ -5074,7 +5046,7 @@
         </p:nvCxnSpPr>
         <p:spPr>
           <a:xfrm flipV="1">
-            <a:off x="1925105" y="3957921"/>
+            <a:off x="1802030" y="3957921"/>
             <a:ext cx="0" cy="215620"/>
           </a:xfrm>
           <a:prstGeom prst="line">
@@ -5115,7 +5087,7 @@
         </p:nvSpPr>
         <p:spPr>
           <a:xfrm>
-            <a:off x="11401256" y="4163455"/>
+            <a:off x="11456982" y="4163455"/>
             <a:ext cx="460043" cy="276999"/>
           </a:xfrm>
           <a:prstGeom prst="rect">
@@ -5154,7 +5126,7 @@
         </p:nvCxnSpPr>
         <p:spPr>
           <a:xfrm flipV="1">
-            <a:off x="11621389" y="3982270"/>
+            <a:off x="11677115" y="3982270"/>
             <a:ext cx="0" cy="215620"/>
           </a:xfrm>
           <a:prstGeom prst="line">
@@ -5195,7 +5167,7 @@
         </p:nvSpPr>
         <p:spPr>
           <a:xfrm>
-            <a:off x="2290645" y="4196428"/>
+            <a:off x="2066168" y="4196428"/>
             <a:ext cx="460043" cy="215444"/>
           </a:xfrm>
           <a:prstGeom prst="rect">
@@ -5236,7 +5208,7 @@
         </p:nvCxnSpPr>
         <p:spPr>
           <a:xfrm flipV="1">
-            <a:off x="2510778" y="4131771"/>
+            <a:off x="2286301" y="4131771"/>
             <a:ext cx="0" cy="99092"/>
           </a:xfrm>
           <a:prstGeom prst="line">
@@ -5277,7 +5249,7 @@
         </p:nvSpPr>
         <p:spPr>
           <a:xfrm>
-            <a:off x="2919974" y="4194715"/>
+            <a:off x="2727466" y="4194715"/>
             <a:ext cx="460043" cy="215444"/>
           </a:xfrm>
           <a:prstGeom prst="rect">
@@ -5318,7 +5290,7 @@
         </p:nvCxnSpPr>
         <p:spPr>
           <a:xfrm flipV="1">
-            <a:off x="3140107" y="4130058"/>
+            <a:off x="2947599" y="4130058"/>
             <a:ext cx="0" cy="99092"/>
           </a:xfrm>
           <a:prstGeom prst="line">
@@ -5359,7 +5331,7 @@
         </p:nvSpPr>
         <p:spPr>
           <a:xfrm>
-            <a:off x="3674774" y="4194715"/>
+            <a:off x="3492398" y="4194715"/>
             <a:ext cx="460043" cy="215444"/>
           </a:xfrm>
           <a:prstGeom prst="rect">
@@ -5400,7 +5372,7 @@
         </p:nvCxnSpPr>
         <p:spPr>
           <a:xfrm flipV="1">
-            <a:off x="3894907" y="4130058"/>
+            <a:off x="3712531" y="4130058"/>
             <a:ext cx="0" cy="99092"/>
           </a:xfrm>
           <a:prstGeom prst="line">
@@ -5441,7 +5413,7 @@
         </p:nvSpPr>
         <p:spPr>
           <a:xfrm>
-            <a:off x="4595021" y="4205867"/>
+            <a:off x="4435442" y="4205867"/>
             <a:ext cx="460043" cy="215444"/>
           </a:xfrm>
           <a:prstGeom prst="rect">
@@ -5482,7 +5454,7 @@
         </p:nvCxnSpPr>
         <p:spPr>
           <a:xfrm flipV="1">
-            <a:off x="4815154" y="4141210"/>
+            <a:off x="4655575" y="4141210"/>
             <a:ext cx="0" cy="99092"/>
           </a:xfrm>
           <a:prstGeom prst="line">
@@ -5523,7 +5495,7 @@
         </p:nvSpPr>
         <p:spPr>
           <a:xfrm>
-            <a:off x="5622505" y="4203763"/>
+            <a:off x="5490789" y="4203763"/>
             <a:ext cx="460043" cy="215444"/>
           </a:xfrm>
           <a:prstGeom prst="rect">
@@ -5564,7 +5536,7 @@
         </p:nvCxnSpPr>
         <p:spPr>
           <a:xfrm flipV="1">
-            <a:off x="5842638" y="4139106"/>
+            <a:off x="5710922" y="4139106"/>
             <a:ext cx="0" cy="99092"/>
           </a:xfrm>
           <a:prstGeom prst="line">
@@ -5605,7 +5577,7 @@
         </p:nvSpPr>
         <p:spPr>
           <a:xfrm>
-            <a:off x="6747113" y="4211071"/>
+            <a:off x="6655925" y="4211071"/>
             <a:ext cx="460043" cy="215444"/>
           </a:xfrm>
           <a:prstGeom prst="rect">
@@ -5646,7 +5618,7 @@
         </p:nvCxnSpPr>
         <p:spPr>
           <a:xfrm flipV="1">
-            <a:off x="6967246" y="4146414"/>
+            <a:off x="6876058" y="4146414"/>
             <a:ext cx="0" cy="99092"/>
           </a:xfrm>
           <a:prstGeom prst="line">
@@ -5687,7 +5659,7 @@
         </p:nvSpPr>
         <p:spPr>
           <a:xfrm>
-            <a:off x="8035599" y="4204697"/>
+            <a:off x="7967208" y="4204697"/>
             <a:ext cx="460043" cy="215444"/>
           </a:xfrm>
           <a:prstGeom prst="rect">
@@ -5728,7 +5700,7 @@
         </p:nvCxnSpPr>
         <p:spPr>
           <a:xfrm flipV="1">
-            <a:off x="8255732" y="4140040"/>
+            <a:off x="8187341" y="4140040"/>
             <a:ext cx="0" cy="99092"/>
           </a:xfrm>
           <a:prstGeom prst="line">
@@ -5769,7 +5741,7 @@
         </p:nvSpPr>
         <p:spPr>
           <a:xfrm>
-            <a:off x="9391019" y="4204697"/>
+            <a:off x="9378354" y="4204697"/>
             <a:ext cx="460043" cy="215444"/>
           </a:xfrm>
           <a:prstGeom prst="rect">
@@ -5810,7 +5782,7 @@
         </p:nvCxnSpPr>
         <p:spPr>
           <a:xfrm flipV="1">
-            <a:off x="9611152" y="4140040"/>
+            <a:off x="9598487" y="4140040"/>
             <a:ext cx="0" cy="99092"/>
           </a:xfrm>
           <a:prstGeom prst="line">
@@ -5851,7 +5823,7 @@
         </p:nvSpPr>
         <p:spPr>
           <a:xfrm>
-            <a:off x="10651184" y="4214563"/>
+            <a:off x="10666382" y="4214563"/>
             <a:ext cx="460043" cy="215444"/>
           </a:xfrm>
           <a:prstGeom prst="rect">
@@ -5892,7 +5864,7 @@
         </p:nvCxnSpPr>
         <p:spPr>
           <a:xfrm flipV="1">
-            <a:off x="10871317" y="4149906"/>
+            <a:off x="10886515" y="4149906"/>
             <a:ext cx="0" cy="99092"/>
           </a:xfrm>
           <a:prstGeom prst="line">
@@ -5935,7 +5907,7 @@
         </p:nvCxnSpPr>
         <p:spPr>
           <a:xfrm>
-            <a:off x="5844819" y="3648752"/>
+            <a:off x="5718169" y="3648752"/>
             <a:ext cx="444026" cy="0"/>
           </a:xfrm>
           <a:prstGeom prst="straightConnector1">
@@ -5978,7 +5950,7 @@
         </p:nvSpPr>
         <p:spPr>
           <a:xfrm>
-            <a:off x="6206485" y="3480422"/>
+            <a:off x="6079835" y="3480422"/>
             <a:ext cx="285650" cy="307777"/>
           </a:xfrm>
           <a:prstGeom prst="rect">
@@ -6017,7 +5989,7 @@
         </p:nvSpPr>
         <p:spPr>
           <a:xfrm>
-            <a:off x="5441277" y="3167977"/>
+            <a:off x="5314627" y="3167977"/>
             <a:ext cx="847568" cy="847568"/>
           </a:xfrm>
           <a:prstGeom prst="arc">
@@ -6071,7 +6043,7 @@
         </p:nvSpPr>
         <p:spPr>
           <a:xfrm>
-            <a:off x="5671676" y="3002436"/>
+            <a:off x="5545026" y="3002436"/>
             <a:ext cx="460043" cy="307777"/>
           </a:xfrm>
           <a:prstGeom prst="rect">
@@ -6741,7 +6713,7 @@
         </p:nvSpPr>
         <p:spPr>
           <a:xfrm>
-            <a:off x="2185309" y="6342681"/>
+            <a:off x="2212501" y="6342681"/>
             <a:ext cx="627292" cy="276999"/>
           </a:xfrm>
           <a:prstGeom prst="rect">
@@ -6780,7 +6752,7 @@
         </p:nvCxnSpPr>
         <p:spPr>
           <a:xfrm flipV="1">
-            <a:off x="2442721" y="6157632"/>
+            <a:off x="2469913" y="6157632"/>
             <a:ext cx="0" cy="215620"/>
           </a:xfrm>
           <a:prstGeom prst="line">
@@ -7296,6 +7268,36 @@
           </a:p>
         </p:txBody>
       </p:sp>
+      <p:pic>
+        <p:nvPicPr>
+          <p:cNvPr id="3" name="Picture 2" descr="A colorful cubes stacked together&#10;&#10;AI-generated content may be incorrect.">
+            <a:extLst>
+              <a:ext uri="{FF2B5EF4-FFF2-40B4-BE49-F238E27FC236}">
+                <a16:creationId xmlns:a16="http://schemas.microsoft.com/office/drawing/2014/main" id="{31A9C12A-00EC-1B79-325C-A4C343B49C46}"/>
+              </a:ext>
+            </a:extLst>
+          </p:cNvPr>
+          <p:cNvPicPr>
+            <a:picLocks noChangeAspect="1"/>
+          </p:cNvPicPr>
+          <p:nvPr/>
+        </p:nvPicPr>
+        <p:blipFill>
+          <a:blip r:embed="rId3"/>
+          <a:stretch>
+            <a:fillRect/>
+          </a:stretch>
+        </p:blipFill>
+        <p:spPr>
+          <a:xfrm>
+            <a:off x="555964" y="1567611"/>
+            <a:ext cx="713442" cy="770311"/>
+          </a:xfrm>
+          <a:prstGeom prst="rect">
+            <a:avLst/>
+          </a:prstGeom>
+        </p:spPr>
+      </p:pic>
     </p:spTree>
     <p:extLst>
       <p:ext uri="{BB962C8B-B14F-4D97-AF65-F5344CB8AC3E}">

--- a/color_spaces/oklab_vs_oklch.pptx
+++ b/color_spaces/oklab_vs_oklch.pptx
@@ -5,8 +5,9 @@
     <p:sldMasterId id="2147483648" r:id="rId1"/>
   </p:sldMasterIdLst>
   <p:sldIdLst>
-    <p:sldId id="258" r:id="rId2"/>
-    <p:sldId id="256" r:id="rId3"/>
+    <p:sldId id="260" r:id="rId2"/>
+    <p:sldId id="258" r:id="rId3"/>
+    <p:sldId id="256" r:id="rId4"/>
   </p:sldIdLst>
   <p:sldSz cx="12192000" cy="6858000"/>
   <p:notesSz cx="6858000" cy="9144000"/>
@@ -3323,6 +3324,5358 @@
     </p:bg>
     <p:spTree>
       <p:nvGrpSpPr>
+        <p:cNvPr id="1" name="">
+          <a:extLst>
+            <a:ext uri="{FF2B5EF4-FFF2-40B4-BE49-F238E27FC236}">
+              <a16:creationId xmlns:a16="http://schemas.microsoft.com/office/drawing/2014/main" id="{99836283-EA15-1314-C8A2-196BB2CAF056}"/>
+            </a:ext>
+          </a:extLst>
+        </p:cNvPr>
+        <p:cNvGrpSpPr/>
+        <p:nvPr/>
+      </p:nvGrpSpPr>
+      <p:grpSpPr>
+        <a:xfrm>
+          <a:off x="0" y="0"/>
+          <a:ext cx="0" cy="0"/>
+          <a:chOff x="0" y="0"/>
+          <a:chExt cx="0" cy="0"/>
+        </a:xfrm>
+      </p:grpSpPr>
+      <p:pic>
+        <p:nvPicPr>
+          <p:cNvPr id="6" name="Picture 5" descr="A group of different colored squares&#10;&#10;AI-generated content may be incorrect.">
+            <a:extLst>
+              <a:ext uri="{FF2B5EF4-FFF2-40B4-BE49-F238E27FC236}">
+                <a16:creationId xmlns:a16="http://schemas.microsoft.com/office/drawing/2014/main" id="{C2870D94-B039-F29A-E530-7F88F15AA0EC}"/>
+              </a:ext>
+            </a:extLst>
+          </p:cNvPr>
+          <p:cNvPicPr>
+            <a:picLocks noChangeAspect="1"/>
+          </p:cNvPicPr>
+          <p:nvPr/>
+        </p:nvPicPr>
+        <p:blipFill>
+          <a:blip r:embed="rId2">
+            <a:alphaModFix/>
+          </a:blip>
+          <a:stretch>
+            <a:fillRect/>
+          </a:stretch>
+        </p:blipFill>
+        <p:spPr>
+          <a:xfrm>
+            <a:off x="1656712" y="761252"/>
+            <a:ext cx="10520815" cy="5506221"/>
+          </a:xfrm>
+          <a:prstGeom prst="rect">
+            <a:avLst/>
+          </a:prstGeom>
+        </p:spPr>
+      </p:pic>
+      <p:pic>
+        <p:nvPicPr>
+          <p:cNvPr id="18" name="Picture 17" descr="A colorful cubes stacked together&#10;&#10;AI-generated content may be incorrect.">
+            <a:extLst>
+              <a:ext uri="{FF2B5EF4-FFF2-40B4-BE49-F238E27FC236}">
+                <a16:creationId xmlns:a16="http://schemas.microsoft.com/office/drawing/2014/main" id="{E502C13B-D34A-4475-879A-3AE136D97FA8}"/>
+              </a:ext>
+            </a:extLst>
+          </p:cNvPr>
+          <p:cNvPicPr>
+            <a:picLocks noChangeAspect="1"/>
+          </p:cNvPicPr>
+          <p:nvPr/>
+        </p:nvPicPr>
+        <p:blipFill>
+          <a:blip r:embed="rId3"/>
+          <a:stretch>
+            <a:fillRect/>
+          </a:stretch>
+        </p:blipFill>
+        <p:spPr>
+          <a:xfrm>
+            <a:off x="79259" y="4055954"/>
+            <a:ext cx="1590542" cy="1654747"/>
+          </a:xfrm>
+          <a:prstGeom prst="rect">
+            <a:avLst/>
+          </a:prstGeom>
+        </p:spPr>
+      </p:pic>
+      <p:sp>
+        <p:nvSpPr>
+          <p:cNvPr id="29" name="TextBox 28">
+            <a:extLst>
+              <a:ext uri="{FF2B5EF4-FFF2-40B4-BE49-F238E27FC236}">
+                <a16:creationId xmlns:a16="http://schemas.microsoft.com/office/drawing/2014/main" id="{46DBB61B-9A4C-028F-EDED-34193AE1DBD0}"/>
+              </a:ext>
+            </a:extLst>
+          </p:cNvPr>
+          <p:cNvSpPr txBox="1"/>
+          <p:nvPr/>
+        </p:nvSpPr>
+        <p:spPr>
+          <a:xfrm>
+            <a:off x="1713844" y="2203229"/>
+            <a:ext cx="460043" cy="276999"/>
+          </a:xfrm>
+          <a:prstGeom prst="rect">
+            <a:avLst/>
+          </a:prstGeom>
+          <a:noFill/>
+        </p:spPr>
+        <p:txBody>
+          <a:bodyPr wrap="square" rtlCol="0">
+            <a:spAutoFit/>
+          </a:bodyPr>
+          <a:lstStyle/>
+          <a:p>
+            <a:pPr marL="0" marR="0" lvl="0" indent="0" algn="l" defTabSz="914400" rtl="0" eaLnBrk="1" fontAlgn="auto" latinLnBrk="0" hangingPunct="1">
+              <a:lnSpc>
+                <a:spcPct val="100000"/>
+              </a:lnSpc>
+              <a:spcBef>
+                <a:spcPts val="0"/>
+              </a:spcBef>
+              <a:spcAft>
+                <a:spcPts val="0"/>
+              </a:spcAft>
+              <a:buClrTx/>
+              <a:buSzTx/>
+              <a:buFontTx/>
+              <a:buNone/>
+              <a:tabLst/>
+              <a:defRPr/>
+            </a:pPr>
+            <a:r>
+              <a:rPr kumimoji="0" lang="en-US" sz="1200" b="0" i="0" u="none" strike="noStrike" kern="1200" cap="none" spc="0" normalizeH="0" baseline="0" noProof="0" dirty="0">
+                <a:ln>
+                  <a:noFill/>
+                </a:ln>
+                <a:solidFill>
+                  <a:prstClr val="white"/>
+                </a:solidFill>
+                <a:effectLst/>
+                <a:uLnTx/>
+                <a:uFillTx/>
+                <a:latin typeface="Aptos" panose="02110004020202020204"/>
+                <a:ea typeface="+mn-ea"/>
+                <a:cs typeface="+mn-cs"/>
+              </a:rPr>
+              <a:t>L=0</a:t>
+            </a:r>
+          </a:p>
+        </p:txBody>
+      </p:sp>
+      <p:cxnSp>
+        <p:nvCxnSpPr>
+          <p:cNvPr id="31" name="Straight Connector 30">
+            <a:extLst>
+              <a:ext uri="{FF2B5EF4-FFF2-40B4-BE49-F238E27FC236}">
+                <a16:creationId xmlns:a16="http://schemas.microsoft.com/office/drawing/2014/main" id="{E86F1770-1FA5-F25D-6034-DB75807E0365}"/>
+              </a:ext>
+            </a:extLst>
+          </p:cNvPr>
+          <p:cNvCxnSpPr/>
+          <p:nvPr/>
+        </p:nvCxnSpPr>
+        <p:spPr>
+          <a:xfrm flipV="1">
+            <a:off x="1933977" y="2022044"/>
+            <a:ext cx="0" cy="215620"/>
+          </a:xfrm>
+          <a:prstGeom prst="line">
+            <a:avLst/>
+          </a:prstGeom>
+          <a:ln w="25400">
+            <a:solidFill>
+              <a:schemeClr val="bg1"/>
+            </a:solidFill>
+          </a:ln>
+        </p:spPr>
+        <p:style>
+          <a:lnRef idx="2">
+            <a:schemeClr val="accent1"/>
+          </a:lnRef>
+          <a:fillRef idx="0">
+            <a:schemeClr val="accent1"/>
+          </a:fillRef>
+          <a:effectRef idx="1">
+            <a:schemeClr val="accent1"/>
+          </a:effectRef>
+          <a:fontRef idx="minor">
+            <a:schemeClr val="tx1"/>
+          </a:fontRef>
+        </p:style>
+      </p:cxnSp>
+      <p:sp>
+        <p:nvSpPr>
+          <p:cNvPr id="32" name="TextBox 31">
+            <a:extLst>
+              <a:ext uri="{FF2B5EF4-FFF2-40B4-BE49-F238E27FC236}">
+                <a16:creationId xmlns:a16="http://schemas.microsoft.com/office/drawing/2014/main" id="{25D3C859-2AF9-63C1-7308-103F7ABFB6DC}"/>
+              </a:ext>
+            </a:extLst>
+          </p:cNvPr>
+          <p:cNvSpPr txBox="1"/>
+          <p:nvPr/>
+        </p:nvSpPr>
+        <p:spPr>
+          <a:xfrm>
+            <a:off x="11375162" y="2224403"/>
+            <a:ext cx="460043" cy="276999"/>
+          </a:xfrm>
+          <a:prstGeom prst="rect">
+            <a:avLst/>
+          </a:prstGeom>
+          <a:noFill/>
+        </p:spPr>
+        <p:txBody>
+          <a:bodyPr wrap="square" rtlCol="0">
+            <a:spAutoFit/>
+          </a:bodyPr>
+          <a:lstStyle/>
+          <a:p>
+            <a:pPr marL="0" marR="0" lvl="0" indent="0" algn="l" defTabSz="914400" rtl="0" eaLnBrk="1" fontAlgn="auto" latinLnBrk="0" hangingPunct="1">
+              <a:lnSpc>
+                <a:spcPct val="100000"/>
+              </a:lnSpc>
+              <a:spcBef>
+                <a:spcPts val="0"/>
+              </a:spcBef>
+              <a:spcAft>
+                <a:spcPts val="0"/>
+              </a:spcAft>
+              <a:buClrTx/>
+              <a:buSzTx/>
+              <a:buFontTx/>
+              <a:buNone/>
+              <a:tabLst/>
+              <a:defRPr/>
+            </a:pPr>
+            <a:r>
+              <a:rPr kumimoji="0" lang="en-US" sz="1200" b="0" i="0" u="none" strike="noStrike" kern="1200" cap="none" spc="0" normalizeH="0" baseline="0" noProof="0" dirty="0">
+                <a:ln>
+                  <a:noFill/>
+                </a:ln>
+                <a:solidFill>
+                  <a:prstClr val="white"/>
+                </a:solidFill>
+                <a:effectLst/>
+                <a:uLnTx/>
+                <a:uFillTx/>
+                <a:latin typeface="Aptos" panose="02110004020202020204"/>
+                <a:ea typeface="+mn-ea"/>
+                <a:cs typeface="+mn-cs"/>
+              </a:rPr>
+              <a:t>L=1</a:t>
+            </a:r>
+          </a:p>
+        </p:txBody>
+      </p:sp>
+      <p:cxnSp>
+        <p:nvCxnSpPr>
+          <p:cNvPr id="33" name="Straight Connector 32">
+            <a:extLst>
+              <a:ext uri="{FF2B5EF4-FFF2-40B4-BE49-F238E27FC236}">
+                <a16:creationId xmlns:a16="http://schemas.microsoft.com/office/drawing/2014/main" id="{B112D0CA-BC70-8059-DC7C-938A6C970918}"/>
+              </a:ext>
+            </a:extLst>
+          </p:cNvPr>
+          <p:cNvCxnSpPr/>
+          <p:nvPr/>
+        </p:nvCxnSpPr>
+        <p:spPr>
+          <a:xfrm flipV="1">
+            <a:off x="11595295" y="2043218"/>
+            <a:ext cx="0" cy="215620"/>
+          </a:xfrm>
+          <a:prstGeom prst="line">
+            <a:avLst/>
+          </a:prstGeom>
+          <a:ln w="25400">
+            <a:solidFill>
+              <a:schemeClr val="bg1"/>
+            </a:solidFill>
+          </a:ln>
+        </p:spPr>
+        <p:style>
+          <a:lnRef idx="2">
+            <a:schemeClr val="accent1"/>
+          </a:lnRef>
+          <a:fillRef idx="0">
+            <a:schemeClr val="accent1"/>
+          </a:fillRef>
+          <a:effectRef idx="1">
+            <a:schemeClr val="accent1"/>
+          </a:effectRef>
+          <a:fontRef idx="minor">
+            <a:schemeClr val="tx1"/>
+          </a:fontRef>
+        </p:style>
+      </p:cxnSp>
+      <p:sp>
+        <p:nvSpPr>
+          <p:cNvPr id="53" name="TextBox 52">
+            <a:extLst>
+              <a:ext uri="{FF2B5EF4-FFF2-40B4-BE49-F238E27FC236}">
+                <a16:creationId xmlns:a16="http://schemas.microsoft.com/office/drawing/2014/main" id="{3CF266D1-06C3-5C99-A274-A7F1613E4676}"/>
+              </a:ext>
+            </a:extLst>
+          </p:cNvPr>
+          <p:cNvSpPr txBox="1"/>
+          <p:nvPr/>
+        </p:nvSpPr>
+        <p:spPr>
+          <a:xfrm>
+            <a:off x="43937" y="405906"/>
+            <a:ext cx="1247457" cy="369332"/>
+          </a:xfrm>
+          <a:prstGeom prst="rect">
+            <a:avLst/>
+          </a:prstGeom>
+          <a:noFill/>
+        </p:spPr>
+        <p:txBody>
+          <a:bodyPr wrap="none" rtlCol="0">
+            <a:spAutoFit/>
+          </a:bodyPr>
+          <a:lstStyle/>
+          <a:p>
+            <a:pPr marL="0" marR="0" lvl="0" indent="0" algn="l" defTabSz="914400" rtl="0" eaLnBrk="1" fontAlgn="auto" latinLnBrk="0" hangingPunct="1">
+              <a:lnSpc>
+                <a:spcPct val="100000"/>
+              </a:lnSpc>
+              <a:spcBef>
+                <a:spcPts val="0"/>
+              </a:spcBef>
+              <a:spcAft>
+                <a:spcPts val="0"/>
+              </a:spcAft>
+              <a:buClrTx/>
+              <a:buSzTx/>
+              <a:buFontTx/>
+              <a:buNone/>
+              <a:tabLst/>
+              <a:defRPr/>
+            </a:pPr>
+            <a:r>
+              <a:rPr kumimoji="0" lang="en-US" sz="1800" b="0" i="0" u="none" strike="noStrike" kern="1200" cap="none" spc="0" normalizeH="0" baseline="0" noProof="0" dirty="0">
+                <a:ln>
+                  <a:noFill/>
+                </a:ln>
+                <a:solidFill>
+                  <a:prstClr val="white"/>
+                </a:solidFill>
+                <a:effectLst/>
+                <a:uLnTx/>
+                <a:uFillTx/>
+                <a:latin typeface="Aptos" panose="02110004020202020204"/>
+                <a:ea typeface="+mn-ea"/>
+                <a:cs typeface="+mn-cs"/>
+              </a:rPr>
+              <a:t>Oklab bins</a:t>
+            </a:r>
+          </a:p>
+        </p:txBody>
+      </p:sp>
+      <p:sp>
+        <p:nvSpPr>
+          <p:cNvPr id="71" name="TextBox 70">
+            <a:extLst>
+              <a:ext uri="{FF2B5EF4-FFF2-40B4-BE49-F238E27FC236}">
+                <a16:creationId xmlns:a16="http://schemas.microsoft.com/office/drawing/2014/main" id="{6C371F07-BDB0-3A34-47EA-645D7436697F}"/>
+              </a:ext>
+            </a:extLst>
+          </p:cNvPr>
+          <p:cNvSpPr txBox="1"/>
+          <p:nvPr/>
+        </p:nvSpPr>
+        <p:spPr>
+          <a:xfrm>
+            <a:off x="79259" y="2963740"/>
+            <a:ext cx="1242648" cy="369332"/>
+          </a:xfrm>
+          <a:prstGeom prst="rect">
+            <a:avLst/>
+          </a:prstGeom>
+          <a:noFill/>
+        </p:spPr>
+        <p:txBody>
+          <a:bodyPr wrap="none" rtlCol="0">
+            <a:spAutoFit/>
+          </a:bodyPr>
+          <a:lstStyle/>
+          <a:p>
+            <a:pPr marL="0" marR="0" lvl="0" indent="0" algn="l" defTabSz="914400" rtl="0" eaLnBrk="1" fontAlgn="auto" latinLnBrk="0" hangingPunct="1">
+              <a:lnSpc>
+                <a:spcPct val="100000"/>
+              </a:lnSpc>
+              <a:spcBef>
+                <a:spcPts val="0"/>
+              </a:spcBef>
+              <a:spcAft>
+                <a:spcPts val="0"/>
+              </a:spcAft>
+              <a:buClrTx/>
+              <a:buSzTx/>
+              <a:buFontTx/>
+              <a:buNone/>
+              <a:tabLst/>
+              <a:defRPr/>
+            </a:pPr>
+            <a:r>
+              <a:rPr kumimoji="0" lang="en-US" sz="1800" b="0" i="0" u="none" strike="noStrike" kern="1200" cap="none" spc="0" normalizeH="0" baseline="0" noProof="0" dirty="0">
+                <a:ln>
+                  <a:noFill/>
+                </a:ln>
+                <a:solidFill>
+                  <a:prstClr val="white"/>
+                </a:solidFill>
+                <a:effectLst/>
+                <a:uLnTx/>
+                <a:uFillTx/>
+                <a:latin typeface="Aptos" panose="02110004020202020204"/>
+                <a:ea typeface="+mn-ea"/>
+                <a:cs typeface="+mn-cs"/>
+              </a:rPr>
+              <a:t>Oklch bins</a:t>
+            </a:r>
+          </a:p>
+        </p:txBody>
+      </p:sp>
+      <p:cxnSp>
+        <p:nvCxnSpPr>
+          <p:cNvPr id="73" name="Straight Connector 72">
+            <a:extLst>
+              <a:ext uri="{FF2B5EF4-FFF2-40B4-BE49-F238E27FC236}">
+                <a16:creationId xmlns:a16="http://schemas.microsoft.com/office/drawing/2014/main" id="{F2AA7C95-C89C-5053-62CF-3DBD86D6BAF1}"/>
+              </a:ext>
+            </a:extLst>
+          </p:cNvPr>
+          <p:cNvCxnSpPr>
+            <a:cxnSpLocks/>
+          </p:cNvCxnSpPr>
+          <p:nvPr/>
+        </p:nvCxnSpPr>
+        <p:spPr>
+          <a:xfrm flipV="1">
+            <a:off x="79259" y="2713521"/>
+            <a:ext cx="11993679" cy="39211"/>
+          </a:xfrm>
+          <a:prstGeom prst="line">
+            <a:avLst/>
+          </a:prstGeom>
+          <a:ln w="31750">
+            <a:solidFill>
+              <a:schemeClr val="bg1">
+                <a:lumMod val="75000"/>
+                <a:alpha val="50000"/>
+              </a:schemeClr>
+            </a:solidFill>
+          </a:ln>
+        </p:spPr>
+        <p:style>
+          <a:lnRef idx="2">
+            <a:schemeClr val="accent1"/>
+          </a:lnRef>
+          <a:fillRef idx="0">
+            <a:schemeClr val="accent1"/>
+          </a:fillRef>
+          <a:effectRef idx="1">
+            <a:schemeClr val="accent1"/>
+          </a:effectRef>
+          <a:fontRef idx="minor">
+            <a:schemeClr val="tx1"/>
+          </a:fontRef>
+        </p:style>
+      </p:cxnSp>
+      <p:sp>
+        <p:nvSpPr>
+          <p:cNvPr id="74" name="TextBox 73">
+            <a:extLst>
+              <a:ext uri="{FF2B5EF4-FFF2-40B4-BE49-F238E27FC236}">
+                <a16:creationId xmlns:a16="http://schemas.microsoft.com/office/drawing/2014/main" id="{CBCB40D5-F870-29AC-C29D-44022E2498DD}"/>
+              </a:ext>
+            </a:extLst>
+          </p:cNvPr>
+          <p:cNvSpPr txBox="1"/>
+          <p:nvPr/>
+        </p:nvSpPr>
+        <p:spPr>
+          <a:xfrm>
+            <a:off x="2324320" y="2260551"/>
+            <a:ext cx="460043" cy="215444"/>
+          </a:xfrm>
+          <a:prstGeom prst="rect">
+            <a:avLst/>
+          </a:prstGeom>
+          <a:noFill/>
+        </p:spPr>
+        <p:txBody>
+          <a:bodyPr wrap="square" rtlCol="0">
+            <a:spAutoFit/>
+          </a:bodyPr>
+          <a:lstStyle/>
+          <a:p>
+            <a:pPr marL="0" marR="0" lvl="0" indent="0" algn="l" defTabSz="914400" rtl="0" eaLnBrk="1" fontAlgn="auto" latinLnBrk="0" hangingPunct="1">
+              <a:lnSpc>
+                <a:spcPct val="100000"/>
+              </a:lnSpc>
+              <a:spcBef>
+                <a:spcPts val="0"/>
+              </a:spcBef>
+              <a:spcAft>
+                <a:spcPts val="0"/>
+              </a:spcAft>
+              <a:buClrTx/>
+              <a:buSzTx/>
+              <a:buFontTx/>
+              <a:buNone/>
+              <a:tabLst/>
+              <a:defRPr/>
+            </a:pPr>
+            <a:r>
+              <a:rPr kumimoji="0" lang="en-US" sz="800" b="0" i="0" u="none" strike="noStrike" kern="1200" cap="none" spc="0" normalizeH="0" baseline="0" noProof="0" dirty="0">
+                <a:ln>
+                  <a:noFill/>
+                </a:ln>
+                <a:solidFill>
+                  <a:prstClr val="white"/>
+                </a:solidFill>
+                <a:effectLst/>
+                <a:uLnTx/>
+                <a:uFillTx/>
+                <a:latin typeface="Aptos" panose="02110004020202020204"/>
+                <a:ea typeface="+mn-ea"/>
+                <a:cs typeface="+mn-cs"/>
+              </a:rPr>
+              <a:t>L=0.1</a:t>
+            </a:r>
+          </a:p>
+        </p:txBody>
+      </p:sp>
+      <p:cxnSp>
+        <p:nvCxnSpPr>
+          <p:cNvPr id="75" name="Straight Connector 74">
+            <a:extLst>
+              <a:ext uri="{FF2B5EF4-FFF2-40B4-BE49-F238E27FC236}">
+                <a16:creationId xmlns:a16="http://schemas.microsoft.com/office/drawing/2014/main" id="{BAA2D3B8-B5A5-2279-78D4-8A473A4AC15F}"/>
+              </a:ext>
+            </a:extLst>
+          </p:cNvPr>
+          <p:cNvCxnSpPr>
+            <a:cxnSpLocks/>
+          </p:cNvCxnSpPr>
+          <p:nvPr/>
+        </p:nvCxnSpPr>
+        <p:spPr>
+          <a:xfrm flipV="1">
+            <a:off x="2544453" y="2195894"/>
+            <a:ext cx="0" cy="99092"/>
+          </a:xfrm>
+          <a:prstGeom prst="line">
+            <a:avLst/>
+          </a:prstGeom>
+          <a:ln w="12700">
+            <a:solidFill>
+              <a:schemeClr val="bg1"/>
+            </a:solidFill>
+          </a:ln>
+        </p:spPr>
+        <p:style>
+          <a:lnRef idx="2">
+            <a:schemeClr val="accent1"/>
+          </a:lnRef>
+          <a:fillRef idx="0">
+            <a:schemeClr val="accent1"/>
+          </a:fillRef>
+          <a:effectRef idx="1">
+            <a:schemeClr val="accent1"/>
+          </a:effectRef>
+          <a:fontRef idx="minor">
+            <a:schemeClr val="tx1"/>
+          </a:fontRef>
+        </p:style>
+      </p:cxnSp>
+      <p:sp>
+        <p:nvSpPr>
+          <p:cNvPr id="77" name="TextBox 76">
+            <a:extLst>
+              <a:ext uri="{FF2B5EF4-FFF2-40B4-BE49-F238E27FC236}">
+                <a16:creationId xmlns:a16="http://schemas.microsoft.com/office/drawing/2014/main" id="{0A324F5B-C973-545B-40C1-401E4CEFE1FD}"/>
+              </a:ext>
+            </a:extLst>
+          </p:cNvPr>
+          <p:cNvSpPr txBox="1"/>
+          <p:nvPr/>
+        </p:nvSpPr>
+        <p:spPr>
+          <a:xfrm>
+            <a:off x="3087983" y="2258838"/>
+            <a:ext cx="460043" cy="215444"/>
+          </a:xfrm>
+          <a:prstGeom prst="rect">
+            <a:avLst/>
+          </a:prstGeom>
+          <a:noFill/>
+        </p:spPr>
+        <p:txBody>
+          <a:bodyPr wrap="square" rtlCol="0">
+            <a:spAutoFit/>
+          </a:bodyPr>
+          <a:lstStyle/>
+          <a:p>
+            <a:pPr marL="0" marR="0" lvl="0" indent="0" algn="l" defTabSz="914400" rtl="0" eaLnBrk="1" fontAlgn="auto" latinLnBrk="0" hangingPunct="1">
+              <a:lnSpc>
+                <a:spcPct val="100000"/>
+              </a:lnSpc>
+              <a:spcBef>
+                <a:spcPts val="0"/>
+              </a:spcBef>
+              <a:spcAft>
+                <a:spcPts val="0"/>
+              </a:spcAft>
+              <a:buClrTx/>
+              <a:buSzTx/>
+              <a:buFontTx/>
+              <a:buNone/>
+              <a:tabLst/>
+              <a:defRPr/>
+            </a:pPr>
+            <a:r>
+              <a:rPr kumimoji="0" lang="en-US" sz="800" b="0" i="0" u="none" strike="noStrike" kern="1200" cap="none" spc="0" normalizeH="0" baseline="0" noProof="0" dirty="0">
+                <a:ln>
+                  <a:noFill/>
+                </a:ln>
+                <a:solidFill>
+                  <a:prstClr val="white"/>
+                </a:solidFill>
+                <a:effectLst/>
+                <a:uLnTx/>
+                <a:uFillTx/>
+                <a:latin typeface="Aptos" panose="02110004020202020204"/>
+                <a:ea typeface="+mn-ea"/>
+                <a:cs typeface="+mn-cs"/>
+              </a:rPr>
+              <a:t>L=0.2</a:t>
+            </a:r>
+          </a:p>
+        </p:txBody>
+      </p:sp>
+      <p:cxnSp>
+        <p:nvCxnSpPr>
+          <p:cNvPr id="78" name="Straight Connector 77">
+            <a:extLst>
+              <a:ext uri="{FF2B5EF4-FFF2-40B4-BE49-F238E27FC236}">
+                <a16:creationId xmlns:a16="http://schemas.microsoft.com/office/drawing/2014/main" id="{CDDF9C41-E202-73DB-4C1F-9778050F4646}"/>
+              </a:ext>
+            </a:extLst>
+          </p:cNvPr>
+          <p:cNvCxnSpPr>
+            <a:cxnSpLocks/>
+          </p:cNvCxnSpPr>
+          <p:nvPr/>
+        </p:nvCxnSpPr>
+        <p:spPr>
+          <a:xfrm flipV="1">
+            <a:off x="3308116" y="2194181"/>
+            <a:ext cx="0" cy="99092"/>
+          </a:xfrm>
+          <a:prstGeom prst="line">
+            <a:avLst/>
+          </a:prstGeom>
+          <a:ln w="12700">
+            <a:solidFill>
+              <a:schemeClr val="bg1"/>
+            </a:solidFill>
+          </a:ln>
+        </p:spPr>
+        <p:style>
+          <a:lnRef idx="2">
+            <a:schemeClr val="accent1"/>
+          </a:lnRef>
+          <a:fillRef idx="0">
+            <a:schemeClr val="accent1"/>
+          </a:fillRef>
+          <a:effectRef idx="1">
+            <a:schemeClr val="accent1"/>
+          </a:effectRef>
+          <a:fontRef idx="minor">
+            <a:schemeClr val="tx1"/>
+          </a:fontRef>
+        </p:style>
+      </p:cxnSp>
+      <p:sp>
+        <p:nvSpPr>
+          <p:cNvPr id="79" name="TextBox 78">
+            <a:extLst>
+              <a:ext uri="{FF2B5EF4-FFF2-40B4-BE49-F238E27FC236}">
+                <a16:creationId xmlns:a16="http://schemas.microsoft.com/office/drawing/2014/main" id="{7F972624-0203-CD23-3F5B-DC7C81197A0A}"/>
+              </a:ext>
+            </a:extLst>
+          </p:cNvPr>
+          <p:cNvSpPr txBox="1"/>
+          <p:nvPr/>
+        </p:nvSpPr>
+        <p:spPr>
+          <a:xfrm>
+            <a:off x="4223858" y="2262013"/>
+            <a:ext cx="460043" cy="215444"/>
+          </a:xfrm>
+          <a:prstGeom prst="rect">
+            <a:avLst/>
+          </a:prstGeom>
+          <a:noFill/>
+        </p:spPr>
+        <p:txBody>
+          <a:bodyPr wrap="square" rtlCol="0">
+            <a:spAutoFit/>
+          </a:bodyPr>
+          <a:lstStyle/>
+          <a:p>
+            <a:pPr marL="0" marR="0" lvl="0" indent="0" algn="l" defTabSz="914400" rtl="0" eaLnBrk="1" fontAlgn="auto" latinLnBrk="0" hangingPunct="1">
+              <a:lnSpc>
+                <a:spcPct val="100000"/>
+              </a:lnSpc>
+              <a:spcBef>
+                <a:spcPts val="0"/>
+              </a:spcBef>
+              <a:spcAft>
+                <a:spcPts val="0"/>
+              </a:spcAft>
+              <a:buClrTx/>
+              <a:buSzTx/>
+              <a:buFontTx/>
+              <a:buNone/>
+              <a:tabLst/>
+              <a:defRPr/>
+            </a:pPr>
+            <a:r>
+              <a:rPr kumimoji="0" lang="en-US" sz="800" b="0" i="0" u="none" strike="noStrike" kern="1200" cap="none" spc="0" normalizeH="0" baseline="0" noProof="0" dirty="0">
+                <a:ln>
+                  <a:noFill/>
+                </a:ln>
+                <a:solidFill>
+                  <a:prstClr val="white"/>
+                </a:solidFill>
+                <a:effectLst/>
+                <a:uLnTx/>
+                <a:uFillTx/>
+                <a:latin typeface="Aptos" panose="02110004020202020204"/>
+                <a:ea typeface="+mn-ea"/>
+                <a:cs typeface="+mn-cs"/>
+              </a:rPr>
+              <a:t>L=0.3</a:t>
+            </a:r>
+          </a:p>
+        </p:txBody>
+      </p:sp>
+      <p:cxnSp>
+        <p:nvCxnSpPr>
+          <p:cNvPr id="80" name="Straight Connector 79">
+            <a:extLst>
+              <a:ext uri="{FF2B5EF4-FFF2-40B4-BE49-F238E27FC236}">
+                <a16:creationId xmlns:a16="http://schemas.microsoft.com/office/drawing/2014/main" id="{B8A326C3-6B94-AD71-ED87-9513BA75CC64}"/>
+              </a:ext>
+            </a:extLst>
+          </p:cNvPr>
+          <p:cNvCxnSpPr>
+            <a:cxnSpLocks/>
+          </p:cNvCxnSpPr>
+          <p:nvPr/>
+        </p:nvCxnSpPr>
+        <p:spPr>
+          <a:xfrm flipV="1">
+            <a:off x="4443991" y="2224403"/>
+            <a:ext cx="0" cy="72045"/>
+          </a:xfrm>
+          <a:prstGeom prst="line">
+            <a:avLst/>
+          </a:prstGeom>
+          <a:ln w="12700">
+            <a:solidFill>
+              <a:schemeClr val="bg1"/>
+            </a:solidFill>
+          </a:ln>
+        </p:spPr>
+        <p:style>
+          <a:lnRef idx="2">
+            <a:schemeClr val="accent1"/>
+          </a:lnRef>
+          <a:fillRef idx="0">
+            <a:schemeClr val="accent1"/>
+          </a:fillRef>
+          <a:effectRef idx="1">
+            <a:schemeClr val="accent1"/>
+          </a:effectRef>
+          <a:fontRef idx="minor">
+            <a:schemeClr val="tx1"/>
+          </a:fontRef>
+        </p:style>
+      </p:cxnSp>
+      <p:sp>
+        <p:nvSpPr>
+          <p:cNvPr id="81" name="TextBox 80">
+            <a:extLst>
+              <a:ext uri="{FF2B5EF4-FFF2-40B4-BE49-F238E27FC236}">
+                <a16:creationId xmlns:a16="http://schemas.microsoft.com/office/drawing/2014/main" id="{A93BF89B-183F-1898-D814-117EA0113721}"/>
+              </a:ext>
+            </a:extLst>
+          </p:cNvPr>
+          <p:cNvSpPr txBox="1"/>
+          <p:nvPr/>
+        </p:nvSpPr>
+        <p:spPr>
+          <a:xfrm>
+            <a:off x="5270023" y="2269990"/>
+            <a:ext cx="460043" cy="215444"/>
+          </a:xfrm>
+          <a:prstGeom prst="rect">
+            <a:avLst/>
+          </a:prstGeom>
+          <a:noFill/>
+        </p:spPr>
+        <p:txBody>
+          <a:bodyPr wrap="square" rtlCol="0">
+            <a:spAutoFit/>
+          </a:bodyPr>
+          <a:lstStyle/>
+          <a:p>
+            <a:pPr marL="0" marR="0" lvl="0" indent="0" algn="l" defTabSz="914400" rtl="0" eaLnBrk="1" fontAlgn="auto" latinLnBrk="0" hangingPunct="1">
+              <a:lnSpc>
+                <a:spcPct val="100000"/>
+              </a:lnSpc>
+              <a:spcBef>
+                <a:spcPts val="0"/>
+              </a:spcBef>
+              <a:spcAft>
+                <a:spcPts val="0"/>
+              </a:spcAft>
+              <a:buClrTx/>
+              <a:buSzTx/>
+              <a:buFontTx/>
+              <a:buNone/>
+              <a:tabLst/>
+              <a:defRPr/>
+            </a:pPr>
+            <a:r>
+              <a:rPr kumimoji="0" lang="en-US" sz="800" b="0" i="0" u="none" strike="noStrike" kern="1200" cap="none" spc="0" normalizeH="0" baseline="0" noProof="0" dirty="0">
+                <a:ln>
+                  <a:noFill/>
+                </a:ln>
+                <a:solidFill>
+                  <a:prstClr val="white"/>
+                </a:solidFill>
+                <a:effectLst/>
+                <a:uLnTx/>
+                <a:uFillTx/>
+                <a:latin typeface="Aptos" panose="02110004020202020204"/>
+                <a:ea typeface="+mn-ea"/>
+                <a:cs typeface="+mn-cs"/>
+              </a:rPr>
+              <a:t>L=0.4</a:t>
+            </a:r>
+          </a:p>
+        </p:txBody>
+      </p:sp>
+      <p:cxnSp>
+        <p:nvCxnSpPr>
+          <p:cNvPr id="82" name="Straight Connector 81">
+            <a:extLst>
+              <a:ext uri="{FF2B5EF4-FFF2-40B4-BE49-F238E27FC236}">
+                <a16:creationId xmlns:a16="http://schemas.microsoft.com/office/drawing/2014/main" id="{ED3CFD31-4692-444B-7B9D-15F1BBE349FD}"/>
+              </a:ext>
+            </a:extLst>
+          </p:cNvPr>
+          <p:cNvCxnSpPr>
+            <a:cxnSpLocks/>
+          </p:cNvCxnSpPr>
+          <p:nvPr/>
+        </p:nvCxnSpPr>
+        <p:spPr>
+          <a:xfrm flipV="1">
+            <a:off x="5490156" y="2237664"/>
+            <a:ext cx="0" cy="66761"/>
+          </a:xfrm>
+          <a:prstGeom prst="line">
+            <a:avLst/>
+          </a:prstGeom>
+          <a:ln w="12700">
+            <a:solidFill>
+              <a:schemeClr val="bg1"/>
+            </a:solidFill>
+          </a:ln>
+        </p:spPr>
+        <p:style>
+          <a:lnRef idx="2">
+            <a:schemeClr val="accent1"/>
+          </a:lnRef>
+          <a:fillRef idx="0">
+            <a:schemeClr val="accent1"/>
+          </a:fillRef>
+          <a:effectRef idx="1">
+            <a:schemeClr val="accent1"/>
+          </a:effectRef>
+          <a:fontRef idx="minor">
+            <a:schemeClr val="tx1"/>
+          </a:fontRef>
+        </p:style>
+      </p:cxnSp>
+      <p:sp>
+        <p:nvSpPr>
+          <p:cNvPr id="83" name="TextBox 82">
+            <a:extLst>
+              <a:ext uri="{FF2B5EF4-FFF2-40B4-BE49-F238E27FC236}">
+                <a16:creationId xmlns:a16="http://schemas.microsoft.com/office/drawing/2014/main" id="{1D0928A9-B51F-3A5A-DAEF-6599B725DA18}"/>
+              </a:ext>
+            </a:extLst>
+          </p:cNvPr>
+          <p:cNvSpPr txBox="1"/>
+          <p:nvPr/>
+        </p:nvSpPr>
+        <p:spPr>
+          <a:xfrm>
+            <a:off x="6363383" y="2267886"/>
+            <a:ext cx="460043" cy="215444"/>
+          </a:xfrm>
+          <a:prstGeom prst="rect">
+            <a:avLst/>
+          </a:prstGeom>
+          <a:noFill/>
+        </p:spPr>
+        <p:txBody>
+          <a:bodyPr wrap="square" rtlCol="0">
+            <a:spAutoFit/>
+          </a:bodyPr>
+          <a:lstStyle/>
+          <a:p>
+            <a:pPr marL="0" marR="0" lvl="0" indent="0" algn="l" defTabSz="914400" rtl="0" eaLnBrk="1" fontAlgn="auto" latinLnBrk="0" hangingPunct="1">
+              <a:lnSpc>
+                <a:spcPct val="100000"/>
+              </a:lnSpc>
+              <a:spcBef>
+                <a:spcPts val="0"/>
+              </a:spcBef>
+              <a:spcAft>
+                <a:spcPts val="0"/>
+              </a:spcAft>
+              <a:buClrTx/>
+              <a:buSzTx/>
+              <a:buFontTx/>
+              <a:buNone/>
+              <a:tabLst/>
+              <a:defRPr/>
+            </a:pPr>
+            <a:r>
+              <a:rPr kumimoji="0" lang="en-US" sz="800" b="0" i="0" u="none" strike="noStrike" kern="1200" cap="none" spc="0" normalizeH="0" baseline="0" noProof="0" dirty="0">
+                <a:ln>
+                  <a:noFill/>
+                </a:ln>
+                <a:solidFill>
+                  <a:prstClr val="white"/>
+                </a:solidFill>
+                <a:effectLst/>
+                <a:uLnTx/>
+                <a:uFillTx/>
+                <a:latin typeface="Aptos" panose="02110004020202020204"/>
+                <a:ea typeface="+mn-ea"/>
+                <a:cs typeface="+mn-cs"/>
+              </a:rPr>
+              <a:t>L=0.5</a:t>
+            </a:r>
+          </a:p>
+        </p:txBody>
+      </p:sp>
+      <p:cxnSp>
+        <p:nvCxnSpPr>
+          <p:cNvPr id="84" name="Straight Connector 83">
+            <a:extLst>
+              <a:ext uri="{FF2B5EF4-FFF2-40B4-BE49-F238E27FC236}">
+                <a16:creationId xmlns:a16="http://schemas.microsoft.com/office/drawing/2014/main" id="{9030AC39-A94D-5D2D-1FF5-C869C3C4C11A}"/>
+              </a:ext>
+            </a:extLst>
+          </p:cNvPr>
+          <p:cNvCxnSpPr>
+            <a:cxnSpLocks/>
+          </p:cNvCxnSpPr>
+          <p:nvPr/>
+        </p:nvCxnSpPr>
+        <p:spPr>
+          <a:xfrm flipV="1">
+            <a:off x="6583516" y="2224403"/>
+            <a:ext cx="0" cy="77918"/>
+          </a:xfrm>
+          <a:prstGeom prst="line">
+            <a:avLst/>
+          </a:prstGeom>
+          <a:ln w="12700">
+            <a:solidFill>
+              <a:schemeClr val="bg1"/>
+            </a:solidFill>
+          </a:ln>
+        </p:spPr>
+        <p:style>
+          <a:lnRef idx="2">
+            <a:schemeClr val="accent1"/>
+          </a:lnRef>
+          <a:fillRef idx="0">
+            <a:schemeClr val="accent1"/>
+          </a:fillRef>
+          <a:effectRef idx="1">
+            <a:schemeClr val="accent1"/>
+          </a:effectRef>
+          <a:fontRef idx="minor">
+            <a:schemeClr val="tx1"/>
+          </a:fontRef>
+        </p:style>
+      </p:cxnSp>
+      <p:sp>
+        <p:nvSpPr>
+          <p:cNvPr id="85" name="TextBox 84">
+            <a:extLst>
+              <a:ext uri="{FF2B5EF4-FFF2-40B4-BE49-F238E27FC236}">
+                <a16:creationId xmlns:a16="http://schemas.microsoft.com/office/drawing/2014/main" id="{78CF0775-3CB7-03A0-DBCB-6CC4EC562BA8}"/>
+              </a:ext>
+            </a:extLst>
+          </p:cNvPr>
+          <p:cNvSpPr txBox="1"/>
+          <p:nvPr/>
+        </p:nvSpPr>
+        <p:spPr>
+          <a:xfrm>
+            <a:off x="7457355" y="2386709"/>
+            <a:ext cx="460043" cy="215444"/>
+          </a:xfrm>
+          <a:prstGeom prst="rect">
+            <a:avLst/>
+          </a:prstGeom>
+          <a:noFill/>
+        </p:spPr>
+        <p:txBody>
+          <a:bodyPr wrap="square" rtlCol="0">
+            <a:spAutoFit/>
+          </a:bodyPr>
+          <a:lstStyle/>
+          <a:p>
+            <a:pPr marL="0" marR="0" lvl="0" indent="0" algn="l" defTabSz="914400" rtl="0" eaLnBrk="1" fontAlgn="auto" latinLnBrk="0" hangingPunct="1">
+              <a:lnSpc>
+                <a:spcPct val="100000"/>
+              </a:lnSpc>
+              <a:spcBef>
+                <a:spcPts val="0"/>
+              </a:spcBef>
+              <a:spcAft>
+                <a:spcPts val="0"/>
+              </a:spcAft>
+              <a:buClrTx/>
+              <a:buSzTx/>
+              <a:buFontTx/>
+              <a:buNone/>
+              <a:tabLst/>
+              <a:defRPr/>
+            </a:pPr>
+            <a:r>
+              <a:rPr kumimoji="0" lang="en-US" sz="800" b="0" i="0" u="none" strike="noStrike" kern="1200" cap="none" spc="0" normalizeH="0" baseline="0" noProof="0" dirty="0">
+                <a:ln>
+                  <a:noFill/>
+                </a:ln>
+                <a:solidFill>
+                  <a:prstClr val="white"/>
+                </a:solidFill>
+                <a:effectLst/>
+                <a:uLnTx/>
+                <a:uFillTx/>
+                <a:latin typeface="Aptos" panose="02110004020202020204"/>
+                <a:ea typeface="+mn-ea"/>
+                <a:cs typeface="+mn-cs"/>
+              </a:rPr>
+              <a:t>L=0.6</a:t>
+            </a:r>
+          </a:p>
+        </p:txBody>
+      </p:sp>
+      <p:cxnSp>
+        <p:nvCxnSpPr>
+          <p:cNvPr id="86" name="Straight Connector 85">
+            <a:extLst>
+              <a:ext uri="{FF2B5EF4-FFF2-40B4-BE49-F238E27FC236}">
+                <a16:creationId xmlns:a16="http://schemas.microsoft.com/office/drawing/2014/main" id="{FD2D95A5-D6DF-81A5-A5ED-E954CCF546AF}"/>
+              </a:ext>
+            </a:extLst>
+          </p:cNvPr>
+          <p:cNvCxnSpPr>
+            <a:cxnSpLocks/>
+          </p:cNvCxnSpPr>
+          <p:nvPr/>
+        </p:nvCxnSpPr>
+        <p:spPr>
+          <a:xfrm flipV="1">
+            <a:off x="7677488" y="2335918"/>
+            <a:ext cx="0" cy="85226"/>
+          </a:xfrm>
+          <a:prstGeom prst="line">
+            <a:avLst/>
+          </a:prstGeom>
+          <a:ln w="12700">
+            <a:solidFill>
+              <a:schemeClr val="bg1"/>
+            </a:solidFill>
+          </a:ln>
+        </p:spPr>
+        <p:style>
+          <a:lnRef idx="2">
+            <a:schemeClr val="accent1"/>
+          </a:lnRef>
+          <a:fillRef idx="0">
+            <a:schemeClr val="accent1"/>
+          </a:fillRef>
+          <a:effectRef idx="1">
+            <a:schemeClr val="accent1"/>
+          </a:effectRef>
+          <a:fontRef idx="minor">
+            <a:schemeClr val="tx1"/>
+          </a:fontRef>
+        </p:style>
+      </p:cxnSp>
+      <p:sp>
+        <p:nvSpPr>
+          <p:cNvPr id="87" name="TextBox 86">
+            <a:extLst>
+              <a:ext uri="{FF2B5EF4-FFF2-40B4-BE49-F238E27FC236}">
+                <a16:creationId xmlns:a16="http://schemas.microsoft.com/office/drawing/2014/main" id="{DDB29B64-B6DA-92E1-5D62-3CF0C5D6BCCD}"/>
+              </a:ext>
+            </a:extLst>
+          </p:cNvPr>
+          <p:cNvSpPr txBox="1"/>
+          <p:nvPr/>
+        </p:nvSpPr>
+        <p:spPr>
+          <a:xfrm>
+            <a:off x="8545859" y="2380337"/>
+            <a:ext cx="460043" cy="215444"/>
+          </a:xfrm>
+          <a:prstGeom prst="rect">
+            <a:avLst/>
+          </a:prstGeom>
+          <a:noFill/>
+        </p:spPr>
+        <p:txBody>
+          <a:bodyPr wrap="square" rtlCol="0">
+            <a:spAutoFit/>
+          </a:bodyPr>
+          <a:lstStyle/>
+          <a:p>
+            <a:pPr marL="0" marR="0" lvl="0" indent="0" algn="l" defTabSz="914400" rtl="0" eaLnBrk="1" fontAlgn="auto" latinLnBrk="0" hangingPunct="1">
+              <a:lnSpc>
+                <a:spcPct val="100000"/>
+              </a:lnSpc>
+              <a:spcBef>
+                <a:spcPts val="0"/>
+              </a:spcBef>
+              <a:spcAft>
+                <a:spcPts val="0"/>
+              </a:spcAft>
+              <a:buClrTx/>
+              <a:buSzTx/>
+              <a:buFontTx/>
+              <a:buNone/>
+              <a:tabLst/>
+              <a:defRPr/>
+            </a:pPr>
+            <a:r>
+              <a:rPr kumimoji="0" lang="en-US" sz="800" b="0" i="0" u="none" strike="noStrike" kern="1200" cap="none" spc="0" normalizeH="0" baseline="0" noProof="0" dirty="0">
+                <a:ln>
+                  <a:noFill/>
+                </a:ln>
+                <a:solidFill>
+                  <a:prstClr val="white"/>
+                </a:solidFill>
+                <a:effectLst/>
+                <a:uLnTx/>
+                <a:uFillTx/>
+                <a:latin typeface="Aptos" panose="02110004020202020204"/>
+                <a:ea typeface="+mn-ea"/>
+                <a:cs typeface="+mn-cs"/>
+              </a:rPr>
+              <a:t>L=0.7</a:t>
+            </a:r>
+          </a:p>
+        </p:txBody>
+      </p:sp>
+      <p:cxnSp>
+        <p:nvCxnSpPr>
+          <p:cNvPr id="88" name="Straight Connector 87">
+            <a:extLst>
+              <a:ext uri="{FF2B5EF4-FFF2-40B4-BE49-F238E27FC236}">
+                <a16:creationId xmlns:a16="http://schemas.microsoft.com/office/drawing/2014/main" id="{9B8C6EB8-AB85-9F18-2FD9-9B6915D4B1BB}"/>
+              </a:ext>
+            </a:extLst>
+          </p:cNvPr>
+          <p:cNvCxnSpPr>
+            <a:cxnSpLocks/>
+          </p:cNvCxnSpPr>
+          <p:nvPr/>
+        </p:nvCxnSpPr>
+        <p:spPr>
+          <a:xfrm flipV="1">
+            <a:off x="8765992" y="2315680"/>
+            <a:ext cx="0" cy="99092"/>
+          </a:xfrm>
+          <a:prstGeom prst="line">
+            <a:avLst/>
+          </a:prstGeom>
+          <a:ln w="12700">
+            <a:solidFill>
+              <a:schemeClr val="bg1"/>
+            </a:solidFill>
+          </a:ln>
+        </p:spPr>
+        <p:style>
+          <a:lnRef idx="2">
+            <a:schemeClr val="accent1"/>
+          </a:lnRef>
+          <a:fillRef idx="0">
+            <a:schemeClr val="accent1"/>
+          </a:fillRef>
+          <a:effectRef idx="1">
+            <a:schemeClr val="accent1"/>
+          </a:effectRef>
+          <a:fontRef idx="minor">
+            <a:schemeClr val="tx1"/>
+          </a:fontRef>
+        </p:style>
+      </p:cxnSp>
+      <p:sp>
+        <p:nvSpPr>
+          <p:cNvPr id="89" name="TextBox 88">
+            <a:extLst>
+              <a:ext uri="{FF2B5EF4-FFF2-40B4-BE49-F238E27FC236}">
+                <a16:creationId xmlns:a16="http://schemas.microsoft.com/office/drawing/2014/main" id="{7908F7F0-C9B6-B9D8-59D9-268C70910AD4}"/>
+              </a:ext>
+            </a:extLst>
+          </p:cNvPr>
+          <p:cNvSpPr txBox="1"/>
+          <p:nvPr/>
+        </p:nvSpPr>
+        <p:spPr>
+          <a:xfrm>
+            <a:off x="9643427" y="2268820"/>
+            <a:ext cx="460043" cy="215444"/>
+          </a:xfrm>
+          <a:prstGeom prst="rect">
+            <a:avLst/>
+          </a:prstGeom>
+          <a:noFill/>
+        </p:spPr>
+        <p:txBody>
+          <a:bodyPr wrap="square" rtlCol="0">
+            <a:spAutoFit/>
+          </a:bodyPr>
+          <a:lstStyle/>
+          <a:p>
+            <a:pPr marL="0" marR="0" lvl="0" indent="0" algn="l" defTabSz="914400" rtl="0" eaLnBrk="1" fontAlgn="auto" latinLnBrk="0" hangingPunct="1">
+              <a:lnSpc>
+                <a:spcPct val="100000"/>
+              </a:lnSpc>
+              <a:spcBef>
+                <a:spcPts val="0"/>
+              </a:spcBef>
+              <a:spcAft>
+                <a:spcPts val="0"/>
+              </a:spcAft>
+              <a:buClrTx/>
+              <a:buSzTx/>
+              <a:buFontTx/>
+              <a:buNone/>
+              <a:tabLst/>
+              <a:defRPr/>
+            </a:pPr>
+            <a:r>
+              <a:rPr kumimoji="0" lang="en-US" sz="800" b="0" i="0" u="none" strike="noStrike" kern="1200" cap="none" spc="0" normalizeH="0" baseline="0" noProof="0" dirty="0">
+                <a:ln>
+                  <a:noFill/>
+                </a:ln>
+                <a:solidFill>
+                  <a:prstClr val="white"/>
+                </a:solidFill>
+                <a:effectLst/>
+                <a:uLnTx/>
+                <a:uFillTx/>
+                <a:latin typeface="Aptos" panose="02110004020202020204"/>
+                <a:ea typeface="+mn-ea"/>
+                <a:cs typeface="+mn-cs"/>
+              </a:rPr>
+              <a:t>L=0.8</a:t>
+            </a:r>
+          </a:p>
+        </p:txBody>
+      </p:sp>
+      <p:cxnSp>
+        <p:nvCxnSpPr>
+          <p:cNvPr id="90" name="Straight Connector 89">
+            <a:extLst>
+              <a:ext uri="{FF2B5EF4-FFF2-40B4-BE49-F238E27FC236}">
+                <a16:creationId xmlns:a16="http://schemas.microsoft.com/office/drawing/2014/main" id="{FA059817-3728-7E55-58AE-58EDCC6BC3CA}"/>
+              </a:ext>
+            </a:extLst>
+          </p:cNvPr>
+          <p:cNvCxnSpPr>
+            <a:cxnSpLocks/>
+          </p:cNvCxnSpPr>
+          <p:nvPr/>
+        </p:nvCxnSpPr>
+        <p:spPr>
+          <a:xfrm flipV="1">
+            <a:off x="9863560" y="2204163"/>
+            <a:ext cx="0" cy="99092"/>
+          </a:xfrm>
+          <a:prstGeom prst="line">
+            <a:avLst/>
+          </a:prstGeom>
+          <a:ln w="12700">
+            <a:solidFill>
+              <a:schemeClr val="bg1"/>
+            </a:solidFill>
+          </a:ln>
+        </p:spPr>
+        <p:style>
+          <a:lnRef idx="2">
+            <a:schemeClr val="accent1"/>
+          </a:lnRef>
+          <a:fillRef idx="0">
+            <a:schemeClr val="accent1"/>
+          </a:fillRef>
+          <a:effectRef idx="1">
+            <a:schemeClr val="accent1"/>
+          </a:effectRef>
+          <a:fontRef idx="minor">
+            <a:schemeClr val="tx1"/>
+          </a:fontRef>
+        </p:style>
+      </p:cxnSp>
+      <p:sp>
+        <p:nvSpPr>
+          <p:cNvPr id="91" name="TextBox 90">
+            <a:extLst>
+              <a:ext uri="{FF2B5EF4-FFF2-40B4-BE49-F238E27FC236}">
+                <a16:creationId xmlns:a16="http://schemas.microsoft.com/office/drawing/2014/main" id="{2A5E779A-BA40-AA6E-9526-56F72B75FB87}"/>
+              </a:ext>
+            </a:extLst>
+          </p:cNvPr>
+          <p:cNvSpPr txBox="1"/>
+          <p:nvPr/>
+        </p:nvSpPr>
+        <p:spPr>
+          <a:xfrm>
+            <a:off x="10550114" y="2278686"/>
+            <a:ext cx="460043" cy="215444"/>
+          </a:xfrm>
+          <a:prstGeom prst="rect">
+            <a:avLst/>
+          </a:prstGeom>
+          <a:noFill/>
+        </p:spPr>
+        <p:txBody>
+          <a:bodyPr wrap="square" rtlCol="0">
+            <a:spAutoFit/>
+          </a:bodyPr>
+          <a:lstStyle/>
+          <a:p>
+            <a:pPr marL="0" marR="0" lvl="0" indent="0" algn="l" defTabSz="914400" rtl="0" eaLnBrk="1" fontAlgn="auto" latinLnBrk="0" hangingPunct="1">
+              <a:lnSpc>
+                <a:spcPct val="100000"/>
+              </a:lnSpc>
+              <a:spcBef>
+                <a:spcPts val="0"/>
+              </a:spcBef>
+              <a:spcAft>
+                <a:spcPts val="0"/>
+              </a:spcAft>
+              <a:buClrTx/>
+              <a:buSzTx/>
+              <a:buFontTx/>
+              <a:buNone/>
+              <a:tabLst/>
+              <a:defRPr/>
+            </a:pPr>
+            <a:r>
+              <a:rPr kumimoji="0" lang="en-US" sz="800" b="0" i="0" u="none" strike="noStrike" kern="1200" cap="none" spc="0" normalizeH="0" baseline="0" noProof="0" dirty="0">
+                <a:ln>
+                  <a:noFill/>
+                </a:ln>
+                <a:solidFill>
+                  <a:prstClr val="white"/>
+                </a:solidFill>
+                <a:effectLst/>
+                <a:uLnTx/>
+                <a:uFillTx/>
+                <a:latin typeface="Aptos" panose="02110004020202020204"/>
+                <a:ea typeface="+mn-ea"/>
+                <a:cs typeface="+mn-cs"/>
+              </a:rPr>
+              <a:t>L=0.9</a:t>
+            </a:r>
+          </a:p>
+        </p:txBody>
+      </p:sp>
+      <p:cxnSp>
+        <p:nvCxnSpPr>
+          <p:cNvPr id="92" name="Straight Connector 91">
+            <a:extLst>
+              <a:ext uri="{FF2B5EF4-FFF2-40B4-BE49-F238E27FC236}">
+                <a16:creationId xmlns:a16="http://schemas.microsoft.com/office/drawing/2014/main" id="{9CED639F-D4E2-0DC3-EBF9-09295B77EBA0}"/>
+              </a:ext>
+            </a:extLst>
+          </p:cNvPr>
+          <p:cNvCxnSpPr>
+            <a:cxnSpLocks/>
+          </p:cNvCxnSpPr>
+          <p:nvPr/>
+        </p:nvCxnSpPr>
+        <p:spPr>
+          <a:xfrm flipV="1">
+            <a:off x="10770247" y="2214029"/>
+            <a:ext cx="0" cy="99092"/>
+          </a:xfrm>
+          <a:prstGeom prst="line">
+            <a:avLst/>
+          </a:prstGeom>
+          <a:ln w="12700">
+            <a:solidFill>
+              <a:schemeClr val="bg1"/>
+            </a:solidFill>
+          </a:ln>
+        </p:spPr>
+        <p:style>
+          <a:lnRef idx="2">
+            <a:schemeClr val="accent1"/>
+          </a:lnRef>
+          <a:fillRef idx="0">
+            <a:schemeClr val="accent1"/>
+          </a:fillRef>
+          <a:effectRef idx="1">
+            <a:schemeClr val="accent1"/>
+          </a:effectRef>
+          <a:fontRef idx="minor">
+            <a:schemeClr val="tx1"/>
+          </a:fontRef>
+        </p:style>
+      </p:cxnSp>
+      <p:sp>
+        <p:nvSpPr>
+          <p:cNvPr id="93" name="TextBox 92">
+            <a:extLst>
+              <a:ext uri="{FF2B5EF4-FFF2-40B4-BE49-F238E27FC236}">
+                <a16:creationId xmlns:a16="http://schemas.microsoft.com/office/drawing/2014/main" id="{F24B9F3D-35B1-FD2E-5E28-B35DDF876DAF}"/>
+              </a:ext>
+            </a:extLst>
+          </p:cNvPr>
+          <p:cNvSpPr txBox="1"/>
+          <p:nvPr/>
+        </p:nvSpPr>
+        <p:spPr>
+          <a:xfrm>
+            <a:off x="1655407" y="4357288"/>
+            <a:ext cx="460043" cy="276999"/>
+          </a:xfrm>
+          <a:prstGeom prst="rect">
+            <a:avLst/>
+          </a:prstGeom>
+          <a:noFill/>
+        </p:spPr>
+        <p:txBody>
+          <a:bodyPr wrap="square" rtlCol="0">
+            <a:spAutoFit/>
+          </a:bodyPr>
+          <a:lstStyle/>
+          <a:p>
+            <a:pPr marL="0" marR="0" lvl="0" indent="0" algn="l" defTabSz="914400" rtl="0" eaLnBrk="1" fontAlgn="auto" latinLnBrk="0" hangingPunct="1">
+              <a:lnSpc>
+                <a:spcPct val="100000"/>
+              </a:lnSpc>
+              <a:spcBef>
+                <a:spcPts val="0"/>
+              </a:spcBef>
+              <a:spcAft>
+                <a:spcPts val="0"/>
+              </a:spcAft>
+              <a:buClrTx/>
+              <a:buSzTx/>
+              <a:buFontTx/>
+              <a:buNone/>
+              <a:tabLst/>
+              <a:defRPr/>
+            </a:pPr>
+            <a:r>
+              <a:rPr kumimoji="0" lang="en-US" sz="1200" b="0" i="0" u="none" strike="noStrike" kern="1200" cap="none" spc="0" normalizeH="0" baseline="0" noProof="0" dirty="0">
+                <a:ln>
+                  <a:noFill/>
+                </a:ln>
+                <a:solidFill>
+                  <a:prstClr val="white"/>
+                </a:solidFill>
+                <a:effectLst/>
+                <a:uLnTx/>
+                <a:uFillTx/>
+                <a:latin typeface="Aptos" panose="02110004020202020204"/>
+                <a:ea typeface="+mn-ea"/>
+                <a:cs typeface="+mn-cs"/>
+              </a:rPr>
+              <a:t>L=0</a:t>
+            </a:r>
+          </a:p>
+        </p:txBody>
+      </p:sp>
+      <p:cxnSp>
+        <p:nvCxnSpPr>
+          <p:cNvPr id="94" name="Straight Connector 93">
+            <a:extLst>
+              <a:ext uri="{FF2B5EF4-FFF2-40B4-BE49-F238E27FC236}">
+                <a16:creationId xmlns:a16="http://schemas.microsoft.com/office/drawing/2014/main" id="{D9DC9B1B-49B6-6493-A283-B7D96DC86CBF}"/>
+              </a:ext>
+            </a:extLst>
+          </p:cNvPr>
+          <p:cNvCxnSpPr/>
+          <p:nvPr/>
+        </p:nvCxnSpPr>
+        <p:spPr>
+          <a:xfrm flipV="1">
+            <a:off x="1875540" y="4245259"/>
+            <a:ext cx="0" cy="215620"/>
+          </a:xfrm>
+          <a:prstGeom prst="line">
+            <a:avLst/>
+          </a:prstGeom>
+          <a:ln w="25400">
+            <a:solidFill>
+              <a:schemeClr val="bg1"/>
+            </a:solidFill>
+          </a:ln>
+        </p:spPr>
+        <p:style>
+          <a:lnRef idx="2">
+            <a:schemeClr val="accent1"/>
+          </a:lnRef>
+          <a:fillRef idx="0">
+            <a:schemeClr val="accent1"/>
+          </a:fillRef>
+          <a:effectRef idx="1">
+            <a:schemeClr val="accent1"/>
+          </a:effectRef>
+          <a:fontRef idx="minor">
+            <a:schemeClr val="tx1"/>
+          </a:fontRef>
+        </p:style>
+      </p:cxnSp>
+      <p:sp>
+        <p:nvSpPr>
+          <p:cNvPr id="95" name="TextBox 94">
+            <a:extLst>
+              <a:ext uri="{FF2B5EF4-FFF2-40B4-BE49-F238E27FC236}">
+                <a16:creationId xmlns:a16="http://schemas.microsoft.com/office/drawing/2014/main" id="{44E80413-A63D-A508-844B-5C77F7432F80}"/>
+              </a:ext>
+            </a:extLst>
+          </p:cNvPr>
+          <p:cNvSpPr txBox="1"/>
+          <p:nvPr/>
+        </p:nvSpPr>
+        <p:spPr>
+          <a:xfrm>
+            <a:off x="11312936" y="4450793"/>
+            <a:ext cx="460043" cy="276999"/>
+          </a:xfrm>
+          <a:prstGeom prst="rect">
+            <a:avLst/>
+          </a:prstGeom>
+          <a:noFill/>
+        </p:spPr>
+        <p:txBody>
+          <a:bodyPr wrap="square" rtlCol="0">
+            <a:spAutoFit/>
+          </a:bodyPr>
+          <a:lstStyle/>
+          <a:p>
+            <a:pPr marL="0" marR="0" lvl="0" indent="0" algn="l" defTabSz="914400" rtl="0" eaLnBrk="1" fontAlgn="auto" latinLnBrk="0" hangingPunct="1">
+              <a:lnSpc>
+                <a:spcPct val="100000"/>
+              </a:lnSpc>
+              <a:spcBef>
+                <a:spcPts val="0"/>
+              </a:spcBef>
+              <a:spcAft>
+                <a:spcPts val="0"/>
+              </a:spcAft>
+              <a:buClrTx/>
+              <a:buSzTx/>
+              <a:buFontTx/>
+              <a:buNone/>
+              <a:tabLst/>
+              <a:defRPr/>
+            </a:pPr>
+            <a:r>
+              <a:rPr kumimoji="0" lang="en-US" sz="1200" b="0" i="0" u="none" strike="noStrike" kern="1200" cap="none" spc="0" normalizeH="0" baseline="0" noProof="0" dirty="0">
+                <a:ln>
+                  <a:noFill/>
+                </a:ln>
+                <a:solidFill>
+                  <a:prstClr val="white"/>
+                </a:solidFill>
+                <a:effectLst/>
+                <a:uLnTx/>
+                <a:uFillTx/>
+                <a:latin typeface="Aptos" panose="02110004020202020204"/>
+                <a:ea typeface="+mn-ea"/>
+                <a:cs typeface="+mn-cs"/>
+              </a:rPr>
+              <a:t>L=1</a:t>
+            </a:r>
+          </a:p>
+        </p:txBody>
+      </p:sp>
+      <p:cxnSp>
+        <p:nvCxnSpPr>
+          <p:cNvPr id="96" name="Straight Connector 95">
+            <a:extLst>
+              <a:ext uri="{FF2B5EF4-FFF2-40B4-BE49-F238E27FC236}">
+                <a16:creationId xmlns:a16="http://schemas.microsoft.com/office/drawing/2014/main" id="{7A911633-3FE5-2C50-3513-BA93B3C8B82D}"/>
+              </a:ext>
+            </a:extLst>
+          </p:cNvPr>
+          <p:cNvCxnSpPr/>
+          <p:nvPr/>
+        </p:nvCxnSpPr>
+        <p:spPr>
+          <a:xfrm flipV="1">
+            <a:off x="11533069" y="4269608"/>
+            <a:ext cx="0" cy="215620"/>
+          </a:xfrm>
+          <a:prstGeom prst="line">
+            <a:avLst/>
+          </a:prstGeom>
+          <a:ln w="25400">
+            <a:solidFill>
+              <a:schemeClr val="bg1"/>
+            </a:solidFill>
+          </a:ln>
+        </p:spPr>
+        <p:style>
+          <a:lnRef idx="2">
+            <a:schemeClr val="accent1"/>
+          </a:lnRef>
+          <a:fillRef idx="0">
+            <a:schemeClr val="accent1"/>
+          </a:fillRef>
+          <a:effectRef idx="1">
+            <a:schemeClr val="accent1"/>
+          </a:effectRef>
+          <a:fontRef idx="minor">
+            <a:schemeClr val="tx1"/>
+          </a:fontRef>
+        </p:style>
+      </p:cxnSp>
+      <p:sp>
+        <p:nvSpPr>
+          <p:cNvPr id="99" name="TextBox 98">
+            <a:extLst>
+              <a:ext uri="{FF2B5EF4-FFF2-40B4-BE49-F238E27FC236}">
+                <a16:creationId xmlns:a16="http://schemas.microsoft.com/office/drawing/2014/main" id="{04C68728-E3AC-7983-7BFF-B26070975EA9}"/>
+              </a:ext>
+            </a:extLst>
+          </p:cNvPr>
+          <p:cNvSpPr txBox="1"/>
+          <p:nvPr/>
+        </p:nvSpPr>
+        <p:spPr>
+          <a:xfrm>
+            <a:off x="2180468" y="4483766"/>
+            <a:ext cx="460043" cy="215444"/>
+          </a:xfrm>
+          <a:prstGeom prst="rect">
+            <a:avLst/>
+          </a:prstGeom>
+          <a:noFill/>
+        </p:spPr>
+        <p:txBody>
+          <a:bodyPr wrap="square" rtlCol="0">
+            <a:spAutoFit/>
+          </a:bodyPr>
+          <a:lstStyle/>
+          <a:p>
+            <a:pPr marL="0" marR="0" lvl="0" indent="0" algn="l" defTabSz="914400" rtl="0" eaLnBrk="1" fontAlgn="auto" latinLnBrk="0" hangingPunct="1">
+              <a:lnSpc>
+                <a:spcPct val="100000"/>
+              </a:lnSpc>
+              <a:spcBef>
+                <a:spcPts val="0"/>
+              </a:spcBef>
+              <a:spcAft>
+                <a:spcPts val="0"/>
+              </a:spcAft>
+              <a:buClrTx/>
+              <a:buSzTx/>
+              <a:buFontTx/>
+              <a:buNone/>
+              <a:tabLst/>
+              <a:defRPr/>
+            </a:pPr>
+            <a:r>
+              <a:rPr kumimoji="0" lang="en-US" sz="800" b="0" i="0" u="none" strike="noStrike" kern="1200" cap="none" spc="0" normalizeH="0" baseline="0" noProof="0" dirty="0">
+                <a:ln>
+                  <a:noFill/>
+                </a:ln>
+                <a:solidFill>
+                  <a:prstClr val="white"/>
+                </a:solidFill>
+                <a:effectLst/>
+                <a:uLnTx/>
+                <a:uFillTx/>
+                <a:latin typeface="Aptos" panose="02110004020202020204"/>
+                <a:ea typeface="+mn-ea"/>
+                <a:cs typeface="+mn-cs"/>
+              </a:rPr>
+              <a:t>L=0.1</a:t>
+            </a:r>
+          </a:p>
+        </p:txBody>
+      </p:sp>
+      <p:cxnSp>
+        <p:nvCxnSpPr>
+          <p:cNvPr id="100" name="Straight Connector 99">
+            <a:extLst>
+              <a:ext uri="{FF2B5EF4-FFF2-40B4-BE49-F238E27FC236}">
+                <a16:creationId xmlns:a16="http://schemas.microsoft.com/office/drawing/2014/main" id="{4DB5C37A-BADB-EF58-EA88-CE168A2C6815}"/>
+              </a:ext>
+            </a:extLst>
+          </p:cNvPr>
+          <p:cNvCxnSpPr>
+            <a:cxnSpLocks/>
+          </p:cNvCxnSpPr>
+          <p:nvPr/>
+        </p:nvCxnSpPr>
+        <p:spPr>
+          <a:xfrm flipV="1">
+            <a:off x="2400601" y="4419109"/>
+            <a:ext cx="0" cy="99092"/>
+          </a:xfrm>
+          <a:prstGeom prst="line">
+            <a:avLst/>
+          </a:prstGeom>
+          <a:ln w="12700">
+            <a:solidFill>
+              <a:schemeClr val="bg1"/>
+            </a:solidFill>
+          </a:ln>
+        </p:spPr>
+        <p:style>
+          <a:lnRef idx="2">
+            <a:schemeClr val="accent1"/>
+          </a:lnRef>
+          <a:fillRef idx="0">
+            <a:schemeClr val="accent1"/>
+          </a:fillRef>
+          <a:effectRef idx="1">
+            <a:schemeClr val="accent1"/>
+          </a:effectRef>
+          <a:fontRef idx="minor">
+            <a:schemeClr val="tx1"/>
+          </a:fontRef>
+        </p:style>
+      </p:cxnSp>
+      <p:sp>
+        <p:nvSpPr>
+          <p:cNvPr id="101" name="TextBox 100">
+            <a:extLst>
+              <a:ext uri="{FF2B5EF4-FFF2-40B4-BE49-F238E27FC236}">
+                <a16:creationId xmlns:a16="http://schemas.microsoft.com/office/drawing/2014/main" id="{5D03520E-8703-050B-0A5D-B2232B6B098C}"/>
+              </a:ext>
+            </a:extLst>
+          </p:cNvPr>
+          <p:cNvSpPr txBox="1"/>
+          <p:nvPr/>
+        </p:nvSpPr>
+        <p:spPr>
+          <a:xfrm>
+            <a:off x="3025328" y="4482053"/>
+            <a:ext cx="460043" cy="215444"/>
+          </a:xfrm>
+          <a:prstGeom prst="rect">
+            <a:avLst/>
+          </a:prstGeom>
+          <a:noFill/>
+        </p:spPr>
+        <p:txBody>
+          <a:bodyPr wrap="square" rtlCol="0">
+            <a:spAutoFit/>
+          </a:bodyPr>
+          <a:lstStyle/>
+          <a:p>
+            <a:pPr marL="0" marR="0" lvl="0" indent="0" algn="l" defTabSz="914400" rtl="0" eaLnBrk="1" fontAlgn="auto" latinLnBrk="0" hangingPunct="1">
+              <a:lnSpc>
+                <a:spcPct val="100000"/>
+              </a:lnSpc>
+              <a:spcBef>
+                <a:spcPts val="0"/>
+              </a:spcBef>
+              <a:spcAft>
+                <a:spcPts val="0"/>
+              </a:spcAft>
+              <a:buClrTx/>
+              <a:buSzTx/>
+              <a:buFontTx/>
+              <a:buNone/>
+              <a:tabLst/>
+              <a:defRPr/>
+            </a:pPr>
+            <a:r>
+              <a:rPr kumimoji="0" lang="en-US" sz="800" b="0" i="0" u="none" strike="noStrike" kern="1200" cap="none" spc="0" normalizeH="0" baseline="0" noProof="0" dirty="0">
+                <a:ln>
+                  <a:noFill/>
+                </a:ln>
+                <a:solidFill>
+                  <a:prstClr val="white"/>
+                </a:solidFill>
+                <a:effectLst/>
+                <a:uLnTx/>
+                <a:uFillTx/>
+                <a:latin typeface="Aptos" panose="02110004020202020204"/>
+                <a:ea typeface="+mn-ea"/>
+                <a:cs typeface="+mn-cs"/>
+              </a:rPr>
+              <a:t>L=0.2</a:t>
+            </a:r>
+          </a:p>
+        </p:txBody>
+      </p:sp>
+      <p:cxnSp>
+        <p:nvCxnSpPr>
+          <p:cNvPr id="102" name="Straight Connector 101">
+            <a:extLst>
+              <a:ext uri="{FF2B5EF4-FFF2-40B4-BE49-F238E27FC236}">
+                <a16:creationId xmlns:a16="http://schemas.microsoft.com/office/drawing/2014/main" id="{6CEC36B4-9913-9291-3FF2-7F215AD957D3}"/>
+              </a:ext>
+            </a:extLst>
+          </p:cNvPr>
+          <p:cNvCxnSpPr>
+            <a:cxnSpLocks/>
+          </p:cNvCxnSpPr>
+          <p:nvPr/>
+        </p:nvCxnSpPr>
+        <p:spPr>
+          <a:xfrm flipV="1">
+            <a:off x="3245461" y="4417396"/>
+            <a:ext cx="0" cy="99092"/>
+          </a:xfrm>
+          <a:prstGeom prst="line">
+            <a:avLst/>
+          </a:prstGeom>
+          <a:ln w="12700">
+            <a:solidFill>
+              <a:schemeClr val="bg1"/>
+            </a:solidFill>
+          </a:ln>
+        </p:spPr>
+        <p:style>
+          <a:lnRef idx="2">
+            <a:schemeClr val="accent1"/>
+          </a:lnRef>
+          <a:fillRef idx="0">
+            <a:schemeClr val="accent1"/>
+          </a:fillRef>
+          <a:effectRef idx="1">
+            <a:schemeClr val="accent1"/>
+          </a:effectRef>
+          <a:fontRef idx="minor">
+            <a:schemeClr val="tx1"/>
+          </a:fontRef>
+        </p:style>
+      </p:cxnSp>
+      <p:sp>
+        <p:nvSpPr>
+          <p:cNvPr id="103" name="TextBox 102">
+            <a:extLst>
+              <a:ext uri="{FF2B5EF4-FFF2-40B4-BE49-F238E27FC236}">
+                <a16:creationId xmlns:a16="http://schemas.microsoft.com/office/drawing/2014/main" id="{8E8CE27B-A616-6E61-AF9F-90D39B18C79E}"/>
+              </a:ext>
+            </a:extLst>
+          </p:cNvPr>
+          <p:cNvSpPr txBox="1"/>
+          <p:nvPr/>
+        </p:nvSpPr>
+        <p:spPr>
+          <a:xfrm>
+            <a:off x="4001010" y="4482053"/>
+            <a:ext cx="460043" cy="215444"/>
+          </a:xfrm>
+          <a:prstGeom prst="rect">
+            <a:avLst/>
+          </a:prstGeom>
+          <a:noFill/>
+        </p:spPr>
+        <p:txBody>
+          <a:bodyPr wrap="square" rtlCol="0">
+            <a:spAutoFit/>
+          </a:bodyPr>
+          <a:lstStyle/>
+          <a:p>
+            <a:pPr marL="0" marR="0" lvl="0" indent="0" algn="l" defTabSz="914400" rtl="0" eaLnBrk="1" fontAlgn="auto" latinLnBrk="0" hangingPunct="1">
+              <a:lnSpc>
+                <a:spcPct val="100000"/>
+              </a:lnSpc>
+              <a:spcBef>
+                <a:spcPts val="0"/>
+              </a:spcBef>
+              <a:spcAft>
+                <a:spcPts val="0"/>
+              </a:spcAft>
+              <a:buClrTx/>
+              <a:buSzTx/>
+              <a:buFontTx/>
+              <a:buNone/>
+              <a:tabLst/>
+              <a:defRPr/>
+            </a:pPr>
+            <a:r>
+              <a:rPr kumimoji="0" lang="en-US" sz="800" b="0" i="0" u="none" strike="noStrike" kern="1200" cap="none" spc="0" normalizeH="0" baseline="0" noProof="0" dirty="0">
+                <a:ln>
+                  <a:noFill/>
+                </a:ln>
+                <a:solidFill>
+                  <a:prstClr val="white"/>
+                </a:solidFill>
+                <a:effectLst/>
+                <a:uLnTx/>
+                <a:uFillTx/>
+                <a:latin typeface="Aptos" panose="02110004020202020204"/>
+                <a:ea typeface="+mn-ea"/>
+                <a:cs typeface="+mn-cs"/>
+              </a:rPr>
+              <a:t>L=0.3</a:t>
+            </a:r>
+          </a:p>
+        </p:txBody>
+      </p:sp>
+      <p:cxnSp>
+        <p:nvCxnSpPr>
+          <p:cNvPr id="104" name="Straight Connector 103">
+            <a:extLst>
+              <a:ext uri="{FF2B5EF4-FFF2-40B4-BE49-F238E27FC236}">
+                <a16:creationId xmlns:a16="http://schemas.microsoft.com/office/drawing/2014/main" id="{B7B2278C-CA61-51ED-F8A7-B355F1582C2C}"/>
+              </a:ext>
+            </a:extLst>
+          </p:cNvPr>
+          <p:cNvCxnSpPr>
+            <a:cxnSpLocks/>
+          </p:cNvCxnSpPr>
+          <p:nvPr/>
+        </p:nvCxnSpPr>
+        <p:spPr>
+          <a:xfrm flipV="1">
+            <a:off x="4221143" y="4417396"/>
+            <a:ext cx="0" cy="99092"/>
+          </a:xfrm>
+          <a:prstGeom prst="line">
+            <a:avLst/>
+          </a:prstGeom>
+          <a:ln w="12700">
+            <a:solidFill>
+              <a:schemeClr val="bg1"/>
+            </a:solidFill>
+          </a:ln>
+        </p:spPr>
+        <p:style>
+          <a:lnRef idx="2">
+            <a:schemeClr val="accent1"/>
+          </a:lnRef>
+          <a:fillRef idx="0">
+            <a:schemeClr val="accent1"/>
+          </a:fillRef>
+          <a:effectRef idx="1">
+            <a:schemeClr val="accent1"/>
+          </a:effectRef>
+          <a:fontRef idx="minor">
+            <a:schemeClr val="tx1"/>
+          </a:fontRef>
+        </p:style>
+      </p:cxnSp>
+      <p:sp>
+        <p:nvSpPr>
+          <p:cNvPr id="105" name="TextBox 104">
+            <a:extLst>
+              <a:ext uri="{FF2B5EF4-FFF2-40B4-BE49-F238E27FC236}">
+                <a16:creationId xmlns:a16="http://schemas.microsoft.com/office/drawing/2014/main" id="{959E03DF-B896-1823-C1A5-D8CB402FBF05}"/>
+              </a:ext>
+            </a:extLst>
+          </p:cNvPr>
+          <p:cNvSpPr txBox="1"/>
+          <p:nvPr/>
+        </p:nvSpPr>
+        <p:spPr>
+          <a:xfrm>
+            <a:off x="5124216" y="4493205"/>
+            <a:ext cx="460043" cy="215444"/>
+          </a:xfrm>
+          <a:prstGeom prst="rect">
+            <a:avLst/>
+          </a:prstGeom>
+          <a:noFill/>
+        </p:spPr>
+        <p:txBody>
+          <a:bodyPr wrap="square" rtlCol="0">
+            <a:spAutoFit/>
+          </a:bodyPr>
+          <a:lstStyle/>
+          <a:p>
+            <a:pPr marL="0" marR="0" lvl="0" indent="0" algn="l" defTabSz="914400" rtl="0" eaLnBrk="1" fontAlgn="auto" latinLnBrk="0" hangingPunct="1">
+              <a:lnSpc>
+                <a:spcPct val="100000"/>
+              </a:lnSpc>
+              <a:spcBef>
+                <a:spcPts val="0"/>
+              </a:spcBef>
+              <a:spcAft>
+                <a:spcPts val="0"/>
+              </a:spcAft>
+              <a:buClrTx/>
+              <a:buSzTx/>
+              <a:buFontTx/>
+              <a:buNone/>
+              <a:tabLst/>
+              <a:defRPr/>
+            </a:pPr>
+            <a:r>
+              <a:rPr kumimoji="0" lang="en-US" sz="800" b="0" i="0" u="none" strike="noStrike" kern="1200" cap="none" spc="0" normalizeH="0" baseline="0" noProof="0" dirty="0">
+                <a:ln>
+                  <a:noFill/>
+                </a:ln>
+                <a:solidFill>
+                  <a:prstClr val="white"/>
+                </a:solidFill>
+                <a:effectLst/>
+                <a:uLnTx/>
+                <a:uFillTx/>
+                <a:latin typeface="Aptos" panose="02110004020202020204"/>
+                <a:ea typeface="+mn-ea"/>
+                <a:cs typeface="+mn-cs"/>
+              </a:rPr>
+              <a:t>L=0.4</a:t>
+            </a:r>
+          </a:p>
+        </p:txBody>
+      </p:sp>
+      <p:cxnSp>
+        <p:nvCxnSpPr>
+          <p:cNvPr id="106" name="Straight Connector 105">
+            <a:extLst>
+              <a:ext uri="{FF2B5EF4-FFF2-40B4-BE49-F238E27FC236}">
+                <a16:creationId xmlns:a16="http://schemas.microsoft.com/office/drawing/2014/main" id="{195CB88A-2F61-839E-B1A4-6935C20128B9}"/>
+              </a:ext>
+            </a:extLst>
+          </p:cNvPr>
+          <p:cNvCxnSpPr>
+            <a:cxnSpLocks/>
+          </p:cNvCxnSpPr>
+          <p:nvPr/>
+        </p:nvCxnSpPr>
+        <p:spPr>
+          <a:xfrm flipV="1">
+            <a:off x="5344349" y="4428548"/>
+            <a:ext cx="0" cy="99092"/>
+          </a:xfrm>
+          <a:prstGeom prst="line">
+            <a:avLst/>
+          </a:prstGeom>
+          <a:ln w="12700">
+            <a:solidFill>
+              <a:schemeClr val="bg1"/>
+            </a:solidFill>
+          </a:ln>
+        </p:spPr>
+        <p:style>
+          <a:lnRef idx="2">
+            <a:schemeClr val="accent1"/>
+          </a:lnRef>
+          <a:fillRef idx="0">
+            <a:schemeClr val="accent1"/>
+          </a:fillRef>
+          <a:effectRef idx="1">
+            <a:schemeClr val="accent1"/>
+          </a:effectRef>
+          <a:fontRef idx="minor">
+            <a:schemeClr val="tx1"/>
+          </a:fontRef>
+        </p:style>
+      </p:cxnSp>
+      <p:sp>
+        <p:nvSpPr>
+          <p:cNvPr id="107" name="TextBox 106">
+            <a:extLst>
+              <a:ext uri="{FF2B5EF4-FFF2-40B4-BE49-F238E27FC236}">
+                <a16:creationId xmlns:a16="http://schemas.microsoft.com/office/drawing/2014/main" id="{535E8CAC-9DFF-4832-4378-A0535942C4D3}"/>
+              </a:ext>
+            </a:extLst>
+          </p:cNvPr>
+          <p:cNvSpPr txBox="1"/>
+          <p:nvPr/>
+        </p:nvSpPr>
+        <p:spPr>
+          <a:xfrm>
+            <a:off x="6325731" y="4491101"/>
+            <a:ext cx="460043" cy="215444"/>
+          </a:xfrm>
+          <a:prstGeom prst="rect">
+            <a:avLst/>
+          </a:prstGeom>
+          <a:noFill/>
+        </p:spPr>
+        <p:txBody>
+          <a:bodyPr wrap="square" rtlCol="0">
+            <a:spAutoFit/>
+          </a:bodyPr>
+          <a:lstStyle/>
+          <a:p>
+            <a:pPr marL="0" marR="0" lvl="0" indent="0" algn="l" defTabSz="914400" rtl="0" eaLnBrk="1" fontAlgn="auto" latinLnBrk="0" hangingPunct="1">
+              <a:lnSpc>
+                <a:spcPct val="100000"/>
+              </a:lnSpc>
+              <a:spcBef>
+                <a:spcPts val="0"/>
+              </a:spcBef>
+              <a:spcAft>
+                <a:spcPts val="0"/>
+              </a:spcAft>
+              <a:buClrTx/>
+              <a:buSzTx/>
+              <a:buFontTx/>
+              <a:buNone/>
+              <a:tabLst/>
+              <a:defRPr/>
+            </a:pPr>
+            <a:r>
+              <a:rPr kumimoji="0" lang="en-US" sz="800" b="0" i="0" u="none" strike="noStrike" kern="1200" cap="none" spc="0" normalizeH="0" baseline="0" noProof="0" dirty="0">
+                <a:ln>
+                  <a:noFill/>
+                </a:ln>
+                <a:solidFill>
+                  <a:prstClr val="white"/>
+                </a:solidFill>
+                <a:effectLst/>
+                <a:uLnTx/>
+                <a:uFillTx/>
+                <a:latin typeface="Aptos" panose="02110004020202020204"/>
+                <a:ea typeface="+mn-ea"/>
+                <a:cs typeface="+mn-cs"/>
+              </a:rPr>
+              <a:t>L=0.5</a:t>
+            </a:r>
+          </a:p>
+        </p:txBody>
+      </p:sp>
+      <p:cxnSp>
+        <p:nvCxnSpPr>
+          <p:cNvPr id="108" name="Straight Connector 107">
+            <a:extLst>
+              <a:ext uri="{FF2B5EF4-FFF2-40B4-BE49-F238E27FC236}">
+                <a16:creationId xmlns:a16="http://schemas.microsoft.com/office/drawing/2014/main" id="{F3F61CFF-4A07-B99C-7243-053D85FAE970}"/>
+              </a:ext>
+            </a:extLst>
+          </p:cNvPr>
+          <p:cNvCxnSpPr>
+            <a:cxnSpLocks/>
+          </p:cNvCxnSpPr>
+          <p:nvPr/>
+        </p:nvCxnSpPr>
+        <p:spPr>
+          <a:xfrm flipV="1">
+            <a:off x="6545864" y="4426444"/>
+            <a:ext cx="0" cy="99092"/>
+          </a:xfrm>
+          <a:prstGeom prst="line">
+            <a:avLst/>
+          </a:prstGeom>
+          <a:ln w="12700">
+            <a:solidFill>
+              <a:schemeClr val="bg1"/>
+            </a:solidFill>
+          </a:ln>
+        </p:spPr>
+        <p:style>
+          <a:lnRef idx="2">
+            <a:schemeClr val="accent1"/>
+          </a:lnRef>
+          <a:fillRef idx="0">
+            <a:schemeClr val="accent1"/>
+          </a:fillRef>
+          <a:effectRef idx="1">
+            <a:schemeClr val="accent1"/>
+          </a:effectRef>
+          <a:fontRef idx="minor">
+            <a:schemeClr val="tx1"/>
+          </a:fontRef>
+        </p:style>
+      </p:cxnSp>
+      <p:sp>
+        <p:nvSpPr>
+          <p:cNvPr id="109" name="TextBox 108">
+            <a:extLst>
+              <a:ext uri="{FF2B5EF4-FFF2-40B4-BE49-F238E27FC236}">
+                <a16:creationId xmlns:a16="http://schemas.microsoft.com/office/drawing/2014/main" id="{3B9642A3-9EB5-57EF-2C81-85110CBD8C27}"/>
+              </a:ext>
+            </a:extLst>
+          </p:cNvPr>
+          <p:cNvSpPr txBox="1"/>
+          <p:nvPr/>
+        </p:nvSpPr>
+        <p:spPr>
+          <a:xfrm>
+            <a:off x="7456880" y="4498409"/>
+            <a:ext cx="460043" cy="215444"/>
+          </a:xfrm>
+          <a:prstGeom prst="rect">
+            <a:avLst/>
+          </a:prstGeom>
+          <a:noFill/>
+        </p:spPr>
+        <p:txBody>
+          <a:bodyPr wrap="square" rtlCol="0">
+            <a:spAutoFit/>
+          </a:bodyPr>
+          <a:lstStyle/>
+          <a:p>
+            <a:pPr marL="0" marR="0" lvl="0" indent="0" algn="l" defTabSz="914400" rtl="0" eaLnBrk="1" fontAlgn="auto" latinLnBrk="0" hangingPunct="1">
+              <a:lnSpc>
+                <a:spcPct val="100000"/>
+              </a:lnSpc>
+              <a:spcBef>
+                <a:spcPts val="0"/>
+              </a:spcBef>
+              <a:spcAft>
+                <a:spcPts val="0"/>
+              </a:spcAft>
+              <a:buClrTx/>
+              <a:buSzTx/>
+              <a:buFontTx/>
+              <a:buNone/>
+              <a:tabLst/>
+              <a:defRPr/>
+            </a:pPr>
+            <a:r>
+              <a:rPr kumimoji="0" lang="en-US" sz="800" b="0" i="0" u="none" strike="noStrike" kern="1200" cap="none" spc="0" normalizeH="0" baseline="0" noProof="0" dirty="0">
+                <a:ln>
+                  <a:noFill/>
+                </a:ln>
+                <a:solidFill>
+                  <a:prstClr val="white"/>
+                </a:solidFill>
+                <a:effectLst/>
+                <a:uLnTx/>
+                <a:uFillTx/>
+                <a:latin typeface="Aptos" panose="02110004020202020204"/>
+                <a:ea typeface="+mn-ea"/>
+                <a:cs typeface="+mn-cs"/>
+              </a:rPr>
+              <a:t>L=0.6</a:t>
+            </a:r>
+          </a:p>
+        </p:txBody>
+      </p:sp>
+      <p:cxnSp>
+        <p:nvCxnSpPr>
+          <p:cNvPr id="110" name="Straight Connector 109">
+            <a:extLst>
+              <a:ext uri="{FF2B5EF4-FFF2-40B4-BE49-F238E27FC236}">
+                <a16:creationId xmlns:a16="http://schemas.microsoft.com/office/drawing/2014/main" id="{8A00B512-A945-35B3-FEC4-6BA7E6C13492}"/>
+              </a:ext>
+            </a:extLst>
+          </p:cNvPr>
+          <p:cNvCxnSpPr>
+            <a:cxnSpLocks/>
+          </p:cNvCxnSpPr>
+          <p:nvPr/>
+        </p:nvCxnSpPr>
+        <p:spPr>
+          <a:xfrm flipV="1">
+            <a:off x="7677013" y="4433752"/>
+            <a:ext cx="0" cy="99092"/>
+          </a:xfrm>
+          <a:prstGeom prst="line">
+            <a:avLst/>
+          </a:prstGeom>
+          <a:ln w="12700">
+            <a:solidFill>
+              <a:schemeClr val="bg1"/>
+            </a:solidFill>
+          </a:ln>
+        </p:spPr>
+        <p:style>
+          <a:lnRef idx="2">
+            <a:schemeClr val="accent1"/>
+          </a:lnRef>
+          <a:fillRef idx="0">
+            <a:schemeClr val="accent1"/>
+          </a:fillRef>
+          <a:effectRef idx="1">
+            <a:schemeClr val="accent1"/>
+          </a:effectRef>
+          <a:fontRef idx="minor">
+            <a:schemeClr val="tx1"/>
+          </a:fontRef>
+        </p:style>
+      </p:cxnSp>
+      <p:sp>
+        <p:nvSpPr>
+          <p:cNvPr id="111" name="TextBox 110">
+            <a:extLst>
+              <a:ext uri="{FF2B5EF4-FFF2-40B4-BE49-F238E27FC236}">
+                <a16:creationId xmlns:a16="http://schemas.microsoft.com/office/drawing/2014/main" id="{FBC90041-B396-F124-F7E8-E0E25763EF3C}"/>
+              </a:ext>
+            </a:extLst>
+          </p:cNvPr>
+          <p:cNvSpPr txBox="1"/>
+          <p:nvPr/>
+        </p:nvSpPr>
+        <p:spPr>
+          <a:xfrm>
+            <a:off x="8486019" y="4492035"/>
+            <a:ext cx="460043" cy="215444"/>
+          </a:xfrm>
+          <a:prstGeom prst="rect">
+            <a:avLst/>
+          </a:prstGeom>
+          <a:noFill/>
+        </p:spPr>
+        <p:txBody>
+          <a:bodyPr wrap="square" rtlCol="0">
+            <a:spAutoFit/>
+          </a:bodyPr>
+          <a:lstStyle/>
+          <a:p>
+            <a:pPr marL="0" marR="0" lvl="0" indent="0" algn="l" defTabSz="914400" rtl="0" eaLnBrk="1" fontAlgn="auto" latinLnBrk="0" hangingPunct="1">
+              <a:lnSpc>
+                <a:spcPct val="100000"/>
+              </a:lnSpc>
+              <a:spcBef>
+                <a:spcPts val="0"/>
+              </a:spcBef>
+              <a:spcAft>
+                <a:spcPts val="0"/>
+              </a:spcAft>
+              <a:buClrTx/>
+              <a:buSzTx/>
+              <a:buFontTx/>
+              <a:buNone/>
+              <a:tabLst/>
+              <a:defRPr/>
+            </a:pPr>
+            <a:r>
+              <a:rPr kumimoji="0" lang="en-US" sz="800" b="0" i="0" u="none" strike="noStrike" kern="1200" cap="none" spc="0" normalizeH="0" baseline="0" noProof="0" dirty="0">
+                <a:ln>
+                  <a:noFill/>
+                </a:ln>
+                <a:solidFill>
+                  <a:prstClr val="white"/>
+                </a:solidFill>
+                <a:effectLst/>
+                <a:uLnTx/>
+                <a:uFillTx/>
+                <a:latin typeface="Aptos" panose="02110004020202020204"/>
+                <a:ea typeface="+mn-ea"/>
+                <a:cs typeface="+mn-cs"/>
+              </a:rPr>
+              <a:t>L=0.7</a:t>
+            </a:r>
+          </a:p>
+        </p:txBody>
+      </p:sp>
+      <p:cxnSp>
+        <p:nvCxnSpPr>
+          <p:cNvPr id="112" name="Straight Connector 111">
+            <a:extLst>
+              <a:ext uri="{FF2B5EF4-FFF2-40B4-BE49-F238E27FC236}">
+                <a16:creationId xmlns:a16="http://schemas.microsoft.com/office/drawing/2014/main" id="{F8BDD961-928E-21CD-22E4-1F5C5380FBC1}"/>
+              </a:ext>
+            </a:extLst>
+          </p:cNvPr>
+          <p:cNvCxnSpPr>
+            <a:cxnSpLocks/>
+          </p:cNvCxnSpPr>
+          <p:nvPr/>
+        </p:nvCxnSpPr>
+        <p:spPr>
+          <a:xfrm flipV="1">
+            <a:off x="8706152" y="4427378"/>
+            <a:ext cx="0" cy="99092"/>
+          </a:xfrm>
+          <a:prstGeom prst="line">
+            <a:avLst/>
+          </a:prstGeom>
+          <a:ln w="12700">
+            <a:solidFill>
+              <a:schemeClr val="bg1"/>
+            </a:solidFill>
+          </a:ln>
+        </p:spPr>
+        <p:style>
+          <a:lnRef idx="2">
+            <a:schemeClr val="accent1"/>
+          </a:lnRef>
+          <a:fillRef idx="0">
+            <a:schemeClr val="accent1"/>
+          </a:fillRef>
+          <a:effectRef idx="1">
+            <a:schemeClr val="accent1"/>
+          </a:effectRef>
+          <a:fontRef idx="minor">
+            <a:schemeClr val="tx1"/>
+          </a:fontRef>
+        </p:style>
+      </p:cxnSp>
+      <p:sp>
+        <p:nvSpPr>
+          <p:cNvPr id="113" name="TextBox 112">
+            <a:extLst>
+              <a:ext uri="{FF2B5EF4-FFF2-40B4-BE49-F238E27FC236}">
+                <a16:creationId xmlns:a16="http://schemas.microsoft.com/office/drawing/2014/main" id="{71129C71-5AC1-2AD8-1349-727C023234E3}"/>
+              </a:ext>
+            </a:extLst>
+          </p:cNvPr>
+          <p:cNvSpPr txBox="1"/>
+          <p:nvPr/>
+        </p:nvSpPr>
+        <p:spPr>
+          <a:xfrm>
+            <a:off x="9543641" y="4492035"/>
+            <a:ext cx="460043" cy="215444"/>
+          </a:xfrm>
+          <a:prstGeom prst="rect">
+            <a:avLst/>
+          </a:prstGeom>
+          <a:noFill/>
+        </p:spPr>
+        <p:txBody>
+          <a:bodyPr wrap="square" rtlCol="0">
+            <a:spAutoFit/>
+          </a:bodyPr>
+          <a:lstStyle/>
+          <a:p>
+            <a:pPr marL="0" marR="0" lvl="0" indent="0" algn="l" defTabSz="914400" rtl="0" eaLnBrk="1" fontAlgn="auto" latinLnBrk="0" hangingPunct="1">
+              <a:lnSpc>
+                <a:spcPct val="100000"/>
+              </a:lnSpc>
+              <a:spcBef>
+                <a:spcPts val="0"/>
+              </a:spcBef>
+              <a:spcAft>
+                <a:spcPts val="0"/>
+              </a:spcAft>
+              <a:buClrTx/>
+              <a:buSzTx/>
+              <a:buFontTx/>
+              <a:buNone/>
+              <a:tabLst/>
+              <a:defRPr/>
+            </a:pPr>
+            <a:r>
+              <a:rPr kumimoji="0" lang="en-US" sz="800" b="0" i="0" u="none" strike="noStrike" kern="1200" cap="none" spc="0" normalizeH="0" baseline="0" noProof="0" dirty="0">
+                <a:ln>
+                  <a:noFill/>
+                </a:ln>
+                <a:solidFill>
+                  <a:prstClr val="white"/>
+                </a:solidFill>
+                <a:effectLst/>
+                <a:uLnTx/>
+                <a:uFillTx/>
+                <a:latin typeface="Aptos" panose="02110004020202020204"/>
+                <a:ea typeface="+mn-ea"/>
+                <a:cs typeface="+mn-cs"/>
+              </a:rPr>
+              <a:t>L=0.8</a:t>
+            </a:r>
+          </a:p>
+        </p:txBody>
+      </p:sp>
+      <p:cxnSp>
+        <p:nvCxnSpPr>
+          <p:cNvPr id="114" name="Straight Connector 113">
+            <a:extLst>
+              <a:ext uri="{FF2B5EF4-FFF2-40B4-BE49-F238E27FC236}">
+                <a16:creationId xmlns:a16="http://schemas.microsoft.com/office/drawing/2014/main" id="{5864BFF6-05FA-DDD5-6FC4-0FC2560448B3}"/>
+              </a:ext>
+            </a:extLst>
+          </p:cNvPr>
+          <p:cNvCxnSpPr>
+            <a:cxnSpLocks/>
+          </p:cNvCxnSpPr>
+          <p:nvPr/>
+        </p:nvCxnSpPr>
+        <p:spPr>
+          <a:xfrm flipV="1">
+            <a:off x="9763774" y="4427378"/>
+            <a:ext cx="0" cy="99092"/>
+          </a:xfrm>
+          <a:prstGeom prst="line">
+            <a:avLst/>
+          </a:prstGeom>
+          <a:ln w="12700">
+            <a:solidFill>
+              <a:schemeClr val="bg1"/>
+            </a:solidFill>
+          </a:ln>
+        </p:spPr>
+        <p:style>
+          <a:lnRef idx="2">
+            <a:schemeClr val="accent1"/>
+          </a:lnRef>
+          <a:fillRef idx="0">
+            <a:schemeClr val="accent1"/>
+          </a:fillRef>
+          <a:effectRef idx="1">
+            <a:schemeClr val="accent1"/>
+          </a:effectRef>
+          <a:fontRef idx="minor">
+            <a:schemeClr val="tx1"/>
+          </a:fontRef>
+        </p:style>
+      </p:cxnSp>
+      <p:sp>
+        <p:nvSpPr>
+          <p:cNvPr id="115" name="TextBox 114">
+            <a:extLst>
+              <a:ext uri="{FF2B5EF4-FFF2-40B4-BE49-F238E27FC236}">
+                <a16:creationId xmlns:a16="http://schemas.microsoft.com/office/drawing/2014/main" id="{F7A938EA-5A67-1652-FF8A-7AE7FE0C632D}"/>
+              </a:ext>
+            </a:extLst>
+          </p:cNvPr>
+          <p:cNvSpPr txBox="1"/>
+          <p:nvPr/>
+        </p:nvSpPr>
+        <p:spPr>
+          <a:xfrm>
+            <a:off x="10512139" y="4501901"/>
+            <a:ext cx="460043" cy="215444"/>
+          </a:xfrm>
+          <a:prstGeom prst="rect">
+            <a:avLst/>
+          </a:prstGeom>
+          <a:noFill/>
+        </p:spPr>
+        <p:txBody>
+          <a:bodyPr wrap="square" rtlCol="0">
+            <a:spAutoFit/>
+          </a:bodyPr>
+          <a:lstStyle/>
+          <a:p>
+            <a:pPr marL="0" marR="0" lvl="0" indent="0" algn="l" defTabSz="914400" rtl="0" eaLnBrk="1" fontAlgn="auto" latinLnBrk="0" hangingPunct="1">
+              <a:lnSpc>
+                <a:spcPct val="100000"/>
+              </a:lnSpc>
+              <a:spcBef>
+                <a:spcPts val="0"/>
+              </a:spcBef>
+              <a:spcAft>
+                <a:spcPts val="0"/>
+              </a:spcAft>
+              <a:buClrTx/>
+              <a:buSzTx/>
+              <a:buFontTx/>
+              <a:buNone/>
+              <a:tabLst/>
+              <a:defRPr/>
+            </a:pPr>
+            <a:r>
+              <a:rPr kumimoji="0" lang="en-US" sz="800" b="0" i="0" u="none" strike="noStrike" kern="1200" cap="none" spc="0" normalizeH="0" baseline="0" noProof="0" dirty="0">
+                <a:ln>
+                  <a:noFill/>
+                </a:ln>
+                <a:solidFill>
+                  <a:prstClr val="white"/>
+                </a:solidFill>
+                <a:effectLst/>
+                <a:uLnTx/>
+                <a:uFillTx/>
+                <a:latin typeface="Aptos" panose="02110004020202020204"/>
+                <a:ea typeface="+mn-ea"/>
+                <a:cs typeface="+mn-cs"/>
+              </a:rPr>
+              <a:t>L=0.9</a:t>
+            </a:r>
+          </a:p>
+        </p:txBody>
+      </p:sp>
+      <p:cxnSp>
+        <p:nvCxnSpPr>
+          <p:cNvPr id="116" name="Straight Connector 115">
+            <a:extLst>
+              <a:ext uri="{FF2B5EF4-FFF2-40B4-BE49-F238E27FC236}">
+                <a16:creationId xmlns:a16="http://schemas.microsoft.com/office/drawing/2014/main" id="{3E4C4662-A576-DEAA-00AF-734761768D11}"/>
+              </a:ext>
+            </a:extLst>
+          </p:cNvPr>
+          <p:cNvCxnSpPr>
+            <a:cxnSpLocks/>
+          </p:cNvCxnSpPr>
+          <p:nvPr/>
+        </p:nvCxnSpPr>
+        <p:spPr>
+          <a:xfrm flipV="1">
+            <a:off x="10732272" y="4437244"/>
+            <a:ext cx="0" cy="99092"/>
+          </a:xfrm>
+          <a:prstGeom prst="line">
+            <a:avLst/>
+          </a:prstGeom>
+          <a:ln w="12700">
+            <a:solidFill>
+              <a:schemeClr val="bg1"/>
+            </a:solidFill>
+          </a:ln>
+        </p:spPr>
+        <p:style>
+          <a:lnRef idx="2">
+            <a:schemeClr val="accent1"/>
+          </a:lnRef>
+          <a:fillRef idx="0">
+            <a:schemeClr val="accent1"/>
+          </a:fillRef>
+          <a:effectRef idx="1">
+            <a:schemeClr val="accent1"/>
+          </a:effectRef>
+          <a:fontRef idx="minor">
+            <a:schemeClr val="tx1"/>
+          </a:fontRef>
+        </p:style>
+      </p:cxnSp>
+      <p:cxnSp>
+        <p:nvCxnSpPr>
+          <p:cNvPr id="122" name="Straight Arrow Connector 121">
+            <a:extLst>
+              <a:ext uri="{FF2B5EF4-FFF2-40B4-BE49-F238E27FC236}">
+                <a16:creationId xmlns:a16="http://schemas.microsoft.com/office/drawing/2014/main" id="{10B36EA2-AC52-0456-DEED-0CDC3B90A2FD}"/>
+              </a:ext>
+            </a:extLst>
+          </p:cNvPr>
+          <p:cNvCxnSpPr>
+            <a:cxnSpLocks/>
+          </p:cNvCxnSpPr>
+          <p:nvPr/>
+        </p:nvCxnSpPr>
+        <p:spPr>
+          <a:xfrm>
+            <a:off x="6547682" y="3674450"/>
+            <a:ext cx="0" cy="472590"/>
+          </a:xfrm>
+          <a:prstGeom prst="straightConnector1">
+            <a:avLst/>
+          </a:prstGeom>
+          <a:ln w="12700">
+            <a:solidFill>
+              <a:schemeClr val="bg1"/>
+            </a:solidFill>
+            <a:headEnd w="lg" len="lg"/>
+            <a:tailEnd type="triangle"/>
+          </a:ln>
+        </p:spPr>
+        <p:style>
+          <a:lnRef idx="2">
+            <a:schemeClr val="accent1"/>
+          </a:lnRef>
+          <a:fillRef idx="0">
+            <a:schemeClr val="accent1"/>
+          </a:fillRef>
+          <a:effectRef idx="1">
+            <a:schemeClr val="accent1"/>
+          </a:effectRef>
+          <a:fontRef idx="minor">
+            <a:schemeClr val="tx1"/>
+          </a:fontRef>
+        </p:style>
+      </p:cxnSp>
+      <p:sp>
+        <p:nvSpPr>
+          <p:cNvPr id="123" name="TextBox 122">
+            <a:extLst>
+              <a:ext uri="{FF2B5EF4-FFF2-40B4-BE49-F238E27FC236}">
+                <a16:creationId xmlns:a16="http://schemas.microsoft.com/office/drawing/2014/main" id="{A798A171-D789-1AB6-20D7-6F1174EFA8D5}"/>
+              </a:ext>
+            </a:extLst>
+          </p:cNvPr>
+          <p:cNvSpPr txBox="1"/>
+          <p:nvPr/>
+        </p:nvSpPr>
+        <p:spPr>
+          <a:xfrm>
+            <a:off x="6857421" y="3557024"/>
+            <a:ext cx="285650" cy="307777"/>
+          </a:xfrm>
+          <a:prstGeom prst="rect">
+            <a:avLst/>
+          </a:prstGeom>
+          <a:noFill/>
+        </p:spPr>
+        <p:txBody>
+          <a:bodyPr wrap="square" rtlCol="0">
+            <a:spAutoFit/>
+          </a:bodyPr>
+          <a:lstStyle/>
+          <a:p>
+            <a:pPr marL="0" marR="0" lvl="0" indent="0" algn="l" defTabSz="914400" rtl="0" eaLnBrk="1" fontAlgn="auto" latinLnBrk="0" hangingPunct="1">
+              <a:lnSpc>
+                <a:spcPct val="100000"/>
+              </a:lnSpc>
+              <a:spcBef>
+                <a:spcPts val="0"/>
+              </a:spcBef>
+              <a:spcAft>
+                <a:spcPts val="0"/>
+              </a:spcAft>
+              <a:buClrTx/>
+              <a:buSzTx/>
+              <a:buFontTx/>
+              <a:buNone/>
+              <a:tabLst/>
+              <a:defRPr/>
+            </a:pPr>
+            <a:r>
+              <a:rPr kumimoji="0" lang="en-US" sz="1400" b="0" i="0" u="none" strike="noStrike" kern="1200" cap="none" spc="0" normalizeH="0" baseline="0" noProof="0" dirty="0">
+                <a:ln>
+                  <a:noFill/>
+                </a:ln>
+                <a:solidFill>
+                  <a:prstClr val="white"/>
+                </a:solidFill>
+                <a:effectLst/>
+                <a:uLnTx/>
+                <a:uFillTx/>
+                <a:latin typeface="Aptos" panose="02110004020202020204"/>
+                <a:ea typeface="+mn-ea"/>
+                <a:cs typeface="+mn-cs"/>
+              </a:rPr>
+              <a:t>c</a:t>
+            </a:r>
+          </a:p>
+        </p:txBody>
+      </p:sp>
+      <p:sp>
+        <p:nvSpPr>
+          <p:cNvPr id="124" name="Arc 123">
+            <a:extLst>
+              <a:ext uri="{FF2B5EF4-FFF2-40B4-BE49-F238E27FC236}">
+                <a16:creationId xmlns:a16="http://schemas.microsoft.com/office/drawing/2014/main" id="{B6AA4D76-3CEC-C497-1CA3-C136D6FE77C2}"/>
+              </a:ext>
+            </a:extLst>
+          </p:cNvPr>
+          <p:cNvSpPr/>
+          <p:nvPr/>
+        </p:nvSpPr>
+        <p:spPr>
+          <a:xfrm rot="6190502">
+            <a:off x="6163004" y="3287129"/>
+            <a:ext cx="847568" cy="847568"/>
+          </a:xfrm>
+          <a:prstGeom prst="arc">
+            <a:avLst>
+              <a:gd name="adj1" fmla="val 16200000"/>
+              <a:gd name="adj2" fmla="val 20689075"/>
+            </a:avLst>
+          </a:prstGeom>
+          <a:ln>
+            <a:solidFill>
+              <a:schemeClr val="bg1"/>
+            </a:solidFill>
+            <a:headEnd type="triangle"/>
+            <a:tailEnd type="none"/>
+          </a:ln>
+        </p:spPr>
+        <p:style>
+          <a:lnRef idx="2">
+            <a:schemeClr val="accent1"/>
+          </a:lnRef>
+          <a:fillRef idx="0">
+            <a:schemeClr val="accent1"/>
+          </a:fillRef>
+          <a:effectRef idx="1">
+            <a:schemeClr val="accent1"/>
+          </a:effectRef>
+          <a:fontRef idx="minor">
+            <a:schemeClr val="tx1"/>
+          </a:fontRef>
+        </p:style>
+        <p:txBody>
+          <a:bodyPr rtlCol="0" anchor="ctr"/>
+          <a:lstStyle/>
+          <a:p>
+            <a:pPr marL="0" marR="0" lvl="0" indent="0" algn="ctr" defTabSz="914400" rtl="0" eaLnBrk="1" fontAlgn="auto" latinLnBrk="0" hangingPunct="1">
+              <a:lnSpc>
+                <a:spcPct val="100000"/>
+              </a:lnSpc>
+              <a:spcBef>
+                <a:spcPts val="0"/>
+              </a:spcBef>
+              <a:spcAft>
+                <a:spcPts val="0"/>
+              </a:spcAft>
+              <a:buClrTx/>
+              <a:buSzTx/>
+              <a:buFontTx/>
+              <a:buNone/>
+              <a:tabLst/>
+              <a:defRPr/>
+            </a:pPr>
+            <a:endParaRPr kumimoji="0" lang="en-US" sz="1800" b="0" i="0" u="none" strike="noStrike" kern="1200" cap="none" spc="0" normalizeH="0" baseline="0" noProof="0">
+              <a:ln>
+                <a:noFill/>
+              </a:ln>
+              <a:solidFill>
+                <a:prstClr val="black"/>
+              </a:solidFill>
+              <a:effectLst/>
+              <a:uLnTx/>
+              <a:uFillTx/>
+              <a:latin typeface="Aptos" panose="02110004020202020204"/>
+              <a:ea typeface="+mn-ea"/>
+              <a:cs typeface="+mn-cs"/>
+            </a:endParaRPr>
+          </a:p>
+        </p:txBody>
+      </p:sp>
+      <p:sp>
+        <p:nvSpPr>
+          <p:cNvPr id="125" name="TextBox 124">
+            <a:extLst>
+              <a:ext uri="{FF2B5EF4-FFF2-40B4-BE49-F238E27FC236}">
+                <a16:creationId xmlns:a16="http://schemas.microsoft.com/office/drawing/2014/main" id="{20D6F089-D8FA-BB34-0E93-7F7784C8A542}"/>
+              </a:ext>
+            </a:extLst>
+          </p:cNvPr>
+          <p:cNvSpPr txBox="1"/>
+          <p:nvPr/>
+        </p:nvSpPr>
+        <p:spPr>
+          <a:xfrm>
+            <a:off x="6419843" y="4114168"/>
+            <a:ext cx="460043" cy="307777"/>
+          </a:xfrm>
+          <a:prstGeom prst="rect">
+            <a:avLst/>
+          </a:prstGeom>
+          <a:noFill/>
+        </p:spPr>
+        <p:txBody>
+          <a:bodyPr wrap="square" rtlCol="0">
+            <a:spAutoFit/>
+          </a:bodyPr>
+          <a:lstStyle/>
+          <a:p>
+            <a:pPr marL="0" marR="0" lvl="0" indent="0" algn="l" defTabSz="914400" rtl="0" eaLnBrk="1" fontAlgn="auto" latinLnBrk="0" hangingPunct="1">
+              <a:lnSpc>
+                <a:spcPct val="100000"/>
+              </a:lnSpc>
+              <a:spcBef>
+                <a:spcPts val="0"/>
+              </a:spcBef>
+              <a:spcAft>
+                <a:spcPts val="0"/>
+              </a:spcAft>
+              <a:buClrTx/>
+              <a:buSzTx/>
+              <a:buFontTx/>
+              <a:buNone/>
+              <a:tabLst/>
+              <a:defRPr/>
+            </a:pPr>
+            <a:r>
+              <a:rPr kumimoji="0" lang="en-US" sz="1400" b="0" i="0" u="none" strike="noStrike" kern="1200" cap="none" spc="0" normalizeH="0" baseline="0" noProof="0" dirty="0">
+                <a:ln>
+                  <a:noFill/>
+                </a:ln>
+                <a:solidFill>
+                  <a:prstClr val="white"/>
+                </a:solidFill>
+                <a:effectLst/>
+                <a:uLnTx/>
+                <a:uFillTx/>
+                <a:latin typeface="Aptos" panose="02110004020202020204"/>
+                <a:ea typeface="+mn-ea"/>
+                <a:cs typeface="+mn-cs"/>
+              </a:rPr>
+              <a:t>h</a:t>
+            </a:r>
+          </a:p>
+        </p:txBody>
+      </p:sp>
+      <p:grpSp>
+        <p:nvGrpSpPr>
+          <p:cNvPr id="148" name="Group 147">
+            <a:extLst>
+              <a:ext uri="{FF2B5EF4-FFF2-40B4-BE49-F238E27FC236}">
+                <a16:creationId xmlns:a16="http://schemas.microsoft.com/office/drawing/2014/main" id="{B77D4A78-636D-DC9E-8FD4-142C26A0C45D}"/>
+              </a:ext>
+            </a:extLst>
+          </p:cNvPr>
+          <p:cNvGrpSpPr/>
+          <p:nvPr/>
+        </p:nvGrpSpPr>
+        <p:grpSpPr>
+          <a:xfrm>
+            <a:off x="507601" y="5771406"/>
+            <a:ext cx="582401" cy="698348"/>
+            <a:chOff x="720418" y="5453006"/>
+            <a:chExt cx="582401" cy="698348"/>
+          </a:xfrm>
+        </p:grpSpPr>
+        <p:cxnSp>
+          <p:nvCxnSpPr>
+            <p:cNvPr id="139" name="Straight Connector 138">
+              <a:extLst>
+                <a:ext uri="{FF2B5EF4-FFF2-40B4-BE49-F238E27FC236}">
+                  <a16:creationId xmlns:a16="http://schemas.microsoft.com/office/drawing/2014/main" id="{0B13F7BE-B819-D03A-4174-CFDF4935FA49}"/>
+                </a:ext>
+              </a:extLst>
+            </p:cNvPr>
+            <p:cNvCxnSpPr>
+              <a:cxnSpLocks/>
+            </p:cNvCxnSpPr>
+            <p:nvPr/>
+          </p:nvCxnSpPr>
+          <p:spPr>
+            <a:xfrm flipH="1" flipV="1">
+              <a:off x="1041411" y="5659943"/>
+              <a:ext cx="1" cy="241351"/>
+            </a:xfrm>
+            <a:prstGeom prst="line">
+              <a:avLst/>
+            </a:prstGeom>
+            <a:ln w="19050">
+              <a:solidFill>
+                <a:schemeClr val="bg1"/>
+              </a:solidFill>
+              <a:tailEnd type="triangle"/>
+            </a:ln>
+          </p:spPr>
+          <p:style>
+            <a:lnRef idx="2">
+              <a:schemeClr val="accent1"/>
+            </a:lnRef>
+            <a:fillRef idx="0">
+              <a:schemeClr val="accent1"/>
+            </a:fillRef>
+            <a:effectRef idx="1">
+              <a:schemeClr val="accent1"/>
+            </a:effectRef>
+            <a:fontRef idx="minor">
+              <a:schemeClr val="tx1"/>
+            </a:fontRef>
+          </p:style>
+        </p:cxnSp>
+        <p:cxnSp>
+          <p:nvCxnSpPr>
+            <p:cNvPr id="140" name="Straight Connector 139">
+              <a:extLst>
+                <a:ext uri="{FF2B5EF4-FFF2-40B4-BE49-F238E27FC236}">
+                  <a16:creationId xmlns:a16="http://schemas.microsoft.com/office/drawing/2014/main" id="{0A23D481-3C04-2A61-975E-CB6B9F1F377E}"/>
+                </a:ext>
+              </a:extLst>
+            </p:cNvPr>
+            <p:cNvCxnSpPr>
+              <a:cxnSpLocks/>
+            </p:cNvCxnSpPr>
+            <p:nvPr/>
+          </p:nvCxnSpPr>
+          <p:spPr>
+            <a:xfrm flipH="1">
+              <a:off x="882187" y="5901294"/>
+              <a:ext cx="159224" cy="109990"/>
+            </a:xfrm>
+            <a:prstGeom prst="line">
+              <a:avLst/>
+            </a:prstGeom>
+            <a:ln w="12700">
+              <a:solidFill>
+                <a:schemeClr val="bg1"/>
+              </a:solidFill>
+              <a:tailEnd type="triangle" w="sm" len="med"/>
+            </a:ln>
+          </p:spPr>
+          <p:style>
+            <a:lnRef idx="2">
+              <a:schemeClr val="accent1"/>
+            </a:lnRef>
+            <a:fillRef idx="0">
+              <a:schemeClr val="accent1"/>
+            </a:fillRef>
+            <a:effectRef idx="1">
+              <a:schemeClr val="accent1"/>
+            </a:effectRef>
+            <a:fontRef idx="minor">
+              <a:schemeClr val="tx1"/>
+            </a:fontRef>
+          </p:style>
+        </p:cxnSp>
+        <p:sp>
+          <p:nvSpPr>
+            <p:cNvPr id="142" name="TextBox 141">
+              <a:extLst>
+                <a:ext uri="{FF2B5EF4-FFF2-40B4-BE49-F238E27FC236}">
+                  <a16:creationId xmlns:a16="http://schemas.microsoft.com/office/drawing/2014/main" id="{F146313E-23CD-ED33-876D-C8347CD79DF1}"/>
+                </a:ext>
+              </a:extLst>
+            </p:cNvPr>
+            <p:cNvSpPr txBox="1"/>
+            <p:nvPr/>
+          </p:nvSpPr>
+          <p:spPr>
+            <a:xfrm>
+              <a:off x="918606" y="5453006"/>
+              <a:ext cx="222164" cy="228057"/>
+            </a:xfrm>
+            <a:prstGeom prst="rect">
+              <a:avLst/>
+            </a:prstGeom>
+            <a:noFill/>
+          </p:spPr>
+          <p:txBody>
+            <a:bodyPr wrap="square" rtlCol="0">
+              <a:spAutoFit/>
+            </a:bodyPr>
+            <a:lstStyle/>
+            <a:p>
+              <a:pPr marL="0" marR="0" lvl="0" indent="0" algn="l" defTabSz="914400" rtl="0" eaLnBrk="1" fontAlgn="auto" latinLnBrk="0" hangingPunct="1">
+                <a:lnSpc>
+                  <a:spcPct val="100000"/>
+                </a:lnSpc>
+                <a:spcBef>
+                  <a:spcPts val="0"/>
+                </a:spcBef>
+                <a:spcAft>
+                  <a:spcPts val="0"/>
+                </a:spcAft>
+                <a:buClrTx/>
+                <a:buSzTx/>
+                <a:buFontTx/>
+                <a:buNone/>
+                <a:tabLst/>
+                <a:defRPr/>
+              </a:pPr>
+              <a:r>
+                <a:rPr kumimoji="0" lang="en-US" sz="1050" b="0" i="0" u="none" strike="noStrike" kern="1200" cap="none" spc="0" normalizeH="0" baseline="0" noProof="0" dirty="0">
+                  <a:ln>
+                    <a:noFill/>
+                  </a:ln>
+                  <a:solidFill>
+                    <a:prstClr val="white"/>
+                  </a:solidFill>
+                  <a:effectLst/>
+                  <a:uLnTx/>
+                  <a:uFillTx/>
+                  <a:latin typeface="Aptos" panose="02110004020202020204"/>
+                  <a:ea typeface="+mn-ea"/>
+                  <a:cs typeface="+mn-cs"/>
+                </a:rPr>
+                <a:t>L</a:t>
+              </a:r>
+            </a:p>
+          </p:txBody>
+        </p:sp>
+        <p:sp>
+          <p:nvSpPr>
+            <p:cNvPr id="143" name="TextBox 142">
+              <a:extLst>
+                <a:ext uri="{FF2B5EF4-FFF2-40B4-BE49-F238E27FC236}">
+                  <a16:creationId xmlns:a16="http://schemas.microsoft.com/office/drawing/2014/main" id="{B5D6417E-6E12-E0AB-7D73-CD416000B1FA}"/>
+                </a:ext>
+              </a:extLst>
+            </p:cNvPr>
+            <p:cNvSpPr txBox="1"/>
+            <p:nvPr/>
+          </p:nvSpPr>
+          <p:spPr>
+            <a:xfrm>
+              <a:off x="1147727" y="5853790"/>
+              <a:ext cx="152228" cy="253916"/>
+            </a:xfrm>
+            <a:prstGeom prst="rect">
+              <a:avLst/>
+            </a:prstGeom>
+            <a:noFill/>
+          </p:spPr>
+          <p:txBody>
+            <a:bodyPr wrap="square" rtlCol="0">
+              <a:spAutoFit/>
+            </a:bodyPr>
+            <a:lstStyle/>
+            <a:p>
+              <a:pPr marL="0" marR="0" lvl="0" indent="0" algn="l" defTabSz="914400" rtl="0" eaLnBrk="1" fontAlgn="auto" latinLnBrk="0" hangingPunct="1">
+                <a:lnSpc>
+                  <a:spcPct val="100000"/>
+                </a:lnSpc>
+                <a:spcBef>
+                  <a:spcPts val="0"/>
+                </a:spcBef>
+                <a:spcAft>
+                  <a:spcPts val="0"/>
+                </a:spcAft>
+                <a:buClrTx/>
+                <a:buSzTx/>
+                <a:buFontTx/>
+                <a:buNone/>
+                <a:tabLst/>
+                <a:defRPr/>
+              </a:pPr>
+              <a:r>
+                <a:rPr kumimoji="0" lang="en-US" sz="1050" b="0" i="0" u="none" strike="noStrike" kern="1200" cap="none" spc="0" normalizeH="0" baseline="0" noProof="0" dirty="0">
+                  <a:ln>
+                    <a:noFill/>
+                  </a:ln>
+                  <a:solidFill>
+                    <a:prstClr val="white"/>
+                  </a:solidFill>
+                  <a:effectLst/>
+                  <a:uLnTx/>
+                  <a:uFillTx/>
+                  <a:latin typeface="Aptos" panose="02110004020202020204"/>
+                  <a:ea typeface="+mn-ea"/>
+                  <a:cs typeface="+mn-cs"/>
+                </a:rPr>
+                <a:t>c</a:t>
+              </a:r>
+            </a:p>
+          </p:txBody>
+        </p:sp>
+        <p:sp>
+          <p:nvSpPr>
+            <p:cNvPr id="144" name="TextBox 143">
+              <a:extLst>
+                <a:ext uri="{FF2B5EF4-FFF2-40B4-BE49-F238E27FC236}">
+                  <a16:creationId xmlns:a16="http://schemas.microsoft.com/office/drawing/2014/main" id="{89B6F01A-370D-5DB6-E396-8D5F4690BC2B}"/>
+                </a:ext>
+              </a:extLst>
+            </p:cNvPr>
+            <p:cNvSpPr txBox="1"/>
+            <p:nvPr/>
+          </p:nvSpPr>
+          <p:spPr>
+            <a:xfrm>
+              <a:off x="720418" y="5897438"/>
+              <a:ext cx="152228" cy="253916"/>
+            </a:xfrm>
+            <a:prstGeom prst="rect">
+              <a:avLst/>
+            </a:prstGeom>
+            <a:noFill/>
+          </p:spPr>
+          <p:txBody>
+            <a:bodyPr wrap="square" rtlCol="0">
+              <a:spAutoFit/>
+            </a:bodyPr>
+            <a:lstStyle/>
+            <a:p>
+              <a:pPr marL="0" marR="0" lvl="0" indent="0" algn="l" defTabSz="914400" rtl="0" eaLnBrk="1" fontAlgn="auto" latinLnBrk="0" hangingPunct="1">
+                <a:lnSpc>
+                  <a:spcPct val="100000"/>
+                </a:lnSpc>
+                <a:spcBef>
+                  <a:spcPts val="0"/>
+                </a:spcBef>
+                <a:spcAft>
+                  <a:spcPts val="0"/>
+                </a:spcAft>
+                <a:buClrTx/>
+                <a:buSzTx/>
+                <a:buFontTx/>
+                <a:buNone/>
+                <a:tabLst/>
+                <a:defRPr/>
+              </a:pPr>
+              <a:r>
+                <a:rPr kumimoji="0" lang="en-US" sz="1050" b="0" i="0" u="none" strike="noStrike" kern="1200" cap="none" spc="0" normalizeH="0" baseline="0" noProof="0" dirty="0">
+                  <a:ln>
+                    <a:noFill/>
+                  </a:ln>
+                  <a:solidFill>
+                    <a:prstClr val="white"/>
+                  </a:solidFill>
+                  <a:effectLst/>
+                  <a:uLnTx/>
+                  <a:uFillTx/>
+                  <a:latin typeface="Aptos" panose="02110004020202020204"/>
+                  <a:ea typeface="+mn-ea"/>
+                  <a:cs typeface="+mn-cs"/>
+                </a:rPr>
+                <a:t>h</a:t>
+              </a:r>
+            </a:p>
+          </p:txBody>
+        </p:sp>
+        <p:sp>
+          <p:nvSpPr>
+            <p:cNvPr id="145" name="Arc 144">
+              <a:extLst>
+                <a:ext uri="{FF2B5EF4-FFF2-40B4-BE49-F238E27FC236}">
+                  <a16:creationId xmlns:a16="http://schemas.microsoft.com/office/drawing/2014/main" id="{AEAEF7CE-0212-38C2-B634-F2FCDF9C2135}"/>
+                </a:ext>
+              </a:extLst>
+            </p:cNvPr>
+            <p:cNvSpPr/>
+            <p:nvPr/>
+          </p:nvSpPr>
+          <p:spPr>
+            <a:xfrm rot="7932394">
+              <a:off x="822882" y="5603519"/>
+              <a:ext cx="479937" cy="479937"/>
+            </a:xfrm>
+            <a:prstGeom prst="arc">
+              <a:avLst>
+                <a:gd name="adj1" fmla="val 16653235"/>
+                <a:gd name="adj2" fmla="val 21430483"/>
+              </a:avLst>
+            </a:prstGeom>
+            <a:ln w="12700">
+              <a:solidFill>
+                <a:schemeClr val="bg1"/>
+              </a:solidFill>
+              <a:prstDash val="solid"/>
+              <a:headEnd type="triangle" w="sm" len="med"/>
+              <a:tailEnd type="none"/>
+            </a:ln>
+          </p:spPr>
+          <p:style>
+            <a:lnRef idx="2">
+              <a:schemeClr val="accent1"/>
+            </a:lnRef>
+            <a:fillRef idx="0">
+              <a:schemeClr val="accent1"/>
+            </a:fillRef>
+            <a:effectRef idx="1">
+              <a:schemeClr val="accent1"/>
+            </a:effectRef>
+            <a:fontRef idx="minor">
+              <a:schemeClr val="tx1"/>
+            </a:fontRef>
+          </p:style>
+          <p:txBody>
+            <a:bodyPr rtlCol="0" anchor="ctr"/>
+            <a:lstStyle/>
+            <a:p>
+              <a:pPr marL="0" marR="0" lvl="0" indent="0" algn="ctr" defTabSz="914400" rtl="0" eaLnBrk="1" fontAlgn="auto" latinLnBrk="0" hangingPunct="1">
+                <a:lnSpc>
+                  <a:spcPct val="100000"/>
+                </a:lnSpc>
+                <a:spcBef>
+                  <a:spcPts val="0"/>
+                </a:spcBef>
+                <a:spcAft>
+                  <a:spcPts val="0"/>
+                </a:spcAft>
+                <a:buClrTx/>
+                <a:buSzTx/>
+                <a:buFontTx/>
+                <a:buNone/>
+                <a:tabLst/>
+                <a:defRPr/>
+              </a:pPr>
+              <a:endParaRPr kumimoji="0" lang="en-US" sz="1800" b="0" i="0" u="none" strike="noStrike" kern="1200" cap="none" spc="0" normalizeH="0" baseline="0" noProof="0">
+                <a:ln>
+                  <a:noFill/>
+                </a:ln>
+                <a:solidFill>
+                  <a:prstClr val="black"/>
+                </a:solidFill>
+                <a:effectLst/>
+                <a:uLnTx/>
+                <a:uFillTx/>
+                <a:latin typeface="Aptos" panose="02110004020202020204"/>
+                <a:ea typeface="+mn-ea"/>
+                <a:cs typeface="+mn-cs"/>
+              </a:endParaRPr>
+            </a:p>
+          </p:txBody>
+        </p:sp>
+      </p:grpSp>
+      <p:sp>
+        <p:nvSpPr>
+          <p:cNvPr id="149" name="TextBox 148">
+            <a:extLst>
+              <a:ext uri="{FF2B5EF4-FFF2-40B4-BE49-F238E27FC236}">
+                <a16:creationId xmlns:a16="http://schemas.microsoft.com/office/drawing/2014/main" id="{D0935FE1-A331-0331-7B6B-455D964D7F66}"/>
+              </a:ext>
+            </a:extLst>
+          </p:cNvPr>
+          <p:cNvSpPr txBox="1"/>
+          <p:nvPr/>
+        </p:nvSpPr>
+        <p:spPr>
+          <a:xfrm>
+            <a:off x="1576324" y="6440654"/>
+            <a:ext cx="460043" cy="276999"/>
+          </a:xfrm>
+          <a:prstGeom prst="rect">
+            <a:avLst/>
+          </a:prstGeom>
+          <a:noFill/>
+        </p:spPr>
+        <p:txBody>
+          <a:bodyPr wrap="square" rtlCol="0">
+            <a:spAutoFit/>
+          </a:bodyPr>
+          <a:lstStyle/>
+          <a:p>
+            <a:pPr marL="0" marR="0" lvl="0" indent="0" algn="l" defTabSz="914400" rtl="0" eaLnBrk="1" fontAlgn="auto" latinLnBrk="0" hangingPunct="1">
+              <a:lnSpc>
+                <a:spcPct val="100000"/>
+              </a:lnSpc>
+              <a:spcBef>
+                <a:spcPts val="0"/>
+              </a:spcBef>
+              <a:spcAft>
+                <a:spcPts val="0"/>
+              </a:spcAft>
+              <a:buClrTx/>
+              <a:buSzTx/>
+              <a:buFontTx/>
+              <a:buNone/>
+              <a:tabLst/>
+              <a:defRPr/>
+            </a:pPr>
+            <a:r>
+              <a:rPr kumimoji="0" lang="en-US" sz="1200" b="0" i="0" u="none" strike="noStrike" kern="1200" cap="none" spc="0" normalizeH="0" baseline="0" noProof="0" dirty="0">
+                <a:ln>
+                  <a:noFill/>
+                </a:ln>
+                <a:solidFill>
+                  <a:prstClr val="white"/>
+                </a:solidFill>
+                <a:effectLst/>
+                <a:uLnTx/>
+                <a:uFillTx/>
+                <a:latin typeface="Aptos" panose="02110004020202020204"/>
+                <a:ea typeface="+mn-ea"/>
+                <a:cs typeface="+mn-cs"/>
+              </a:rPr>
+              <a:t>c=0</a:t>
+            </a:r>
+          </a:p>
+        </p:txBody>
+      </p:sp>
+      <p:cxnSp>
+        <p:nvCxnSpPr>
+          <p:cNvPr id="150" name="Straight Connector 149">
+            <a:extLst>
+              <a:ext uri="{FF2B5EF4-FFF2-40B4-BE49-F238E27FC236}">
+                <a16:creationId xmlns:a16="http://schemas.microsoft.com/office/drawing/2014/main" id="{547B6074-BD13-7F39-D8D5-93556E670091}"/>
+              </a:ext>
+            </a:extLst>
+          </p:cNvPr>
+          <p:cNvCxnSpPr/>
+          <p:nvPr/>
+        </p:nvCxnSpPr>
+        <p:spPr>
+          <a:xfrm flipV="1">
+            <a:off x="1796457" y="6259469"/>
+            <a:ext cx="0" cy="215620"/>
+          </a:xfrm>
+          <a:prstGeom prst="line">
+            <a:avLst/>
+          </a:prstGeom>
+          <a:ln w="25400">
+            <a:solidFill>
+              <a:schemeClr val="bg1"/>
+            </a:solidFill>
+          </a:ln>
+        </p:spPr>
+        <p:style>
+          <a:lnRef idx="2">
+            <a:schemeClr val="accent1"/>
+          </a:lnRef>
+          <a:fillRef idx="0">
+            <a:schemeClr val="accent1"/>
+          </a:fillRef>
+          <a:effectRef idx="1">
+            <a:schemeClr val="accent1"/>
+          </a:effectRef>
+          <a:fontRef idx="minor">
+            <a:schemeClr val="tx1"/>
+          </a:fontRef>
+        </p:style>
+      </p:cxnSp>
+      <p:sp>
+        <p:nvSpPr>
+          <p:cNvPr id="151" name="TextBox 150">
+            <a:extLst>
+              <a:ext uri="{FF2B5EF4-FFF2-40B4-BE49-F238E27FC236}">
+                <a16:creationId xmlns:a16="http://schemas.microsoft.com/office/drawing/2014/main" id="{E0286536-C7B1-D9D1-7C37-487F29848406}"/>
+              </a:ext>
+            </a:extLst>
+          </p:cNvPr>
+          <p:cNvSpPr txBox="1"/>
+          <p:nvPr/>
+        </p:nvSpPr>
+        <p:spPr>
+          <a:xfrm>
+            <a:off x="2261485" y="6440654"/>
+            <a:ext cx="627292" cy="276999"/>
+          </a:xfrm>
+          <a:prstGeom prst="rect">
+            <a:avLst/>
+          </a:prstGeom>
+          <a:noFill/>
+        </p:spPr>
+        <p:txBody>
+          <a:bodyPr wrap="square" rtlCol="0">
+            <a:spAutoFit/>
+          </a:bodyPr>
+          <a:lstStyle/>
+          <a:p>
+            <a:pPr marL="0" marR="0" lvl="0" indent="0" algn="l" defTabSz="914400" rtl="0" eaLnBrk="1" fontAlgn="auto" latinLnBrk="0" hangingPunct="1">
+              <a:lnSpc>
+                <a:spcPct val="100000"/>
+              </a:lnSpc>
+              <a:spcBef>
+                <a:spcPts val="0"/>
+              </a:spcBef>
+              <a:spcAft>
+                <a:spcPts val="0"/>
+              </a:spcAft>
+              <a:buClrTx/>
+              <a:buSzTx/>
+              <a:buFontTx/>
+              <a:buNone/>
+              <a:tabLst/>
+              <a:defRPr/>
+            </a:pPr>
+            <a:r>
+              <a:rPr kumimoji="0" lang="en-US" sz="1200" b="0" i="0" u="none" strike="noStrike" kern="1200" cap="none" spc="0" normalizeH="0" baseline="0" noProof="0" dirty="0">
+                <a:ln>
+                  <a:noFill/>
+                </a:ln>
+                <a:solidFill>
+                  <a:prstClr val="white"/>
+                </a:solidFill>
+                <a:effectLst/>
+                <a:uLnTx/>
+                <a:uFillTx/>
+                <a:latin typeface="Aptos" panose="02110004020202020204"/>
+                <a:ea typeface="+mn-ea"/>
+                <a:cs typeface="+mn-cs"/>
+              </a:rPr>
+              <a:t>c=0.1</a:t>
+            </a:r>
+          </a:p>
+        </p:txBody>
+      </p:sp>
+      <p:cxnSp>
+        <p:nvCxnSpPr>
+          <p:cNvPr id="152" name="Straight Connector 151">
+            <a:extLst>
+              <a:ext uri="{FF2B5EF4-FFF2-40B4-BE49-F238E27FC236}">
+                <a16:creationId xmlns:a16="http://schemas.microsoft.com/office/drawing/2014/main" id="{A5BB8CEC-2395-2CD9-BB9C-93058EF987B7}"/>
+              </a:ext>
+            </a:extLst>
+          </p:cNvPr>
+          <p:cNvCxnSpPr/>
+          <p:nvPr/>
+        </p:nvCxnSpPr>
+        <p:spPr>
+          <a:xfrm flipV="1">
+            <a:off x="2518897" y="6255605"/>
+            <a:ext cx="0" cy="215620"/>
+          </a:xfrm>
+          <a:prstGeom prst="line">
+            <a:avLst/>
+          </a:prstGeom>
+          <a:ln w="25400">
+            <a:solidFill>
+              <a:schemeClr val="bg1"/>
+            </a:solidFill>
+          </a:ln>
+        </p:spPr>
+        <p:style>
+          <a:lnRef idx="2">
+            <a:schemeClr val="accent1"/>
+          </a:lnRef>
+          <a:fillRef idx="0">
+            <a:schemeClr val="accent1"/>
+          </a:fillRef>
+          <a:effectRef idx="1">
+            <a:schemeClr val="accent1"/>
+          </a:effectRef>
+          <a:fontRef idx="minor">
+            <a:schemeClr val="tx1"/>
+          </a:fontRef>
+        </p:style>
+      </p:cxnSp>
+      <p:sp>
+        <p:nvSpPr>
+          <p:cNvPr id="153" name="TextBox 152">
+            <a:extLst>
+              <a:ext uri="{FF2B5EF4-FFF2-40B4-BE49-F238E27FC236}">
+                <a16:creationId xmlns:a16="http://schemas.microsoft.com/office/drawing/2014/main" id="{23049379-05A2-BF8A-A12B-12C42FE6BC06}"/>
+              </a:ext>
+            </a:extLst>
+          </p:cNvPr>
+          <p:cNvSpPr txBox="1"/>
+          <p:nvPr/>
+        </p:nvSpPr>
+        <p:spPr>
+          <a:xfrm>
+            <a:off x="3819327" y="6444518"/>
+            <a:ext cx="627292" cy="276999"/>
+          </a:xfrm>
+          <a:prstGeom prst="rect">
+            <a:avLst/>
+          </a:prstGeom>
+          <a:noFill/>
+        </p:spPr>
+        <p:txBody>
+          <a:bodyPr wrap="square" rtlCol="0">
+            <a:spAutoFit/>
+          </a:bodyPr>
+          <a:lstStyle/>
+          <a:p>
+            <a:pPr marL="0" marR="0" lvl="0" indent="0" algn="l" defTabSz="914400" rtl="0" eaLnBrk="1" fontAlgn="auto" latinLnBrk="0" hangingPunct="1">
+              <a:lnSpc>
+                <a:spcPct val="100000"/>
+              </a:lnSpc>
+              <a:spcBef>
+                <a:spcPts val="0"/>
+              </a:spcBef>
+              <a:spcAft>
+                <a:spcPts val="0"/>
+              </a:spcAft>
+              <a:buClrTx/>
+              <a:buSzTx/>
+              <a:buFontTx/>
+              <a:buNone/>
+              <a:tabLst/>
+              <a:defRPr/>
+            </a:pPr>
+            <a:r>
+              <a:rPr kumimoji="0" lang="en-US" sz="1200" b="0" i="0" u="none" strike="noStrike" kern="1200" cap="none" spc="0" normalizeH="0" baseline="0" noProof="0" dirty="0">
+                <a:ln>
+                  <a:noFill/>
+                </a:ln>
+                <a:solidFill>
+                  <a:prstClr val="white"/>
+                </a:solidFill>
+                <a:effectLst/>
+                <a:uLnTx/>
+                <a:uFillTx/>
+                <a:latin typeface="Aptos" panose="02110004020202020204"/>
+                <a:ea typeface="+mn-ea"/>
+                <a:cs typeface="+mn-cs"/>
+              </a:rPr>
+              <a:t>c=0.2</a:t>
+            </a:r>
+          </a:p>
+        </p:txBody>
+      </p:sp>
+      <p:cxnSp>
+        <p:nvCxnSpPr>
+          <p:cNvPr id="154" name="Straight Connector 153">
+            <a:extLst>
+              <a:ext uri="{FF2B5EF4-FFF2-40B4-BE49-F238E27FC236}">
+                <a16:creationId xmlns:a16="http://schemas.microsoft.com/office/drawing/2014/main" id="{07A035AA-113E-551F-A1B2-35EB25F9376D}"/>
+              </a:ext>
+            </a:extLst>
+          </p:cNvPr>
+          <p:cNvCxnSpPr/>
+          <p:nvPr/>
+        </p:nvCxnSpPr>
+        <p:spPr>
+          <a:xfrm flipV="1">
+            <a:off x="4076739" y="6259469"/>
+            <a:ext cx="0" cy="215620"/>
+          </a:xfrm>
+          <a:prstGeom prst="line">
+            <a:avLst/>
+          </a:prstGeom>
+          <a:ln w="25400">
+            <a:solidFill>
+              <a:schemeClr val="bg1"/>
+            </a:solidFill>
+          </a:ln>
+        </p:spPr>
+        <p:style>
+          <a:lnRef idx="2">
+            <a:schemeClr val="accent1"/>
+          </a:lnRef>
+          <a:fillRef idx="0">
+            <a:schemeClr val="accent1"/>
+          </a:fillRef>
+          <a:effectRef idx="1">
+            <a:schemeClr val="accent1"/>
+          </a:effectRef>
+          <a:fontRef idx="minor">
+            <a:schemeClr val="tx1"/>
+          </a:fontRef>
+        </p:style>
+      </p:cxnSp>
+      <p:sp>
+        <p:nvSpPr>
+          <p:cNvPr id="155" name="TextBox 154">
+            <a:extLst>
+              <a:ext uri="{FF2B5EF4-FFF2-40B4-BE49-F238E27FC236}">
+                <a16:creationId xmlns:a16="http://schemas.microsoft.com/office/drawing/2014/main" id="{286D65C8-DD70-AC3A-D09C-53DF911077A9}"/>
+              </a:ext>
+            </a:extLst>
+          </p:cNvPr>
+          <p:cNvSpPr txBox="1"/>
+          <p:nvPr/>
+        </p:nvSpPr>
+        <p:spPr>
+          <a:xfrm>
+            <a:off x="6188173" y="6444518"/>
+            <a:ext cx="627292" cy="276999"/>
+          </a:xfrm>
+          <a:prstGeom prst="rect">
+            <a:avLst/>
+          </a:prstGeom>
+          <a:noFill/>
+        </p:spPr>
+        <p:txBody>
+          <a:bodyPr wrap="square" rtlCol="0">
+            <a:spAutoFit/>
+          </a:bodyPr>
+          <a:lstStyle/>
+          <a:p>
+            <a:pPr marL="0" marR="0" lvl="0" indent="0" algn="l" defTabSz="914400" rtl="0" eaLnBrk="1" fontAlgn="auto" latinLnBrk="0" hangingPunct="1">
+              <a:lnSpc>
+                <a:spcPct val="100000"/>
+              </a:lnSpc>
+              <a:spcBef>
+                <a:spcPts val="0"/>
+              </a:spcBef>
+              <a:spcAft>
+                <a:spcPts val="0"/>
+              </a:spcAft>
+              <a:buClrTx/>
+              <a:buSzTx/>
+              <a:buFontTx/>
+              <a:buNone/>
+              <a:tabLst/>
+              <a:defRPr/>
+            </a:pPr>
+            <a:r>
+              <a:rPr kumimoji="0" lang="en-US" sz="1200" b="0" i="0" u="none" strike="noStrike" kern="1200" cap="none" spc="0" normalizeH="0" baseline="0" noProof="0" dirty="0">
+                <a:ln>
+                  <a:noFill/>
+                </a:ln>
+                <a:solidFill>
+                  <a:prstClr val="white"/>
+                </a:solidFill>
+                <a:effectLst/>
+                <a:uLnTx/>
+                <a:uFillTx/>
+                <a:latin typeface="Aptos" panose="02110004020202020204"/>
+                <a:ea typeface="+mn-ea"/>
+                <a:cs typeface="+mn-cs"/>
+              </a:rPr>
+              <a:t>c=0.3</a:t>
+            </a:r>
+          </a:p>
+        </p:txBody>
+      </p:sp>
+      <p:cxnSp>
+        <p:nvCxnSpPr>
+          <p:cNvPr id="156" name="Straight Connector 155">
+            <a:extLst>
+              <a:ext uri="{FF2B5EF4-FFF2-40B4-BE49-F238E27FC236}">
+                <a16:creationId xmlns:a16="http://schemas.microsoft.com/office/drawing/2014/main" id="{B0875A16-CD87-8D3A-7CB0-F38B86AFAED8}"/>
+              </a:ext>
+            </a:extLst>
+          </p:cNvPr>
+          <p:cNvCxnSpPr/>
+          <p:nvPr/>
+        </p:nvCxnSpPr>
+        <p:spPr>
+          <a:xfrm flipV="1">
+            <a:off x="6445585" y="6259469"/>
+            <a:ext cx="0" cy="215620"/>
+          </a:xfrm>
+          <a:prstGeom prst="line">
+            <a:avLst/>
+          </a:prstGeom>
+          <a:ln w="25400">
+            <a:solidFill>
+              <a:schemeClr val="bg1"/>
+            </a:solidFill>
+          </a:ln>
+        </p:spPr>
+        <p:style>
+          <a:lnRef idx="2">
+            <a:schemeClr val="accent1"/>
+          </a:lnRef>
+          <a:fillRef idx="0">
+            <a:schemeClr val="accent1"/>
+          </a:fillRef>
+          <a:effectRef idx="1">
+            <a:schemeClr val="accent1"/>
+          </a:effectRef>
+          <a:fontRef idx="minor">
+            <a:schemeClr val="tx1"/>
+          </a:fontRef>
+        </p:style>
+      </p:cxnSp>
+      <p:sp>
+        <p:nvSpPr>
+          <p:cNvPr id="157" name="TextBox 156">
+            <a:extLst>
+              <a:ext uri="{FF2B5EF4-FFF2-40B4-BE49-F238E27FC236}">
+                <a16:creationId xmlns:a16="http://schemas.microsoft.com/office/drawing/2014/main" id="{398DF89D-F0E2-43E1-E554-8D2FF7ADA1B3}"/>
+              </a:ext>
+            </a:extLst>
+          </p:cNvPr>
+          <p:cNvSpPr txBox="1"/>
+          <p:nvPr/>
+        </p:nvSpPr>
+        <p:spPr>
+          <a:xfrm>
+            <a:off x="9586400" y="6444518"/>
+            <a:ext cx="627292" cy="276999"/>
+          </a:xfrm>
+          <a:prstGeom prst="rect">
+            <a:avLst/>
+          </a:prstGeom>
+          <a:noFill/>
+        </p:spPr>
+        <p:txBody>
+          <a:bodyPr wrap="square" rtlCol="0">
+            <a:spAutoFit/>
+          </a:bodyPr>
+          <a:lstStyle/>
+          <a:p>
+            <a:pPr marL="0" marR="0" lvl="0" indent="0" algn="l" defTabSz="914400" rtl="0" eaLnBrk="1" fontAlgn="auto" latinLnBrk="0" hangingPunct="1">
+              <a:lnSpc>
+                <a:spcPct val="100000"/>
+              </a:lnSpc>
+              <a:spcBef>
+                <a:spcPts val="0"/>
+              </a:spcBef>
+              <a:spcAft>
+                <a:spcPts val="0"/>
+              </a:spcAft>
+              <a:buClrTx/>
+              <a:buSzTx/>
+              <a:buFontTx/>
+              <a:buNone/>
+              <a:tabLst/>
+              <a:defRPr/>
+            </a:pPr>
+            <a:r>
+              <a:rPr kumimoji="0" lang="en-US" sz="1200" b="0" i="0" u="none" strike="noStrike" kern="1200" cap="none" spc="0" normalizeH="0" baseline="0" noProof="0" dirty="0">
+                <a:ln>
+                  <a:noFill/>
+                </a:ln>
+                <a:solidFill>
+                  <a:prstClr val="white"/>
+                </a:solidFill>
+                <a:effectLst/>
+                <a:uLnTx/>
+                <a:uFillTx/>
+                <a:latin typeface="Aptos" panose="02110004020202020204"/>
+                <a:ea typeface="+mn-ea"/>
+                <a:cs typeface="+mn-cs"/>
+              </a:rPr>
+              <a:t>c=0.4</a:t>
+            </a:r>
+          </a:p>
+        </p:txBody>
+      </p:sp>
+      <p:cxnSp>
+        <p:nvCxnSpPr>
+          <p:cNvPr id="158" name="Straight Connector 157">
+            <a:extLst>
+              <a:ext uri="{FF2B5EF4-FFF2-40B4-BE49-F238E27FC236}">
+                <a16:creationId xmlns:a16="http://schemas.microsoft.com/office/drawing/2014/main" id="{503D9428-D20E-100E-E455-9A45F533A18C}"/>
+              </a:ext>
+            </a:extLst>
+          </p:cNvPr>
+          <p:cNvCxnSpPr/>
+          <p:nvPr/>
+        </p:nvCxnSpPr>
+        <p:spPr>
+          <a:xfrm flipV="1">
+            <a:off x="9843812" y="6259469"/>
+            <a:ext cx="0" cy="215620"/>
+          </a:xfrm>
+          <a:prstGeom prst="line">
+            <a:avLst/>
+          </a:prstGeom>
+          <a:ln w="25400">
+            <a:solidFill>
+              <a:schemeClr val="bg1"/>
+            </a:solidFill>
+          </a:ln>
+        </p:spPr>
+        <p:style>
+          <a:lnRef idx="2">
+            <a:schemeClr val="accent1"/>
+          </a:lnRef>
+          <a:fillRef idx="0">
+            <a:schemeClr val="accent1"/>
+          </a:fillRef>
+          <a:effectRef idx="1">
+            <a:schemeClr val="accent1"/>
+          </a:effectRef>
+          <a:fontRef idx="minor">
+            <a:schemeClr val="tx1"/>
+          </a:fontRef>
+        </p:style>
+      </p:cxnSp>
+      <p:sp>
+        <p:nvSpPr>
+          <p:cNvPr id="159" name="TextBox 158">
+            <a:extLst>
+              <a:ext uri="{FF2B5EF4-FFF2-40B4-BE49-F238E27FC236}">
+                <a16:creationId xmlns:a16="http://schemas.microsoft.com/office/drawing/2014/main" id="{BE832149-7670-7D23-9F58-D10675ECB305}"/>
+              </a:ext>
+            </a:extLst>
+          </p:cNvPr>
+          <p:cNvSpPr txBox="1"/>
+          <p:nvPr/>
+        </p:nvSpPr>
+        <p:spPr>
+          <a:xfrm>
+            <a:off x="11673811" y="6436790"/>
+            <a:ext cx="627292" cy="276999"/>
+          </a:xfrm>
+          <a:prstGeom prst="rect">
+            <a:avLst/>
+          </a:prstGeom>
+          <a:noFill/>
+        </p:spPr>
+        <p:txBody>
+          <a:bodyPr wrap="square" rtlCol="0">
+            <a:spAutoFit/>
+          </a:bodyPr>
+          <a:lstStyle/>
+          <a:p>
+            <a:pPr marL="0" marR="0" lvl="0" indent="0" algn="l" defTabSz="914400" rtl="0" eaLnBrk="1" fontAlgn="auto" latinLnBrk="0" hangingPunct="1">
+              <a:lnSpc>
+                <a:spcPct val="100000"/>
+              </a:lnSpc>
+              <a:spcBef>
+                <a:spcPts val="0"/>
+              </a:spcBef>
+              <a:spcAft>
+                <a:spcPts val="0"/>
+              </a:spcAft>
+              <a:buClrTx/>
+              <a:buSzTx/>
+              <a:buFontTx/>
+              <a:buNone/>
+              <a:tabLst/>
+              <a:defRPr/>
+            </a:pPr>
+            <a:r>
+              <a:rPr kumimoji="0" lang="en-US" sz="1200" b="0" i="0" u="none" strike="noStrike" kern="1200" cap="none" spc="0" normalizeH="0" baseline="0" noProof="0" dirty="0">
+                <a:ln>
+                  <a:noFill/>
+                </a:ln>
+                <a:solidFill>
+                  <a:prstClr val="white"/>
+                </a:solidFill>
+                <a:effectLst/>
+                <a:uLnTx/>
+                <a:uFillTx/>
+                <a:latin typeface="Aptos" panose="02110004020202020204"/>
+                <a:ea typeface="+mn-ea"/>
+                <a:cs typeface="+mn-cs"/>
+              </a:rPr>
+              <a:t>c=0.5</a:t>
+            </a:r>
+          </a:p>
+        </p:txBody>
+      </p:sp>
+      <p:cxnSp>
+        <p:nvCxnSpPr>
+          <p:cNvPr id="160" name="Straight Connector 159">
+            <a:extLst>
+              <a:ext uri="{FF2B5EF4-FFF2-40B4-BE49-F238E27FC236}">
+                <a16:creationId xmlns:a16="http://schemas.microsoft.com/office/drawing/2014/main" id="{2C90C3FF-2923-F5E8-F4AE-181F82A203C5}"/>
+              </a:ext>
+            </a:extLst>
+          </p:cNvPr>
+          <p:cNvCxnSpPr/>
+          <p:nvPr/>
+        </p:nvCxnSpPr>
+        <p:spPr>
+          <a:xfrm flipV="1">
+            <a:off x="11931223" y="6251741"/>
+            <a:ext cx="0" cy="215620"/>
+          </a:xfrm>
+          <a:prstGeom prst="line">
+            <a:avLst/>
+          </a:prstGeom>
+          <a:ln w="25400">
+            <a:solidFill>
+              <a:schemeClr val="bg1"/>
+            </a:solidFill>
+          </a:ln>
+        </p:spPr>
+        <p:style>
+          <a:lnRef idx="2">
+            <a:schemeClr val="accent1"/>
+          </a:lnRef>
+          <a:fillRef idx="0">
+            <a:schemeClr val="accent1"/>
+          </a:fillRef>
+          <a:effectRef idx="1">
+            <a:schemeClr val="accent1"/>
+          </a:effectRef>
+          <a:fontRef idx="minor">
+            <a:schemeClr val="tx1"/>
+          </a:fontRef>
+        </p:style>
+      </p:cxnSp>
+      <p:grpSp>
+        <p:nvGrpSpPr>
+          <p:cNvPr id="47" name="Group 46">
+            <a:extLst>
+              <a:ext uri="{FF2B5EF4-FFF2-40B4-BE49-F238E27FC236}">
+                <a16:creationId xmlns:a16="http://schemas.microsoft.com/office/drawing/2014/main" id="{C089AACD-902D-B773-D18F-C8E8A58707C1}"/>
+              </a:ext>
+            </a:extLst>
+          </p:cNvPr>
+          <p:cNvGrpSpPr/>
+          <p:nvPr/>
+        </p:nvGrpSpPr>
+        <p:grpSpPr>
+          <a:xfrm>
+            <a:off x="5013752" y="4730708"/>
+            <a:ext cx="3129349" cy="1592449"/>
+            <a:chOff x="5017997" y="4565183"/>
+            <a:chExt cx="3129349" cy="1592449"/>
+          </a:xfrm>
+        </p:grpSpPr>
+        <p:cxnSp>
+          <p:nvCxnSpPr>
+            <p:cNvPr id="161" name="Straight Arrow Connector 160">
+              <a:extLst>
+                <a:ext uri="{FF2B5EF4-FFF2-40B4-BE49-F238E27FC236}">
+                  <a16:creationId xmlns:a16="http://schemas.microsoft.com/office/drawing/2014/main" id="{3D2D476C-C62F-7E30-C29A-A566FCFBAB3E}"/>
+                </a:ext>
+              </a:extLst>
+            </p:cNvPr>
+            <p:cNvCxnSpPr>
+              <a:cxnSpLocks/>
+            </p:cNvCxnSpPr>
+            <p:nvPr/>
+          </p:nvCxnSpPr>
+          <p:spPr>
+            <a:xfrm flipV="1">
+              <a:off x="5148384" y="4813300"/>
+              <a:ext cx="0" cy="1127369"/>
+            </a:xfrm>
+            <a:prstGeom prst="straightConnector1">
+              <a:avLst/>
+            </a:prstGeom>
+            <a:ln w="25400">
+              <a:solidFill>
+                <a:schemeClr val="bg1"/>
+              </a:solidFill>
+              <a:headEnd w="lg" len="lg"/>
+              <a:tailEnd type="triangle"/>
+            </a:ln>
+          </p:spPr>
+          <p:style>
+            <a:lnRef idx="2">
+              <a:schemeClr val="accent1"/>
+            </a:lnRef>
+            <a:fillRef idx="0">
+              <a:schemeClr val="accent1"/>
+            </a:fillRef>
+            <a:effectRef idx="1">
+              <a:schemeClr val="accent1"/>
+            </a:effectRef>
+            <a:fontRef idx="minor">
+              <a:schemeClr val="tx1"/>
+            </a:fontRef>
+          </p:style>
+        </p:cxnSp>
+        <p:sp>
+          <p:nvSpPr>
+            <p:cNvPr id="162" name="TextBox 161">
+              <a:extLst>
+                <a:ext uri="{FF2B5EF4-FFF2-40B4-BE49-F238E27FC236}">
+                  <a16:creationId xmlns:a16="http://schemas.microsoft.com/office/drawing/2014/main" id="{3FB59431-2D88-5E2C-A553-0075960A9694}"/>
+                </a:ext>
+              </a:extLst>
+            </p:cNvPr>
+            <p:cNvSpPr txBox="1"/>
+            <p:nvPr/>
+          </p:nvSpPr>
+          <p:spPr>
+            <a:xfrm>
+              <a:off x="5017997" y="4565183"/>
+              <a:ext cx="460043" cy="307777"/>
+            </a:xfrm>
+            <a:prstGeom prst="rect">
+              <a:avLst/>
+            </a:prstGeom>
+            <a:noFill/>
+          </p:spPr>
+          <p:txBody>
+            <a:bodyPr wrap="square" rtlCol="0">
+              <a:spAutoFit/>
+            </a:bodyPr>
+            <a:lstStyle/>
+            <a:p>
+              <a:pPr marL="0" marR="0" lvl="0" indent="0" algn="l" defTabSz="914400" rtl="0" eaLnBrk="1" fontAlgn="auto" latinLnBrk="0" hangingPunct="1">
+                <a:lnSpc>
+                  <a:spcPct val="100000"/>
+                </a:lnSpc>
+                <a:spcBef>
+                  <a:spcPts val="0"/>
+                </a:spcBef>
+                <a:spcAft>
+                  <a:spcPts val="0"/>
+                </a:spcAft>
+                <a:buClrTx/>
+                <a:buSzTx/>
+                <a:buFontTx/>
+                <a:buNone/>
+                <a:tabLst/>
+                <a:defRPr/>
+              </a:pPr>
+              <a:r>
+                <a:rPr kumimoji="0" lang="en-US" sz="1400" b="0" i="0" u="none" strike="noStrike" kern="1200" cap="none" spc="0" normalizeH="0" baseline="0" noProof="0" dirty="0">
+                  <a:ln>
+                    <a:noFill/>
+                  </a:ln>
+                  <a:solidFill>
+                    <a:prstClr val="white"/>
+                  </a:solidFill>
+                  <a:effectLst/>
+                  <a:uLnTx/>
+                  <a:uFillTx/>
+                  <a:latin typeface="Aptos" panose="02110004020202020204"/>
+                  <a:ea typeface="+mn-ea"/>
+                  <a:cs typeface="+mn-cs"/>
+                </a:rPr>
+                <a:t>L</a:t>
+              </a:r>
+            </a:p>
+          </p:txBody>
+        </p:sp>
+        <p:cxnSp>
+          <p:nvCxnSpPr>
+            <p:cNvPr id="163" name="Straight Arrow Connector 162">
+              <a:extLst>
+                <a:ext uri="{FF2B5EF4-FFF2-40B4-BE49-F238E27FC236}">
+                  <a16:creationId xmlns:a16="http://schemas.microsoft.com/office/drawing/2014/main" id="{E1C9A877-4AF9-DC6E-6209-0E6418F7792C}"/>
+                </a:ext>
+              </a:extLst>
+            </p:cNvPr>
+            <p:cNvCxnSpPr>
+              <a:cxnSpLocks/>
+              <a:endCxn id="164" idx="1"/>
+            </p:cNvCxnSpPr>
+            <p:nvPr/>
+          </p:nvCxnSpPr>
+          <p:spPr>
+            <a:xfrm>
+              <a:off x="5249333" y="6003744"/>
+              <a:ext cx="2437970" cy="0"/>
+            </a:xfrm>
+            <a:prstGeom prst="straightConnector1">
+              <a:avLst/>
+            </a:prstGeom>
+            <a:ln w="25400">
+              <a:solidFill>
+                <a:schemeClr val="bg1"/>
+              </a:solidFill>
+              <a:headEnd w="lg" len="lg"/>
+              <a:tailEnd type="triangle"/>
+            </a:ln>
+          </p:spPr>
+          <p:style>
+            <a:lnRef idx="2">
+              <a:schemeClr val="accent1"/>
+            </a:lnRef>
+            <a:fillRef idx="0">
+              <a:schemeClr val="accent1"/>
+            </a:fillRef>
+            <a:effectRef idx="1">
+              <a:schemeClr val="accent1"/>
+            </a:effectRef>
+            <a:fontRef idx="minor">
+              <a:schemeClr val="tx1"/>
+            </a:fontRef>
+          </p:style>
+        </p:cxnSp>
+        <p:sp>
+          <p:nvSpPr>
+            <p:cNvPr id="164" name="TextBox 163">
+              <a:extLst>
+                <a:ext uri="{FF2B5EF4-FFF2-40B4-BE49-F238E27FC236}">
+                  <a16:creationId xmlns:a16="http://schemas.microsoft.com/office/drawing/2014/main" id="{F23486EC-DDEB-7F02-7E01-BE09B1130611}"/>
+                </a:ext>
+              </a:extLst>
+            </p:cNvPr>
+            <p:cNvSpPr txBox="1"/>
+            <p:nvPr/>
+          </p:nvSpPr>
+          <p:spPr>
+            <a:xfrm>
+              <a:off x="7687303" y="5849855"/>
+              <a:ext cx="460043" cy="307777"/>
+            </a:xfrm>
+            <a:prstGeom prst="rect">
+              <a:avLst/>
+            </a:prstGeom>
+            <a:noFill/>
+          </p:spPr>
+          <p:txBody>
+            <a:bodyPr wrap="square" rtlCol="0">
+              <a:spAutoFit/>
+            </a:bodyPr>
+            <a:lstStyle/>
+            <a:p>
+              <a:pPr marL="0" marR="0" lvl="0" indent="0" algn="l" defTabSz="914400" rtl="0" eaLnBrk="1" fontAlgn="auto" latinLnBrk="0" hangingPunct="1">
+                <a:lnSpc>
+                  <a:spcPct val="100000"/>
+                </a:lnSpc>
+                <a:spcBef>
+                  <a:spcPts val="0"/>
+                </a:spcBef>
+                <a:spcAft>
+                  <a:spcPts val="0"/>
+                </a:spcAft>
+                <a:buClrTx/>
+                <a:buSzTx/>
+                <a:buFontTx/>
+                <a:buNone/>
+                <a:tabLst/>
+                <a:defRPr/>
+              </a:pPr>
+              <a:r>
+                <a:rPr kumimoji="0" lang="en-US" sz="1400" b="0" i="0" u="none" strike="noStrike" kern="1200" cap="none" spc="0" normalizeH="0" baseline="0" noProof="0" dirty="0">
+                  <a:ln>
+                    <a:noFill/>
+                  </a:ln>
+                  <a:solidFill>
+                    <a:prstClr val="white"/>
+                  </a:solidFill>
+                  <a:effectLst/>
+                  <a:uLnTx/>
+                  <a:uFillTx/>
+                  <a:latin typeface="Aptos" panose="02110004020202020204"/>
+                  <a:ea typeface="+mn-ea"/>
+                  <a:cs typeface="+mn-cs"/>
+                </a:rPr>
+                <a:t>h</a:t>
+              </a:r>
+            </a:p>
+          </p:txBody>
+        </p:sp>
+      </p:grpSp>
+      <p:pic>
+        <p:nvPicPr>
+          <p:cNvPr id="3" name="Picture 2" descr="A colorful cubes stacked together&#10;&#10;AI-generated content may be incorrect.">
+            <a:extLst>
+              <a:ext uri="{FF2B5EF4-FFF2-40B4-BE49-F238E27FC236}">
+                <a16:creationId xmlns:a16="http://schemas.microsoft.com/office/drawing/2014/main" id="{28AAE931-7779-F99B-1F21-FB295BEBF88B}"/>
+              </a:ext>
+            </a:extLst>
+          </p:cNvPr>
+          <p:cNvPicPr>
+            <a:picLocks noChangeAspect="1"/>
+          </p:cNvPicPr>
+          <p:nvPr/>
+        </p:nvPicPr>
+        <p:blipFill>
+          <a:blip r:embed="rId4"/>
+          <a:stretch>
+            <a:fillRect/>
+          </a:stretch>
+        </p:blipFill>
+        <p:spPr>
+          <a:xfrm>
+            <a:off x="289715" y="854866"/>
+            <a:ext cx="1029663" cy="1087456"/>
+          </a:xfrm>
+          <a:prstGeom prst="rect">
+            <a:avLst/>
+          </a:prstGeom>
+        </p:spPr>
+      </p:pic>
+      <p:grpSp>
+        <p:nvGrpSpPr>
+          <p:cNvPr id="27" name="Group 26">
+            <a:extLst>
+              <a:ext uri="{FF2B5EF4-FFF2-40B4-BE49-F238E27FC236}">
+                <a16:creationId xmlns:a16="http://schemas.microsoft.com/office/drawing/2014/main" id="{1EDEA2BE-8B80-824F-AE5C-2C7733A0E595}"/>
+              </a:ext>
+            </a:extLst>
+          </p:cNvPr>
+          <p:cNvGrpSpPr/>
+          <p:nvPr/>
+        </p:nvGrpSpPr>
+        <p:grpSpPr>
+          <a:xfrm>
+            <a:off x="462100" y="1917302"/>
+            <a:ext cx="585850" cy="735300"/>
+            <a:chOff x="288139" y="2253934"/>
+            <a:chExt cx="672045" cy="843483"/>
+          </a:xfrm>
+        </p:grpSpPr>
+        <p:cxnSp>
+          <p:nvCxnSpPr>
+            <p:cNvPr id="9" name="Straight Connector 8">
+              <a:extLst>
+                <a:ext uri="{FF2B5EF4-FFF2-40B4-BE49-F238E27FC236}">
+                  <a16:creationId xmlns:a16="http://schemas.microsoft.com/office/drawing/2014/main" id="{52751F54-7000-38FC-805E-3924E47A15B5}"/>
+                </a:ext>
+              </a:extLst>
+            </p:cNvPr>
+            <p:cNvCxnSpPr>
+              <a:cxnSpLocks/>
+            </p:cNvCxnSpPr>
+            <p:nvPr/>
+          </p:nvCxnSpPr>
+          <p:spPr>
+            <a:xfrm flipH="1" flipV="1">
+              <a:off x="675533" y="2491317"/>
+              <a:ext cx="1" cy="276861"/>
+            </a:xfrm>
+            <a:prstGeom prst="line">
+              <a:avLst/>
+            </a:prstGeom>
+            <a:ln w="19050">
+              <a:solidFill>
+                <a:schemeClr val="bg1"/>
+              </a:solidFill>
+              <a:tailEnd type="triangle"/>
+            </a:ln>
+          </p:spPr>
+          <p:style>
+            <a:lnRef idx="2">
+              <a:schemeClr val="accent1"/>
+            </a:lnRef>
+            <a:fillRef idx="0">
+              <a:schemeClr val="accent1"/>
+            </a:fillRef>
+            <a:effectRef idx="1">
+              <a:schemeClr val="accent1"/>
+            </a:effectRef>
+            <a:fontRef idx="minor">
+              <a:schemeClr val="tx1"/>
+            </a:fontRef>
+          </p:style>
+        </p:cxnSp>
+        <p:cxnSp>
+          <p:nvCxnSpPr>
+            <p:cNvPr id="10" name="Straight Connector 9">
+              <a:extLst>
+                <a:ext uri="{FF2B5EF4-FFF2-40B4-BE49-F238E27FC236}">
+                  <a16:creationId xmlns:a16="http://schemas.microsoft.com/office/drawing/2014/main" id="{A79E0235-3E5D-CE42-A12A-0C7BCE4C50B6}"/>
+                </a:ext>
+              </a:extLst>
+            </p:cNvPr>
+            <p:cNvCxnSpPr>
+              <a:cxnSpLocks/>
+            </p:cNvCxnSpPr>
+            <p:nvPr/>
+          </p:nvCxnSpPr>
+          <p:spPr>
+            <a:xfrm>
+              <a:off x="675533" y="2768179"/>
+              <a:ext cx="191734" cy="136271"/>
+            </a:xfrm>
+            <a:prstGeom prst="line">
+              <a:avLst/>
+            </a:prstGeom>
+            <a:ln w="19050">
+              <a:solidFill>
+                <a:schemeClr val="bg1"/>
+              </a:solidFill>
+              <a:tailEnd type="triangle" w="sm" len="med"/>
+            </a:ln>
+          </p:spPr>
+          <p:style>
+            <a:lnRef idx="2">
+              <a:schemeClr val="accent1"/>
+            </a:lnRef>
+            <a:fillRef idx="0">
+              <a:schemeClr val="accent1"/>
+            </a:fillRef>
+            <a:effectRef idx="1">
+              <a:schemeClr val="accent1"/>
+            </a:effectRef>
+            <a:fontRef idx="minor">
+              <a:schemeClr val="tx1"/>
+            </a:fontRef>
+          </p:style>
+        </p:cxnSp>
+        <p:cxnSp>
+          <p:nvCxnSpPr>
+            <p:cNvPr id="14" name="Straight Connector 13">
+              <a:extLst>
+                <a:ext uri="{FF2B5EF4-FFF2-40B4-BE49-F238E27FC236}">
+                  <a16:creationId xmlns:a16="http://schemas.microsoft.com/office/drawing/2014/main" id="{01808137-AF0B-BBD8-803F-97C5A0465D21}"/>
+                </a:ext>
+              </a:extLst>
+            </p:cNvPr>
+            <p:cNvCxnSpPr>
+              <a:cxnSpLocks/>
+            </p:cNvCxnSpPr>
+            <p:nvPr/>
+          </p:nvCxnSpPr>
+          <p:spPr>
+            <a:xfrm flipH="1">
+              <a:off x="481953" y="2768178"/>
+              <a:ext cx="193580" cy="148762"/>
+            </a:xfrm>
+            <a:prstGeom prst="line">
+              <a:avLst/>
+            </a:prstGeom>
+            <a:ln w="19050">
+              <a:solidFill>
+                <a:schemeClr val="bg1"/>
+              </a:solidFill>
+              <a:tailEnd type="triangle" w="sm" len="med"/>
+            </a:ln>
+          </p:spPr>
+          <p:style>
+            <a:lnRef idx="2">
+              <a:schemeClr val="accent1"/>
+            </a:lnRef>
+            <a:fillRef idx="0">
+              <a:schemeClr val="accent1"/>
+            </a:fillRef>
+            <a:effectRef idx="1">
+              <a:schemeClr val="accent1"/>
+            </a:effectRef>
+            <a:fontRef idx="minor">
+              <a:schemeClr val="tx1"/>
+            </a:fontRef>
+          </p:style>
+        </p:cxnSp>
+        <p:sp>
+          <p:nvSpPr>
+            <p:cNvPr id="20" name="TextBox 19">
+              <a:extLst>
+                <a:ext uri="{FF2B5EF4-FFF2-40B4-BE49-F238E27FC236}">
+                  <a16:creationId xmlns:a16="http://schemas.microsoft.com/office/drawing/2014/main" id="{E9392AD1-9B96-7EAC-5023-5A1C3F2C7B66}"/>
+                </a:ext>
+              </a:extLst>
+            </p:cNvPr>
+            <p:cNvSpPr txBox="1"/>
+            <p:nvPr/>
+          </p:nvSpPr>
+          <p:spPr>
+            <a:xfrm>
+              <a:off x="534660" y="2253934"/>
+              <a:ext cx="254851" cy="261611"/>
+            </a:xfrm>
+            <a:prstGeom prst="rect">
+              <a:avLst/>
+            </a:prstGeom>
+            <a:noFill/>
+          </p:spPr>
+          <p:txBody>
+            <a:bodyPr wrap="square" rtlCol="0">
+              <a:spAutoFit/>
+            </a:bodyPr>
+            <a:lstStyle/>
+            <a:p>
+              <a:pPr marL="0" marR="0" lvl="0" indent="0" algn="l" defTabSz="914400" rtl="0" eaLnBrk="1" fontAlgn="auto" latinLnBrk="0" hangingPunct="1">
+                <a:lnSpc>
+                  <a:spcPct val="100000"/>
+                </a:lnSpc>
+                <a:spcBef>
+                  <a:spcPts val="0"/>
+                </a:spcBef>
+                <a:spcAft>
+                  <a:spcPts val="0"/>
+                </a:spcAft>
+                <a:buClrTx/>
+                <a:buSzTx/>
+                <a:buFontTx/>
+                <a:buNone/>
+                <a:tabLst/>
+                <a:defRPr/>
+              </a:pPr>
+              <a:r>
+                <a:rPr kumimoji="0" lang="en-US" sz="1050" b="0" i="0" u="none" strike="noStrike" kern="1200" cap="none" spc="0" normalizeH="0" baseline="0" noProof="0" dirty="0">
+                  <a:ln>
+                    <a:noFill/>
+                  </a:ln>
+                  <a:solidFill>
+                    <a:prstClr val="white"/>
+                  </a:solidFill>
+                  <a:effectLst/>
+                  <a:uLnTx/>
+                  <a:uFillTx/>
+                  <a:latin typeface="Aptos" panose="02110004020202020204"/>
+                  <a:ea typeface="+mn-ea"/>
+                  <a:cs typeface="+mn-cs"/>
+                </a:rPr>
+                <a:t>L</a:t>
+              </a:r>
+            </a:p>
+          </p:txBody>
+        </p:sp>
+        <p:sp>
+          <p:nvSpPr>
+            <p:cNvPr id="21" name="TextBox 20">
+              <a:extLst>
+                <a:ext uri="{FF2B5EF4-FFF2-40B4-BE49-F238E27FC236}">
+                  <a16:creationId xmlns:a16="http://schemas.microsoft.com/office/drawing/2014/main" id="{7291BA88-DAEE-C001-7B5D-3FBA3463C464}"/>
+                </a:ext>
+              </a:extLst>
+            </p:cNvPr>
+            <p:cNvSpPr txBox="1"/>
+            <p:nvPr/>
+          </p:nvSpPr>
+          <p:spPr>
+            <a:xfrm>
+              <a:off x="785559" y="2758811"/>
+              <a:ext cx="174625" cy="291274"/>
+            </a:xfrm>
+            <a:prstGeom prst="rect">
+              <a:avLst/>
+            </a:prstGeom>
+            <a:noFill/>
+          </p:spPr>
+          <p:txBody>
+            <a:bodyPr wrap="square" rtlCol="0">
+              <a:spAutoFit/>
+            </a:bodyPr>
+            <a:lstStyle/>
+            <a:p>
+              <a:pPr marL="0" marR="0" lvl="0" indent="0" algn="l" defTabSz="914400" rtl="0" eaLnBrk="1" fontAlgn="auto" latinLnBrk="0" hangingPunct="1">
+                <a:lnSpc>
+                  <a:spcPct val="100000"/>
+                </a:lnSpc>
+                <a:spcBef>
+                  <a:spcPts val="0"/>
+                </a:spcBef>
+                <a:spcAft>
+                  <a:spcPts val="0"/>
+                </a:spcAft>
+                <a:buClrTx/>
+                <a:buSzTx/>
+                <a:buFontTx/>
+                <a:buNone/>
+                <a:tabLst/>
+                <a:defRPr/>
+              </a:pPr>
+              <a:r>
+                <a:rPr kumimoji="0" lang="en-US" sz="1050" b="0" i="0" u="none" strike="noStrike" kern="1200" cap="none" spc="0" normalizeH="0" baseline="0" noProof="0" dirty="0">
+                  <a:ln>
+                    <a:noFill/>
+                  </a:ln>
+                  <a:solidFill>
+                    <a:prstClr val="white"/>
+                  </a:solidFill>
+                  <a:effectLst/>
+                  <a:uLnTx/>
+                  <a:uFillTx/>
+                  <a:latin typeface="Aptos" panose="02110004020202020204"/>
+                  <a:ea typeface="+mn-ea"/>
+                  <a:cs typeface="+mn-cs"/>
+                </a:rPr>
+                <a:t>b</a:t>
+              </a:r>
+            </a:p>
+          </p:txBody>
+        </p:sp>
+        <p:sp>
+          <p:nvSpPr>
+            <p:cNvPr id="22" name="TextBox 21">
+              <a:extLst>
+                <a:ext uri="{FF2B5EF4-FFF2-40B4-BE49-F238E27FC236}">
+                  <a16:creationId xmlns:a16="http://schemas.microsoft.com/office/drawing/2014/main" id="{3CE92DB1-C5A4-60C7-27C2-3063DABEE3D1}"/>
+                </a:ext>
+              </a:extLst>
+            </p:cNvPr>
+            <p:cNvSpPr txBox="1"/>
+            <p:nvPr/>
+          </p:nvSpPr>
+          <p:spPr>
+            <a:xfrm>
+              <a:off x="288139" y="2806143"/>
+              <a:ext cx="174625" cy="291274"/>
+            </a:xfrm>
+            <a:prstGeom prst="rect">
+              <a:avLst/>
+            </a:prstGeom>
+            <a:noFill/>
+          </p:spPr>
+          <p:txBody>
+            <a:bodyPr wrap="square" rtlCol="0">
+              <a:spAutoFit/>
+            </a:bodyPr>
+            <a:lstStyle/>
+            <a:p>
+              <a:pPr marL="0" marR="0" lvl="0" indent="0" algn="l" defTabSz="914400" rtl="0" eaLnBrk="1" fontAlgn="auto" latinLnBrk="0" hangingPunct="1">
+                <a:lnSpc>
+                  <a:spcPct val="100000"/>
+                </a:lnSpc>
+                <a:spcBef>
+                  <a:spcPts val="0"/>
+                </a:spcBef>
+                <a:spcAft>
+                  <a:spcPts val="0"/>
+                </a:spcAft>
+                <a:buClrTx/>
+                <a:buSzTx/>
+                <a:buFontTx/>
+                <a:buNone/>
+                <a:tabLst/>
+                <a:defRPr/>
+              </a:pPr>
+              <a:r>
+                <a:rPr kumimoji="0" lang="en-US" sz="1050" b="0" i="0" u="none" strike="noStrike" kern="1200" cap="none" spc="0" normalizeH="0" baseline="0" noProof="0" dirty="0">
+                  <a:ln>
+                    <a:noFill/>
+                  </a:ln>
+                  <a:solidFill>
+                    <a:prstClr val="white"/>
+                  </a:solidFill>
+                  <a:effectLst/>
+                  <a:uLnTx/>
+                  <a:uFillTx/>
+                  <a:latin typeface="Aptos" panose="02110004020202020204"/>
+                  <a:ea typeface="+mn-ea"/>
+                  <a:cs typeface="+mn-cs"/>
+                </a:rPr>
+                <a:t>a</a:t>
+              </a:r>
+            </a:p>
+          </p:txBody>
+        </p:sp>
+      </p:grpSp>
+      <p:grpSp>
+        <p:nvGrpSpPr>
+          <p:cNvPr id="19" name="Group 18">
+            <a:extLst>
+              <a:ext uri="{FF2B5EF4-FFF2-40B4-BE49-F238E27FC236}">
+                <a16:creationId xmlns:a16="http://schemas.microsoft.com/office/drawing/2014/main" id="{2547856F-1D5A-6584-6285-96898FD0E55F}"/>
+              </a:ext>
+            </a:extLst>
+          </p:cNvPr>
+          <p:cNvGrpSpPr/>
+          <p:nvPr/>
+        </p:nvGrpSpPr>
+        <p:grpSpPr>
+          <a:xfrm>
+            <a:off x="457495" y="3368126"/>
+            <a:ext cx="585850" cy="735300"/>
+            <a:chOff x="288139" y="2253934"/>
+            <a:chExt cx="672045" cy="843483"/>
+          </a:xfrm>
+        </p:grpSpPr>
+        <p:cxnSp>
+          <p:nvCxnSpPr>
+            <p:cNvPr id="23" name="Straight Connector 22">
+              <a:extLst>
+                <a:ext uri="{FF2B5EF4-FFF2-40B4-BE49-F238E27FC236}">
+                  <a16:creationId xmlns:a16="http://schemas.microsoft.com/office/drawing/2014/main" id="{8305B4C4-54A9-9137-B712-8928CF6D65F1}"/>
+                </a:ext>
+              </a:extLst>
+            </p:cNvPr>
+            <p:cNvCxnSpPr>
+              <a:cxnSpLocks/>
+            </p:cNvCxnSpPr>
+            <p:nvPr/>
+          </p:nvCxnSpPr>
+          <p:spPr>
+            <a:xfrm flipH="1" flipV="1">
+              <a:off x="675533" y="2491317"/>
+              <a:ext cx="1" cy="276861"/>
+            </a:xfrm>
+            <a:prstGeom prst="line">
+              <a:avLst/>
+            </a:prstGeom>
+            <a:ln w="19050">
+              <a:solidFill>
+                <a:schemeClr val="bg1"/>
+              </a:solidFill>
+              <a:tailEnd type="triangle"/>
+            </a:ln>
+          </p:spPr>
+          <p:style>
+            <a:lnRef idx="2">
+              <a:schemeClr val="accent1"/>
+            </a:lnRef>
+            <a:fillRef idx="0">
+              <a:schemeClr val="accent1"/>
+            </a:fillRef>
+            <a:effectRef idx="1">
+              <a:schemeClr val="accent1"/>
+            </a:effectRef>
+            <a:fontRef idx="minor">
+              <a:schemeClr val="tx1"/>
+            </a:fontRef>
+          </p:style>
+        </p:cxnSp>
+        <p:cxnSp>
+          <p:nvCxnSpPr>
+            <p:cNvPr id="25" name="Straight Connector 24">
+              <a:extLst>
+                <a:ext uri="{FF2B5EF4-FFF2-40B4-BE49-F238E27FC236}">
+                  <a16:creationId xmlns:a16="http://schemas.microsoft.com/office/drawing/2014/main" id="{ADCFCB88-C9E8-10F3-3022-E0B2AA4E7114}"/>
+                </a:ext>
+              </a:extLst>
+            </p:cNvPr>
+            <p:cNvCxnSpPr>
+              <a:cxnSpLocks/>
+            </p:cNvCxnSpPr>
+            <p:nvPr/>
+          </p:nvCxnSpPr>
+          <p:spPr>
+            <a:xfrm>
+              <a:off x="675533" y="2768179"/>
+              <a:ext cx="191734" cy="136271"/>
+            </a:xfrm>
+            <a:prstGeom prst="line">
+              <a:avLst/>
+            </a:prstGeom>
+            <a:ln w="19050">
+              <a:solidFill>
+                <a:schemeClr val="bg1"/>
+              </a:solidFill>
+              <a:tailEnd type="triangle" w="sm" len="med"/>
+            </a:ln>
+          </p:spPr>
+          <p:style>
+            <a:lnRef idx="2">
+              <a:schemeClr val="accent1"/>
+            </a:lnRef>
+            <a:fillRef idx="0">
+              <a:schemeClr val="accent1"/>
+            </a:fillRef>
+            <a:effectRef idx="1">
+              <a:schemeClr val="accent1"/>
+            </a:effectRef>
+            <a:fontRef idx="minor">
+              <a:schemeClr val="tx1"/>
+            </a:fontRef>
+          </p:style>
+        </p:cxnSp>
+        <p:cxnSp>
+          <p:nvCxnSpPr>
+            <p:cNvPr id="26" name="Straight Connector 25">
+              <a:extLst>
+                <a:ext uri="{FF2B5EF4-FFF2-40B4-BE49-F238E27FC236}">
+                  <a16:creationId xmlns:a16="http://schemas.microsoft.com/office/drawing/2014/main" id="{BC5EAFD2-5EEF-09A0-DC2E-5750C6DE0424}"/>
+                </a:ext>
+              </a:extLst>
+            </p:cNvPr>
+            <p:cNvCxnSpPr>
+              <a:cxnSpLocks/>
+            </p:cNvCxnSpPr>
+            <p:nvPr/>
+          </p:nvCxnSpPr>
+          <p:spPr>
+            <a:xfrm flipH="1">
+              <a:off x="481953" y="2768178"/>
+              <a:ext cx="193580" cy="148762"/>
+            </a:xfrm>
+            <a:prstGeom prst="line">
+              <a:avLst/>
+            </a:prstGeom>
+            <a:ln w="19050">
+              <a:solidFill>
+                <a:schemeClr val="bg1"/>
+              </a:solidFill>
+              <a:tailEnd type="triangle" w="sm" len="med"/>
+            </a:ln>
+          </p:spPr>
+          <p:style>
+            <a:lnRef idx="2">
+              <a:schemeClr val="accent1"/>
+            </a:lnRef>
+            <a:fillRef idx="0">
+              <a:schemeClr val="accent1"/>
+            </a:fillRef>
+            <a:effectRef idx="1">
+              <a:schemeClr val="accent1"/>
+            </a:effectRef>
+            <a:fontRef idx="minor">
+              <a:schemeClr val="tx1"/>
+            </a:fontRef>
+          </p:style>
+        </p:cxnSp>
+        <p:sp>
+          <p:nvSpPr>
+            <p:cNvPr id="28" name="TextBox 27">
+              <a:extLst>
+                <a:ext uri="{FF2B5EF4-FFF2-40B4-BE49-F238E27FC236}">
+                  <a16:creationId xmlns:a16="http://schemas.microsoft.com/office/drawing/2014/main" id="{E4EE4832-117B-D84A-E3D9-EB62AF6483DB}"/>
+                </a:ext>
+              </a:extLst>
+            </p:cNvPr>
+            <p:cNvSpPr txBox="1"/>
+            <p:nvPr/>
+          </p:nvSpPr>
+          <p:spPr>
+            <a:xfrm>
+              <a:off x="534660" y="2253934"/>
+              <a:ext cx="254851" cy="261611"/>
+            </a:xfrm>
+            <a:prstGeom prst="rect">
+              <a:avLst/>
+            </a:prstGeom>
+            <a:noFill/>
+          </p:spPr>
+          <p:txBody>
+            <a:bodyPr wrap="square" rtlCol="0">
+              <a:spAutoFit/>
+            </a:bodyPr>
+            <a:lstStyle/>
+            <a:p>
+              <a:pPr marL="0" marR="0" lvl="0" indent="0" algn="l" defTabSz="914400" rtl="0" eaLnBrk="1" fontAlgn="auto" latinLnBrk="0" hangingPunct="1">
+                <a:lnSpc>
+                  <a:spcPct val="100000"/>
+                </a:lnSpc>
+                <a:spcBef>
+                  <a:spcPts val="0"/>
+                </a:spcBef>
+                <a:spcAft>
+                  <a:spcPts val="0"/>
+                </a:spcAft>
+                <a:buClrTx/>
+                <a:buSzTx/>
+                <a:buFontTx/>
+                <a:buNone/>
+                <a:tabLst/>
+                <a:defRPr/>
+              </a:pPr>
+              <a:r>
+                <a:rPr kumimoji="0" lang="en-US" sz="1050" b="0" i="0" u="none" strike="noStrike" kern="1200" cap="none" spc="0" normalizeH="0" baseline="0" noProof="0" dirty="0">
+                  <a:ln>
+                    <a:noFill/>
+                  </a:ln>
+                  <a:solidFill>
+                    <a:prstClr val="white"/>
+                  </a:solidFill>
+                  <a:effectLst/>
+                  <a:uLnTx/>
+                  <a:uFillTx/>
+                  <a:latin typeface="Aptos" panose="02110004020202020204"/>
+                  <a:ea typeface="+mn-ea"/>
+                  <a:cs typeface="+mn-cs"/>
+                </a:rPr>
+                <a:t>L</a:t>
+              </a:r>
+            </a:p>
+          </p:txBody>
+        </p:sp>
+        <p:sp>
+          <p:nvSpPr>
+            <p:cNvPr id="34" name="TextBox 33">
+              <a:extLst>
+                <a:ext uri="{FF2B5EF4-FFF2-40B4-BE49-F238E27FC236}">
+                  <a16:creationId xmlns:a16="http://schemas.microsoft.com/office/drawing/2014/main" id="{066EACEC-3A77-E2C8-E352-CE4E0D4B4EC0}"/>
+                </a:ext>
+              </a:extLst>
+            </p:cNvPr>
+            <p:cNvSpPr txBox="1"/>
+            <p:nvPr/>
+          </p:nvSpPr>
+          <p:spPr>
+            <a:xfrm>
+              <a:off x="785559" y="2758811"/>
+              <a:ext cx="174625" cy="291274"/>
+            </a:xfrm>
+            <a:prstGeom prst="rect">
+              <a:avLst/>
+            </a:prstGeom>
+            <a:noFill/>
+          </p:spPr>
+          <p:txBody>
+            <a:bodyPr wrap="square" rtlCol="0">
+              <a:spAutoFit/>
+            </a:bodyPr>
+            <a:lstStyle/>
+            <a:p>
+              <a:pPr marL="0" marR="0" lvl="0" indent="0" algn="l" defTabSz="914400" rtl="0" eaLnBrk="1" fontAlgn="auto" latinLnBrk="0" hangingPunct="1">
+                <a:lnSpc>
+                  <a:spcPct val="100000"/>
+                </a:lnSpc>
+                <a:spcBef>
+                  <a:spcPts val="0"/>
+                </a:spcBef>
+                <a:spcAft>
+                  <a:spcPts val="0"/>
+                </a:spcAft>
+                <a:buClrTx/>
+                <a:buSzTx/>
+                <a:buFontTx/>
+                <a:buNone/>
+                <a:tabLst/>
+                <a:defRPr/>
+              </a:pPr>
+              <a:r>
+                <a:rPr kumimoji="0" lang="en-US" sz="1050" b="0" i="0" u="none" strike="noStrike" kern="1200" cap="none" spc="0" normalizeH="0" baseline="0" noProof="0" dirty="0">
+                  <a:ln>
+                    <a:noFill/>
+                  </a:ln>
+                  <a:solidFill>
+                    <a:prstClr val="white"/>
+                  </a:solidFill>
+                  <a:effectLst/>
+                  <a:uLnTx/>
+                  <a:uFillTx/>
+                  <a:latin typeface="Aptos" panose="02110004020202020204"/>
+                  <a:ea typeface="+mn-ea"/>
+                  <a:cs typeface="+mn-cs"/>
+                </a:rPr>
+                <a:t>b</a:t>
+              </a:r>
+            </a:p>
+          </p:txBody>
+        </p:sp>
+        <p:sp>
+          <p:nvSpPr>
+            <p:cNvPr id="35" name="TextBox 34">
+              <a:extLst>
+                <a:ext uri="{FF2B5EF4-FFF2-40B4-BE49-F238E27FC236}">
+                  <a16:creationId xmlns:a16="http://schemas.microsoft.com/office/drawing/2014/main" id="{5418DB1E-8747-34C2-12C5-931E4DBCB899}"/>
+                </a:ext>
+              </a:extLst>
+            </p:cNvPr>
+            <p:cNvSpPr txBox="1"/>
+            <p:nvPr/>
+          </p:nvSpPr>
+          <p:spPr>
+            <a:xfrm>
+              <a:off x="288139" y="2806143"/>
+              <a:ext cx="174625" cy="291274"/>
+            </a:xfrm>
+            <a:prstGeom prst="rect">
+              <a:avLst/>
+            </a:prstGeom>
+            <a:noFill/>
+          </p:spPr>
+          <p:txBody>
+            <a:bodyPr wrap="square" rtlCol="0">
+              <a:spAutoFit/>
+            </a:bodyPr>
+            <a:lstStyle/>
+            <a:p>
+              <a:pPr marL="0" marR="0" lvl="0" indent="0" algn="l" defTabSz="914400" rtl="0" eaLnBrk="1" fontAlgn="auto" latinLnBrk="0" hangingPunct="1">
+                <a:lnSpc>
+                  <a:spcPct val="100000"/>
+                </a:lnSpc>
+                <a:spcBef>
+                  <a:spcPts val="0"/>
+                </a:spcBef>
+                <a:spcAft>
+                  <a:spcPts val="0"/>
+                </a:spcAft>
+                <a:buClrTx/>
+                <a:buSzTx/>
+                <a:buFontTx/>
+                <a:buNone/>
+                <a:tabLst/>
+                <a:defRPr/>
+              </a:pPr>
+              <a:r>
+                <a:rPr kumimoji="0" lang="en-US" sz="1050" b="0" i="0" u="none" strike="noStrike" kern="1200" cap="none" spc="0" normalizeH="0" baseline="0" noProof="0" dirty="0">
+                  <a:ln>
+                    <a:noFill/>
+                  </a:ln>
+                  <a:solidFill>
+                    <a:prstClr val="white"/>
+                  </a:solidFill>
+                  <a:effectLst/>
+                  <a:uLnTx/>
+                  <a:uFillTx/>
+                  <a:latin typeface="Aptos" panose="02110004020202020204"/>
+                  <a:ea typeface="+mn-ea"/>
+                  <a:cs typeface="+mn-cs"/>
+                </a:rPr>
+                <a:t>a</a:t>
+              </a:r>
+            </a:p>
+          </p:txBody>
+        </p:sp>
+      </p:grpSp>
+      <p:cxnSp>
+        <p:nvCxnSpPr>
+          <p:cNvPr id="51" name="Straight Arrow Connector 50">
+            <a:extLst>
+              <a:ext uri="{FF2B5EF4-FFF2-40B4-BE49-F238E27FC236}">
+                <a16:creationId xmlns:a16="http://schemas.microsoft.com/office/drawing/2014/main" id="{83943363-82CC-CF80-1B97-22B1DE3FE25A}"/>
+              </a:ext>
+            </a:extLst>
+          </p:cNvPr>
+          <p:cNvCxnSpPr>
+            <a:cxnSpLocks/>
+          </p:cNvCxnSpPr>
+          <p:nvPr/>
+        </p:nvCxnSpPr>
+        <p:spPr>
+          <a:xfrm>
+            <a:off x="4739236" y="3608173"/>
+            <a:ext cx="0" cy="505995"/>
+          </a:xfrm>
+          <a:prstGeom prst="straightConnector1">
+            <a:avLst/>
+          </a:prstGeom>
+          <a:ln w="25400">
+            <a:solidFill>
+              <a:schemeClr val="bg1"/>
+            </a:solidFill>
+            <a:headEnd w="lg" len="lg"/>
+            <a:tailEnd type="triangle"/>
+          </a:ln>
+        </p:spPr>
+        <p:style>
+          <a:lnRef idx="2">
+            <a:schemeClr val="accent1"/>
+          </a:lnRef>
+          <a:fillRef idx="0">
+            <a:schemeClr val="accent1"/>
+          </a:fillRef>
+          <a:effectRef idx="1">
+            <a:schemeClr val="accent1"/>
+          </a:effectRef>
+          <a:fontRef idx="minor">
+            <a:schemeClr val="tx1"/>
+          </a:fontRef>
+        </p:style>
+      </p:cxnSp>
+      <p:sp>
+        <p:nvSpPr>
+          <p:cNvPr id="52" name="TextBox 51">
+            <a:extLst>
+              <a:ext uri="{FF2B5EF4-FFF2-40B4-BE49-F238E27FC236}">
+                <a16:creationId xmlns:a16="http://schemas.microsoft.com/office/drawing/2014/main" id="{6B8CC823-AAC3-0370-2D16-61591A32A1DD}"/>
+              </a:ext>
+            </a:extLst>
+          </p:cNvPr>
+          <p:cNvSpPr txBox="1"/>
+          <p:nvPr/>
+        </p:nvSpPr>
+        <p:spPr>
+          <a:xfrm>
+            <a:off x="4612494" y="4066245"/>
+            <a:ext cx="460043" cy="307777"/>
+          </a:xfrm>
+          <a:prstGeom prst="rect">
+            <a:avLst/>
+          </a:prstGeom>
+          <a:noFill/>
+        </p:spPr>
+        <p:txBody>
+          <a:bodyPr wrap="square" rtlCol="0">
+            <a:spAutoFit/>
+          </a:bodyPr>
+          <a:lstStyle/>
+          <a:p>
+            <a:pPr marL="0" marR="0" lvl="0" indent="0" algn="l" defTabSz="914400" rtl="0" eaLnBrk="1" fontAlgn="auto" latinLnBrk="0" hangingPunct="1">
+              <a:lnSpc>
+                <a:spcPct val="100000"/>
+              </a:lnSpc>
+              <a:spcBef>
+                <a:spcPts val="0"/>
+              </a:spcBef>
+              <a:spcAft>
+                <a:spcPts val="0"/>
+              </a:spcAft>
+              <a:buClrTx/>
+              <a:buSzTx/>
+              <a:buFontTx/>
+              <a:buNone/>
+              <a:tabLst/>
+              <a:defRPr/>
+            </a:pPr>
+            <a:r>
+              <a:rPr lang="en-US" sz="1400" dirty="0">
+                <a:solidFill>
+                  <a:prstClr val="white"/>
+                </a:solidFill>
+                <a:latin typeface="Aptos" panose="02110004020202020204"/>
+              </a:rPr>
+              <a:t>a</a:t>
+            </a:r>
+            <a:endParaRPr kumimoji="0" lang="en-US" sz="1400" b="0" i="0" u="none" strike="noStrike" kern="1200" cap="none" spc="0" normalizeH="0" baseline="0" noProof="0" dirty="0">
+              <a:ln>
+                <a:noFill/>
+              </a:ln>
+              <a:solidFill>
+                <a:prstClr val="white"/>
+              </a:solidFill>
+              <a:effectLst/>
+              <a:uLnTx/>
+              <a:uFillTx/>
+              <a:latin typeface="Aptos" panose="02110004020202020204"/>
+              <a:ea typeface="+mn-ea"/>
+              <a:cs typeface="+mn-cs"/>
+            </a:endParaRPr>
+          </a:p>
+        </p:txBody>
+      </p:sp>
+      <p:cxnSp>
+        <p:nvCxnSpPr>
+          <p:cNvPr id="54" name="Straight Arrow Connector 53">
+            <a:extLst>
+              <a:ext uri="{FF2B5EF4-FFF2-40B4-BE49-F238E27FC236}">
+                <a16:creationId xmlns:a16="http://schemas.microsoft.com/office/drawing/2014/main" id="{B0C1D89D-AC17-4472-48C1-9D45C6D22C4B}"/>
+              </a:ext>
+            </a:extLst>
+          </p:cNvPr>
+          <p:cNvCxnSpPr>
+            <a:cxnSpLocks/>
+          </p:cNvCxnSpPr>
+          <p:nvPr/>
+        </p:nvCxnSpPr>
+        <p:spPr>
+          <a:xfrm>
+            <a:off x="5368470" y="3090719"/>
+            <a:ext cx="299623" cy="0"/>
+          </a:xfrm>
+          <a:prstGeom prst="straightConnector1">
+            <a:avLst/>
+          </a:prstGeom>
+          <a:ln w="25400">
+            <a:solidFill>
+              <a:schemeClr val="bg1"/>
+            </a:solidFill>
+            <a:headEnd w="lg" len="lg"/>
+            <a:tailEnd type="triangle"/>
+          </a:ln>
+        </p:spPr>
+        <p:style>
+          <a:lnRef idx="2">
+            <a:schemeClr val="accent1"/>
+          </a:lnRef>
+          <a:fillRef idx="0">
+            <a:schemeClr val="accent1"/>
+          </a:fillRef>
+          <a:effectRef idx="1">
+            <a:schemeClr val="accent1"/>
+          </a:effectRef>
+          <a:fontRef idx="minor">
+            <a:schemeClr val="tx1"/>
+          </a:fontRef>
+        </p:style>
+      </p:cxnSp>
+      <p:sp>
+        <p:nvSpPr>
+          <p:cNvPr id="55" name="TextBox 54">
+            <a:extLst>
+              <a:ext uri="{FF2B5EF4-FFF2-40B4-BE49-F238E27FC236}">
+                <a16:creationId xmlns:a16="http://schemas.microsoft.com/office/drawing/2014/main" id="{74DD900D-99FE-3FE2-D8DF-C10AC2CFC3DE}"/>
+              </a:ext>
+            </a:extLst>
+          </p:cNvPr>
+          <p:cNvSpPr txBox="1"/>
+          <p:nvPr/>
+        </p:nvSpPr>
+        <p:spPr>
+          <a:xfrm>
+            <a:off x="5617524" y="2935505"/>
+            <a:ext cx="460043" cy="307777"/>
+          </a:xfrm>
+          <a:prstGeom prst="rect">
+            <a:avLst/>
+          </a:prstGeom>
+          <a:noFill/>
+        </p:spPr>
+        <p:txBody>
+          <a:bodyPr wrap="square" rtlCol="0">
+            <a:spAutoFit/>
+          </a:bodyPr>
+          <a:lstStyle/>
+          <a:p>
+            <a:pPr marL="0" marR="0" lvl="0" indent="0" algn="l" defTabSz="914400" rtl="0" eaLnBrk="1" fontAlgn="auto" latinLnBrk="0" hangingPunct="1">
+              <a:lnSpc>
+                <a:spcPct val="100000"/>
+              </a:lnSpc>
+              <a:spcBef>
+                <a:spcPts val="0"/>
+              </a:spcBef>
+              <a:spcAft>
+                <a:spcPts val="0"/>
+              </a:spcAft>
+              <a:buClrTx/>
+              <a:buSzTx/>
+              <a:buFontTx/>
+              <a:buNone/>
+              <a:tabLst/>
+              <a:defRPr/>
+            </a:pPr>
+            <a:r>
+              <a:rPr kumimoji="0" lang="en-US" sz="1400" b="0" i="0" u="none" strike="noStrike" kern="1200" cap="none" spc="0" normalizeH="0" baseline="0" noProof="0" dirty="0">
+                <a:ln>
+                  <a:noFill/>
+                </a:ln>
+                <a:solidFill>
+                  <a:prstClr val="white"/>
+                </a:solidFill>
+                <a:effectLst/>
+                <a:uLnTx/>
+                <a:uFillTx/>
+                <a:latin typeface="Aptos" panose="02110004020202020204"/>
+                <a:ea typeface="+mn-ea"/>
+                <a:cs typeface="+mn-cs"/>
+              </a:rPr>
+              <a:t>b</a:t>
+            </a:r>
+          </a:p>
+        </p:txBody>
+      </p:sp>
+      <p:cxnSp>
+        <p:nvCxnSpPr>
+          <p:cNvPr id="67" name="Straight Arrow Connector 66">
+            <a:extLst>
+              <a:ext uri="{FF2B5EF4-FFF2-40B4-BE49-F238E27FC236}">
+                <a16:creationId xmlns:a16="http://schemas.microsoft.com/office/drawing/2014/main" id="{AA287F05-7A37-A6F7-9604-B2E166E3B321}"/>
+              </a:ext>
+            </a:extLst>
+          </p:cNvPr>
+          <p:cNvCxnSpPr>
+            <a:cxnSpLocks/>
+          </p:cNvCxnSpPr>
+          <p:nvPr/>
+        </p:nvCxnSpPr>
+        <p:spPr>
+          <a:xfrm>
+            <a:off x="4898972" y="1541259"/>
+            <a:ext cx="0" cy="505995"/>
+          </a:xfrm>
+          <a:prstGeom prst="straightConnector1">
+            <a:avLst/>
+          </a:prstGeom>
+          <a:ln w="25400">
+            <a:solidFill>
+              <a:schemeClr val="bg1"/>
+            </a:solidFill>
+            <a:headEnd w="lg" len="lg"/>
+            <a:tailEnd type="triangle"/>
+          </a:ln>
+        </p:spPr>
+        <p:style>
+          <a:lnRef idx="2">
+            <a:schemeClr val="accent1"/>
+          </a:lnRef>
+          <a:fillRef idx="0">
+            <a:schemeClr val="accent1"/>
+          </a:fillRef>
+          <a:effectRef idx="1">
+            <a:schemeClr val="accent1"/>
+          </a:effectRef>
+          <a:fontRef idx="minor">
+            <a:schemeClr val="tx1"/>
+          </a:fontRef>
+        </p:style>
+      </p:cxnSp>
+      <p:sp>
+        <p:nvSpPr>
+          <p:cNvPr id="68" name="TextBox 67">
+            <a:extLst>
+              <a:ext uri="{FF2B5EF4-FFF2-40B4-BE49-F238E27FC236}">
+                <a16:creationId xmlns:a16="http://schemas.microsoft.com/office/drawing/2014/main" id="{7669C452-28C3-6EF3-C253-B1DB8FCAA2E1}"/>
+              </a:ext>
+            </a:extLst>
+          </p:cNvPr>
+          <p:cNvSpPr txBox="1"/>
+          <p:nvPr/>
+        </p:nvSpPr>
+        <p:spPr>
+          <a:xfrm>
+            <a:off x="4772230" y="1999331"/>
+            <a:ext cx="460043" cy="307777"/>
+          </a:xfrm>
+          <a:prstGeom prst="rect">
+            <a:avLst/>
+          </a:prstGeom>
+          <a:noFill/>
+        </p:spPr>
+        <p:txBody>
+          <a:bodyPr wrap="square" rtlCol="0">
+            <a:spAutoFit/>
+          </a:bodyPr>
+          <a:lstStyle/>
+          <a:p>
+            <a:pPr marL="0" marR="0" lvl="0" indent="0" algn="l" defTabSz="914400" rtl="0" eaLnBrk="1" fontAlgn="auto" latinLnBrk="0" hangingPunct="1">
+              <a:lnSpc>
+                <a:spcPct val="100000"/>
+              </a:lnSpc>
+              <a:spcBef>
+                <a:spcPts val="0"/>
+              </a:spcBef>
+              <a:spcAft>
+                <a:spcPts val="0"/>
+              </a:spcAft>
+              <a:buClrTx/>
+              <a:buSzTx/>
+              <a:buFontTx/>
+              <a:buNone/>
+              <a:tabLst/>
+              <a:defRPr/>
+            </a:pPr>
+            <a:r>
+              <a:rPr lang="en-US" sz="1400" dirty="0">
+                <a:solidFill>
+                  <a:prstClr val="white"/>
+                </a:solidFill>
+                <a:latin typeface="Aptos" panose="02110004020202020204"/>
+              </a:rPr>
+              <a:t>a</a:t>
+            </a:r>
+            <a:endParaRPr kumimoji="0" lang="en-US" sz="1400" b="0" i="0" u="none" strike="noStrike" kern="1200" cap="none" spc="0" normalizeH="0" baseline="0" noProof="0" dirty="0">
+              <a:ln>
+                <a:noFill/>
+              </a:ln>
+              <a:solidFill>
+                <a:prstClr val="white"/>
+              </a:solidFill>
+              <a:effectLst/>
+              <a:uLnTx/>
+              <a:uFillTx/>
+              <a:latin typeface="Aptos" panose="02110004020202020204"/>
+              <a:ea typeface="+mn-ea"/>
+              <a:cs typeface="+mn-cs"/>
+            </a:endParaRPr>
+          </a:p>
+        </p:txBody>
+      </p:sp>
+      <p:cxnSp>
+        <p:nvCxnSpPr>
+          <p:cNvPr id="72" name="Straight Arrow Connector 71">
+            <a:extLst>
+              <a:ext uri="{FF2B5EF4-FFF2-40B4-BE49-F238E27FC236}">
+                <a16:creationId xmlns:a16="http://schemas.microsoft.com/office/drawing/2014/main" id="{FEF88A96-31A1-1765-88DB-DC4B76DCE894}"/>
+              </a:ext>
+            </a:extLst>
+          </p:cNvPr>
+          <p:cNvCxnSpPr>
+            <a:cxnSpLocks/>
+          </p:cNvCxnSpPr>
+          <p:nvPr/>
+        </p:nvCxnSpPr>
+        <p:spPr>
+          <a:xfrm>
+            <a:off x="5529411" y="1037919"/>
+            <a:ext cx="251224" cy="0"/>
+          </a:xfrm>
+          <a:prstGeom prst="straightConnector1">
+            <a:avLst/>
+          </a:prstGeom>
+          <a:ln w="25400">
+            <a:solidFill>
+              <a:schemeClr val="bg1"/>
+            </a:solidFill>
+            <a:headEnd w="lg" len="lg"/>
+            <a:tailEnd type="triangle"/>
+          </a:ln>
+        </p:spPr>
+        <p:style>
+          <a:lnRef idx="2">
+            <a:schemeClr val="accent1"/>
+          </a:lnRef>
+          <a:fillRef idx="0">
+            <a:schemeClr val="accent1"/>
+          </a:fillRef>
+          <a:effectRef idx="1">
+            <a:schemeClr val="accent1"/>
+          </a:effectRef>
+          <a:fontRef idx="minor">
+            <a:schemeClr val="tx1"/>
+          </a:fontRef>
+        </p:style>
+      </p:cxnSp>
+      <p:sp>
+        <p:nvSpPr>
+          <p:cNvPr id="76" name="TextBox 75">
+            <a:extLst>
+              <a:ext uri="{FF2B5EF4-FFF2-40B4-BE49-F238E27FC236}">
+                <a16:creationId xmlns:a16="http://schemas.microsoft.com/office/drawing/2014/main" id="{23D129C1-AD66-6C34-53F3-9D169B9A3895}"/>
+              </a:ext>
+            </a:extLst>
+          </p:cNvPr>
+          <p:cNvSpPr txBox="1"/>
+          <p:nvPr/>
+        </p:nvSpPr>
+        <p:spPr>
+          <a:xfrm>
+            <a:off x="5730066" y="882705"/>
+            <a:ext cx="460043" cy="307777"/>
+          </a:xfrm>
+          <a:prstGeom prst="rect">
+            <a:avLst/>
+          </a:prstGeom>
+          <a:noFill/>
+        </p:spPr>
+        <p:txBody>
+          <a:bodyPr wrap="square" rtlCol="0">
+            <a:spAutoFit/>
+          </a:bodyPr>
+          <a:lstStyle/>
+          <a:p>
+            <a:pPr marL="0" marR="0" lvl="0" indent="0" algn="l" defTabSz="914400" rtl="0" eaLnBrk="1" fontAlgn="auto" latinLnBrk="0" hangingPunct="1">
+              <a:lnSpc>
+                <a:spcPct val="100000"/>
+              </a:lnSpc>
+              <a:spcBef>
+                <a:spcPts val="0"/>
+              </a:spcBef>
+              <a:spcAft>
+                <a:spcPts val="0"/>
+              </a:spcAft>
+              <a:buClrTx/>
+              <a:buSzTx/>
+              <a:buFontTx/>
+              <a:buNone/>
+              <a:tabLst/>
+              <a:defRPr/>
+            </a:pPr>
+            <a:r>
+              <a:rPr kumimoji="0" lang="en-US" sz="1400" b="0" i="0" u="none" strike="noStrike" kern="1200" cap="none" spc="0" normalizeH="0" baseline="0" noProof="0" dirty="0">
+                <a:ln>
+                  <a:noFill/>
+                </a:ln>
+                <a:solidFill>
+                  <a:prstClr val="white"/>
+                </a:solidFill>
+                <a:effectLst/>
+                <a:uLnTx/>
+                <a:uFillTx/>
+                <a:latin typeface="Aptos" panose="02110004020202020204"/>
+                <a:ea typeface="+mn-ea"/>
+                <a:cs typeface="+mn-cs"/>
+              </a:rPr>
+              <a:t>b</a:t>
+            </a:r>
+          </a:p>
+        </p:txBody>
+      </p:sp>
+    </p:spTree>
+    <p:extLst>
+      <p:ext uri="{BB962C8B-B14F-4D97-AF65-F5344CB8AC3E}">
+        <p14:creationId xmlns:p14="http://schemas.microsoft.com/office/powerpoint/2010/main" val="1281094107"/>
+      </p:ext>
+    </p:extLst>
+  </p:cSld>
+  <p:clrMapOvr>
+    <a:masterClrMapping/>
+  </p:clrMapOvr>
+</p:sld>
+</file>
+
+<file path=ppt/slides/slide2.xml><?xml version="1.0" encoding="utf-8"?>
+<p:sld xmlns:a="http://schemas.openxmlformats.org/drawingml/2006/main" xmlns:r="http://schemas.openxmlformats.org/officeDocument/2006/relationships" xmlns:p="http://schemas.openxmlformats.org/presentationml/2006/main">
+  <p:cSld>
+    <p:bg>
+      <p:bgPr>
+        <a:solidFill>
+          <a:srgbClr val="808080"/>
+        </a:solidFill>
+        <a:effectLst/>
+      </p:bgPr>
+    </p:bg>
+    <p:spTree>
+      <p:nvGrpSpPr>
         <p:cNvPr id="1" name=""/>
         <p:cNvGrpSpPr/>
         <p:nvPr/>
@@ -3337,10 +8690,10 @@
       </p:grpSpPr>
       <p:pic>
         <p:nvPicPr>
-          <p:cNvPr id="5" name="Picture 4" descr="A group of different colors&#10;&#10;AI-generated content may be incorrect.">
-            <a:extLst>
-              <a:ext uri="{FF2B5EF4-FFF2-40B4-BE49-F238E27FC236}">
-                <a16:creationId xmlns:a16="http://schemas.microsoft.com/office/drawing/2014/main" id="{1E5E1977-677C-1A73-C527-2396D405F9A5}"/>
+          <p:cNvPr id="30" name="Picture 29" descr="A colorful cubes stacked together&#10;&#10;AI-generated content may be incorrect.">
+            <a:extLst>
+              <a:ext uri="{FF2B5EF4-FFF2-40B4-BE49-F238E27FC236}">
+                <a16:creationId xmlns:a16="http://schemas.microsoft.com/office/drawing/2014/main" id="{6CC52B02-1CFF-9AF0-CBC4-1580286E3F1D}"/>
               </a:ext>
             </a:extLst>
           </p:cNvPr>
@@ -3350,7 +8703,37 @@
           <p:nvPr/>
         </p:nvPicPr>
         <p:blipFill>
-          <a:blip r:embed="rId2">
+          <a:blip r:embed="rId2"/>
+          <a:stretch>
+            <a:fillRect/>
+          </a:stretch>
+        </p:blipFill>
+        <p:spPr>
+          <a:xfrm>
+            <a:off x="152377" y="3957921"/>
+            <a:ext cx="1617919" cy="1671585"/>
+          </a:xfrm>
+          <a:prstGeom prst="rect">
+            <a:avLst/>
+          </a:prstGeom>
+        </p:spPr>
+      </p:pic>
+      <p:pic>
+        <p:nvPicPr>
+          <p:cNvPr id="5" name="Picture 4" descr="A group of different colors&#10;&#10;AI-generated content may be incorrect.">
+            <a:extLst>
+              <a:ext uri="{FF2B5EF4-FFF2-40B4-BE49-F238E27FC236}">
+                <a16:creationId xmlns:a16="http://schemas.microsoft.com/office/drawing/2014/main" id="{1E5E1977-677C-1A73-C527-2396D405F9A5}"/>
+              </a:ext>
+            </a:extLst>
+          </p:cNvPr>
+          <p:cNvPicPr>
+            <a:picLocks noChangeAspect="1"/>
+          </p:cNvPicPr>
+          <p:nvPr/>
+        </p:nvPicPr>
+        <p:blipFill>
+          <a:blip r:embed="rId3">
             <a:alphaModFix/>
           </a:blip>
           <a:stretch>
@@ -3359,7 +8742,7 @@
         </p:blipFill>
         <p:spPr>
           <a:xfrm>
-            <a:off x="1684379" y="1658075"/>
+            <a:off x="1798679" y="1658075"/>
             <a:ext cx="10269987" cy="4452306"/>
           </a:xfrm>
           <a:prstGeom prst="rect">
@@ -3381,7 +8764,7 @@
         </p:nvGrpSpPr>
         <p:grpSpPr>
           <a:xfrm>
-            <a:off x="595337" y="2336466"/>
+            <a:off x="709637" y="2336466"/>
             <a:ext cx="566194" cy="448288"/>
             <a:chOff x="313953" y="2253934"/>
             <a:chExt cx="649497" cy="514244"/>
@@ -3651,7 +9034,7 @@
         </p:nvSpPr>
         <p:spPr>
           <a:xfrm>
-            <a:off x="1599544" y="2551572"/>
+            <a:off x="1713844" y="2551572"/>
             <a:ext cx="460043" cy="276999"/>
           </a:xfrm>
           <a:prstGeom prst="rect">
@@ -3690,7 +9073,7 @@
         </p:nvCxnSpPr>
         <p:spPr>
           <a:xfrm flipV="1">
-            <a:off x="1819677" y="2370387"/>
+            <a:off x="1933977" y="2370387"/>
             <a:ext cx="0" cy="215620"/>
           </a:xfrm>
           <a:prstGeom prst="line">
@@ -3731,7 +9114,7 @@
         </p:nvSpPr>
         <p:spPr>
           <a:xfrm>
-            <a:off x="11422558" y="2572746"/>
+            <a:off x="11536858" y="2572746"/>
             <a:ext cx="460043" cy="276999"/>
           </a:xfrm>
           <a:prstGeom prst="rect">
@@ -3770,7 +9153,7 @@
         </p:nvCxnSpPr>
         <p:spPr>
           <a:xfrm flipV="1">
-            <a:off x="11642691" y="2391561"/>
+            <a:off x="11756991" y="2391561"/>
             <a:ext cx="0" cy="215620"/>
           </a:xfrm>
           <a:prstGeom prst="line">
@@ -3813,7 +9196,7 @@
         </p:nvCxnSpPr>
         <p:spPr>
           <a:xfrm flipV="1">
-            <a:off x="7505749" y="1711018"/>
+            <a:off x="7620049" y="1711018"/>
             <a:ext cx="0" cy="419407"/>
           </a:xfrm>
           <a:prstGeom prst="straightConnector1">
@@ -3856,7 +9239,7 @@
         </p:nvSpPr>
         <p:spPr>
           <a:xfrm>
-            <a:off x="7375362" y="1410293"/>
+            <a:off x="7489662" y="1410293"/>
             <a:ext cx="460043" cy="307777"/>
           </a:xfrm>
           <a:prstGeom prst="rect">
@@ -3895,7 +9278,7 @@
         </p:nvSpPr>
         <p:spPr>
           <a:xfrm>
-            <a:off x="235130" y="1180851"/>
+            <a:off x="387246" y="1123841"/>
             <a:ext cx="1247457" cy="369332"/>
           </a:xfrm>
           <a:prstGeom prst="rect">
@@ -3936,7 +9319,7 @@
         </p:nvCxnSpPr>
         <p:spPr>
           <a:xfrm>
-            <a:off x="8189784" y="4079605"/>
+            <a:off x="8304084" y="4079605"/>
             <a:ext cx="478631" cy="0"/>
           </a:xfrm>
           <a:prstGeom prst="straightConnector1">
@@ -3979,7 +9362,7 @@
         </p:nvSpPr>
         <p:spPr>
           <a:xfrm>
-            <a:off x="8600414" y="3911430"/>
+            <a:off x="8714714" y="3911430"/>
             <a:ext cx="460043" cy="307777"/>
           </a:xfrm>
           <a:prstGeom prst="rect">
@@ -4020,7 +9403,7 @@
         </p:nvCxnSpPr>
         <p:spPr>
           <a:xfrm flipV="1">
-            <a:off x="7601787" y="3165475"/>
+            <a:off x="7716087" y="3165475"/>
             <a:ext cx="0" cy="473228"/>
           </a:xfrm>
           <a:prstGeom prst="straightConnector1">
@@ -4063,7 +9446,7 @@
         </p:nvSpPr>
         <p:spPr>
           <a:xfrm>
-            <a:off x="7462715" y="2924167"/>
+            <a:off x="7577015" y="2924167"/>
             <a:ext cx="460043" cy="307777"/>
           </a:xfrm>
           <a:prstGeom prst="rect">
@@ -4104,7 +9487,7 @@
         </p:nvCxnSpPr>
         <p:spPr>
           <a:xfrm>
-            <a:off x="8143445" y="2476627"/>
+            <a:off x="8257745" y="2476627"/>
             <a:ext cx="478631" cy="0"/>
           </a:xfrm>
           <a:prstGeom prst="straightConnector1">
@@ -4147,7 +9530,7 @@
         </p:nvSpPr>
         <p:spPr>
           <a:xfrm>
-            <a:off x="8554075" y="2308452"/>
+            <a:off x="8668375" y="2308452"/>
             <a:ext cx="460043" cy="307777"/>
           </a:xfrm>
           <a:prstGeom prst="rect">
@@ -4186,7 +9569,7 @@
         </p:nvSpPr>
         <p:spPr>
           <a:xfrm>
-            <a:off x="215918" y="3125663"/>
+            <a:off x="330218" y="3125663"/>
             <a:ext cx="1242648" cy="369332"/>
           </a:xfrm>
           <a:prstGeom prst="rect">
@@ -4225,7 +9608,7 @@
         </p:nvCxnSpPr>
         <p:spPr>
           <a:xfrm flipV="1">
-            <a:off x="304800" y="2924167"/>
+            <a:off x="419100" y="2924167"/>
             <a:ext cx="11653838" cy="38100"/>
           </a:xfrm>
           <a:prstGeom prst="line">
@@ -4269,7 +9652,7 @@
         </p:nvSpPr>
         <p:spPr>
           <a:xfrm>
-            <a:off x="2104082" y="2608894"/>
+            <a:off x="2218382" y="2608894"/>
             <a:ext cx="460043" cy="215444"/>
           </a:xfrm>
           <a:prstGeom prst="rect">
@@ -4310,7 +9693,7 @@
         </p:nvCxnSpPr>
         <p:spPr>
           <a:xfrm flipV="1">
-            <a:off x="2324215" y="2544237"/>
+            <a:off x="2438515" y="2544237"/>
             <a:ext cx="0" cy="99092"/>
           </a:xfrm>
           <a:prstGeom prst="line">
@@ -4351,7 +9734,7 @@
         </p:nvSpPr>
         <p:spPr>
           <a:xfrm>
-            <a:off x="2733929" y="2607181"/>
+            <a:off x="2848229" y="2607181"/>
             <a:ext cx="460043" cy="215444"/>
           </a:xfrm>
           <a:prstGeom prst="rect">
@@ -4392,7 +9775,7 @@
         </p:nvCxnSpPr>
         <p:spPr>
           <a:xfrm flipV="1">
-            <a:off x="2954062" y="2542524"/>
+            <a:off x="3068362" y="2542524"/>
             <a:ext cx="0" cy="99092"/>
           </a:xfrm>
           <a:prstGeom prst="line">
@@ -4433,7 +9816,7 @@
         </p:nvSpPr>
         <p:spPr>
           <a:xfrm>
-            <a:off x="3490663" y="2610356"/>
+            <a:off x="3604963" y="2610356"/>
             <a:ext cx="460043" cy="215444"/>
           </a:xfrm>
           <a:prstGeom prst="rect">
@@ -4474,7 +9857,7 @@
         </p:nvCxnSpPr>
         <p:spPr>
           <a:xfrm flipV="1">
-            <a:off x="3710796" y="2572746"/>
+            <a:off x="3825096" y="2572746"/>
             <a:ext cx="0" cy="72045"/>
           </a:xfrm>
           <a:prstGeom prst="line">
@@ -4515,7 +9898,7 @@
         </p:nvSpPr>
         <p:spPr>
           <a:xfrm>
-            <a:off x="4363985" y="2618333"/>
+            <a:off x="4478285" y="2618333"/>
             <a:ext cx="460043" cy="215444"/>
           </a:xfrm>
           <a:prstGeom prst="rect">
@@ -4556,7 +9939,7 @@
         </p:nvCxnSpPr>
         <p:spPr>
           <a:xfrm flipV="1">
-            <a:off x="4584118" y="2586007"/>
+            <a:off x="4698418" y="2586007"/>
             <a:ext cx="0" cy="66761"/>
           </a:xfrm>
           <a:prstGeom prst="line">
@@ -4597,7 +9980,7 @@
         </p:nvSpPr>
         <p:spPr>
           <a:xfrm>
-            <a:off x="5379285" y="2616229"/>
+            <a:off x="5493585" y="2616229"/>
             <a:ext cx="460043" cy="215444"/>
           </a:xfrm>
           <a:prstGeom prst="rect">
@@ -4638,7 +10021,7 @@
         </p:nvCxnSpPr>
         <p:spPr>
           <a:xfrm flipV="1">
-            <a:off x="5599418" y="2572746"/>
+            <a:off x="5713718" y="2572746"/>
             <a:ext cx="0" cy="77918"/>
           </a:xfrm>
           <a:prstGeom prst="line">
@@ -4679,7 +10062,7 @@
         </p:nvSpPr>
         <p:spPr>
           <a:xfrm>
-            <a:off x="6506713" y="2623537"/>
+            <a:off x="6621013" y="2623537"/>
             <a:ext cx="460043" cy="215444"/>
           </a:xfrm>
           <a:prstGeom prst="rect">
@@ -4720,7 +10103,7 @@
         </p:nvCxnSpPr>
         <p:spPr>
           <a:xfrm flipV="1">
-            <a:off x="6726846" y="2572746"/>
+            <a:off x="6841146" y="2572746"/>
             <a:ext cx="0" cy="85226"/>
           </a:xfrm>
           <a:prstGeom prst="line">
@@ -4761,7 +10144,7 @@
         </p:nvSpPr>
         <p:spPr>
           <a:xfrm>
-            <a:off x="7885147" y="2617163"/>
+            <a:off x="7999447" y="2617163"/>
             <a:ext cx="460043" cy="215444"/>
           </a:xfrm>
           <a:prstGeom prst="rect">
@@ -4802,7 +10185,7 @@
         </p:nvCxnSpPr>
         <p:spPr>
           <a:xfrm flipV="1">
-            <a:off x="8105280" y="2552506"/>
+            <a:off x="8219580" y="2552506"/>
             <a:ext cx="0" cy="99092"/>
           </a:xfrm>
           <a:prstGeom prst="line">
@@ -4843,7 +10226,7 @@
         </p:nvSpPr>
         <p:spPr>
           <a:xfrm>
-            <a:off x="9300527" y="2617163"/>
+            <a:off x="9414827" y="2617163"/>
             <a:ext cx="460043" cy="215444"/>
           </a:xfrm>
           <a:prstGeom prst="rect">
@@ -4884,7 +10267,7 @@
         </p:nvCxnSpPr>
         <p:spPr>
           <a:xfrm flipV="1">
-            <a:off x="9520660" y="2552506"/>
+            <a:off x="9634960" y="2552506"/>
             <a:ext cx="0" cy="99092"/>
           </a:xfrm>
           <a:prstGeom prst="line">
@@ -4925,7 +10308,7 @@
         </p:nvSpPr>
         <p:spPr>
           <a:xfrm>
-            <a:off x="10675567" y="2627029"/>
+            <a:off x="10789867" y="2627029"/>
             <a:ext cx="460043" cy="215444"/>
           </a:xfrm>
           <a:prstGeom prst="rect">
@@ -4966,7 +10349,7 @@
         </p:nvCxnSpPr>
         <p:spPr>
           <a:xfrm flipV="1">
-            <a:off x="10895700" y="2562372"/>
+            <a:off x="11010000" y="2562372"/>
             <a:ext cx="0" cy="99092"/>
           </a:xfrm>
           <a:prstGeom prst="line">
@@ -5007,7 +10390,7 @@
         </p:nvSpPr>
         <p:spPr>
           <a:xfrm>
-            <a:off x="1581897" y="4139106"/>
+            <a:off x="1696197" y="4139106"/>
             <a:ext cx="460043" cy="276999"/>
           </a:xfrm>
           <a:prstGeom prst="rect">
@@ -5046,7 +10429,7 @@
         </p:nvCxnSpPr>
         <p:spPr>
           <a:xfrm flipV="1">
-            <a:off x="1802030" y="3957921"/>
+            <a:off x="1916330" y="3957921"/>
             <a:ext cx="0" cy="215620"/>
           </a:xfrm>
           <a:prstGeom prst="line">
@@ -5087,7 +10470,7 @@
         </p:nvSpPr>
         <p:spPr>
           <a:xfrm>
-            <a:off x="11456982" y="4163455"/>
+            <a:off x="11571282" y="4163455"/>
             <a:ext cx="460043" cy="276999"/>
           </a:xfrm>
           <a:prstGeom prst="rect">
@@ -5126,7 +10509,7 @@
         </p:nvCxnSpPr>
         <p:spPr>
           <a:xfrm flipV="1">
-            <a:off x="11677115" y="3982270"/>
+            <a:off x="11791415" y="3982270"/>
             <a:ext cx="0" cy="215620"/>
           </a:xfrm>
           <a:prstGeom prst="line">
@@ -5167,7 +10550,7 @@
         </p:nvSpPr>
         <p:spPr>
           <a:xfrm>
-            <a:off x="2066168" y="4196428"/>
+            <a:off x="2180468" y="4196428"/>
             <a:ext cx="460043" cy="215444"/>
           </a:xfrm>
           <a:prstGeom prst="rect">
@@ -5208,7 +10591,7 @@
         </p:nvCxnSpPr>
         <p:spPr>
           <a:xfrm flipV="1">
-            <a:off x="2286301" y="4131771"/>
+            <a:off x="2400601" y="4131771"/>
             <a:ext cx="0" cy="99092"/>
           </a:xfrm>
           <a:prstGeom prst="line">
@@ -5249,7 +10632,7 @@
         </p:nvSpPr>
         <p:spPr>
           <a:xfrm>
-            <a:off x="2727466" y="4194715"/>
+            <a:off x="2841766" y="4194715"/>
             <a:ext cx="460043" cy="215444"/>
           </a:xfrm>
           <a:prstGeom prst="rect">
@@ -5290,7 +10673,7 @@
         </p:nvCxnSpPr>
         <p:spPr>
           <a:xfrm flipV="1">
-            <a:off x="2947599" y="4130058"/>
+            <a:off x="3061899" y="4130058"/>
             <a:ext cx="0" cy="99092"/>
           </a:xfrm>
           <a:prstGeom prst="line">
@@ -5331,7 +10714,7 @@
         </p:nvSpPr>
         <p:spPr>
           <a:xfrm>
-            <a:off x="3492398" y="4194715"/>
+            <a:off x="3606698" y="4194715"/>
             <a:ext cx="460043" cy="215444"/>
           </a:xfrm>
           <a:prstGeom prst="rect">
@@ -5372,7 +10755,7 @@
         </p:nvCxnSpPr>
         <p:spPr>
           <a:xfrm flipV="1">
-            <a:off x="3712531" y="4130058"/>
+            <a:off x="3826831" y="4130058"/>
             <a:ext cx="0" cy="99092"/>
           </a:xfrm>
           <a:prstGeom prst="line">
@@ -5413,7 +10796,7 @@
         </p:nvSpPr>
         <p:spPr>
           <a:xfrm>
-            <a:off x="4435442" y="4205867"/>
+            <a:off x="4549742" y="4205867"/>
             <a:ext cx="460043" cy="215444"/>
           </a:xfrm>
           <a:prstGeom prst="rect">
@@ -5454,7 +10837,7 @@
         </p:nvCxnSpPr>
         <p:spPr>
           <a:xfrm flipV="1">
-            <a:off x="4655575" y="4141210"/>
+            <a:off x="4769875" y="4141210"/>
             <a:ext cx="0" cy="99092"/>
           </a:xfrm>
           <a:prstGeom prst="line">
@@ -5495,7 +10878,7 @@
         </p:nvSpPr>
         <p:spPr>
           <a:xfrm>
-            <a:off x="5490789" y="4203763"/>
+            <a:off x="5605089" y="4203763"/>
             <a:ext cx="460043" cy="215444"/>
           </a:xfrm>
           <a:prstGeom prst="rect">
@@ -5536,7 +10919,7 @@
         </p:nvCxnSpPr>
         <p:spPr>
           <a:xfrm flipV="1">
-            <a:off x="5710922" y="4139106"/>
+            <a:off x="5825222" y="4139106"/>
             <a:ext cx="0" cy="99092"/>
           </a:xfrm>
           <a:prstGeom prst="line">
@@ -5577,7 +10960,7 @@
         </p:nvSpPr>
         <p:spPr>
           <a:xfrm>
-            <a:off x="6655925" y="4211071"/>
+            <a:off x="6770225" y="4211071"/>
             <a:ext cx="460043" cy="215444"/>
           </a:xfrm>
           <a:prstGeom prst="rect">
@@ -5618,7 +11001,7 @@
         </p:nvCxnSpPr>
         <p:spPr>
           <a:xfrm flipV="1">
-            <a:off x="6876058" y="4146414"/>
+            <a:off x="6990358" y="4146414"/>
             <a:ext cx="0" cy="99092"/>
           </a:xfrm>
           <a:prstGeom prst="line">
@@ -5659,7 +11042,7 @@
         </p:nvSpPr>
         <p:spPr>
           <a:xfrm>
-            <a:off x="7967208" y="4204697"/>
+            <a:off x="8081508" y="4204697"/>
             <a:ext cx="460043" cy="215444"/>
           </a:xfrm>
           <a:prstGeom prst="rect">
@@ -5700,7 +11083,7 @@
         </p:nvCxnSpPr>
         <p:spPr>
           <a:xfrm flipV="1">
-            <a:off x="8187341" y="4140040"/>
+            <a:off x="8301641" y="4140040"/>
             <a:ext cx="0" cy="99092"/>
           </a:xfrm>
           <a:prstGeom prst="line">
@@ -5741,7 +11124,7 @@
         </p:nvSpPr>
         <p:spPr>
           <a:xfrm>
-            <a:off x="9378354" y="4204697"/>
+            <a:off x="9492654" y="4204697"/>
             <a:ext cx="460043" cy="215444"/>
           </a:xfrm>
           <a:prstGeom prst="rect">
@@ -5782,7 +11165,7 @@
         </p:nvCxnSpPr>
         <p:spPr>
           <a:xfrm flipV="1">
-            <a:off x="9598487" y="4140040"/>
+            <a:off x="9712787" y="4140040"/>
             <a:ext cx="0" cy="99092"/>
           </a:xfrm>
           <a:prstGeom prst="line">
@@ -5823,7 +11206,7 @@
         </p:nvSpPr>
         <p:spPr>
           <a:xfrm>
-            <a:off x="10666382" y="4214563"/>
+            <a:off x="10780682" y="4214563"/>
             <a:ext cx="460043" cy="215444"/>
           </a:xfrm>
           <a:prstGeom prst="rect">
@@ -5864,7 +11247,7 @@
         </p:nvCxnSpPr>
         <p:spPr>
           <a:xfrm flipV="1">
-            <a:off x="10886515" y="4149906"/>
+            <a:off x="11000815" y="4149906"/>
             <a:ext cx="0" cy="99092"/>
           </a:xfrm>
           <a:prstGeom prst="line">
@@ -5907,7 +11290,7 @@
         </p:nvCxnSpPr>
         <p:spPr>
           <a:xfrm>
-            <a:off x="5718169" y="3648752"/>
+            <a:off x="5832469" y="3648752"/>
             <a:ext cx="444026" cy="0"/>
           </a:xfrm>
           <a:prstGeom prst="straightConnector1">
@@ -5950,7 +11333,7 @@
         </p:nvSpPr>
         <p:spPr>
           <a:xfrm>
-            <a:off x="6079835" y="3480422"/>
+            <a:off x="6194135" y="3480422"/>
             <a:ext cx="285650" cy="307777"/>
           </a:xfrm>
           <a:prstGeom prst="rect">
@@ -5989,7 +11372,7 @@
         </p:nvSpPr>
         <p:spPr>
           <a:xfrm>
-            <a:off x="5314627" y="3167977"/>
+            <a:off x="5428927" y="3167977"/>
             <a:ext cx="847568" cy="847568"/>
           </a:xfrm>
           <a:prstGeom prst="arc">
@@ -6043,7 +11426,7 @@
         </p:nvSpPr>
         <p:spPr>
           <a:xfrm>
-            <a:off x="5545026" y="3002436"/>
+            <a:off x="5659326" y="3002436"/>
             <a:ext cx="460043" cy="307777"/>
           </a:xfrm>
           <a:prstGeom prst="rect">
@@ -6082,7 +11465,7 @@
         </p:nvGrpSpPr>
         <p:grpSpPr>
           <a:xfrm>
-            <a:off x="413414" y="5453005"/>
+            <a:off x="668445" y="3475944"/>
             <a:ext cx="566194" cy="448288"/>
             <a:chOff x="313953" y="2253934"/>
             <a:chExt cx="649497" cy="514244"/>
@@ -6352,7 +11735,7 @@
         </p:nvGrpSpPr>
         <p:grpSpPr>
           <a:xfrm>
-            <a:off x="417428" y="6074842"/>
+            <a:off x="703041" y="5560855"/>
             <a:ext cx="563415" cy="783158"/>
             <a:chOff x="728985" y="5453006"/>
             <a:chExt cx="563415" cy="783158"/>
@@ -6633,7 +12016,7 @@
         </p:nvSpPr>
         <p:spPr>
           <a:xfrm>
-            <a:off x="1542412" y="6342681"/>
+            <a:off x="1656712" y="6342681"/>
             <a:ext cx="460043" cy="276999"/>
           </a:xfrm>
           <a:prstGeom prst="rect">
@@ -6672,7 +12055,7 @@
         </p:nvCxnSpPr>
         <p:spPr>
           <a:xfrm flipV="1">
-            <a:off x="1762545" y="6161496"/>
+            <a:off x="1876845" y="6161496"/>
             <a:ext cx="0" cy="215620"/>
           </a:xfrm>
           <a:prstGeom prst="line">
@@ -6713,7 +12096,7 @@
         </p:nvSpPr>
         <p:spPr>
           <a:xfrm>
-            <a:off x="2212501" y="6342681"/>
+            <a:off x="2326801" y="6342681"/>
             <a:ext cx="627292" cy="276999"/>
           </a:xfrm>
           <a:prstGeom prst="rect">
@@ -6752,7 +12135,7 @@
         </p:nvCxnSpPr>
         <p:spPr>
           <a:xfrm flipV="1">
-            <a:off x="2469913" y="6157632"/>
+            <a:off x="2584213" y="6157632"/>
             <a:ext cx="0" cy="215620"/>
           </a:xfrm>
           <a:prstGeom prst="line">
@@ -6793,7 +12176,7 @@
         </p:nvSpPr>
         <p:spPr>
           <a:xfrm>
-            <a:off x="3749949" y="6346545"/>
+            <a:off x="3864249" y="6346545"/>
             <a:ext cx="627292" cy="276999"/>
           </a:xfrm>
           <a:prstGeom prst="rect">
@@ -6832,7 +12215,7 @@
         </p:nvCxnSpPr>
         <p:spPr>
           <a:xfrm flipV="1">
-            <a:off x="4007361" y="6161496"/>
+            <a:off x="4121661" y="6161496"/>
             <a:ext cx="0" cy="215620"/>
           </a:xfrm>
           <a:prstGeom prst="line">
@@ -6873,7 +12256,7 @@
         </p:nvSpPr>
         <p:spPr>
           <a:xfrm>
-            <a:off x="6118795" y="6346545"/>
+            <a:off x="6233095" y="6346545"/>
             <a:ext cx="627292" cy="276999"/>
           </a:xfrm>
           <a:prstGeom prst="rect">
@@ -6912,7 +12295,7 @@
         </p:nvCxnSpPr>
         <p:spPr>
           <a:xfrm flipV="1">
-            <a:off x="6376207" y="6161496"/>
+            <a:off x="6490507" y="6161496"/>
             <a:ext cx="0" cy="215620"/>
           </a:xfrm>
           <a:prstGeom prst="line">
@@ -6953,7 +12336,7 @@
         </p:nvSpPr>
         <p:spPr>
           <a:xfrm>
-            <a:off x="9537416" y="6346545"/>
+            <a:off x="9651716" y="6346545"/>
             <a:ext cx="627292" cy="276999"/>
           </a:xfrm>
           <a:prstGeom prst="rect">
@@ -6992,7 +12375,7 @@
         </p:nvCxnSpPr>
         <p:spPr>
           <a:xfrm flipV="1">
-            <a:off x="9794828" y="6161496"/>
+            <a:off x="9909128" y="6161496"/>
             <a:ext cx="0" cy="215620"/>
           </a:xfrm>
           <a:prstGeom prst="line">
@@ -7033,7 +12416,7 @@
         </p:nvSpPr>
         <p:spPr>
           <a:xfrm>
-            <a:off x="11437868" y="6338817"/>
+            <a:off x="11552168" y="6338817"/>
             <a:ext cx="627292" cy="276999"/>
           </a:xfrm>
           <a:prstGeom prst="rect">
@@ -7072,7 +12455,7 @@
         </p:nvCxnSpPr>
         <p:spPr>
           <a:xfrm flipV="1">
-            <a:off x="11695280" y="6153768"/>
+            <a:off x="11809580" y="6153768"/>
             <a:ext cx="0" cy="215620"/>
           </a:xfrm>
           <a:prstGeom prst="line">
@@ -7115,7 +12498,7 @@
         </p:nvCxnSpPr>
         <p:spPr>
           <a:xfrm flipV="1">
-            <a:off x="5034084" y="4813300"/>
+            <a:off x="5148384" y="4813300"/>
             <a:ext cx="0" cy="1127369"/>
           </a:xfrm>
           <a:prstGeom prst="straightConnector1">
@@ -7158,7 +12541,7 @@
         </p:nvSpPr>
         <p:spPr>
           <a:xfrm>
-            <a:off x="4903697" y="4565183"/>
+            <a:off x="5017997" y="4565183"/>
             <a:ext cx="460043" cy="307777"/>
           </a:xfrm>
           <a:prstGeom prst="rect">
@@ -7200,7 +12583,7 @@
         </p:nvCxnSpPr>
         <p:spPr>
           <a:xfrm>
-            <a:off x="5135033" y="6003744"/>
+            <a:off x="5249333" y="6003744"/>
             <a:ext cx="2437970" cy="0"/>
           </a:xfrm>
           <a:prstGeom prst="straightConnector1">
@@ -7243,7 +12626,7 @@
         </p:nvSpPr>
         <p:spPr>
           <a:xfrm>
-            <a:off x="7573003" y="5849855"/>
+            <a:off x="7687303" y="5849855"/>
             <a:ext cx="460043" cy="307777"/>
           </a:xfrm>
           <a:prstGeom prst="rect">
@@ -7270,10 +12653,10 @@
       </p:sp>
       <p:pic>
         <p:nvPicPr>
-          <p:cNvPr id="3" name="Picture 2" descr="A colorful cubes stacked together&#10;&#10;AI-generated content may be incorrect.">
-            <a:extLst>
-              <a:ext uri="{FF2B5EF4-FFF2-40B4-BE49-F238E27FC236}">
-                <a16:creationId xmlns:a16="http://schemas.microsoft.com/office/drawing/2014/main" id="{31A9C12A-00EC-1B79-325C-A4C343B49C46}"/>
+          <p:cNvPr id="24" name="Picture 23" descr="A colorful cubes stacked together&#10;&#10;AI-generated content may be incorrect.">
+            <a:extLst>
+              <a:ext uri="{FF2B5EF4-FFF2-40B4-BE49-F238E27FC236}">
+                <a16:creationId xmlns:a16="http://schemas.microsoft.com/office/drawing/2014/main" id="{AAA608E2-9E9B-3B13-EFBC-B848CB3C02C8}"/>
               </a:ext>
             </a:extLst>
           </p:cNvPr>
@@ -7283,15 +12666,15 @@
           <p:nvPr/>
         </p:nvPicPr>
         <p:blipFill>
-          <a:blip r:embed="rId3"/>
+          <a:blip r:embed="rId4"/>
           <a:stretch>
             <a:fillRect/>
           </a:stretch>
         </p:blipFill>
         <p:spPr>
           <a:xfrm>
-            <a:off x="555964" y="1567611"/>
-            <a:ext cx="713442" cy="770311"/>
+            <a:off x="604506" y="1493173"/>
+            <a:ext cx="812939" cy="844750"/>
           </a:xfrm>
           <a:prstGeom prst="rect">
             <a:avLst/>
@@ -7311,7 +12694,7 @@
 </p:sld>
 </file>
 
-<file path=ppt/slides/slide2.xml><?xml version="1.0" encoding="utf-8"?>
+<file path=ppt/slides/slide3.xml><?xml version="1.0" encoding="utf-8"?>
 <p:sld xmlns:a="http://schemas.openxmlformats.org/drawingml/2006/main" xmlns:r="http://schemas.openxmlformats.org/officeDocument/2006/relationships" xmlns:p="http://schemas.openxmlformats.org/presentationml/2006/main">
   <p:cSld>
     <p:bg>

--- a/color_spaces/oklab_vs_oklch.pptx
+++ b/color_spaces/oklab_vs_oklch.pptx
@@ -261,7 +261,7 @@
           <a:p>
             <a:fld id="{EEDB5FBA-DE23-4835-A853-3EE2941C2EB8}" type="datetimeFigureOut">
               <a:rPr lang="en-US" smtClean="0"/>
-              <a:t>12/19/2025</a:t>
+              <a:t>12/21/2025</a:t>
             </a:fld>
             <a:endParaRPr lang="en-US"/>
           </a:p>
@@ -459,7 +459,7 @@
           <a:p>
             <a:fld id="{EEDB5FBA-DE23-4835-A853-3EE2941C2EB8}" type="datetimeFigureOut">
               <a:rPr lang="en-US" smtClean="0"/>
-              <a:t>12/19/2025</a:t>
+              <a:t>12/21/2025</a:t>
             </a:fld>
             <a:endParaRPr lang="en-US"/>
           </a:p>
@@ -667,7 +667,7 @@
           <a:p>
             <a:fld id="{EEDB5FBA-DE23-4835-A853-3EE2941C2EB8}" type="datetimeFigureOut">
               <a:rPr lang="en-US" smtClean="0"/>
-              <a:t>12/19/2025</a:t>
+              <a:t>12/21/2025</a:t>
             </a:fld>
             <a:endParaRPr lang="en-US"/>
           </a:p>
@@ -865,7 +865,7 @@
           <a:p>
             <a:fld id="{EEDB5FBA-DE23-4835-A853-3EE2941C2EB8}" type="datetimeFigureOut">
               <a:rPr lang="en-US" smtClean="0"/>
-              <a:t>12/19/2025</a:t>
+              <a:t>12/21/2025</a:t>
             </a:fld>
             <a:endParaRPr lang="en-US"/>
           </a:p>
@@ -1140,7 +1140,7 @@
           <a:p>
             <a:fld id="{EEDB5FBA-DE23-4835-A853-3EE2941C2EB8}" type="datetimeFigureOut">
               <a:rPr lang="en-US" smtClean="0"/>
-              <a:t>12/19/2025</a:t>
+              <a:t>12/21/2025</a:t>
             </a:fld>
             <a:endParaRPr lang="en-US"/>
           </a:p>
@@ -1405,7 +1405,7 @@
           <a:p>
             <a:fld id="{EEDB5FBA-DE23-4835-A853-3EE2941C2EB8}" type="datetimeFigureOut">
               <a:rPr lang="en-US" smtClean="0"/>
-              <a:t>12/19/2025</a:t>
+              <a:t>12/21/2025</a:t>
             </a:fld>
             <a:endParaRPr lang="en-US"/>
           </a:p>
@@ -1817,7 +1817,7 @@
           <a:p>
             <a:fld id="{EEDB5FBA-DE23-4835-A853-3EE2941C2EB8}" type="datetimeFigureOut">
               <a:rPr lang="en-US" smtClean="0"/>
-              <a:t>12/19/2025</a:t>
+              <a:t>12/21/2025</a:t>
             </a:fld>
             <a:endParaRPr lang="en-US"/>
           </a:p>
@@ -1958,7 +1958,7 @@
           <a:p>
             <a:fld id="{EEDB5FBA-DE23-4835-A853-3EE2941C2EB8}" type="datetimeFigureOut">
               <a:rPr lang="en-US" smtClean="0"/>
-              <a:t>12/19/2025</a:t>
+              <a:t>12/21/2025</a:t>
             </a:fld>
             <a:endParaRPr lang="en-US"/>
           </a:p>
@@ -2071,7 +2071,7 @@
           <a:p>
             <a:fld id="{EEDB5FBA-DE23-4835-A853-3EE2941C2EB8}" type="datetimeFigureOut">
               <a:rPr lang="en-US" smtClean="0"/>
-              <a:t>12/19/2025</a:t>
+              <a:t>12/21/2025</a:t>
             </a:fld>
             <a:endParaRPr lang="en-US"/>
           </a:p>
@@ -2382,7 +2382,7 @@
           <a:p>
             <a:fld id="{EEDB5FBA-DE23-4835-A853-3EE2941C2EB8}" type="datetimeFigureOut">
               <a:rPr lang="en-US" smtClean="0"/>
-              <a:t>12/19/2025</a:t>
+              <a:t>12/21/2025</a:t>
             </a:fld>
             <a:endParaRPr lang="en-US"/>
           </a:p>
@@ -2670,7 +2670,7 @@
           <a:p>
             <a:fld id="{EEDB5FBA-DE23-4835-A853-3EE2941C2EB8}" type="datetimeFigureOut">
               <a:rPr lang="en-US" smtClean="0"/>
-              <a:t>12/19/2025</a:t>
+              <a:t>12/21/2025</a:t>
             </a:fld>
             <a:endParaRPr lang="en-US"/>
           </a:p>
@@ -2911,7 +2911,7 @@
           <a:p>
             <a:fld id="{EEDB5FBA-DE23-4835-A853-3EE2941C2EB8}" type="datetimeFigureOut">
               <a:rPr lang="en-US" smtClean="0"/>
-              <a:t>12/19/2025</a:t>
+              <a:t>12/21/2025</a:t>
             </a:fld>
             <a:endParaRPr lang="en-US"/>
           </a:p>
@@ -6053,7 +6053,7 @@
                 <a:ea typeface="+mn-ea"/>
                 <a:cs typeface="+mn-cs"/>
               </a:rPr>
-              <a:t>c</a:t>
+              <a:t>h</a:t>
             </a:r>
           </a:p>
         </p:txBody>
@@ -6201,7 +6201,7 @@
                 <a:ea typeface="+mn-ea"/>
                 <a:cs typeface="+mn-cs"/>
               </a:rPr>
-              <a:t>h</a:t>
+              <a:t>c</a:t>
             </a:r>
           </a:p>
         </p:txBody>
@@ -6439,7 +6439,7 @@
                   <a:ea typeface="+mn-ea"/>
                   <a:cs typeface="+mn-cs"/>
                 </a:rPr>
-                <a:t>c</a:t>
+                <a:t>h</a:t>
               </a:r>
             </a:p>
           </p:txBody>
@@ -6504,7 +6504,7 @@
                   <a:ea typeface="+mn-ea"/>
                   <a:cs typeface="+mn-cs"/>
                 </a:rPr>
-                <a:t>h</a:t>
+                <a:t>c</a:t>
               </a:r>
             </a:p>
           </p:txBody>

--- a/color_spaces/oklab_vs_oklch.pptx
+++ b/color_spaces/oklab_vs_oklch.pptx
@@ -3630,7 +3630,7 @@
         </p:nvSpPr>
         <p:spPr>
           <a:xfrm>
-            <a:off x="43937" y="405906"/>
+            <a:off x="79259" y="405672"/>
             <a:ext cx="1247457" cy="369332"/>
           </a:xfrm>
           <a:prstGeom prst="rect">
@@ -3762,8 +3762,8 @@
         </p:nvCxnSpPr>
         <p:spPr>
           <a:xfrm flipV="1">
-            <a:off x="79259" y="2713521"/>
-            <a:ext cx="11993679" cy="39211"/>
+            <a:off x="150920" y="2713521"/>
+            <a:ext cx="11922018" cy="38977"/>
           </a:xfrm>
           <a:prstGeom prst="line">
             <a:avLst/>
@@ -4778,7 +4778,7 @@
         </p:nvSpPr>
         <p:spPr>
           <a:xfrm>
-            <a:off x="1655407" y="4357288"/>
+            <a:off x="1655407" y="4419433"/>
             <a:ext cx="460043" cy="276999"/>
           </a:xfrm>
           <a:prstGeom prst="rect">
